--- a/Presentation/Microservices2.pptx
+++ b/Presentation/Microservices2.pptx
@@ -5,16 +5,18 @@
     <p:sldMasterId id="2147483762" r:id="rId1"/>
   </p:sldMasterIdLst>
   <p:notesMasterIdLst>
-    <p:notesMasterId r:id="rId6"/>
+    <p:notesMasterId r:id="rId8"/>
   </p:notesMasterIdLst>
   <p:handoutMasterIdLst>
-    <p:handoutMasterId r:id="rId7"/>
+    <p:handoutMasterId r:id="rId9"/>
   </p:handoutMasterIdLst>
   <p:sldIdLst>
     <p:sldId id="256" r:id="rId2"/>
     <p:sldId id="273" r:id="rId3"/>
     <p:sldId id="275" r:id="rId4"/>
-    <p:sldId id="274" r:id="rId5"/>
+    <p:sldId id="276" r:id="rId5"/>
+    <p:sldId id="274" r:id="rId6"/>
+    <p:sldId id="277" r:id="rId7"/>
   </p:sldIdLst>
   <p:sldSz cx="12192000" cy="6858000"/>
   <p:notesSz cx="6858000" cy="9144000"/>
@@ -125,6 +127,753 @@
 </file>
 
 <file path=ppt/diagrams/colors1.xml><?xml version="1.0" encoding="utf-8"?>
+<dgm:colorsDef xmlns:dgm="http://schemas.openxmlformats.org/drawingml/2006/diagram" xmlns:a="http://schemas.openxmlformats.org/drawingml/2006/main" uniqueId="urn:microsoft.com/office/officeart/2005/8/colors/accent1_2">
+  <dgm:title val=""/>
+  <dgm:desc val=""/>
+  <dgm:catLst>
+    <dgm:cat type="accent1" pri="11200"/>
+  </dgm:catLst>
+  <dgm:styleLbl name="node0">
+    <dgm:fillClrLst meth="repeat">
+      <a:schemeClr val="accent1"/>
+    </dgm:fillClrLst>
+    <dgm:linClrLst meth="repeat">
+      <a:schemeClr val="lt1"/>
+    </dgm:linClrLst>
+    <dgm:effectClrLst/>
+    <dgm:txLinClrLst/>
+    <dgm:txFillClrLst/>
+    <dgm:txEffectClrLst/>
+  </dgm:styleLbl>
+  <dgm:styleLbl name="alignNode1">
+    <dgm:fillClrLst meth="repeat">
+      <a:schemeClr val="accent1"/>
+    </dgm:fillClrLst>
+    <dgm:linClrLst meth="repeat">
+      <a:schemeClr val="accent1"/>
+    </dgm:linClrLst>
+    <dgm:effectClrLst/>
+    <dgm:txLinClrLst/>
+    <dgm:txFillClrLst/>
+    <dgm:txEffectClrLst/>
+  </dgm:styleLbl>
+  <dgm:styleLbl name="node1">
+    <dgm:fillClrLst meth="repeat">
+      <a:schemeClr val="accent1"/>
+    </dgm:fillClrLst>
+    <dgm:linClrLst meth="repeat">
+      <a:schemeClr val="lt1"/>
+    </dgm:linClrLst>
+    <dgm:effectClrLst/>
+    <dgm:txLinClrLst/>
+    <dgm:txFillClrLst/>
+    <dgm:txEffectClrLst/>
+  </dgm:styleLbl>
+  <dgm:styleLbl name="lnNode1">
+    <dgm:fillClrLst meth="repeat">
+      <a:schemeClr val="accent1"/>
+    </dgm:fillClrLst>
+    <dgm:linClrLst meth="repeat">
+      <a:schemeClr val="lt1"/>
+    </dgm:linClrLst>
+    <dgm:effectClrLst/>
+    <dgm:txLinClrLst/>
+    <dgm:txFillClrLst/>
+    <dgm:txEffectClrLst/>
+  </dgm:styleLbl>
+  <dgm:styleLbl name="vennNode1">
+    <dgm:fillClrLst meth="repeat">
+      <a:schemeClr val="accent1">
+        <a:alpha val="50000"/>
+      </a:schemeClr>
+    </dgm:fillClrLst>
+    <dgm:linClrLst meth="repeat">
+      <a:schemeClr val="lt1"/>
+    </dgm:linClrLst>
+    <dgm:effectClrLst/>
+    <dgm:txLinClrLst/>
+    <dgm:txFillClrLst/>
+    <dgm:txEffectClrLst/>
+  </dgm:styleLbl>
+  <dgm:styleLbl name="node2">
+    <dgm:fillClrLst meth="repeat">
+      <a:schemeClr val="accent1"/>
+    </dgm:fillClrLst>
+    <dgm:linClrLst meth="repeat">
+      <a:schemeClr val="lt1"/>
+    </dgm:linClrLst>
+    <dgm:effectClrLst/>
+    <dgm:txLinClrLst/>
+    <dgm:txFillClrLst/>
+    <dgm:txEffectClrLst/>
+  </dgm:styleLbl>
+  <dgm:styleLbl name="node3">
+    <dgm:fillClrLst meth="repeat">
+      <a:schemeClr val="accent1"/>
+    </dgm:fillClrLst>
+    <dgm:linClrLst meth="repeat">
+      <a:schemeClr val="lt1"/>
+    </dgm:linClrLst>
+    <dgm:effectClrLst/>
+    <dgm:txLinClrLst/>
+    <dgm:txFillClrLst/>
+    <dgm:txEffectClrLst/>
+  </dgm:styleLbl>
+  <dgm:styleLbl name="node4">
+    <dgm:fillClrLst meth="repeat">
+      <a:schemeClr val="accent1"/>
+    </dgm:fillClrLst>
+    <dgm:linClrLst meth="repeat">
+      <a:schemeClr val="lt1"/>
+    </dgm:linClrLst>
+    <dgm:effectClrLst/>
+    <dgm:txLinClrLst/>
+    <dgm:txFillClrLst/>
+    <dgm:txEffectClrLst/>
+  </dgm:styleLbl>
+  <dgm:styleLbl name="fgImgPlace1">
+    <dgm:fillClrLst meth="repeat">
+      <a:schemeClr val="accent1">
+        <a:tint val="50000"/>
+      </a:schemeClr>
+    </dgm:fillClrLst>
+    <dgm:linClrLst meth="repeat">
+      <a:schemeClr val="lt1"/>
+    </dgm:linClrLst>
+    <dgm:effectClrLst/>
+    <dgm:txLinClrLst/>
+    <dgm:txFillClrLst meth="repeat">
+      <a:schemeClr val="lt1"/>
+    </dgm:txFillClrLst>
+    <dgm:txEffectClrLst/>
+  </dgm:styleLbl>
+  <dgm:styleLbl name="alignImgPlace1">
+    <dgm:fillClrLst meth="repeat">
+      <a:schemeClr val="accent1">
+        <a:tint val="50000"/>
+      </a:schemeClr>
+    </dgm:fillClrLst>
+    <dgm:linClrLst meth="repeat">
+      <a:schemeClr val="lt1"/>
+    </dgm:linClrLst>
+    <dgm:effectClrLst/>
+    <dgm:txLinClrLst/>
+    <dgm:txFillClrLst meth="repeat">
+      <a:schemeClr val="lt1"/>
+    </dgm:txFillClrLst>
+    <dgm:txEffectClrLst/>
+  </dgm:styleLbl>
+  <dgm:styleLbl name="bgImgPlace1">
+    <dgm:fillClrLst meth="repeat">
+      <a:schemeClr val="accent1">
+        <a:tint val="50000"/>
+      </a:schemeClr>
+    </dgm:fillClrLst>
+    <dgm:linClrLst meth="repeat">
+      <a:schemeClr val="lt1"/>
+    </dgm:linClrLst>
+    <dgm:effectClrLst/>
+    <dgm:txLinClrLst/>
+    <dgm:txFillClrLst meth="repeat">
+      <a:schemeClr val="lt1"/>
+    </dgm:txFillClrLst>
+    <dgm:txEffectClrLst/>
+  </dgm:styleLbl>
+  <dgm:styleLbl name="sibTrans2D1">
+    <dgm:fillClrLst meth="repeat">
+      <a:schemeClr val="accent1">
+        <a:tint val="60000"/>
+      </a:schemeClr>
+    </dgm:fillClrLst>
+    <dgm:linClrLst meth="repeat">
+      <a:schemeClr val="accent1">
+        <a:tint val="60000"/>
+      </a:schemeClr>
+    </dgm:linClrLst>
+    <dgm:effectClrLst/>
+    <dgm:txLinClrLst/>
+    <dgm:txFillClrLst/>
+    <dgm:txEffectClrLst/>
+  </dgm:styleLbl>
+  <dgm:styleLbl name="fgSibTrans2D1">
+    <dgm:fillClrLst meth="repeat">
+      <a:schemeClr val="accent1">
+        <a:tint val="60000"/>
+      </a:schemeClr>
+    </dgm:fillClrLst>
+    <dgm:linClrLst meth="repeat">
+      <a:schemeClr val="accent1">
+        <a:tint val="60000"/>
+      </a:schemeClr>
+    </dgm:linClrLst>
+    <dgm:effectClrLst/>
+    <dgm:txLinClrLst/>
+    <dgm:txFillClrLst/>
+    <dgm:txEffectClrLst/>
+  </dgm:styleLbl>
+  <dgm:styleLbl name="bgSibTrans2D1">
+    <dgm:fillClrLst meth="repeat">
+      <a:schemeClr val="accent1">
+        <a:tint val="60000"/>
+      </a:schemeClr>
+    </dgm:fillClrLst>
+    <dgm:linClrLst meth="repeat">
+      <a:schemeClr val="accent1">
+        <a:tint val="60000"/>
+      </a:schemeClr>
+    </dgm:linClrLst>
+    <dgm:effectClrLst/>
+    <dgm:txLinClrLst/>
+    <dgm:txFillClrLst/>
+    <dgm:txEffectClrLst/>
+  </dgm:styleLbl>
+  <dgm:styleLbl name="sibTrans1D1">
+    <dgm:fillClrLst meth="repeat">
+      <a:schemeClr val="accent1"/>
+    </dgm:fillClrLst>
+    <dgm:linClrLst meth="repeat">
+      <a:schemeClr val="accent1"/>
+    </dgm:linClrLst>
+    <dgm:effectClrLst/>
+    <dgm:txLinClrLst/>
+    <dgm:txFillClrLst meth="repeat">
+      <a:schemeClr val="tx1"/>
+    </dgm:txFillClrLst>
+    <dgm:txEffectClrLst/>
+  </dgm:styleLbl>
+  <dgm:styleLbl name="callout">
+    <dgm:fillClrLst meth="repeat">
+      <a:schemeClr val="accent1"/>
+    </dgm:fillClrLst>
+    <dgm:linClrLst meth="repeat">
+      <a:schemeClr val="accent1">
+        <a:tint val="50000"/>
+      </a:schemeClr>
+    </dgm:linClrLst>
+    <dgm:effectClrLst/>
+    <dgm:txLinClrLst/>
+    <dgm:txFillClrLst meth="repeat">
+      <a:schemeClr val="tx1"/>
+    </dgm:txFillClrLst>
+    <dgm:txEffectClrLst/>
+  </dgm:styleLbl>
+  <dgm:styleLbl name="asst0">
+    <dgm:fillClrLst meth="repeat">
+      <a:schemeClr val="accent1"/>
+    </dgm:fillClrLst>
+    <dgm:linClrLst meth="repeat">
+      <a:schemeClr val="lt1"/>
+    </dgm:linClrLst>
+    <dgm:effectClrLst/>
+    <dgm:txLinClrLst/>
+    <dgm:txFillClrLst/>
+    <dgm:txEffectClrLst/>
+  </dgm:styleLbl>
+  <dgm:styleLbl name="asst1">
+    <dgm:fillClrLst meth="repeat">
+      <a:schemeClr val="accent1"/>
+    </dgm:fillClrLst>
+    <dgm:linClrLst meth="repeat">
+      <a:schemeClr val="lt1"/>
+    </dgm:linClrLst>
+    <dgm:effectClrLst/>
+    <dgm:txLinClrLst/>
+    <dgm:txFillClrLst/>
+    <dgm:txEffectClrLst/>
+  </dgm:styleLbl>
+  <dgm:styleLbl name="asst2">
+    <dgm:fillClrLst meth="repeat">
+      <a:schemeClr val="accent1"/>
+    </dgm:fillClrLst>
+    <dgm:linClrLst meth="repeat">
+      <a:schemeClr val="lt1"/>
+    </dgm:linClrLst>
+    <dgm:effectClrLst/>
+    <dgm:txLinClrLst/>
+    <dgm:txFillClrLst/>
+    <dgm:txEffectClrLst/>
+  </dgm:styleLbl>
+  <dgm:styleLbl name="asst3">
+    <dgm:fillClrLst meth="repeat">
+      <a:schemeClr val="accent1"/>
+    </dgm:fillClrLst>
+    <dgm:linClrLst meth="repeat">
+      <a:schemeClr val="lt1"/>
+    </dgm:linClrLst>
+    <dgm:effectClrLst/>
+    <dgm:txLinClrLst/>
+    <dgm:txFillClrLst/>
+    <dgm:txEffectClrLst/>
+  </dgm:styleLbl>
+  <dgm:styleLbl name="asst4">
+    <dgm:fillClrLst meth="repeat">
+      <a:schemeClr val="accent1"/>
+    </dgm:fillClrLst>
+    <dgm:linClrLst meth="repeat">
+      <a:schemeClr val="lt1"/>
+    </dgm:linClrLst>
+    <dgm:effectClrLst/>
+    <dgm:txLinClrLst/>
+    <dgm:txFillClrLst/>
+    <dgm:txEffectClrLst/>
+  </dgm:styleLbl>
+  <dgm:styleLbl name="parChTrans2D1">
+    <dgm:fillClrLst meth="repeat">
+      <a:schemeClr val="accent1">
+        <a:tint val="60000"/>
+      </a:schemeClr>
+    </dgm:fillClrLst>
+    <dgm:linClrLst meth="repeat">
+      <a:schemeClr val="accent1">
+        <a:tint val="60000"/>
+      </a:schemeClr>
+    </dgm:linClrLst>
+    <dgm:effectClrLst/>
+    <dgm:txLinClrLst/>
+    <dgm:txFillClrLst meth="repeat">
+      <a:schemeClr val="lt1"/>
+    </dgm:txFillClrLst>
+    <dgm:txEffectClrLst/>
+  </dgm:styleLbl>
+  <dgm:styleLbl name="parChTrans2D2">
+    <dgm:fillClrLst meth="repeat">
+      <a:schemeClr val="accent1"/>
+    </dgm:fillClrLst>
+    <dgm:linClrLst meth="repeat">
+      <a:schemeClr val="accent1"/>
+    </dgm:linClrLst>
+    <dgm:effectClrLst/>
+    <dgm:txLinClrLst/>
+    <dgm:txFillClrLst meth="repeat">
+      <a:schemeClr val="lt1"/>
+    </dgm:txFillClrLst>
+    <dgm:txEffectClrLst/>
+  </dgm:styleLbl>
+  <dgm:styleLbl name="parChTrans2D3">
+    <dgm:fillClrLst meth="repeat">
+      <a:schemeClr val="accent1"/>
+    </dgm:fillClrLst>
+    <dgm:linClrLst meth="repeat">
+      <a:schemeClr val="accent1"/>
+    </dgm:linClrLst>
+    <dgm:effectClrLst/>
+    <dgm:txLinClrLst/>
+    <dgm:txFillClrLst meth="repeat">
+      <a:schemeClr val="lt1"/>
+    </dgm:txFillClrLst>
+    <dgm:txEffectClrLst/>
+  </dgm:styleLbl>
+  <dgm:styleLbl name="parChTrans2D4">
+    <dgm:fillClrLst meth="repeat">
+      <a:schemeClr val="accent1"/>
+    </dgm:fillClrLst>
+    <dgm:linClrLst meth="repeat">
+      <a:schemeClr val="accent1"/>
+    </dgm:linClrLst>
+    <dgm:effectClrLst/>
+    <dgm:txLinClrLst/>
+    <dgm:txFillClrLst meth="repeat">
+      <a:schemeClr val="lt1"/>
+    </dgm:txFillClrLst>
+    <dgm:txEffectClrLst/>
+  </dgm:styleLbl>
+  <dgm:styleLbl name="parChTrans1D1">
+    <dgm:fillClrLst meth="repeat">
+      <a:schemeClr val="accent1"/>
+    </dgm:fillClrLst>
+    <dgm:linClrLst meth="repeat">
+      <a:schemeClr val="accent1">
+        <a:shade val="60000"/>
+      </a:schemeClr>
+    </dgm:linClrLst>
+    <dgm:effectClrLst/>
+    <dgm:txLinClrLst/>
+    <dgm:txFillClrLst meth="repeat">
+      <a:schemeClr val="tx1"/>
+    </dgm:txFillClrLst>
+    <dgm:txEffectClrLst/>
+  </dgm:styleLbl>
+  <dgm:styleLbl name="parChTrans1D2">
+    <dgm:fillClrLst meth="repeat">
+      <a:schemeClr val="accent1"/>
+    </dgm:fillClrLst>
+    <dgm:linClrLst meth="repeat">
+      <a:schemeClr val="accent1">
+        <a:shade val="60000"/>
+      </a:schemeClr>
+    </dgm:linClrLst>
+    <dgm:effectClrLst/>
+    <dgm:txLinClrLst/>
+    <dgm:txFillClrLst meth="repeat">
+      <a:schemeClr val="tx1"/>
+    </dgm:txFillClrLst>
+    <dgm:txEffectClrLst/>
+  </dgm:styleLbl>
+  <dgm:styleLbl name="parChTrans1D3">
+    <dgm:fillClrLst meth="repeat">
+      <a:schemeClr val="accent1"/>
+    </dgm:fillClrLst>
+    <dgm:linClrLst meth="repeat">
+      <a:schemeClr val="accent1">
+        <a:shade val="80000"/>
+      </a:schemeClr>
+    </dgm:linClrLst>
+    <dgm:effectClrLst/>
+    <dgm:txLinClrLst/>
+    <dgm:txFillClrLst meth="repeat">
+      <a:schemeClr val="tx1"/>
+    </dgm:txFillClrLst>
+    <dgm:txEffectClrLst/>
+  </dgm:styleLbl>
+  <dgm:styleLbl name="parChTrans1D4">
+    <dgm:fillClrLst meth="repeat">
+      <a:schemeClr val="accent1"/>
+    </dgm:fillClrLst>
+    <dgm:linClrLst meth="repeat">
+      <a:schemeClr val="accent1">
+        <a:shade val="80000"/>
+      </a:schemeClr>
+    </dgm:linClrLst>
+    <dgm:effectClrLst/>
+    <dgm:txLinClrLst/>
+    <dgm:txFillClrLst meth="repeat">
+      <a:schemeClr val="tx1"/>
+    </dgm:txFillClrLst>
+    <dgm:txEffectClrLst/>
+  </dgm:styleLbl>
+  <dgm:styleLbl name="fgAcc1">
+    <dgm:fillClrLst meth="repeat">
+      <a:schemeClr val="lt1">
+        <a:alpha val="90000"/>
+      </a:schemeClr>
+    </dgm:fillClrLst>
+    <dgm:linClrLst meth="repeat">
+      <a:schemeClr val="accent1"/>
+    </dgm:linClrLst>
+    <dgm:effectClrLst/>
+    <dgm:txLinClrLst/>
+    <dgm:txFillClrLst meth="repeat">
+      <a:schemeClr val="dk1"/>
+    </dgm:txFillClrLst>
+    <dgm:txEffectClrLst/>
+  </dgm:styleLbl>
+  <dgm:styleLbl name="conFgAcc1">
+    <dgm:fillClrLst meth="repeat">
+      <a:schemeClr val="lt1">
+        <a:alpha val="90000"/>
+      </a:schemeClr>
+    </dgm:fillClrLst>
+    <dgm:linClrLst meth="repeat">
+      <a:schemeClr val="accent1"/>
+    </dgm:linClrLst>
+    <dgm:effectClrLst/>
+    <dgm:txLinClrLst/>
+    <dgm:txFillClrLst meth="repeat">
+      <a:schemeClr val="dk1"/>
+    </dgm:txFillClrLst>
+    <dgm:txEffectClrLst/>
+  </dgm:styleLbl>
+  <dgm:styleLbl name="alignAcc1">
+    <dgm:fillClrLst meth="repeat">
+      <a:schemeClr val="lt1">
+        <a:alpha val="90000"/>
+      </a:schemeClr>
+    </dgm:fillClrLst>
+    <dgm:linClrLst meth="repeat">
+      <a:schemeClr val="accent1"/>
+    </dgm:linClrLst>
+    <dgm:effectClrLst/>
+    <dgm:txLinClrLst/>
+    <dgm:txFillClrLst meth="repeat">
+      <a:schemeClr val="dk1"/>
+    </dgm:txFillClrLst>
+    <dgm:txEffectClrLst/>
+  </dgm:styleLbl>
+  <dgm:styleLbl name="trAlignAcc1">
+    <dgm:fillClrLst meth="repeat">
+      <a:schemeClr val="lt1">
+        <a:alpha val="40000"/>
+      </a:schemeClr>
+    </dgm:fillClrLst>
+    <dgm:linClrLst meth="repeat">
+      <a:schemeClr val="accent1"/>
+    </dgm:linClrLst>
+    <dgm:effectClrLst/>
+    <dgm:txLinClrLst/>
+    <dgm:txFillClrLst meth="repeat">
+      <a:schemeClr val="dk1"/>
+    </dgm:txFillClrLst>
+    <dgm:txEffectClrLst/>
+  </dgm:styleLbl>
+  <dgm:styleLbl name="bgAcc1">
+    <dgm:fillClrLst meth="repeat">
+      <a:schemeClr val="lt1">
+        <a:alpha val="90000"/>
+      </a:schemeClr>
+    </dgm:fillClrLst>
+    <dgm:linClrLst meth="repeat">
+      <a:schemeClr val="accent1"/>
+    </dgm:linClrLst>
+    <dgm:effectClrLst/>
+    <dgm:txLinClrLst/>
+    <dgm:txFillClrLst meth="repeat">
+      <a:schemeClr val="dk1"/>
+    </dgm:txFillClrLst>
+    <dgm:txEffectClrLst/>
+  </dgm:styleLbl>
+  <dgm:styleLbl name="solidFgAcc1">
+    <dgm:fillClrLst meth="repeat">
+      <a:schemeClr val="lt1"/>
+    </dgm:fillClrLst>
+    <dgm:linClrLst meth="repeat">
+      <a:schemeClr val="accent1"/>
+    </dgm:linClrLst>
+    <dgm:effectClrLst/>
+    <dgm:txLinClrLst/>
+    <dgm:txFillClrLst meth="repeat">
+      <a:schemeClr val="dk1"/>
+    </dgm:txFillClrLst>
+    <dgm:txEffectClrLst/>
+  </dgm:styleLbl>
+  <dgm:styleLbl name="solidAlignAcc1">
+    <dgm:fillClrLst meth="repeat">
+      <a:schemeClr val="lt1"/>
+    </dgm:fillClrLst>
+    <dgm:linClrLst meth="repeat">
+      <a:schemeClr val="accent1"/>
+    </dgm:linClrLst>
+    <dgm:effectClrLst/>
+    <dgm:txLinClrLst/>
+    <dgm:txFillClrLst meth="repeat">
+      <a:schemeClr val="dk1"/>
+    </dgm:txFillClrLst>
+    <dgm:txEffectClrLst/>
+  </dgm:styleLbl>
+  <dgm:styleLbl name="solidBgAcc1">
+    <dgm:fillClrLst meth="repeat">
+      <a:schemeClr val="lt1"/>
+    </dgm:fillClrLst>
+    <dgm:linClrLst meth="repeat">
+      <a:schemeClr val="accent1"/>
+    </dgm:linClrLst>
+    <dgm:effectClrLst/>
+    <dgm:txLinClrLst/>
+    <dgm:txFillClrLst meth="repeat">
+      <a:schemeClr val="dk1"/>
+    </dgm:txFillClrLst>
+    <dgm:txEffectClrLst/>
+  </dgm:styleLbl>
+  <dgm:styleLbl name="fgAccFollowNode1">
+    <dgm:fillClrLst meth="repeat">
+      <a:schemeClr val="accent1">
+        <a:alpha val="90000"/>
+        <a:tint val="40000"/>
+      </a:schemeClr>
+    </dgm:fillClrLst>
+    <dgm:linClrLst meth="repeat">
+      <a:schemeClr val="accent1">
+        <a:alpha val="90000"/>
+        <a:tint val="40000"/>
+      </a:schemeClr>
+    </dgm:linClrLst>
+    <dgm:effectClrLst/>
+    <dgm:txLinClrLst/>
+    <dgm:txFillClrLst meth="repeat">
+      <a:schemeClr val="dk1"/>
+    </dgm:txFillClrLst>
+    <dgm:txEffectClrLst/>
+  </dgm:styleLbl>
+  <dgm:styleLbl name="alignAccFollowNode1">
+    <dgm:fillClrLst meth="repeat">
+      <a:schemeClr val="accent1">
+        <a:alpha val="90000"/>
+        <a:tint val="40000"/>
+      </a:schemeClr>
+    </dgm:fillClrLst>
+    <dgm:linClrLst meth="repeat">
+      <a:schemeClr val="accent1">
+        <a:alpha val="90000"/>
+        <a:tint val="40000"/>
+      </a:schemeClr>
+    </dgm:linClrLst>
+    <dgm:effectClrLst/>
+    <dgm:txLinClrLst/>
+    <dgm:txFillClrLst meth="repeat">
+      <a:schemeClr val="dk1"/>
+    </dgm:txFillClrLst>
+    <dgm:txEffectClrLst/>
+  </dgm:styleLbl>
+  <dgm:styleLbl name="bgAccFollowNode1">
+    <dgm:fillClrLst meth="repeat">
+      <a:schemeClr val="accent1">
+        <a:alpha val="90000"/>
+        <a:tint val="40000"/>
+      </a:schemeClr>
+    </dgm:fillClrLst>
+    <dgm:linClrLst meth="repeat">
+      <a:schemeClr val="accent1">
+        <a:alpha val="90000"/>
+        <a:tint val="40000"/>
+      </a:schemeClr>
+    </dgm:linClrLst>
+    <dgm:effectClrLst/>
+    <dgm:txLinClrLst/>
+    <dgm:txFillClrLst meth="repeat">
+      <a:schemeClr val="dk1"/>
+    </dgm:txFillClrLst>
+    <dgm:txEffectClrLst/>
+  </dgm:styleLbl>
+  <dgm:styleLbl name="fgAcc0">
+    <dgm:fillClrLst meth="repeat">
+      <a:schemeClr val="lt1">
+        <a:alpha val="90000"/>
+      </a:schemeClr>
+    </dgm:fillClrLst>
+    <dgm:linClrLst meth="repeat">
+      <a:schemeClr val="accent1"/>
+    </dgm:linClrLst>
+    <dgm:effectClrLst/>
+    <dgm:txLinClrLst/>
+    <dgm:txFillClrLst meth="repeat">
+      <a:schemeClr val="dk1"/>
+    </dgm:txFillClrLst>
+    <dgm:txEffectClrLst/>
+  </dgm:styleLbl>
+  <dgm:styleLbl name="fgAcc2">
+    <dgm:fillClrLst meth="repeat">
+      <a:schemeClr val="lt1">
+        <a:alpha val="90000"/>
+      </a:schemeClr>
+    </dgm:fillClrLst>
+    <dgm:linClrLst meth="repeat">
+      <a:schemeClr val="accent1"/>
+    </dgm:linClrLst>
+    <dgm:effectClrLst/>
+    <dgm:txLinClrLst/>
+    <dgm:txFillClrLst meth="repeat">
+      <a:schemeClr val="dk1"/>
+    </dgm:txFillClrLst>
+    <dgm:txEffectClrLst/>
+  </dgm:styleLbl>
+  <dgm:styleLbl name="fgAcc3">
+    <dgm:fillClrLst meth="repeat">
+      <a:schemeClr val="lt1">
+        <a:alpha val="90000"/>
+      </a:schemeClr>
+    </dgm:fillClrLst>
+    <dgm:linClrLst meth="repeat">
+      <a:schemeClr val="accent1"/>
+    </dgm:linClrLst>
+    <dgm:effectClrLst/>
+    <dgm:txLinClrLst/>
+    <dgm:txFillClrLst meth="repeat">
+      <a:schemeClr val="dk1"/>
+    </dgm:txFillClrLst>
+    <dgm:txEffectClrLst/>
+  </dgm:styleLbl>
+  <dgm:styleLbl name="fgAcc4">
+    <dgm:fillClrLst meth="repeat">
+      <a:schemeClr val="lt1">
+        <a:alpha val="90000"/>
+      </a:schemeClr>
+    </dgm:fillClrLst>
+    <dgm:linClrLst meth="repeat">
+      <a:schemeClr val="accent1"/>
+    </dgm:linClrLst>
+    <dgm:effectClrLst/>
+    <dgm:txLinClrLst/>
+    <dgm:txFillClrLst meth="repeat">
+      <a:schemeClr val="dk1"/>
+    </dgm:txFillClrLst>
+    <dgm:txEffectClrLst/>
+  </dgm:styleLbl>
+  <dgm:styleLbl name="bgShp">
+    <dgm:fillClrLst meth="repeat">
+      <a:schemeClr val="accent1">
+        <a:tint val="40000"/>
+      </a:schemeClr>
+    </dgm:fillClrLst>
+    <dgm:linClrLst meth="repeat">
+      <a:schemeClr val="accent1"/>
+    </dgm:linClrLst>
+    <dgm:effectClrLst/>
+    <dgm:txLinClrLst/>
+    <dgm:txFillClrLst meth="repeat">
+      <a:schemeClr val="dk1"/>
+    </dgm:txFillClrLst>
+    <dgm:txEffectClrLst/>
+  </dgm:styleLbl>
+  <dgm:styleLbl name="dkBgShp">
+    <dgm:fillClrLst meth="repeat">
+      <a:schemeClr val="accent1">
+        <a:shade val="80000"/>
+      </a:schemeClr>
+    </dgm:fillClrLst>
+    <dgm:linClrLst meth="repeat">
+      <a:schemeClr val="accent1"/>
+    </dgm:linClrLst>
+    <dgm:effectClrLst/>
+    <dgm:txLinClrLst/>
+    <dgm:txFillClrLst meth="repeat">
+      <a:schemeClr val="lt1"/>
+    </dgm:txFillClrLst>
+    <dgm:txEffectClrLst/>
+  </dgm:styleLbl>
+  <dgm:styleLbl name="trBgShp">
+    <dgm:fillClrLst meth="repeat">
+      <a:schemeClr val="accent1">
+        <a:tint val="50000"/>
+        <a:alpha val="40000"/>
+      </a:schemeClr>
+    </dgm:fillClrLst>
+    <dgm:linClrLst meth="repeat">
+      <a:schemeClr val="accent1"/>
+    </dgm:linClrLst>
+    <dgm:effectClrLst/>
+    <dgm:txLinClrLst/>
+    <dgm:txFillClrLst meth="repeat">
+      <a:schemeClr val="lt1"/>
+    </dgm:txFillClrLst>
+    <dgm:txEffectClrLst/>
+  </dgm:styleLbl>
+  <dgm:styleLbl name="fgShp">
+    <dgm:fillClrLst meth="repeat">
+      <a:schemeClr val="accent1">
+        <a:tint val="60000"/>
+      </a:schemeClr>
+    </dgm:fillClrLst>
+    <dgm:linClrLst meth="repeat">
+      <a:schemeClr val="lt1"/>
+    </dgm:linClrLst>
+    <dgm:effectClrLst/>
+    <dgm:txLinClrLst/>
+    <dgm:txFillClrLst meth="repeat">
+      <a:schemeClr val="dk1"/>
+    </dgm:txFillClrLst>
+    <dgm:txEffectClrLst/>
+  </dgm:styleLbl>
+  <dgm:styleLbl name="revTx">
+    <dgm:fillClrLst meth="repeat">
+      <a:schemeClr val="lt1">
+        <a:alpha val="0"/>
+      </a:schemeClr>
+    </dgm:fillClrLst>
+    <dgm:linClrLst meth="repeat">
+      <a:schemeClr val="dk1">
+        <a:alpha val="0"/>
+      </a:schemeClr>
+    </dgm:linClrLst>
+    <dgm:effectClrLst/>
+    <dgm:txLinClrLst/>
+    <dgm:txFillClrLst meth="repeat">
+      <a:schemeClr val="tx1"/>
+    </dgm:txFillClrLst>
+    <dgm:txEffectClrLst/>
+  </dgm:styleLbl>
+</dgm:colorsDef>
+</file>
+
+<file path=ppt/diagrams/colors2.xml><?xml version="1.0" encoding="utf-8"?>
 <dgm:colorsDef xmlns:dgm="http://schemas.openxmlformats.org/drawingml/2006/diagram" xmlns:a="http://schemas.openxmlformats.org/drawingml/2006/main" uniqueId="urn:microsoft.com/office/officeart/2005/8/colors/accent1_2">
   <dgm:title val=""/>
   <dgm:desc val=""/>
@@ -2115,6 +2864,447 @@
 </dgm:dataModel>
 </file>
 
+<file path=ppt/diagrams/data2.xml><?xml version="1.0" encoding="utf-8"?>
+<dgm:dataModel xmlns:dgm="http://schemas.openxmlformats.org/drawingml/2006/diagram" xmlns:a="http://schemas.openxmlformats.org/drawingml/2006/main">
+  <dgm:ptLst>
+    <dgm:pt modelId="{66CA9361-77E2-426B-8D20-37F463415138}" type="doc">
+      <dgm:prSet loTypeId="urn:microsoft.com/office/officeart/2005/8/layout/hList1" loCatId="list" qsTypeId="urn:microsoft.com/office/officeart/2005/8/quickstyle/simple1" qsCatId="simple" csTypeId="urn:microsoft.com/office/officeart/2005/8/colors/accent1_2" csCatId="accent1" phldr="1"/>
+      <dgm:spPr/>
+      <dgm:t>
+        <a:bodyPr/>
+        <a:lstStyle/>
+        <a:p>
+          <a:endParaRPr lang="en-US"/>
+        </a:p>
+      </dgm:t>
+    </dgm:pt>
+    <dgm:pt modelId="{782DC660-11CA-433B-9583-91920CCE0408}">
+      <dgm:prSet phldrT="[Текст]"/>
+      <dgm:spPr/>
+      <dgm:t>
+        <a:bodyPr/>
+        <a:lstStyle/>
+        <a:p>
+          <a:r>
+            <a:rPr lang="ru-RU" dirty="0"/>
+            <a:t>Шаблон микросервиса</a:t>
+          </a:r>
+          <a:r>
+            <a:rPr lang="en-US" dirty="0"/>
+            <a:t> 1</a:t>
+          </a:r>
+        </a:p>
+      </dgm:t>
+    </dgm:pt>
+    <dgm:pt modelId="{A1E0617C-ED61-4123-9C4D-6C8693EEE0C3}" type="parTrans" cxnId="{338BAD2A-0197-4DDA-B914-8C1DC72E85BC}">
+      <dgm:prSet/>
+      <dgm:spPr/>
+      <dgm:t>
+        <a:bodyPr/>
+        <a:lstStyle/>
+        <a:p>
+          <a:endParaRPr lang="en-US"/>
+        </a:p>
+      </dgm:t>
+    </dgm:pt>
+    <dgm:pt modelId="{A8D10B23-05A3-43AD-90F4-4C9BC92DBA9C}" type="sibTrans" cxnId="{338BAD2A-0197-4DDA-B914-8C1DC72E85BC}">
+      <dgm:prSet/>
+      <dgm:spPr/>
+      <dgm:t>
+        <a:bodyPr/>
+        <a:lstStyle/>
+        <a:p>
+          <a:endParaRPr lang="en-US"/>
+        </a:p>
+      </dgm:t>
+    </dgm:pt>
+    <dgm:pt modelId="{E27DFB8F-5F4D-4C61-BE16-94EDE8D4217F}">
+      <dgm:prSet phldrT="[Текст]"/>
+      <dgm:spPr/>
+      <dgm:t>
+        <a:bodyPr/>
+        <a:lstStyle/>
+        <a:p>
+          <a:r>
+            <a:rPr lang="ru-RU" dirty="0"/>
+            <a:t>Шаблон микросервиса 2</a:t>
+          </a:r>
+          <a:endParaRPr lang="en-US" dirty="0"/>
+        </a:p>
+      </dgm:t>
+    </dgm:pt>
+    <dgm:pt modelId="{5FBF9100-1EC4-4DEB-8485-44F3F54C2D0C}" type="parTrans" cxnId="{4EC3B56F-8817-4BAC-9746-E9F9AE47287D}">
+      <dgm:prSet/>
+      <dgm:spPr/>
+      <dgm:t>
+        <a:bodyPr/>
+        <a:lstStyle/>
+        <a:p>
+          <a:endParaRPr lang="en-US"/>
+        </a:p>
+      </dgm:t>
+    </dgm:pt>
+    <dgm:pt modelId="{AE1872F3-6A9D-4212-A6BE-0932C293F5D8}" type="sibTrans" cxnId="{4EC3B56F-8817-4BAC-9746-E9F9AE47287D}">
+      <dgm:prSet/>
+      <dgm:spPr/>
+      <dgm:t>
+        <a:bodyPr/>
+        <a:lstStyle/>
+        <a:p>
+          <a:endParaRPr lang="en-US"/>
+        </a:p>
+      </dgm:t>
+    </dgm:pt>
+    <dgm:pt modelId="{2795E3E2-7510-47C2-8359-2DAF9D1A3369}">
+      <dgm:prSet phldrT="[Текст]"/>
+      <dgm:spPr/>
+      <dgm:t>
+        <a:bodyPr/>
+        <a:lstStyle/>
+        <a:p>
+          <a:r>
+            <a:rPr lang="ru-RU" dirty="0"/>
+            <a:t>Авторизация</a:t>
+          </a:r>
+          <a:endParaRPr lang="en-US" dirty="0"/>
+        </a:p>
+      </dgm:t>
+    </dgm:pt>
+    <dgm:pt modelId="{0F36C41E-5E3E-43B5-94F8-BD9A85882DEB}" type="parTrans" cxnId="{2845E725-6ADF-4C14-A0DF-C8EFCB5D7998}">
+      <dgm:prSet/>
+      <dgm:spPr/>
+      <dgm:t>
+        <a:bodyPr/>
+        <a:lstStyle/>
+        <a:p>
+          <a:endParaRPr lang="en-US"/>
+        </a:p>
+      </dgm:t>
+    </dgm:pt>
+    <dgm:pt modelId="{9F8B6CF7-DF54-47C0-90A8-8C0A409049DB}" type="sibTrans" cxnId="{2845E725-6ADF-4C14-A0DF-C8EFCB5D7998}">
+      <dgm:prSet/>
+      <dgm:spPr/>
+      <dgm:t>
+        <a:bodyPr/>
+        <a:lstStyle/>
+        <a:p>
+          <a:endParaRPr lang="en-US"/>
+        </a:p>
+      </dgm:t>
+    </dgm:pt>
+    <dgm:pt modelId="{6FE68EF0-9FA8-419A-8B17-853CE387EC9B}">
+      <dgm:prSet phldrT="[Текст]"/>
+      <dgm:spPr/>
+      <dgm:t>
+        <a:bodyPr/>
+        <a:lstStyle/>
+        <a:p>
+          <a:r>
+            <a:rPr lang="en-US" dirty="0"/>
+            <a:t>Mapper</a:t>
+          </a:r>
+        </a:p>
+      </dgm:t>
+    </dgm:pt>
+    <dgm:pt modelId="{FB88BB2E-9F8D-4D21-8E75-F360BED401D2}" type="parTrans" cxnId="{C609DC62-07FC-46C9-8998-308565AD72A4}">
+      <dgm:prSet/>
+      <dgm:spPr/>
+      <dgm:t>
+        <a:bodyPr/>
+        <a:lstStyle/>
+        <a:p>
+          <a:endParaRPr lang="en-US"/>
+        </a:p>
+      </dgm:t>
+    </dgm:pt>
+    <dgm:pt modelId="{7E14914B-3895-4107-909A-FDFD32057F3E}" type="sibTrans" cxnId="{C609DC62-07FC-46C9-8998-308565AD72A4}">
+      <dgm:prSet/>
+      <dgm:spPr/>
+      <dgm:t>
+        <a:bodyPr/>
+        <a:lstStyle/>
+        <a:p>
+          <a:endParaRPr lang="en-US"/>
+        </a:p>
+      </dgm:t>
+    </dgm:pt>
+    <dgm:pt modelId="{F647AF81-71A7-47F9-8A0F-6C3EA59D1EC5}">
+      <dgm:prSet phldrT="[Текст]"/>
+      <dgm:spPr/>
+      <dgm:t>
+        <a:bodyPr/>
+        <a:lstStyle/>
+        <a:p>
+          <a:r>
+            <a:rPr lang="en-US" dirty="0"/>
+            <a:t>Unit Of Work</a:t>
+          </a:r>
+        </a:p>
+      </dgm:t>
+    </dgm:pt>
+    <dgm:pt modelId="{DBB42446-3D4C-4749-A94E-8E924F43B29A}" type="parTrans" cxnId="{7F626C0C-B7C5-47F4-BCDC-3DD3D713A2F9}">
+      <dgm:prSet/>
+      <dgm:spPr/>
+      <dgm:t>
+        <a:bodyPr/>
+        <a:lstStyle/>
+        <a:p>
+          <a:endParaRPr lang="en-US"/>
+        </a:p>
+      </dgm:t>
+    </dgm:pt>
+    <dgm:pt modelId="{1C74A5A0-28B6-4121-825F-34958025ABC9}" type="sibTrans" cxnId="{7F626C0C-B7C5-47F4-BCDC-3DD3D713A2F9}">
+      <dgm:prSet/>
+      <dgm:spPr/>
+      <dgm:t>
+        <a:bodyPr/>
+        <a:lstStyle/>
+        <a:p>
+          <a:endParaRPr lang="en-US"/>
+        </a:p>
+      </dgm:t>
+    </dgm:pt>
+    <dgm:pt modelId="{EB1E73B0-EF43-4134-99C4-DD07EE3B72F9}">
+      <dgm:prSet phldrT="[Текст]"/>
+      <dgm:spPr/>
+      <dgm:t>
+        <a:bodyPr/>
+        <a:lstStyle/>
+        <a:p>
+          <a:r>
+            <a:rPr lang="en-US" dirty="0"/>
+            <a:t>Repository</a:t>
+          </a:r>
+        </a:p>
+      </dgm:t>
+    </dgm:pt>
+    <dgm:pt modelId="{925B3295-E954-498B-ADC5-661FAA90FCE8}" type="parTrans" cxnId="{31CE47EA-BC5E-4C99-B33C-E90972467609}">
+      <dgm:prSet/>
+      <dgm:spPr/>
+      <dgm:t>
+        <a:bodyPr/>
+        <a:lstStyle/>
+        <a:p>
+          <a:endParaRPr lang="en-US"/>
+        </a:p>
+      </dgm:t>
+    </dgm:pt>
+    <dgm:pt modelId="{04191640-6F93-4B72-B05F-4A09C6195C45}" type="sibTrans" cxnId="{31CE47EA-BC5E-4C99-B33C-E90972467609}">
+      <dgm:prSet/>
+      <dgm:spPr/>
+      <dgm:t>
+        <a:bodyPr/>
+        <a:lstStyle/>
+        <a:p>
+          <a:endParaRPr lang="en-US"/>
+        </a:p>
+      </dgm:t>
+    </dgm:pt>
+    <dgm:pt modelId="{C452C865-7294-43FE-A3A1-E35E368BA76C}">
+      <dgm:prSet phldrT="[Текст]"/>
+      <dgm:spPr/>
+      <dgm:t>
+        <a:bodyPr/>
+        <a:lstStyle/>
+        <a:p>
+          <a:r>
+            <a:rPr lang="en-US" dirty="0"/>
+            <a:t>Mapper</a:t>
+          </a:r>
+        </a:p>
+      </dgm:t>
+    </dgm:pt>
+    <dgm:pt modelId="{A9123D4F-C595-46BD-8F98-126071562C5F}" type="parTrans" cxnId="{2DC78E82-D29D-42AB-8A16-2ED8BABF2BDF}">
+      <dgm:prSet/>
+      <dgm:spPr/>
+      <dgm:t>
+        <a:bodyPr/>
+        <a:lstStyle/>
+        <a:p>
+          <a:endParaRPr lang="en-US"/>
+        </a:p>
+      </dgm:t>
+    </dgm:pt>
+    <dgm:pt modelId="{4A21E329-4625-4B45-A066-641E2C6B41A1}" type="sibTrans" cxnId="{2DC78E82-D29D-42AB-8A16-2ED8BABF2BDF}">
+      <dgm:prSet/>
+      <dgm:spPr/>
+      <dgm:t>
+        <a:bodyPr/>
+        <a:lstStyle/>
+        <a:p>
+          <a:endParaRPr lang="en-US"/>
+        </a:p>
+      </dgm:t>
+    </dgm:pt>
+    <dgm:pt modelId="{458A4DF0-6828-48DD-8055-1964DBD7E1BC}">
+      <dgm:prSet phldrT="[Текст]"/>
+      <dgm:spPr/>
+      <dgm:t>
+        <a:bodyPr/>
+        <a:lstStyle/>
+        <a:p>
+          <a:r>
+            <a:rPr lang="en-US" dirty="0"/>
+            <a:t>Unit Of Work</a:t>
+          </a:r>
+        </a:p>
+      </dgm:t>
+    </dgm:pt>
+    <dgm:pt modelId="{4CB0AE4F-879E-428A-8C49-CFB0662150F9}" type="parTrans" cxnId="{647C827A-C359-478A-84B0-FAD75725C899}">
+      <dgm:prSet/>
+      <dgm:spPr/>
+      <dgm:t>
+        <a:bodyPr/>
+        <a:lstStyle/>
+        <a:p>
+          <a:endParaRPr lang="en-US"/>
+        </a:p>
+      </dgm:t>
+    </dgm:pt>
+    <dgm:pt modelId="{4EFB98FF-E8EB-46E5-B825-246C53E72359}" type="sibTrans" cxnId="{647C827A-C359-478A-84B0-FAD75725C899}">
+      <dgm:prSet/>
+      <dgm:spPr/>
+      <dgm:t>
+        <a:bodyPr/>
+        <a:lstStyle/>
+        <a:p>
+          <a:endParaRPr lang="en-US"/>
+        </a:p>
+      </dgm:t>
+    </dgm:pt>
+    <dgm:pt modelId="{85998644-A57A-4631-A1F1-35CA1AFDC29E}">
+      <dgm:prSet phldrT="[Текст]"/>
+      <dgm:spPr/>
+      <dgm:t>
+        <a:bodyPr/>
+        <a:lstStyle/>
+        <a:p>
+          <a:r>
+            <a:rPr lang="en-US" dirty="0"/>
+            <a:t>Repository</a:t>
+          </a:r>
+        </a:p>
+      </dgm:t>
+    </dgm:pt>
+    <dgm:pt modelId="{E02FB6D3-10AC-41CA-B54A-182B533ED6A4}" type="parTrans" cxnId="{8B0A6021-E0A5-415E-A960-6925D84606A3}">
+      <dgm:prSet/>
+      <dgm:spPr/>
+      <dgm:t>
+        <a:bodyPr/>
+        <a:lstStyle/>
+        <a:p>
+          <a:endParaRPr lang="en-US"/>
+        </a:p>
+      </dgm:t>
+    </dgm:pt>
+    <dgm:pt modelId="{45CE6383-87C8-4EF0-B1D4-B70993194540}" type="sibTrans" cxnId="{8B0A6021-E0A5-415E-A960-6925D84606A3}">
+      <dgm:prSet/>
+      <dgm:spPr/>
+      <dgm:t>
+        <a:bodyPr/>
+        <a:lstStyle/>
+        <a:p>
+          <a:endParaRPr lang="en-US"/>
+        </a:p>
+      </dgm:t>
+    </dgm:pt>
+    <dgm:pt modelId="{1AE25CCD-531D-4C79-A1B9-DA2E7501A5D4}" type="pres">
+      <dgm:prSet presAssocID="{66CA9361-77E2-426B-8D20-37F463415138}" presName="Name0" presStyleCnt="0">
+        <dgm:presLayoutVars>
+          <dgm:dir/>
+          <dgm:animLvl val="lvl"/>
+          <dgm:resizeHandles val="exact"/>
+        </dgm:presLayoutVars>
+      </dgm:prSet>
+      <dgm:spPr/>
+    </dgm:pt>
+    <dgm:pt modelId="{20EFC5A3-C273-4306-A072-A9157908FF48}" type="pres">
+      <dgm:prSet presAssocID="{782DC660-11CA-433B-9583-91920CCE0408}" presName="composite" presStyleCnt="0"/>
+      <dgm:spPr/>
+    </dgm:pt>
+    <dgm:pt modelId="{A64EE8FE-E085-4B5A-A29D-C194A8B1F9DC}" type="pres">
+      <dgm:prSet presAssocID="{782DC660-11CA-433B-9583-91920CCE0408}" presName="parTx" presStyleLbl="alignNode1" presStyleIdx="0" presStyleCnt="2">
+        <dgm:presLayoutVars>
+          <dgm:chMax val="0"/>
+          <dgm:chPref val="0"/>
+          <dgm:bulletEnabled val="1"/>
+        </dgm:presLayoutVars>
+      </dgm:prSet>
+      <dgm:spPr/>
+    </dgm:pt>
+    <dgm:pt modelId="{0B900DE8-F567-44D8-83A4-7747D8C312C5}" type="pres">
+      <dgm:prSet presAssocID="{782DC660-11CA-433B-9583-91920CCE0408}" presName="desTx" presStyleLbl="alignAccFollowNode1" presStyleIdx="0" presStyleCnt="2">
+        <dgm:presLayoutVars>
+          <dgm:bulletEnabled val="1"/>
+        </dgm:presLayoutVars>
+      </dgm:prSet>
+      <dgm:spPr/>
+    </dgm:pt>
+    <dgm:pt modelId="{E340223D-1E43-44A8-A57D-481B089B7741}" type="pres">
+      <dgm:prSet presAssocID="{A8D10B23-05A3-43AD-90F4-4C9BC92DBA9C}" presName="space" presStyleCnt="0"/>
+      <dgm:spPr/>
+    </dgm:pt>
+    <dgm:pt modelId="{9DCD1C5D-77FE-4E32-A3AD-2D1C35EC7F46}" type="pres">
+      <dgm:prSet presAssocID="{E27DFB8F-5F4D-4C61-BE16-94EDE8D4217F}" presName="composite" presStyleCnt="0"/>
+      <dgm:spPr/>
+    </dgm:pt>
+    <dgm:pt modelId="{42A9104B-0428-4481-8F40-CBB83AB2CA0E}" type="pres">
+      <dgm:prSet presAssocID="{E27DFB8F-5F4D-4C61-BE16-94EDE8D4217F}" presName="parTx" presStyleLbl="alignNode1" presStyleIdx="1" presStyleCnt="2">
+        <dgm:presLayoutVars>
+          <dgm:chMax val="0"/>
+          <dgm:chPref val="0"/>
+          <dgm:bulletEnabled val="1"/>
+        </dgm:presLayoutVars>
+      </dgm:prSet>
+      <dgm:spPr/>
+    </dgm:pt>
+    <dgm:pt modelId="{75AF9ED6-AE17-41E7-95B0-53D5E52A506B}" type="pres">
+      <dgm:prSet presAssocID="{E27DFB8F-5F4D-4C61-BE16-94EDE8D4217F}" presName="desTx" presStyleLbl="alignAccFollowNode1" presStyleIdx="1" presStyleCnt="2">
+        <dgm:presLayoutVars>
+          <dgm:bulletEnabled val="1"/>
+        </dgm:presLayoutVars>
+      </dgm:prSet>
+      <dgm:spPr/>
+    </dgm:pt>
+  </dgm:ptLst>
+  <dgm:cxnLst>
+    <dgm:cxn modelId="{7F626C0C-B7C5-47F4-BCDC-3DD3D713A2F9}" srcId="{782DC660-11CA-433B-9583-91920CCE0408}" destId="{F647AF81-71A7-47F9-8A0F-6C3EA59D1EC5}" srcOrd="2" destOrd="0" parTransId="{DBB42446-3D4C-4749-A94E-8E924F43B29A}" sibTransId="{1C74A5A0-28B6-4121-825F-34958025ABC9}"/>
+    <dgm:cxn modelId="{4C95A40E-DAEF-466C-BEDC-7EF47E3EF7CF}" type="presOf" srcId="{66CA9361-77E2-426B-8D20-37F463415138}" destId="{1AE25CCD-531D-4C79-A1B9-DA2E7501A5D4}" srcOrd="0" destOrd="0" presId="urn:microsoft.com/office/officeart/2005/8/layout/hList1"/>
+    <dgm:cxn modelId="{8B0A6021-E0A5-415E-A960-6925D84606A3}" srcId="{E27DFB8F-5F4D-4C61-BE16-94EDE8D4217F}" destId="{85998644-A57A-4631-A1F1-35CA1AFDC29E}" srcOrd="2" destOrd="0" parTransId="{E02FB6D3-10AC-41CA-B54A-182B533ED6A4}" sibTransId="{45CE6383-87C8-4EF0-B1D4-B70993194540}"/>
+    <dgm:cxn modelId="{2845E725-6ADF-4C14-A0DF-C8EFCB5D7998}" srcId="{782DC660-11CA-433B-9583-91920CCE0408}" destId="{2795E3E2-7510-47C2-8359-2DAF9D1A3369}" srcOrd="0" destOrd="0" parTransId="{0F36C41E-5E3E-43B5-94F8-BD9A85882DEB}" sibTransId="{9F8B6CF7-DF54-47C0-90A8-8C0A409049DB}"/>
+    <dgm:cxn modelId="{338BAD2A-0197-4DDA-B914-8C1DC72E85BC}" srcId="{66CA9361-77E2-426B-8D20-37F463415138}" destId="{782DC660-11CA-433B-9583-91920CCE0408}" srcOrd="0" destOrd="0" parTransId="{A1E0617C-ED61-4123-9C4D-6C8693EEE0C3}" sibTransId="{A8D10B23-05A3-43AD-90F4-4C9BC92DBA9C}"/>
+    <dgm:cxn modelId="{AE354A2C-6BBF-47FB-917E-E4D96CAC45ED}" type="presOf" srcId="{F647AF81-71A7-47F9-8A0F-6C3EA59D1EC5}" destId="{0B900DE8-F567-44D8-83A4-7747D8C312C5}" srcOrd="0" destOrd="2" presId="urn:microsoft.com/office/officeart/2005/8/layout/hList1"/>
+    <dgm:cxn modelId="{0F8B4933-A35B-4481-9C75-FE93AD492BA6}" type="presOf" srcId="{458A4DF0-6828-48DD-8055-1964DBD7E1BC}" destId="{75AF9ED6-AE17-41E7-95B0-53D5E52A506B}" srcOrd="0" destOrd="1" presId="urn:microsoft.com/office/officeart/2005/8/layout/hList1"/>
+    <dgm:cxn modelId="{F50E8E38-879D-46AD-A32E-B509DF5A3656}" type="presOf" srcId="{C452C865-7294-43FE-A3A1-E35E368BA76C}" destId="{75AF9ED6-AE17-41E7-95B0-53D5E52A506B}" srcOrd="0" destOrd="0" presId="urn:microsoft.com/office/officeart/2005/8/layout/hList1"/>
+    <dgm:cxn modelId="{C609DC62-07FC-46C9-8998-308565AD72A4}" srcId="{782DC660-11CA-433B-9583-91920CCE0408}" destId="{6FE68EF0-9FA8-419A-8B17-853CE387EC9B}" srcOrd="1" destOrd="0" parTransId="{FB88BB2E-9F8D-4D21-8E75-F360BED401D2}" sibTransId="{7E14914B-3895-4107-909A-FDFD32057F3E}"/>
+    <dgm:cxn modelId="{FFE14648-9584-4C0F-9CE5-1C225C40790B}" type="presOf" srcId="{782DC660-11CA-433B-9583-91920CCE0408}" destId="{A64EE8FE-E085-4B5A-A29D-C194A8B1F9DC}" srcOrd="0" destOrd="0" presId="urn:microsoft.com/office/officeart/2005/8/layout/hList1"/>
+    <dgm:cxn modelId="{CE2AC96D-4809-40F1-8667-6C02B04B8CAA}" type="presOf" srcId="{2795E3E2-7510-47C2-8359-2DAF9D1A3369}" destId="{0B900DE8-F567-44D8-83A4-7747D8C312C5}" srcOrd="0" destOrd="0" presId="urn:microsoft.com/office/officeart/2005/8/layout/hList1"/>
+    <dgm:cxn modelId="{4E0ED34D-1C2B-4DBA-A862-48D55F8CE3F0}" type="presOf" srcId="{85998644-A57A-4631-A1F1-35CA1AFDC29E}" destId="{75AF9ED6-AE17-41E7-95B0-53D5E52A506B}" srcOrd="0" destOrd="2" presId="urn:microsoft.com/office/officeart/2005/8/layout/hList1"/>
+    <dgm:cxn modelId="{4EC3B56F-8817-4BAC-9746-E9F9AE47287D}" srcId="{66CA9361-77E2-426B-8D20-37F463415138}" destId="{E27DFB8F-5F4D-4C61-BE16-94EDE8D4217F}" srcOrd="1" destOrd="0" parTransId="{5FBF9100-1EC4-4DEB-8485-44F3F54C2D0C}" sibTransId="{AE1872F3-6A9D-4212-A6BE-0932C293F5D8}"/>
+    <dgm:cxn modelId="{5894F56F-33C9-4858-89D0-4F19537C2190}" type="presOf" srcId="{E27DFB8F-5F4D-4C61-BE16-94EDE8D4217F}" destId="{42A9104B-0428-4481-8F40-CBB83AB2CA0E}" srcOrd="0" destOrd="0" presId="urn:microsoft.com/office/officeart/2005/8/layout/hList1"/>
+    <dgm:cxn modelId="{647C827A-C359-478A-84B0-FAD75725C899}" srcId="{E27DFB8F-5F4D-4C61-BE16-94EDE8D4217F}" destId="{458A4DF0-6828-48DD-8055-1964DBD7E1BC}" srcOrd="1" destOrd="0" parTransId="{4CB0AE4F-879E-428A-8C49-CFB0662150F9}" sibTransId="{4EFB98FF-E8EB-46E5-B825-246C53E72359}"/>
+    <dgm:cxn modelId="{513FAF7F-DE60-4F39-8823-4F4587A606F7}" type="presOf" srcId="{6FE68EF0-9FA8-419A-8B17-853CE387EC9B}" destId="{0B900DE8-F567-44D8-83A4-7747D8C312C5}" srcOrd="0" destOrd="1" presId="urn:microsoft.com/office/officeart/2005/8/layout/hList1"/>
+    <dgm:cxn modelId="{2DC78E82-D29D-42AB-8A16-2ED8BABF2BDF}" srcId="{E27DFB8F-5F4D-4C61-BE16-94EDE8D4217F}" destId="{C452C865-7294-43FE-A3A1-E35E368BA76C}" srcOrd="0" destOrd="0" parTransId="{A9123D4F-C595-46BD-8F98-126071562C5F}" sibTransId="{4A21E329-4625-4B45-A066-641E2C6B41A1}"/>
+    <dgm:cxn modelId="{92A365D9-F3F4-4EE8-872B-1EA672C7C471}" type="presOf" srcId="{EB1E73B0-EF43-4134-99C4-DD07EE3B72F9}" destId="{0B900DE8-F567-44D8-83A4-7747D8C312C5}" srcOrd="0" destOrd="3" presId="urn:microsoft.com/office/officeart/2005/8/layout/hList1"/>
+    <dgm:cxn modelId="{31CE47EA-BC5E-4C99-B33C-E90972467609}" srcId="{782DC660-11CA-433B-9583-91920CCE0408}" destId="{EB1E73B0-EF43-4134-99C4-DD07EE3B72F9}" srcOrd="3" destOrd="0" parTransId="{925B3295-E954-498B-ADC5-661FAA90FCE8}" sibTransId="{04191640-6F93-4B72-B05F-4A09C6195C45}"/>
+    <dgm:cxn modelId="{D9C7280B-B627-4A42-970B-07C89CB4ADDF}" type="presParOf" srcId="{1AE25CCD-531D-4C79-A1B9-DA2E7501A5D4}" destId="{20EFC5A3-C273-4306-A072-A9157908FF48}" srcOrd="0" destOrd="0" presId="urn:microsoft.com/office/officeart/2005/8/layout/hList1"/>
+    <dgm:cxn modelId="{886F06D3-F9D0-482E-BDA6-362445876FB0}" type="presParOf" srcId="{20EFC5A3-C273-4306-A072-A9157908FF48}" destId="{A64EE8FE-E085-4B5A-A29D-C194A8B1F9DC}" srcOrd="0" destOrd="0" presId="urn:microsoft.com/office/officeart/2005/8/layout/hList1"/>
+    <dgm:cxn modelId="{C2030C6D-46FA-437E-B85B-FCBA856D700E}" type="presParOf" srcId="{20EFC5A3-C273-4306-A072-A9157908FF48}" destId="{0B900DE8-F567-44D8-83A4-7747D8C312C5}" srcOrd="1" destOrd="0" presId="urn:microsoft.com/office/officeart/2005/8/layout/hList1"/>
+    <dgm:cxn modelId="{E87E402E-6BD1-4F67-BCAA-5F555BF89A0F}" type="presParOf" srcId="{1AE25CCD-531D-4C79-A1B9-DA2E7501A5D4}" destId="{E340223D-1E43-44A8-A57D-481B089B7741}" srcOrd="1" destOrd="0" presId="urn:microsoft.com/office/officeart/2005/8/layout/hList1"/>
+    <dgm:cxn modelId="{6667568E-FB40-4A28-BE75-3F8200B60F3A}" type="presParOf" srcId="{1AE25CCD-531D-4C79-A1B9-DA2E7501A5D4}" destId="{9DCD1C5D-77FE-4E32-A3AD-2D1C35EC7F46}" srcOrd="2" destOrd="0" presId="urn:microsoft.com/office/officeart/2005/8/layout/hList1"/>
+    <dgm:cxn modelId="{5EA94AA5-6C16-4DD6-B181-2CB6D69D4AEA}" type="presParOf" srcId="{9DCD1C5D-77FE-4E32-A3AD-2D1C35EC7F46}" destId="{42A9104B-0428-4481-8F40-CBB83AB2CA0E}" srcOrd="0" destOrd="0" presId="urn:microsoft.com/office/officeart/2005/8/layout/hList1"/>
+    <dgm:cxn modelId="{CF16973D-8739-4C34-ACE4-7ACF1DF5C55F}" type="presParOf" srcId="{9DCD1C5D-77FE-4E32-A3AD-2D1C35EC7F46}" destId="{75AF9ED6-AE17-41E7-95B0-53D5E52A506B}" srcOrd="1" destOrd="0" presId="urn:microsoft.com/office/officeart/2005/8/layout/hList1"/>
+  </dgm:cxnLst>
+  <dgm:bg/>
+  <dgm:whole/>
+  <dgm:extLst>
+    <a:ext uri="http://schemas.microsoft.com/office/drawing/2008/diagram">
+      <dsp:dataModelExt xmlns:dsp="http://schemas.microsoft.com/office/drawing/2008/diagram" relId="rId6" minVer="http://schemas.openxmlformats.org/drawingml/2006/diagram"/>
+    </a:ext>
+  </dgm:extLst>
+</dgm:dataModel>
+</file>
+
 <file path=ppt/diagrams/drawing1.xml><?xml version="1.0" encoding="utf-8"?>
 <dsp:drawing xmlns:dgm="http://schemas.openxmlformats.org/drawingml/2006/diagram" xmlns:dsp="http://schemas.microsoft.com/office/drawing/2008/diagram" xmlns:a="http://schemas.openxmlformats.org/drawingml/2006/main">
   <dsp:spTree>
@@ -3827,6 +5017,426 @@
 </dsp:drawing>
 </file>
 
+<file path=ppt/diagrams/drawing2.xml><?xml version="1.0" encoding="utf-8"?>
+<dsp:drawing xmlns:dgm="http://schemas.openxmlformats.org/drawingml/2006/diagram" xmlns:dsp="http://schemas.microsoft.com/office/drawing/2008/diagram" xmlns:a="http://schemas.openxmlformats.org/drawingml/2006/main">
+  <dsp:spTree>
+    <dsp:nvGrpSpPr>
+      <dsp:cNvPr id="0" name=""/>
+      <dsp:cNvGrpSpPr/>
+    </dsp:nvGrpSpPr>
+    <dsp:grpSpPr/>
+    <dsp:sp modelId="{A64EE8FE-E085-4B5A-A29D-C194A8B1F9DC}">
+      <dsp:nvSpPr>
+        <dsp:cNvPr id="0" name=""/>
+        <dsp:cNvSpPr/>
+      </dsp:nvSpPr>
+      <dsp:spPr>
+        <a:xfrm>
+          <a:off x="47" y="54664"/>
+          <a:ext cx="4546893" cy="1117853"/>
+        </a:xfrm>
+        <a:prstGeom prst="rect">
+          <a:avLst/>
+        </a:prstGeom>
+        <a:solidFill>
+          <a:schemeClr val="accent1">
+            <a:hueOff val="0"/>
+            <a:satOff val="0"/>
+            <a:lumOff val="0"/>
+            <a:alphaOff val="0"/>
+          </a:schemeClr>
+        </a:solidFill>
+        <a:ln w="12700" cap="flat" cmpd="sng" algn="ctr">
+          <a:solidFill>
+            <a:schemeClr val="accent1">
+              <a:hueOff val="0"/>
+              <a:satOff val="0"/>
+              <a:lumOff val="0"/>
+              <a:alphaOff val="0"/>
+            </a:schemeClr>
+          </a:solidFill>
+          <a:prstDash val="solid"/>
+        </a:ln>
+        <a:effectLst/>
+      </dsp:spPr>
+      <dsp:style>
+        <a:lnRef idx="2">
+          <a:scrgbClr r="0" g="0" b="0"/>
+        </a:lnRef>
+        <a:fillRef idx="1">
+          <a:scrgbClr r="0" g="0" b="0"/>
+        </a:fillRef>
+        <a:effectRef idx="0">
+          <a:scrgbClr r="0" g="0" b="0"/>
+        </a:effectRef>
+        <a:fontRef idx="minor">
+          <a:schemeClr val="lt1"/>
+        </a:fontRef>
+      </dsp:style>
+      <dsp:txBody>
+        <a:bodyPr spcFirstLastPara="0" vert="horz" wrap="square" lIns="227584" tIns="130048" rIns="227584" bIns="130048" numCol="1" spcCol="1270" anchor="ctr" anchorCtr="0">
+          <a:noAutofit/>
+        </a:bodyPr>
+        <a:lstStyle/>
+        <a:p>
+          <a:pPr marL="0" lvl="0" indent="0" algn="ctr" defTabSz="1422400">
+            <a:lnSpc>
+              <a:spcPct val="90000"/>
+            </a:lnSpc>
+            <a:spcBef>
+              <a:spcPct val="0"/>
+            </a:spcBef>
+            <a:spcAft>
+              <a:spcPct val="35000"/>
+            </a:spcAft>
+            <a:buNone/>
+          </a:pPr>
+          <a:r>
+            <a:rPr lang="ru-RU" sz="3200" kern="1200" dirty="0"/>
+            <a:t>Шаблон микросервиса</a:t>
+          </a:r>
+          <a:r>
+            <a:rPr lang="en-US" sz="3200" kern="1200" dirty="0"/>
+            <a:t> 1</a:t>
+          </a:r>
+        </a:p>
+      </dsp:txBody>
+      <dsp:txXfrm>
+        <a:off x="47" y="54664"/>
+        <a:ext cx="4546893" cy="1117853"/>
+      </dsp:txXfrm>
+    </dsp:sp>
+    <dsp:sp modelId="{0B900DE8-F567-44D8-83A4-7747D8C312C5}">
+      <dsp:nvSpPr>
+        <dsp:cNvPr id="0" name=""/>
+        <dsp:cNvSpPr/>
+      </dsp:nvSpPr>
+      <dsp:spPr>
+        <a:xfrm>
+          <a:off x="47" y="1172518"/>
+          <a:ext cx="4546893" cy="2371680"/>
+        </a:xfrm>
+        <a:prstGeom prst="rect">
+          <a:avLst/>
+        </a:prstGeom>
+        <a:solidFill>
+          <a:schemeClr val="accent1">
+            <a:alpha val="90000"/>
+            <a:tint val="40000"/>
+            <a:hueOff val="0"/>
+            <a:satOff val="0"/>
+            <a:lumOff val="0"/>
+            <a:alphaOff val="0"/>
+          </a:schemeClr>
+        </a:solidFill>
+        <a:ln w="12700" cap="flat" cmpd="sng" algn="ctr">
+          <a:solidFill>
+            <a:schemeClr val="accent1">
+              <a:alpha val="90000"/>
+              <a:tint val="40000"/>
+              <a:hueOff val="0"/>
+              <a:satOff val="0"/>
+              <a:lumOff val="0"/>
+              <a:alphaOff val="0"/>
+            </a:schemeClr>
+          </a:solidFill>
+          <a:prstDash val="solid"/>
+        </a:ln>
+        <a:effectLst/>
+      </dsp:spPr>
+      <dsp:style>
+        <a:lnRef idx="2">
+          <a:scrgbClr r="0" g="0" b="0"/>
+        </a:lnRef>
+        <a:fillRef idx="1">
+          <a:scrgbClr r="0" g="0" b="0"/>
+        </a:fillRef>
+        <a:effectRef idx="0">
+          <a:scrgbClr r="0" g="0" b="0"/>
+        </a:effectRef>
+        <a:fontRef idx="minor"/>
+      </dsp:style>
+      <dsp:txBody>
+        <a:bodyPr spcFirstLastPara="0" vert="horz" wrap="square" lIns="170688" tIns="170688" rIns="227584" bIns="256032" numCol="1" spcCol="1270" anchor="t" anchorCtr="0">
+          <a:noAutofit/>
+        </a:bodyPr>
+        <a:lstStyle/>
+        <a:p>
+          <a:pPr marL="285750" lvl="1" indent="-285750" algn="l" defTabSz="1422400">
+            <a:lnSpc>
+              <a:spcPct val="90000"/>
+            </a:lnSpc>
+            <a:spcBef>
+              <a:spcPct val="0"/>
+            </a:spcBef>
+            <a:spcAft>
+              <a:spcPct val="15000"/>
+            </a:spcAft>
+            <a:buChar char="•"/>
+          </a:pPr>
+          <a:r>
+            <a:rPr lang="ru-RU" sz="3200" kern="1200" dirty="0"/>
+            <a:t>Авторизация</a:t>
+          </a:r>
+          <a:endParaRPr lang="en-US" sz="3200" kern="1200" dirty="0"/>
+        </a:p>
+        <a:p>
+          <a:pPr marL="285750" lvl="1" indent="-285750" algn="l" defTabSz="1422400">
+            <a:lnSpc>
+              <a:spcPct val="90000"/>
+            </a:lnSpc>
+            <a:spcBef>
+              <a:spcPct val="0"/>
+            </a:spcBef>
+            <a:spcAft>
+              <a:spcPct val="15000"/>
+            </a:spcAft>
+            <a:buChar char="•"/>
+          </a:pPr>
+          <a:r>
+            <a:rPr lang="en-US" sz="3200" kern="1200" dirty="0"/>
+            <a:t>Mapper</a:t>
+          </a:r>
+        </a:p>
+        <a:p>
+          <a:pPr marL="285750" lvl="1" indent="-285750" algn="l" defTabSz="1422400">
+            <a:lnSpc>
+              <a:spcPct val="90000"/>
+            </a:lnSpc>
+            <a:spcBef>
+              <a:spcPct val="0"/>
+            </a:spcBef>
+            <a:spcAft>
+              <a:spcPct val="15000"/>
+            </a:spcAft>
+            <a:buChar char="•"/>
+          </a:pPr>
+          <a:r>
+            <a:rPr lang="en-US" sz="3200" kern="1200" dirty="0"/>
+            <a:t>Unit Of Work</a:t>
+          </a:r>
+        </a:p>
+        <a:p>
+          <a:pPr marL="285750" lvl="1" indent="-285750" algn="l" defTabSz="1422400">
+            <a:lnSpc>
+              <a:spcPct val="90000"/>
+            </a:lnSpc>
+            <a:spcBef>
+              <a:spcPct val="0"/>
+            </a:spcBef>
+            <a:spcAft>
+              <a:spcPct val="15000"/>
+            </a:spcAft>
+            <a:buChar char="•"/>
+          </a:pPr>
+          <a:r>
+            <a:rPr lang="en-US" sz="3200" kern="1200" dirty="0"/>
+            <a:t>Repository</a:t>
+          </a:r>
+        </a:p>
+      </dsp:txBody>
+      <dsp:txXfrm>
+        <a:off x="47" y="1172518"/>
+        <a:ext cx="4546893" cy="2371680"/>
+      </dsp:txXfrm>
+    </dsp:sp>
+    <dsp:sp modelId="{42A9104B-0428-4481-8F40-CBB83AB2CA0E}">
+      <dsp:nvSpPr>
+        <dsp:cNvPr id="0" name=""/>
+        <dsp:cNvSpPr/>
+      </dsp:nvSpPr>
+      <dsp:spPr>
+        <a:xfrm>
+          <a:off x="5183506" y="54664"/>
+          <a:ext cx="4546893" cy="1117853"/>
+        </a:xfrm>
+        <a:prstGeom prst="rect">
+          <a:avLst/>
+        </a:prstGeom>
+        <a:solidFill>
+          <a:schemeClr val="accent1">
+            <a:hueOff val="0"/>
+            <a:satOff val="0"/>
+            <a:lumOff val="0"/>
+            <a:alphaOff val="0"/>
+          </a:schemeClr>
+        </a:solidFill>
+        <a:ln w="12700" cap="flat" cmpd="sng" algn="ctr">
+          <a:solidFill>
+            <a:schemeClr val="accent1">
+              <a:hueOff val="0"/>
+              <a:satOff val="0"/>
+              <a:lumOff val="0"/>
+              <a:alphaOff val="0"/>
+            </a:schemeClr>
+          </a:solidFill>
+          <a:prstDash val="solid"/>
+        </a:ln>
+        <a:effectLst/>
+      </dsp:spPr>
+      <dsp:style>
+        <a:lnRef idx="2">
+          <a:scrgbClr r="0" g="0" b="0"/>
+        </a:lnRef>
+        <a:fillRef idx="1">
+          <a:scrgbClr r="0" g="0" b="0"/>
+        </a:fillRef>
+        <a:effectRef idx="0">
+          <a:scrgbClr r="0" g="0" b="0"/>
+        </a:effectRef>
+        <a:fontRef idx="minor">
+          <a:schemeClr val="lt1"/>
+        </a:fontRef>
+      </dsp:style>
+      <dsp:txBody>
+        <a:bodyPr spcFirstLastPara="0" vert="horz" wrap="square" lIns="227584" tIns="130048" rIns="227584" bIns="130048" numCol="1" spcCol="1270" anchor="ctr" anchorCtr="0">
+          <a:noAutofit/>
+        </a:bodyPr>
+        <a:lstStyle/>
+        <a:p>
+          <a:pPr marL="0" lvl="0" indent="0" algn="ctr" defTabSz="1422400">
+            <a:lnSpc>
+              <a:spcPct val="90000"/>
+            </a:lnSpc>
+            <a:spcBef>
+              <a:spcPct val="0"/>
+            </a:spcBef>
+            <a:spcAft>
+              <a:spcPct val="35000"/>
+            </a:spcAft>
+            <a:buNone/>
+          </a:pPr>
+          <a:r>
+            <a:rPr lang="ru-RU" sz="3200" kern="1200" dirty="0"/>
+            <a:t>Шаблон микросервиса 2</a:t>
+          </a:r>
+          <a:endParaRPr lang="en-US" sz="3200" kern="1200" dirty="0"/>
+        </a:p>
+      </dsp:txBody>
+      <dsp:txXfrm>
+        <a:off x="5183506" y="54664"/>
+        <a:ext cx="4546893" cy="1117853"/>
+      </dsp:txXfrm>
+    </dsp:sp>
+    <dsp:sp modelId="{75AF9ED6-AE17-41E7-95B0-53D5E52A506B}">
+      <dsp:nvSpPr>
+        <dsp:cNvPr id="0" name=""/>
+        <dsp:cNvSpPr/>
+      </dsp:nvSpPr>
+      <dsp:spPr>
+        <a:xfrm>
+          <a:off x="5183506" y="1172518"/>
+          <a:ext cx="4546893" cy="2371680"/>
+        </a:xfrm>
+        <a:prstGeom prst="rect">
+          <a:avLst/>
+        </a:prstGeom>
+        <a:solidFill>
+          <a:schemeClr val="accent1">
+            <a:alpha val="90000"/>
+            <a:tint val="40000"/>
+            <a:hueOff val="0"/>
+            <a:satOff val="0"/>
+            <a:lumOff val="0"/>
+            <a:alphaOff val="0"/>
+          </a:schemeClr>
+        </a:solidFill>
+        <a:ln w="12700" cap="flat" cmpd="sng" algn="ctr">
+          <a:solidFill>
+            <a:schemeClr val="accent1">
+              <a:alpha val="90000"/>
+              <a:tint val="40000"/>
+              <a:hueOff val="0"/>
+              <a:satOff val="0"/>
+              <a:lumOff val="0"/>
+              <a:alphaOff val="0"/>
+            </a:schemeClr>
+          </a:solidFill>
+          <a:prstDash val="solid"/>
+        </a:ln>
+        <a:effectLst/>
+      </dsp:spPr>
+      <dsp:style>
+        <a:lnRef idx="2">
+          <a:scrgbClr r="0" g="0" b="0"/>
+        </a:lnRef>
+        <a:fillRef idx="1">
+          <a:scrgbClr r="0" g="0" b="0"/>
+        </a:fillRef>
+        <a:effectRef idx="0">
+          <a:scrgbClr r="0" g="0" b="0"/>
+        </a:effectRef>
+        <a:fontRef idx="minor"/>
+      </dsp:style>
+      <dsp:txBody>
+        <a:bodyPr spcFirstLastPara="0" vert="horz" wrap="square" lIns="170688" tIns="170688" rIns="227584" bIns="256032" numCol="1" spcCol="1270" anchor="t" anchorCtr="0">
+          <a:noAutofit/>
+        </a:bodyPr>
+        <a:lstStyle/>
+        <a:p>
+          <a:pPr marL="285750" lvl="1" indent="-285750" algn="l" defTabSz="1422400">
+            <a:lnSpc>
+              <a:spcPct val="90000"/>
+            </a:lnSpc>
+            <a:spcBef>
+              <a:spcPct val="0"/>
+            </a:spcBef>
+            <a:spcAft>
+              <a:spcPct val="15000"/>
+            </a:spcAft>
+            <a:buChar char="•"/>
+          </a:pPr>
+          <a:r>
+            <a:rPr lang="en-US" sz="3200" kern="1200" dirty="0"/>
+            <a:t>Mapper</a:t>
+          </a:r>
+        </a:p>
+        <a:p>
+          <a:pPr marL="285750" lvl="1" indent="-285750" algn="l" defTabSz="1422400">
+            <a:lnSpc>
+              <a:spcPct val="90000"/>
+            </a:lnSpc>
+            <a:spcBef>
+              <a:spcPct val="0"/>
+            </a:spcBef>
+            <a:spcAft>
+              <a:spcPct val="15000"/>
+            </a:spcAft>
+            <a:buChar char="•"/>
+          </a:pPr>
+          <a:r>
+            <a:rPr lang="en-US" sz="3200" kern="1200" dirty="0"/>
+            <a:t>Unit Of Work</a:t>
+          </a:r>
+        </a:p>
+        <a:p>
+          <a:pPr marL="285750" lvl="1" indent="-285750" algn="l" defTabSz="1422400">
+            <a:lnSpc>
+              <a:spcPct val="90000"/>
+            </a:lnSpc>
+            <a:spcBef>
+              <a:spcPct val="0"/>
+            </a:spcBef>
+            <a:spcAft>
+              <a:spcPct val="15000"/>
+            </a:spcAft>
+            <a:buChar char="•"/>
+          </a:pPr>
+          <a:r>
+            <a:rPr lang="en-US" sz="3200" kern="1200" dirty="0"/>
+            <a:t>Repository</a:t>
+          </a:r>
+        </a:p>
+      </dsp:txBody>
+      <dsp:txXfrm>
+        <a:off x="5183506" y="1172518"/>
+        <a:ext cx="4546893" cy="2371680"/>
+      </dsp:txXfrm>
+    </dsp:sp>
+  </dsp:spTree>
+</dsp:drawing>
+</file>
+
 <file path=ppt/diagrams/layout1.xml><?xml version="1.0" encoding="utf-8"?>
 <dgm:layoutDef xmlns:dgm="http://schemas.openxmlformats.org/drawingml/2006/diagram" xmlns:a="http://schemas.openxmlformats.org/drawingml/2006/main" uniqueId="urn:microsoft.com/office/officeart/2005/8/layout/lProcess2">
   <dgm:title val=""/>
@@ -4054,7 +5664,1258 @@
 </dgm:layoutDef>
 </file>
 
+<file path=ppt/diagrams/layout2.xml><?xml version="1.0" encoding="utf-8"?>
+<dgm:layoutDef xmlns:dgm="http://schemas.openxmlformats.org/drawingml/2006/diagram" xmlns:a="http://schemas.openxmlformats.org/drawingml/2006/main" uniqueId="urn:microsoft.com/office/officeart/2005/8/layout/hList1">
+  <dgm:title val=""/>
+  <dgm:desc val=""/>
+  <dgm:catLst>
+    <dgm:cat type="list" pri="5000"/>
+    <dgm:cat type="convert" pri="5000"/>
+  </dgm:catLst>
+  <dgm:sampData>
+    <dgm:dataModel>
+      <dgm:ptLst>
+        <dgm:pt modelId="0" type="doc"/>
+        <dgm:pt modelId="1">
+          <dgm:prSet phldr="1"/>
+        </dgm:pt>
+        <dgm:pt modelId="11">
+          <dgm:prSet phldr="1"/>
+        </dgm:pt>
+        <dgm:pt modelId="12">
+          <dgm:prSet phldr="1"/>
+        </dgm:pt>
+        <dgm:pt modelId="2">
+          <dgm:prSet phldr="1"/>
+        </dgm:pt>
+        <dgm:pt modelId="21">
+          <dgm:prSet phldr="1"/>
+        </dgm:pt>
+        <dgm:pt modelId="22">
+          <dgm:prSet phldr="1"/>
+        </dgm:pt>
+        <dgm:pt modelId="3">
+          <dgm:prSet phldr="1"/>
+        </dgm:pt>
+        <dgm:pt modelId="31">
+          <dgm:prSet phldr="1"/>
+        </dgm:pt>
+        <dgm:pt modelId="32">
+          <dgm:prSet phldr="1"/>
+        </dgm:pt>
+      </dgm:ptLst>
+      <dgm:cxnLst>
+        <dgm:cxn modelId="4" srcId="0" destId="1" srcOrd="0" destOrd="0"/>
+        <dgm:cxn modelId="5" srcId="0" destId="2" srcOrd="1" destOrd="0"/>
+        <dgm:cxn modelId="6" srcId="0" destId="3" srcOrd="2" destOrd="0"/>
+        <dgm:cxn modelId="13" srcId="1" destId="11" srcOrd="0" destOrd="0"/>
+        <dgm:cxn modelId="14" srcId="1" destId="12" srcOrd="1" destOrd="0"/>
+        <dgm:cxn modelId="23" srcId="2" destId="21" srcOrd="0" destOrd="0"/>
+        <dgm:cxn modelId="24" srcId="2" destId="22" srcOrd="1" destOrd="0"/>
+        <dgm:cxn modelId="33" srcId="3" destId="31" srcOrd="0" destOrd="0"/>
+        <dgm:cxn modelId="34" srcId="3" destId="32" srcOrd="1" destOrd="0"/>
+      </dgm:cxnLst>
+      <dgm:bg/>
+      <dgm:whole/>
+    </dgm:dataModel>
+  </dgm:sampData>
+  <dgm:styleData>
+    <dgm:dataModel>
+      <dgm:ptLst>
+        <dgm:pt modelId="0" type="doc"/>
+        <dgm:pt modelId="1">
+          <dgm:prSet phldr="1"/>
+        </dgm:pt>
+        <dgm:pt modelId="2">
+          <dgm:prSet phldr="1"/>
+        </dgm:pt>
+      </dgm:ptLst>
+      <dgm:cxnLst>
+        <dgm:cxn modelId="3" srcId="0" destId="1" srcOrd="0" destOrd="0"/>
+        <dgm:cxn modelId="4" srcId="0" destId="2" srcOrd="1" destOrd="0"/>
+      </dgm:cxnLst>
+      <dgm:bg/>
+      <dgm:whole/>
+    </dgm:dataModel>
+  </dgm:styleData>
+  <dgm:clrData>
+    <dgm:dataModel>
+      <dgm:ptLst>
+        <dgm:pt modelId="0" type="doc"/>
+        <dgm:pt modelId="1">
+          <dgm:prSet phldr="1"/>
+        </dgm:pt>
+        <dgm:pt modelId="2">
+          <dgm:prSet phldr="1"/>
+        </dgm:pt>
+        <dgm:pt modelId="3">
+          <dgm:prSet phldr="1"/>
+        </dgm:pt>
+        <dgm:pt modelId="4">
+          <dgm:prSet phldr="1"/>
+        </dgm:pt>
+      </dgm:ptLst>
+      <dgm:cxnLst>
+        <dgm:cxn modelId="5" srcId="0" destId="1" srcOrd="0" destOrd="0"/>
+        <dgm:cxn modelId="6" srcId="0" destId="2" srcOrd="1" destOrd="0"/>
+        <dgm:cxn modelId="7" srcId="0" destId="3" srcOrd="2" destOrd="0"/>
+        <dgm:cxn modelId="8" srcId="0" destId="4" srcOrd="3" destOrd="0"/>
+      </dgm:cxnLst>
+      <dgm:bg/>
+      <dgm:whole/>
+    </dgm:dataModel>
+  </dgm:clrData>
+  <dgm:layoutNode name="Name0">
+    <dgm:varLst>
+      <dgm:dir/>
+      <dgm:animLvl val="lvl"/>
+      <dgm:resizeHandles val="exact"/>
+    </dgm:varLst>
+    <dgm:choose name="Name1">
+      <dgm:if name="Name2" func="var" arg="dir" op="equ" val="norm">
+        <dgm:alg type="lin"/>
+      </dgm:if>
+      <dgm:else name="Name3">
+        <dgm:alg type="lin">
+          <dgm:param type="linDir" val="fromR"/>
+        </dgm:alg>
+      </dgm:else>
+    </dgm:choose>
+    <dgm:shape xmlns:r="http://schemas.openxmlformats.org/officeDocument/2006/relationships" r:blip="">
+      <dgm:adjLst/>
+    </dgm:shape>
+    <dgm:presOf/>
+    <dgm:constrLst>
+      <dgm:constr type="h" for="ch" forName="composite" refType="h"/>
+      <dgm:constr type="w" for="ch" forName="composite" refType="w"/>
+      <dgm:constr type="w" for="des" forName="parTx"/>
+      <dgm:constr type="h" for="des" forName="parTx" op="equ"/>
+      <dgm:constr type="w" for="des" forName="desTx"/>
+      <dgm:constr type="h" for="des" forName="desTx" op="equ"/>
+      <dgm:constr type="primFontSz" for="des" forName="parTx" val="65"/>
+      <dgm:constr type="secFontSz" for="des" forName="desTx" refType="primFontSz" refFor="des" refForName="parTx" op="equ"/>
+      <dgm:constr type="h" for="des" forName="parTx" refType="primFontSz" refFor="des" refForName="parTx" fact="0.8"/>
+      <dgm:constr type="h" for="des" forName="desTx" refType="primFontSz" refFor="des" refForName="parTx" fact="1.22"/>
+      <dgm:constr type="w" for="ch" forName="space" refType="w" refFor="ch" refForName="composite" op="equ" fact="0.14"/>
+    </dgm:constrLst>
+    <dgm:ruleLst>
+      <dgm:rule type="w" for="ch" forName="composite" val="0" fact="NaN" max="NaN"/>
+      <dgm:rule type="primFontSz" for="des" forName="parTx" val="5" fact="NaN" max="NaN"/>
+    </dgm:ruleLst>
+    <dgm:forEach name="Name4" axis="ch" ptType="node">
+      <dgm:layoutNode name="composite">
+        <dgm:alg type="composite"/>
+        <dgm:shape xmlns:r="http://schemas.openxmlformats.org/officeDocument/2006/relationships" r:blip="">
+          <dgm:adjLst/>
+        </dgm:shape>
+        <dgm:presOf/>
+        <dgm:constrLst>
+          <dgm:constr type="l" for="ch" forName="parTx"/>
+          <dgm:constr type="w" for="ch" forName="parTx" refType="w"/>
+          <dgm:constr type="t" for="ch" forName="parTx"/>
+          <dgm:constr type="l" for="ch" forName="desTx"/>
+          <dgm:constr type="w" for="ch" forName="desTx" refType="w" refFor="ch" refForName="parTx"/>
+          <dgm:constr type="t" for="ch" forName="desTx" refType="h" refFor="ch" refForName="parTx"/>
+        </dgm:constrLst>
+        <dgm:ruleLst>
+          <dgm:rule type="h" val="INF" fact="NaN" max="NaN"/>
+        </dgm:ruleLst>
+        <dgm:layoutNode name="parTx" styleLbl="alignNode1">
+          <dgm:varLst>
+            <dgm:chMax val="0"/>
+            <dgm:chPref val="0"/>
+            <dgm:bulletEnabled val="1"/>
+          </dgm:varLst>
+          <dgm:alg type="tx"/>
+          <dgm:shape xmlns:r="http://schemas.openxmlformats.org/officeDocument/2006/relationships" type="rect" r:blip="">
+            <dgm:adjLst/>
+          </dgm:shape>
+          <dgm:presOf axis="self" ptType="node"/>
+          <dgm:constrLst>
+            <dgm:constr type="h" refType="w" op="lte" fact="0.4"/>
+            <dgm:constr type="h"/>
+            <dgm:constr type="tMarg" refType="primFontSz" fact="0.32"/>
+            <dgm:constr type="bMarg" refType="primFontSz" fact="0.32"/>
+          </dgm:constrLst>
+          <dgm:ruleLst>
+            <dgm:rule type="h" val="INF" fact="NaN" max="NaN"/>
+          </dgm:ruleLst>
+        </dgm:layoutNode>
+        <dgm:layoutNode name="desTx" styleLbl="alignAccFollowNode1">
+          <dgm:varLst>
+            <dgm:bulletEnabled val="1"/>
+          </dgm:varLst>
+          <dgm:alg type="tx">
+            <dgm:param type="stBulletLvl" val="1"/>
+          </dgm:alg>
+          <dgm:shape xmlns:r="http://schemas.openxmlformats.org/officeDocument/2006/relationships" type="rect" r:blip="">
+            <dgm:adjLst/>
+          </dgm:shape>
+          <dgm:presOf axis="des" ptType="node"/>
+          <dgm:constrLst>
+            <dgm:constr type="secFontSz" val="65"/>
+            <dgm:constr type="primFontSz" refType="secFontSz"/>
+            <dgm:constr type="h"/>
+            <dgm:constr type="lMarg" refType="primFontSz" fact="0.42"/>
+            <dgm:constr type="tMarg" refType="primFontSz" fact="0.42"/>
+            <dgm:constr type="bMarg" refType="primFontSz" fact="0.63"/>
+          </dgm:constrLst>
+          <dgm:ruleLst>
+            <dgm:rule type="h" val="INF" fact="NaN" max="NaN"/>
+          </dgm:ruleLst>
+        </dgm:layoutNode>
+      </dgm:layoutNode>
+      <dgm:forEach name="Name5" axis="followSib" ptType="sibTrans" cnt="1">
+        <dgm:layoutNode name="space">
+          <dgm:alg type="sp"/>
+          <dgm:shape xmlns:r="http://schemas.openxmlformats.org/officeDocument/2006/relationships" r:blip="">
+            <dgm:adjLst/>
+          </dgm:shape>
+          <dgm:presOf/>
+          <dgm:constrLst/>
+          <dgm:ruleLst/>
+        </dgm:layoutNode>
+      </dgm:forEach>
+    </dgm:forEach>
+  </dgm:layoutNode>
+</dgm:layoutDef>
+</file>
+
 <file path=ppt/diagrams/quickStyle1.xml><?xml version="1.0" encoding="utf-8"?>
+<dgm:styleDef xmlns:dgm="http://schemas.openxmlformats.org/drawingml/2006/diagram" xmlns:a="http://schemas.openxmlformats.org/drawingml/2006/main" uniqueId="urn:microsoft.com/office/officeart/2005/8/quickstyle/simple1">
+  <dgm:title val=""/>
+  <dgm:desc val=""/>
+  <dgm:catLst>
+    <dgm:cat type="simple" pri="10100"/>
+  </dgm:catLst>
+  <dgm:scene3d>
+    <a:camera prst="orthographicFront"/>
+    <a:lightRig rig="threePt" dir="t"/>
+  </dgm:scene3d>
+  <dgm:styleLbl name="node0">
+    <dgm:scene3d>
+      <a:camera prst="orthographicFront"/>
+      <a:lightRig rig="threePt" dir="t"/>
+    </dgm:scene3d>
+    <dgm:sp3d/>
+    <dgm:txPr/>
+    <dgm:style>
+      <a:lnRef idx="2">
+        <a:scrgbClr r="0" g="0" b="0"/>
+      </a:lnRef>
+      <a:fillRef idx="1">
+        <a:scrgbClr r="0" g="0" b="0"/>
+      </a:fillRef>
+      <a:effectRef idx="0">
+        <a:scrgbClr r="0" g="0" b="0"/>
+      </a:effectRef>
+      <a:fontRef idx="minor">
+        <a:schemeClr val="lt1"/>
+      </a:fontRef>
+    </dgm:style>
+  </dgm:styleLbl>
+  <dgm:styleLbl name="lnNode1">
+    <dgm:scene3d>
+      <a:camera prst="orthographicFront"/>
+      <a:lightRig rig="threePt" dir="t"/>
+    </dgm:scene3d>
+    <dgm:sp3d/>
+    <dgm:txPr/>
+    <dgm:style>
+      <a:lnRef idx="2">
+        <a:scrgbClr r="0" g="0" b="0"/>
+      </a:lnRef>
+      <a:fillRef idx="1">
+        <a:scrgbClr r="0" g="0" b="0"/>
+      </a:fillRef>
+      <a:effectRef idx="0">
+        <a:scrgbClr r="0" g="0" b="0"/>
+      </a:effectRef>
+      <a:fontRef idx="minor">
+        <a:schemeClr val="lt1"/>
+      </a:fontRef>
+    </dgm:style>
+  </dgm:styleLbl>
+  <dgm:styleLbl name="vennNode1">
+    <dgm:scene3d>
+      <a:camera prst="orthographicFront"/>
+      <a:lightRig rig="threePt" dir="t"/>
+    </dgm:scene3d>
+    <dgm:sp3d/>
+    <dgm:txPr/>
+    <dgm:style>
+      <a:lnRef idx="2">
+        <a:scrgbClr r="0" g="0" b="0"/>
+      </a:lnRef>
+      <a:fillRef idx="1">
+        <a:scrgbClr r="0" g="0" b="0"/>
+      </a:fillRef>
+      <a:effectRef idx="0">
+        <a:scrgbClr r="0" g="0" b="0"/>
+      </a:effectRef>
+      <a:fontRef idx="minor">
+        <a:schemeClr val="tx1"/>
+      </a:fontRef>
+    </dgm:style>
+  </dgm:styleLbl>
+  <dgm:styleLbl name="alignNode1">
+    <dgm:scene3d>
+      <a:camera prst="orthographicFront"/>
+      <a:lightRig rig="threePt" dir="t"/>
+    </dgm:scene3d>
+    <dgm:sp3d/>
+    <dgm:txPr/>
+    <dgm:style>
+      <a:lnRef idx="2">
+        <a:scrgbClr r="0" g="0" b="0"/>
+      </a:lnRef>
+      <a:fillRef idx="1">
+        <a:scrgbClr r="0" g="0" b="0"/>
+      </a:fillRef>
+      <a:effectRef idx="0">
+        <a:scrgbClr r="0" g="0" b="0"/>
+      </a:effectRef>
+      <a:fontRef idx="minor">
+        <a:schemeClr val="lt1"/>
+      </a:fontRef>
+    </dgm:style>
+  </dgm:styleLbl>
+  <dgm:styleLbl name="node1">
+    <dgm:scene3d>
+      <a:camera prst="orthographicFront"/>
+      <a:lightRig rig="threePt" dir="t"/>
+    </dgm:scene3d>
+    <dgm:sp3d/>
+    <dgm:txPr/>
+    <dgm:style>
+      <a:lnRef idx="2">
+        <a:scrgbClr r="0" g="0" b="0"/>
+      </a:lnRef>
+      <a:fillRef idx="1">
+        <a:scrgbClr r="0" g="0" b="0"/>
+      </a:fillRef>
+      <a:effectRef idx="0">
+        <a:scrgbClr r="0" g="0" b="0"/>
+      </a:effectRef>
+      <a:fontRef idx="minor">
+        <a:schemeClr val="lt1"/>
+      </a:fontRef>
+    </dgm:style>
+  </dgm:styleLbl>
+  <dgm:styleLbl name="node2">
+    <dgm:scene3d>
+      <a:camera prst="orthographicFront"/>
+      <a:lightRig rig="threePt" dir="t"/>
+    </dgm:scene3d>
+    <dgm:sp3d/>
+    <dgm:txPr/>
+    <dgm:style>
+      <a:lnRef idx="2">
+        <a:scrgbClr r="0" g="0" b="0"/>
+      </a:lnRef>
+      <a:fillRef idx="1">
+        <a:scrgbClr r="0" g="0" b="0"/>
+      </a:fillRef>
+      <a:effectRef idx="0">
+        <a:scrgbClr r="0" g="0" b="0"/>
+      </a:effectRef>
+      <a:fontRef idx="minor">
+        <a:schemeClr val="lt1"/>
+      </a:fontRef>
+    </dgm:style>
+  </dgm:styleLbl>
+  <dgm:styleLbl name="node3">
+    <dgm:scene3d>
+      <a:camera prst="orthographicFront"/>
+      <a:lightRig rig="threePt" dir="t"/>
+    </dgm:scene3d>
+    <dgm:sp3d/>
+    <dgm:txPr/>
+    <dgm:style>
+      <a:lnRef idx="2">
+        <a:scrgbClr r="0" g="0" b="0"/>
+      </a:lnRef>
+      <a:fillRef idx="1">
+        <a:scrgbClr r="0" g="0" b="0"/>
+      </a:fillRef>
+      <a:effectRef idx="0">
+        <a:scrgbClr r="0" g="0" b="0"/>
+      </a:effectRef>
+      <a:fontRef idx="minor">
+        <a:schemeClr val="lt1"/>
+      </a:fontRef>
+    </dgm:style>
+  </dgm:styleLbl>
+  <dgm:styleLbl name="node4">
+    <dgm:scene3d>
+      <a:camera prst="orthographicFront"/>
+      <a:lightRig rig="threePt" dir="t"/>
+    </dgm:scene3d>
+    <dgm:sp3d/>
+    <dgm:txPr/>
+    <dgm:style>
+      <a:lnRef idx="2">
+        <a:scrgbClr r="0" g="0" b="0"/>
+      </a:lnRef>
+      <a:fillRef idx="1">
+        <a:scrgbClr r="0" g="0" b="0"/>
+      </a:fillRef>
+      <a:effectRef idx="0">
+        <a:scrgbClr r="0" g="0" b="0"/>
+      </a:effectRef>
+      <a:fontRef idx="minor">
+        <a:schemeClr val="lt1"/>
+      </a:fontRef>
+    </dgm:style>
+  </dgm:styleLbl>
+  <dgm:styleLbl name="fgImgPlace1">
+    <dgm:scene3d>
+      <a:camera prst="orthographicFront"/>
+      <a:lightRig rig="threePt" dir="t"/>
+    </dgm:scene3d>
+    <dgm:sp3d/>
+    <dgm:txPr/>
+    <dgm:style>
+      <a:lnRef idx="2">
+        <a:scrgbClr r="0" g="0" b="0"/>
+      </a:lnRef>
+      <a:fillRef idx="1">
+        <a:scrgbClr r="0" g="0" b="0"/>
+      </a:fillRef>
+      <a:effectRef idx="0">
+        <a:scrgbClr r="0" g="0" b="0"/>
+      </a:effectRef>
+      <a:fontRef idx="minor"/>
+    </dgm:style>
+  </dgm:styleLbl>
+  <dgm:styleLbl name="alignImgPlace1">
+    <dgm:scene3d>
+      <a:camera prst="orthographicFront"/>
+      <a:lightRig rig="threePt" dir="t"/>
+    </dgm:scene3d>
+    <dgm:sp3d/>
+    <dgm:txPr/>
+    <dgm:style>
+      <a:lnRef idx="2">
+        <a:scrgbClr r="0" g="0" b="0"/>
+      </a:lnRef>
+      <a:fillRef idx="1">
+        <a:scrgbClr r="0" g="0" b="0"/>
+      </a:fillRef>
+      <a:effectRef idx="0">
+        <a:scrgbClr r="0" g="0" b="0"/>
+      </a:effectRef>
+      <a:fontRef idx="minor"/>
+    </dgm:style>
+  </dgm:styleLbl>
+  <dgm:styleLbl name="bgImgPlace1">
+    <dgm:scene3d>
+      <a:camera prst="orthographicFront"/>
+      <a:lightRig rig="threePt" dir="t"/>
+    </dgm:scene3d>
+    <dgm:sp3d/>
+    <dgm:txPr/>
+    <dgm:style>
+      <a:lnRef idx="2">
+        <a:scrgbClr r="0" g="0" b="0"/>
+      </a:lnRef>
+      <a:fillRef idx="1">
+        <a:scrgbClr r="0" g="0" b="0"/>
+      </a:fillRef>
+      <a:effectRef idx="0">
+        <a:scrgbClr r="0" g="0" b="0"/>
+      </a:effectRef>
+      <a:fontRef idx="minor"/>
+    </dgm:style>
+  </dgm:styleLbl>
+  <dgm:styleLbl name="sibTrans2D1">
+    <dgm:scene3d>
+      <a:camera prst="orthographicFront"/>
+      <a:lightRig rig="threePt" dir="t"/>
+    </dgm:scene3d>
+    <dgm:sp3d/>
+    <dgm:txPr/>
+    <dgm:style>
+      <a:lnRef idx="0">
+        <a:scrgbClr r="0" g="0" b="0"/>
+      </a:lnRef>
+      <a:fillRef idx="1">
+        <a:scrgbClr r="0" g="0" b="0"/>
+      </a:fillRef>
+      <a:effectRef idx="0">
+        <a:scrgbClr r="0" g="0" b="0"/>
+      </a:effectRef>
+      <a:fontRef idx="minor">
+        <a:schemeClr val="lt1"/>
+      </a:fontRef>
+    </dgm:style>
+  </dgm:styleLbl>
+  <dgm:styleLbl name="fgSibTrans2D1">
+    <dgm:scene3d>
+      <a:camera prst="orthographicFront"/>
+      <a:lightRig rig="threePt" dir="t"/>
+    </dgm:scene3d>
+    <dgm:sp3d/>
+    <dgm:txPr/>
+    <dgm:style>
+      <a:lnRef idx="0">
+        <a:scrgbClr r="0" g="0" b="0"/>
+      </a:lnRef>
+      <a:fillRef idx="1">
+        <a:scrgbClr r="0" g="0" b="0"/>
+      </a:fillRef>
+      <a:effectRef idx="0">
+        <a:scrgbClr r="0" g="0" b="0"/>
+      </a:effectRef>
+      <a:fontRef idx="minor">
+        <a:schemeClr val="lt1"/>
+      </a:fontRef>
+    </dgm:style>
+  </dgm:styleLbl>
+  <dgm:styleLbl name="bgSibTrans2D1">
+    <dgm:scene3d>
+      <a:camera prst="orthographicFront"/>
+      <a:lightRig rig="threePt" dir="t"/>
+    </dgm:scene3d>
+    <dgm:sp3d/>
+    <dgm:txPr/>
+    <dgm:style>
+      <a:lnRef idx="0">
+        <a:scrgbClr r="0" g="0" b="0"/>
+      </a:lnRef>
+      <a:fillRef idx="1">
+        <a:scrgbClr r="0" g="0" b="0"/>
+      </a:fillRef>
+      <a:effectRef idx="0">
+        <a:scrgbClr r="0" g="0" b="0"/>
+      </a:effectRef>
+      <a:fontRef idx="minor">
+        <a:schemeClr val="lt1"/>
+      </a:fontRef>
+    </dgm:style>
+  </dgm:styleLbl>
+  <dgm:styleLbl name="sibTrans1D1">
+    <dgm:scene3d>
+      <a:camera prst="orthographicFront"/>
+      <a:lightRig rig="threePt" dir="t"/>
+    </dgm:scene3d>
+    <dgm:sp3d/>
+    <dgm:txPr/>
+    <dgm:style>
+      <a:lnRef idx="1">
+        <a:scrgbClr r="0" g="0" b="0"/>
+      </a:lnRef>
+      <a:fillRef idx="0">
+        <a:scrgbClr r="0" g="0" b="0"/>
+      </a:fillRef>
+      <a:effectRef idx="0">
+        <a:scrgbClr r="0" g="0" b="0"/>
+      </a:effectRef>
+      <a:fontRef idx="minor"/>
+    </dgm:style>
+  </dgm:styleLbl>
+  <dgm:styleLbl name="callout">
+    <dgm:scene3d>
+      <a:camera prst="orthographicFront"/>
+      <a:lightRig rig="threePt" dir="t"/>
+    </dgm:scene3d>
+    <dgm:sp3d/>
+    <dgm:txPr/>
+    <dgm:style>
+      <a:lnRef idx="2">
+        <a:scrgbClr r="0" g="0" b="0"/>
+      </a:lnRef>
+      <a:fillRef idx="1">
+        <a:scrgbClr r="0" g="0" b="0"/>
+      </a:fillRef>
+      <a:effectRef idx="0">
+        <a:scrgbClr r="0" g="0" b="0"/>
+      </a:effectRef>
+      <a:fontRef idx="minor"/>
+    </dgm:style>
+  </dgm:styleLbl>
+  <dgm:styleLbl name="asst0">
+    <dgm:scene3d>
+      <a:camera prst="orthographicFront"/>
+      <a:lightRig rig="threePt" dir="t"/>
+    </dgm:scene3d>
+    <dgm:sp3d/>
+    <dgm:txPr/>
+    <dgm:style>
+      <a:lnRef idx="2">
+        <a:scrgbClr r="0" g="0" b="0"/>
+      </a:lnRef>
+      <a:fillRef idx="1">
+        <a:scrgbClr r="0" g="0" b="0"/>
+      </a:fillRef>
+      <a:effectRef idx="0">
+        <a:scrgbClr r="0" g="0" b="0"/>
+      </a:effectRef>
+      <a:fontRef idx="minor">
+        <a:schemeClr val="lt1"/>
+      </a:fontRef>
+    </dgm:style>
+  </dgm:styleLbl>
+  <dgm:styleLbl name="asst1">
+    <dgm:scene3d>
+      <a:camera prst="orthographicFront"/>
+      <a:lightRig rig="threePt" dir="t"/>
+    </dgm:scene3d>
+    <dgm:sp3d/>
+    <dgm:txPr/>
+    <dgm:style>
+      <a:lnRef idx="2">
+        <a:scrgbClr r="0" g="0" b="0"/>
+      </a:lnRef>
+      <a:fillRef idx="1">
+        <a:scrgbClr r="0" g="0" b="0"/>
+      </a:fillRef>
+      <a:effectRef idx="0">
+        <a:scrgbClr r="0" g="0" b="0"/>
+      </a:effectRef>
+      <a:fontRef idx="minor">
+        <a:schemeClr val="lt1"/>
+      </a:fontRef>
+    </dgm:style>
+  </dgm:styleLbl>
+  <dgm:styleLbl name="asst2">
+    <dgm:scene3d>
+      <a:camera prst="orthographicFront"/>
+      <a:lightRig rig="threePt" dir="t"/>
+    </dgm:scene3d>
+    <dgm:sp3d/>
+    <dgm:txPr/>
+    <dgm:style>
+      <a:lnRef idx="2">
+        <a:scrgbClr r="0" g="0" b="0"/>
+      </a:lnRef>
+      <a:fillRef idx="1">
+        <a:scrgbClr r="0" g="0" b="0"/>
+      </a:fillRef>
+      <a:effectRef idx="0">
+        <a:scrgbClr r="0" g="0" b="0"/>
+      </a:effectRef>
+      <a:fontRef idx="minor">
+        <a:schemeClr val="lt1"/>
+      </a:fontRef>
+    </dgm:style>
+  </dgm:styleLbl>
+  <dgm:styleLbl name="asst3">
+    <dgm:scene3d>
+      <a:camera prst="orthographicFront"/>
+      <a:lightRig rig="threePt" dir="t"/>
+    </dgm:scene3d>
+    <dgm:sp3d/>
+    <dgm:txPr/>
+    <dgm:style>
+      <a:lnRef idx="2">
+        <a:scrgbClr r="0" g="0" b="0"/>
+      </a:lnRef>
+      <a:fillRef idx="1">
+        <a:scrgbClr r="0" g="0" b="0"/>
+      </a:fillRef>
+      <a:effectRef idx="0">
+        <a:scrgbClr r="0" g="0" b="0"/>
+      </a:effectRef>
+      <a:fontRef idx="minor">
+        <a:schemeClr val="lt1"/>
+      </a:fontRef>
+    </dgm:style>
+  </dgm:styleLbl>
+  <dgm:styleLbl name="asst4">
+    <dgm:scene3d>
+      <a:camera prst="orthographicFront"/>
+      <a:lightRig rig="threePt" dir="t"/>
+    </dgm:scene3d>
+    <dgm:sp3d/>
+    <dgm:txPr/>
+    <dgm:style>
+      <a:lnRef idx="2">
+        <a:scrgbClr r="0" g="0" b="0"/>
+      </a:lnRef>
+      <a:fillRef idx="1">
+        <a:scrgbClr r="0" g="0" b="0"/>
+      </a:fillRef>
+      <a:effectRef idx="0">
+        <a:scrgbClr r="0" g="0" b="0"/>
+      </a:effectRef>
+      <a:fontRef idx="minor">
+        <a:schemeClr val="lt1"/>
+      </a:fontRef>
+    </dgm:style>
+  </dgm:styleLbl>
+  <dgm:styleLbl name="parChTrans2D1">
+    <dgm:scene3d>
+      <a:camera prst="orthographicFront"/>
+      <a:lightRig rig="threePt" dir="t"/>
+    </dgm:scene3d>
+    <dgm:sp3d/>
+    <dgm:txPr/>
+    <dgm:style>
+      <a:lnRef idx="2">
+        <a:scrgbClr r="0" g="0" b="0"/>
+      </a:lnRef>
+      <a:fillRef idx="1">
+        <a:scrgbClr r="0" g="0" b="0"/>
+      </a:fillRef>
+      <a:effectRef idx="0">
+        <a:scrgbClr r="0" g="0" b="0"/>
+      </a:effectRef>
+      <a:fontRef idx="minor">
+        <a:schemeClr val="lt1"/>
+      </a:fontRef>
+    </dgm:style>
+  </dgm:styleLbl>
+  <dgm:styleLbl name="parChTrans2D2">
+    <dgm:scene3d>
+      <a:camera prst="orthographicFront"/>
+      <a:lightRig rig="threePt" dir="t"/>
+    </dgm:scene3d>
+    <dgm:sp3d/>
+    <dgm:txPr/>
+    <dgm:style>
+      <a:lnRef idx="2">
+        <a:scrgbClr r="0" g="0" b="0"/>
+      </a:lnRef>
+      <a:fillRef idx="1">
+        <a:scrgbClr r="0" g="0" b="0"/>
+      </a:fillRef>
+      <a:effectRef idx="0">
+        <a:scrgbClr r="0" g="0" b="0"/>
+      </a:effectRef>
+      <a:fontRef idx="minor">
+        <a:schemeClr val="lt1"/>
+      </a:fontRef>
+    </dgm:style>
+  </dgm:styleLbl>
+  <dgm:styleLbl name="parChTrans2D3">
+    <dgm:scene3d>
+      <a:camera prst="orthographicFront"/>
+      <a:lightRig rig="threePt" dir="t"/>
+    </dgm:scene3d>
+    <dgm:sp3d/>
+    <dgm:txPr/>
+    <dgm:style>
+      <a:lnRef idx="2">
+        <a:scrgbClr r="0" g="0" b="0"/>
+      </a:lnRef>
+      <a:fillRef idx="1">
+        <a:scrgbClr r="0" g="0" b="0"/>
+      </a:fillRef>
+      <a:effectRef idx="0">
+        <a:scrgbClr r="0" g="0" b="0"/>
+      </a:effectRef>
+      <a:fontRef idx="minor">
+        <a:schemeClr val="lt1"/>
+      </a:fontRef>
+    </dgm:style>
+  </dgm:styleLbl>
+  <dgm:styleLbl name="parChTrans2D4">
+    <dgm:scene3d>
+      <a:camera prst="orthographicFront"/>
+      <a:lightRig rig="threePt" dir="t"/>
+    </dgm:scene3d>
+    <dgm:sp3d/>
+    <dgm:txPr/>
+    <dgm:style>
+      <a:lnRef idx="2">
+        <a:scrgbClr r="0" g="0" b="0"/>
+      </a:lnRef>
+      <a:fillRef idx="1">
+        <a:scrgbClr r="0" g="0" b="0"/>
+      </a:fillRef>
+      <a:effectRef idx="0">
+        <a:scrgbClr r="0" g="0" b="0"/>
+      </a:effectRef>
+      <a:fontRef idx="minor">
+        <a:schemeClr val="lt1"/>
+      </a:fontRef>
+    </dgm:style>
+  </dgm:styleLbl>
+  <dgm:styleLbl name="parChTrans1D1">
+    <dgm:scene3d>
+      <a:camera prst="orthographicFront"/>
+      <a:lightRig rig="threePt" dir="t"/>
+    </dgm:scene3d>
+    <dgm:sp3d/>
+    <dgm:txPr/>
+    <dgm:style>
+      <a:lnRef idx="2">
+        <a:scrgbClr r="0" g="0" b="0"/>
+      </a:lnRef>
+      <a:fillRef idx="0">
+        <a:scrgbClr r="0" g="0" b="0"/>
+      </a:fillRef>
+      <a:effectRef idx="0">
+        <a:scrgbClr r="0" g="0" b="0"/>
+      </a:effectRef>
+      <a:fontRef idx="minor"/>
+    </dgm:style>
+  </dgm:styleLbl>
+  <dgm:styleLbl name="parChTrans1D2">
+    <dgm:scene3d>
+      <a:camera prst="orthographicFront"/>
+      <a:lightRig rig="threePt" dir="t"/>
+    </dgm:scene3d>
+    <dgm:sp3d/>
+    <dgm:txPr/>
+    <dgm:style>
+      <a:lnRef idx="2">
+        <a:scrgbClr r="0" g="0" b="0"/>
+      </a:lnRef>
+      <a:fillRef idx="0">
+        <a:scrgbClr r="0" g="0" b="0"/>
+      </a:fillRef>
+      <a:effectRef idx="0">
+        <a:scrgbClr r="0" g="0" b="0"/>
+      </a:effectRef>
+      <a:fontRef idx="minor"/>
+    </dgm:style>
+  </dgm:styleLbl>
+  <dgm:styleLbl name="parChTrans1D3">
+    <dgm:scene3d>
+      <a:camera prst="orthographicFront"/>
+      <a:lightRig rig="threePt" dir="t"/>
+    </dgm:scene3d>
+    <dgm:sp3d/>
+    <dgm:txPr/>
+    <dgm:style>
+      <a:lnRef idx="2">
+        <a:scrgbClr r="0" g="0" b="0"/>
+      </a:lnRef>
+      <a:fillRef idx="0">
+        <a:scrgbClr r="0" g="0" b="0"/>
+      </a:fillRef>
+      <a:effectRef idx="0">
+        <a:scrgbClr r="0" g="0" b="0"/>
+      </a:effectRef>
+      <a:fontRef idx="minor"/>
+    </dgm:style>
+  </dgm:styleLbl>
+  <dgm:styleLbl name="parChTrans1D4">
+    <dgm:scene3d>
+      <a:camera prst="orthographicFront"/>
+      <a:lightRig rig="threePt" dir="t"/>
+    </dgm:scene3d>
+    <dgm:sp3d/>
+    <dgm:txPr/>
+    <dgm:style>
+      <a:lnRef idx="2">
+        <a:scrgbClr r="0" g="0" b="0"/>
+      </a:lnRef>
+      <a:fillRef idx="0">
+        <a:scrgbClr r="0" g="0" b="0"/>
+      </a:fillRef>
+      <a:effectRef idx="0">
+        <a:scrgbClr r="0" g="0" b="0"/>
+      </a:effectRef>
+      <a:fontRef idx="minor"/>
+    </dgm:style>
+  </dgm:styleLbl>
+  <dgm:styleLbl name="fgAcc1">
+    <dgm:scene3d>
+      <a:camera prst="orthographicFront"/>
+      <a:lightRig rig="threePt" dir="t"/>
+    </dgm:scene3d>
+    <dgm:sp3d/>
+    <dgm:txPr/>
+    <dgm:style>
+      <a:lnRef idx="2">
+        <a:scrgbClr r="0" g="0" b="0"/>
+      </a:lnRef>
+      <a:fillRef idx="1">
+        <a:scrgbClr r="0" g="0" b="0"/>
+      </a:fillRef>
+      <a:effectRef idx="0">
+        <a:scrgbClr r="0" g="0" b="0"/>
+      </a:effectRef>
+      <a:fontRef idx="minor"/>
+    </dgm:style>
+  </dgm:styleLbl>
+  <dgm:styleLbl name="conFgAcc1">
+    <dgm:scene3d>
+      <a:camera prst="orthographicFront"/>
+      <a:lightRig rig="threePt" dir="t"/>
+    </dgm:scene3d>
+    <dgm:sp3d/>
+    <dgm:txPr/>
+    <dgm:style>
+      <a:lnRef idx="2">
+        <a:scrgbClr r="0" g="0" b="0"/>
+      </a:lnRef>
+      <a:fillRef idx="1">
+        <a:scrgbClr r="0" g="0" b="0"/>
+      </a:fillRef>
+      <a:effectRef idx="0">
+        <a:scrgbClr r="0" g="0" b="0"/>
+      </a:effectRef>
+      <a:fontRef idx="minor"/>
+    </dgm:style>
+  </dgm:styleLbl>
+  <dgm:styleLbl name="alignAcc1">
+    <dgm:scene3d>
+      <a:camera prst="orthographicFront"/>
+      <a:lightRig rig="threePt" dir="t"/>
+    </dgm:scene3d>
+    <dgm:sp3d/>
+    <dgm:txPr/>
+    <dgm:style>
+      <a:lnRef idx="2">
+        <a:scrgbClr r="0" g="0" b="0"/>
+      </a:lnRef>
+      <a:fillRef idx="1">
+        <a:scrgbClr r="0" g="0" b="0"/>
+      </a:fillRef>
+      <a:effectRef idx="0">
+        <a:scrgbClr r="0" g="0" b="0"/>
+      </a:effectRef>
+      <a:fontRef idx="minor"/>
+    </dgm:style>
+  </dgm:styleLbl>
+  <dgm:styleLbl name="trAlignAcc1">
+    <dgm:scene3d>
+      <a:camera prst="orthographicFront"/>
+      <a:lightRig rig="threePt" dir="t"/>
+    </dgm:scene3d>
+    <dgm:sp3d/>
+    <dgm:txPr/>
+    <dgm:style>
+      <a:lnRef idx="1">
+        <a:scrgbClr r="0" g="0" b="0"/>
+      </a:lnRef>
+      <a:fillRef idx="1">
+        <a:scrgbClr r="0" g="0" b="0"/>
+      </a:fillRef>
+      <a:effectRef idx="0">
+        <a:scrgbClr r="0" g="0" b="0"/>
+      </a:effectRef>
+      <a:fontRef idx="minor"/>
+    </dgm:style>
+  </dgm:styleLbl>
+  <dgm:styleLbl name="bgAcc1">
+    <dgm:scene3d>
+      <a:camera prst="orthographicFront"/>
+      <a:lightRig rig="threePt" dir="t"/>
+    </dgm:scene3d>
+    <dgm:sp3d/>
+    <dgm:txPr/>
+    <dgm:style>
+      <a:lnRef idx="2">
+        <a:scrgbClr r="0" g="0" b="0"/>
+      </a:lnRef>
+      <a:fillRef idx="1">
+        <a:scrgbClr r="0" g="0" b="0"/>
+      </a:fillRef>
+      <a:effectRef idx="0">
+        <a:scrgbClr r="0" g="0" b="0"/>
+      </a:effectRef>
+      <a:fontRef idx="minor"/>
+    </dgm:style>
+  </dgm:styleLbl>
+  <dgm:styleLbl name="solidFgAcc1">
+    <dgm:scene3d>
+      <a:camera prst="orthographicFront"/>
+      <a:lightRig rig="threePt" dir="t"/>
+    </dgm:scene3d>
+    <dgm:sp3d/>
+    <dgm:txPr/>
+    <dgm:style>
+      <a:lnRef idx="2">
+        <a:scrgbClr r="0" g="0" b="0"/>
+      </a:lnRef>
+      <a:fillRef idx="1">
+        <a:scrgbClr r="0" g="0" b="0"/>
+      </a:fillRef>
+      <a:effectRef idx="0">
+        <a:scrgbClr r="0" g="0" b="0"/>
+      </a:effectRef>
+      <a:fontRef idx="minor"/>
+    </dgm:style>
+  </dgm:styleLbl>
+  <dgm:styleLbl name="solidAlignAcc1">
+    <dgm:scene3d>
+      <a:camera prst="orthographicFront"/>
+      <a:lightRig rig="threePt" dir="t"/>
+    </dgm:scene3d>
+    <dgm:sp3d/>
+    <dgm:txPr/>
+    <dgm:style>
+      <a:lnRef idx="2">
+        <a:scrgbClr r="0" g="0" b="0"/>
+      </a:lnRef>
+      <a:fillRef idx="1">
+        <a:scrgbClr r="0" g="0" b="0"/>
+      </a:fillRef>
+      <a:effectRef idx="0">
+        <a:scrgbClr r="0" g="0" b="0"/>
+      </a:effectRef>
+      <a:fontRef idx="minor"/>
+    </dgm:style>
+  </dgm:styleLbl>
+  <dgm:styleLbl name="solidBgAcc1">
+    <dgm:scene3d>
+      <a:camera prst="orthographicFront"/>
+      <a:lightRig rig="threePt" dir="t"/>
+    </dgm:scene3d>
+    <dgm:sp3d/>
+    <dgm:txPr/>
+    <dgm:style>
+      <a:lnRef idx="2">
+        <a:scrgbClr r="0" g="0" b="0"/>
+      </a:lnRef>
+      <a:fillRef idx="1">
+        <a:scrgbClr r="0" g="0" b="0"/>
+      </a:fillRef>
+      <a:effectRef idx="0">
+        <a:scrgbClr r="0" g="0" b="0"/>
+      </a:effectRef>
+      <a:fontRef idx="minor"/>
+    </dgm:style>
+  </dgm:styleLbl>
+  <dgm:styleLbl name="fgAccFollowNode1">
+    <dgm:scene3d>
+      <a:camera prst="orthographicFront"/>
+      <a:lightRig rig="threePt" dir="t"/>
+    </dgm:scene3d>
+    <dgm:sp3d/>
+    <dgm:txPr/>
+    <dgm:style>
+      <a:lnRef idx="2">
+        <a:scrgbClr r="0" g="0" b="0"/>
+      </a:lnRef>
+      <a:fillRef idx="1">
+        <a:scrgbClr r="0" g="0" b="0"/>
+      </a:fillRef>
+      <a:effectRef idx="0">
+        <a:scrgbClr r="0" g="0" b="0"/>
+      </a:effectRef>
+      <a:fontRef idx="minor"/>
+    </dgm:style>
+  </dgm:styleLbl>
+  <dgm:styleLbl name="alignAccFollowNode1">
+    <dgm:scene3d>
+      <a:camera prst="orthographicFront"/>
+      <a:lightRig rig="threePt" dir="t"/>
+    </dgm:scene3d>
+    <dgm:sp3d/>
+    <dgm:txPr/>
+    <dgm:style>
+      <a:lnRef idx="2">
+        <a:scrgbClr r="0" g="0" b="0"/>
+      </a:lnRef>
+      <a:fillRef idx="1">
+        <a:scrgbClr r="0" g="0" b="0"/>
+      </a:fillRef>
+      <a:effectRef idx="0">
+        <a:scrgbClr r="0" g="0" b="0"/>
+      </a:effectRef>
+      <a:fontRef idx="minor"/>
+    </dgm:style>
+  </dgm:styleLbl>
+  <dgm:styleLbl name="bgAccFollowNode1">
+    <dgm:scene3d>
+      <a:camera prst="orthographicFront"/>
+      <a:lightRig rig="threePt" dir="t"/>
+    </dgm:scene3d>
+    <dgm:sp3d/>
+    <dgm:txPr/>
+    <dgm:style>
+      <a:lnRef idx="2">
+        <a:scrgbClr r="0" g="0" b="0"/>
+      </a:lnRef>
+      <a:fillRef idx="1">
+        <a:scrgbClr r="0" g="0" b="0"/>
+      </a:fillRef>
+      <a:effectRef idx="0">
+        <a:scrgbClr r="0" g="0" b="0"/>
+      </a:effectRef>
+      <a:fontRef idx="minor"/>
+    </dgm:style>
+  </dgm:styleLbl>
+  <dgm:styleLbl name="fgAcc0">
+    <dgm:scene3d>
+      <a:camera prst="orthographicFront"/>
+      <a:lightRig rig="threePt" dir="t"/>
+    </dgm:scene3d>
+    <dgm:sp3d/>
+    <dgm:txPr/>
+    <dgm:style>
+      <a:lnRef idx="2">
+        <a:scrgbClr r="0" g="0" b="0"/>
+      </a:lnRef>
+      <a:fillRef idx="1">
+        <a:scrgbClr r="0" g="0" b="0"/>
+      </a:fillRef>
+      <a:effectRef idx="0">
+        <a:scrgbClr r="0" g="0" b="0"/>
+      </a:effectRef>
+      <a:fontRef idx="minor"/>
+    </dgm:style>
+  </dgm:styleLbl>
+  <dgm:styleLbl name="fgAcc2">
+    <dgm:scene3d>
+      <a:camera prst="orthographicFront"/>
+      <a:lightRig rig="threePt" dir="t"/>
+    </dgm:scene3d>
+    <dgm:sp3d/>
+    <dgm:txPr/>
+    <dgm:style>
+      <a:lnRef idx="2">
+        <a:scrgbClr r="0" g="0" b="0"/>
+      </a:lnRef>
+      <a:fillRef idx="1">
+        <a:scrgbClr r="0" g="0" b="0"/>
+      </a:fillRef>
+      <a:effectRef idx="0">
+        <a:scrgbClr r="0" g="0" b="0"/>
+      </a:effectRef>
+      <a:fontRef idx="minor"/>
+    </dgm:style>
+  </dgm:styleLbl>
+  <dgm:styleLbl name="fgAcc3">
+    <dgm:scene3d>
+      <a:camera prst="orthographicFront"/>
+      <a:lightRig rig="threePt" dir="t"/>
+    </dgm:scene3d>
+    <dgm:sp3d/>
+    <dgm:txPr/>
+    <dgm:style>
+      <a:lnRef idx="2">
+        <a:scrgbClr r="0" g="0" b="0"/>
+      </a:lnRef>
+      <a:fillRef idx="1">
+        <a:scrgbClr r="0" g="0" b="0"/>
+      </a:fillRef>
+      <a:effectRef idx="0">
+        <a:scrgbClr r="0" g="0" b="0"/>
+      </a:effectRef>
+      <a:fontRef idx="minor"/>
+    </dgm:style>
+  </dgm:styleLbl>
+  <dgm:styleLbl name="fgAcc4">
+    <dgm:scene3d>
+      <a:camera prst="orthographicFront"/>
+      <a:lightRig rig="threePt" dir="t"/>
+    </dgm:scene3d>
+    <dgm:sp3d/>
+    <dgm:txPr/>
+    <dgm:style>
+      <a:lnRef idx="2">
+        <a:scrgbClr r="0" g="0" b="0"/>
+      </a:lnRef>
+      <a:fillRef idx="1">
+        <a:scrgbClr r="0" g="0" b="0"/>
+      </a:fillRef>
+      <a:effectRef idx="0">
+        <a:scrgbClr r="0" g="0" b="0"/>
+      </a:effectRef>
+      <a:fontRef idx="minor"/>
+    </dgm:style>
+  </dgm:styleLbl>
+  <dgm:styleLbl name="bgShp">
+    <dgm:scene3d>
+      <a:camera prst="orthographicFront"/>
+      <a:lightRig rig="threePt" dir="t"/>
+    </dgm:scene3d>
+    <dgm:sp3d/>
+    <dgm:txPr/>
+    <dgm:style>
+      <a:lnRef idx="0">
+        <a:scrgbClr r="0" g="0" b="0"/>
+      </a:lnRef>
+      <a:fillRef idx="1">
+        <a:scrgbClr r="0" g="0" b="0"/>
+      </a:fillRef>
+      <a:effectRef idx="0">
+        <a:scrgbClr r="0" g="0" b="0"/>
+      </a:effectRef>
+      <a:fontRef idx="minor"/>
+    </dgm:style>
+  </dgm:styleLbl>
+  <dgm:styleLbl name="dkBgShp">
+    <dgm:scene3d>
+      <a:camera prst="orthographicFront"/>
+      <a:lightRig rig="threePt" dir="t"/>
+    </dgm:scene3d>
+    <dgm:sp3d/>
+    <dgm:txPr/>
+    <dgm:style>
+      <a:lnRef idx="0">
+        <a:scrgbClr r="0" g="0" b="0"/>
+      </a:lnRef>
+      <a:fillRef idx="1">
+        <a:scrgbClr r="0" g="0" b="0"/>
+      </a:fillRef>
+      <a:effectRef idx="0">
+        <a:scrgbClr r="0" g="0" b="0"/>
+      </a:effectRef>
+      <a:fontRef idx="minor"/>
+    </dgm:style>
+  </dgm:styleLbl>
+  <dgm:styleLbl name="trBgShp">
+    <dgm:scene3d>
+      <a:camera prst="orthographicFront"/>
+      <a:lightRig rig="threePt" dir="t"/>
+    </dgm:scene3d>
+    <dgm:sp3d/>
+    <dgm:txPr/>
+    <dgm:style>
+      <a:lnRef idx="0">
+        <a:scrgbClr r="0" g="0" b="0"/>
+      </a:lnRef>
+      <a:fillRef idx="1">
+        <a:scrgbClr r="0" g="0" b="0"/>
+      </a:fillRef>
+      <a:effectRef idx="0">
+        <a:scrgbClr r="0" g="0" b="0"/>
+      </a:effectRef>
+      <a:fontRef idx="minor"/>
+    </dgm:style>
+  </dgm:styleLbl>
+  <dgm:styleLbl name="fgShp">
+    <dgm:scene3d>
+      <a:camera prst="orthographicFront"/>
+      <a:lightRig rig="threePt" dir="t"/>
+    </dgm:scene3d>
+    <dgm:sp3d/>
+    <dgm:txPr/>
+    <dgm:style>
+      <a:lnRef idx="2">
+        <a:scrgbClr r="0" g="0" b="0"/>
+      </a:lnRef>
+      <a:fillRef idx="1">
+        <a:scrgbClr r="0" g="0" b="0"/>
+      </a:fillRef>
+      <a:effectRef idx="0">
+        <a:scrgbClr r="0" g="0" b="0"/>
+      </a:effectRef>
+      <a:fontRef idx="minor"/>
+    </dgm:style>
+  </dgm:styleLbl>
+  <dgm:styleLbl name="revTx">
+    <dgm:scene3d>
+      <a:camera prst="orthographicFront"/>
+      <a:lightRig rig="threePt" dir="t"/>
+    </dgm:scene3d>
+    <dgm:sp3d/>
+    <dgm:txPr/>
+    <dgm:style>
+      <a:lnRef idx="0">
+        <a:scrgbClr r="0" g="0" b="0"/>
+      </a:lnRef>
+      <a:fillRef idx="0">
+        <a:scrgbClr r="0" g="0" b="0"/>
+      </a:fillRef>
+      <a:effectRef idx="0">
+        <a:scrgbClr r="0" g="0" b="0"/>
+      </a:effectRef>
+      <a:fontRef idx="minor"/>
+    </dgm:style>
+  </dgm:styleLbl>
+</dgm:styleDef>
+</file>
+
+<file path=ppt/diagrams/quickStyle2.xml><?xml version="1.0" encoding="utf-8"?>
 <dgm:styleDef xmlns:dgm="http://schemas.openxmlformats.org/drawingml/2006/diagram" xmlns:a="http://schemas.openxmlformats.org/drawingml/2006/main" uniqueId="urn:microsoft.com/office/officeart/2005/8/quickstyle/simple1">
   <dgm:title val=""/>
   <dgm:desc val=""/>
@@ -5170,7 +8031,7 @@
           <a:p>
             <a:fld id="{CDDF240B-3CA8-4045-B7C9-8B67F6FA2B5E}" type="datetimeFigureOut">
               <a:rPr lang="en-US" smtClean="0"/>
-              <a:t>2019-04-29</a:t>
+              <a:t>2019-04-30</a:t>
             </a:fld>
             <a:endParaRPr lang="en-US"/>
           </a:p>
@@ -5335,7 +8196,7 @@
           <a:p>
             <a:fld id="{06EDAF69-7046-4476-96BB-1FD28CD0E6CB}" type="datetimeFigureOut">
               <a:rPr lang="en-US" smtClean="0"/>
-              <a:t>2019-04-29</a:t>
+              <a:t>2019-04-30</a:t>
             </a:fld>
             <a:endParaRPr lang="en-US"/>
           </a:p>
@@ -5884,7 +8745,7 @@
           <a:p>
             <a:fld id="{E966FD14-566E-42DE-909E-454DEC22792F}" type="datetime1">
               <a:rPr lang="ru-RU" smtClean="0"/>
-              <a:t>29.04.2019</a:t>
+              <a:t>30.04.2019</a:t>
             </a:fld>
             <a:endParaRPr lang="en-US"/>
           </a:p>
@@ -6210,7 +9071,7 @@
           <a:p>
             <a:fld id="{F217C255-2559-42F5-A68F-FDE5913F8F36}" type="datetime1">
               <a:rPr lang="ru-RU" smtClean="0"/>
-              <a:t>29.04.2019</a:t>
+              <a:t>30.04.2019</a:t>
             </a:fld>
             <a:endParaRPr lang="en-US"/>
           </a:p>
@@ -6610,7 +9471,7 @@
           <a:p>
             <a:fld id="{C3EC8C04-7B78-4E72-AA34-33C569C1CF85}" type="datetime1">
               <a:rPr lang="ru-RU" smtClean="0"/>
-              <a:t>29.04.2019</a:t>
+              <a:t>30.04.2019</a:t>
             </a:fld>
             <a:endParaRPr lang="en-US"/>
           </a:p>
@@ -6985,7 +9846,7 @@
           <a:p>
             <a:fld id="{7D0848E8-502B-4121-8F3B-0F73E06B5846}" type="datetime1">
               <a:rPr lang="ru-RU" smtClean="0"/>
-              <a:t>29.04.2019</a:t>
+              <a:t>30.04.2019</a:t>
             </a:fld>
             <a:endParaRPr lang="en-US"/>
           </a:p>
@@ -7490,7 +10351,7 @@
           <a:p>
             <a:fld id="{DB4DF118-40C2-40E6-B05D-28E1827AB60E}" type="datetime1">
               <a:rPr lang="ru-RU" smtClean="0"/>
-              <a:t>29.04.2019</a:t>
+              <a:t>30.04.2019</a:t>
             </a:fld>
             <a:endParaRPr lang="en-US"/>
           </a:p>
@@ -7746,7 +10607,7 @@
           <a:p>
             <a:fld id="{4114A0E6-1E91-410A-9238-54C1677C65F4}" type="datetime1">
               <a:rPr lang="ru-RU" smtClean="0"/>
-              <a:t>29.04.2019</a:t>
+              <a:t>30.04.2019</a:t>
             </a:fld>
             <a:endParaRPr lang="en-US"/>
           </a:p>
@@ -7911,7 +10772,7 @@
           <a:p>
             <a:fld id="{3FF1A32F-1E86-4AB6-B429-826A979C8225}" type="datetime1">
               <a:rPr lang="ru-RU" smtClean="0"/>
-              <a:t>29.04.2019</a:t>
+              <a:t>30.04.2019</a:t>
             </a:fld>
             <a:endParaRPr lang="en-US"/>
           </a:p>
@@ -8300,7 +11161,7 @@
           <a:p>
             <a:fld id="{4C654F67-3202-40EA-85EC-D4BDAAC36735}" type="datetime1">
               <a:rPr lang="ru-RU" smtClean="0"/>
-              <a:t>29.04.2019</a:t>
+              <a:t>30.04.2019</a:t>
             </a:fld>
             <a:endParaRPr lang="en-US"/>
           </a:p>
@@ -8708,7 +11569,7 @@
           <a:p>
             <a:fld id="{E134780A-8894-4ADD-AB0B-7A58ED773226}" type="datetime1">
               <a:rPr lang="ru-RU" smtClean="0"/>
-              <a:t>29.04.2019</a:t>
+              <a:t>30.04.2019</a:t>
             </a:fld>
             <a:endParaRPr lang="en-US"/>
           </a:p>
@@ -8921,7 +11782,7 @@
           <a:p>
             <a:fld id="{D95FE033-25AB-43F9-AFC9-37435FCA6759}" type="datetime1">
               <a:rPr lang="ru-RU" smtClean="0"/>
-              <a:t>29.04.2019</a:t>
+              <a:t>30.04.2019</a:t>
             </a:fld>
             <a:endParaRPr lang="en-US"/>
           </a:p>
@@ -9610,7 +12471,7 @@
           <a:p>
             <a:r>
               <a:rPr lang="ru-RU" dirty="0"/>
-              <a:t>Лего?</a:t>
+              <a:t>Из чего строить?</a:t>
             </a:r>
             <a:endParaRPr lang="en-US" dirty="0"/>
           </a:p>
@@ -11952,69 +14813,6 @@
       </p:sp>
       <p:sp>
         <p:nvSpPr>
-          <p:cNvPr id="10" name="Прямоугольник 9">
-            <a:extLst>
-              <a:ext uri="{FF2B5EF4-FFF2-40B4-BE49-F238E27FC236}">
-                <a16:creationId xmlns:a16="http://schemas.microsoft.com/office/drawing/2014/main" id="{2556C8BE-979A-438E-97F6-26F84DC58572}"/>
-              </a:ext>
-            </a:extLst>
-          </p:cNvPr>
-          <p:cNvSpPr/>
-          <p:nvPr/>
-        </p:nvSpPr>
-        <p:spPr>
-          <a:xfrm>
-            <a:off x="475165" y="2683843"/>
-            <a:ext cx="2397717" cy="1114273"/>
-          </a:xfrm>
-          <a:prstGeom prst="rect">
-            <a:avLst/>
-          </a:prstGeom>
-          <a:ln>
-            <a:noFill/>
-          </a:ln>
-        </p:spPr>
-        <p:style>
-          <a:lnRef idx="2">
-            <a:schemeClr val="accent3">
-              <a:shade val="50000"/>
-            </a:schemeClr>
-          </a:lnRef>
-          <a:fillRef idx="1">
-            <a:schemeClr val="accent3"/>
-          </a:fillRef>
-          <a:effectRef idx="0">
-            <a:schemeClr val="accent3"/>
-          </a:effectRef>
-          <a:fontRef idx="minor">
-            <a:schemeClr val="lt1"/>
-          </a:fontRef>
-        </p:style>
-        <p:txBody>
-          <a:bodyPr rtlCol="0" anchor="ctr"/>
-          <a:lstStyle/>
-          <a:p>
-            <a:pPr algn="ctr"/>
-            <a:r>
-              <a:rPr lang="ru-RU" dirty="0"/>
-              <a:t>Сервис авторизации</a:t>
-            </a:r>
-          </a:p>
-          <a:p>
-            <a:pPr algn="ctr"/>
-            <a:r>
-              <a:rPr lang="ru-RU" dirty="0"/>
-              <a:t>(</a:t>
-            </a:r>
-            <a:r>
-              <a:rPr lang="en-US" dirty="0"/>
-              <a:t>IdentityServer4)</a:t>
-            </a:r>
-          </a:p>
-        </p:txBody>
-      </p:sp>
-      <p:sp>
-        <p:nvSpPr>
           <p:cNvPr id="11" name="Прямоугольник 10">
             <a:extLst>
               <a:ext uri="{FF2B5EF4-FFF2-40B4-BE49-F238E27FC236}">
@@ -12027,7 +14825,7 @@
         </p:nvSpPr>
         <p:spPr>
           <a:xfrm>
-            <a:off x="448588" y="4708229"/>
+            <a:off x="699964" y="4747338"/>
             <a:ext cx="2450869" cy="1135987"/>
           </a:xfrm>
           <a:prstGeom prst="rect">
@@ -12073,305 +14871,1126 @@
           </a:p>
         </p:txBody>
       </p:sp>
-      <p:sp>
-        <p:nvSpPr>
-          <p:cNvPr id="8" name="Прямоугольник 7">
+      <p:grpSp>
+        <p:nvGrpSpPr>
+          <p:cNvPr id="126" name="Группа 125">
             <a:extLst>
               <a:ext uri="{FF2B5EF4-FFF2-40B4-BE49-F238E27FC236}">
-                <a16:creationId xmlns:a16="http://schemas.microsoft.com/office/drawing/2014/main" id="{9B7A2330-0553-464E-85A4-325BD954CAB6}"/>
+                <a16:creationId xmlns:a16="http://schemas.microsoft.com/office/drawing/2014/main" id="{20A43940-66DD-4BC3-AF97-FD04B54BB250}"/>
               </a:ext>
             </a:extLst>
           </p:cNvPr>
-          <p:cNvSpPr/>
+          <p:cNvGrpSpPr/>
           <p:nvPr/>
-        </p:nvSpPr>
-        <p:spPr>
+        </p:nvGrpSpPr>
+        <p:grpSpPr>
           <a:xfrm>
-            <a:off x="6388884" y="3278526"/>
-            <a:ext cx="2604099" cy="567993"/>
+            <a:off x="7167718" y="2786517"/>
+            <a:ext cx="2147079" cy="990498"/>
+            <a:chOff x="7167718" y="2786517"/>
+            <a:chExt cx="2147079" cy="990498"/>
           </a:xfrm>
-          <a:prstGeom prst="rect">
-            <a:avLst/>
-          </a:prstGeom>
-          <a:ln>
+        </p:grpSpPr>
+        <p:sp>
+          <p:nvSpPr>
+            <p:cNvPr id="81" name="Прямоугольник: скругленные углы 80">
+              <a:extLst>
+                <a:ext uri="{FF2B5EF4-FFF2-40B4-BE49-F238E27FC236}">
+                  <a16:creationId xmlns:a16="http://schemas.microsoft.com/office/drawing/2014/main" id="{EC339236-2499-48D7-A5A4-357A44CD3B59}"/>
+                </a:ext>
+              </a:extLst>
+            </p:cNvPr>
+            <p:cNvSpPr/>
+            <p:nvPr/>
+          </p:nvSpPr>
+          <p:spPr>
+            <a:xfrm>
+              <a:off x="7172073" y="2786517"/>
+              <a:ext cx="2142724" cy="990498"/>
+            </a:xfrm>
+            <a:prstGeom prst="roundRect">
+              <a:avLst/>
+            </a:prstGeom>
+            <a:solidFill>
+              <a:schemeClr val="accent3"/>
+            </a:solidFill>
+            <a:ln>
+              <a:noFill/>
+            </a:ln>
+          </p:spPr>
+          <p:style>
+            <a:lnRef idx="2">
+              <a:schemeClr val="accent1">
+                <a:shade val="50000"/>
+              </a:schemeClr>
+            </a:lnRef>
+            <a:fillRef idx="1">
+              <a:schemeClr val="accent1"/>
+            </a:fillRef>
+            <a:effectRef idx="0">
+              <a:schemeClr val="accent1"/>
+            </a:effectRef>
+            <a:fontRef idx="minor">
+              <a:schemeClr val="lt1"/>
+            </a:fontRef>
+          </p:style>
+          <p:txBody>
+            <a:bodyPr rtlCol="0" anchor="ctr"/>
+            <a:lstStyle/>
+            <a:p>
+              <a:pPr algn="ctr"/>
+              <a:endParaRPr lang="en-US"/>
+            </a:p>
+          </p:txBody>
+        </p:sp>
+        <p:sp>
+          <p:nvSpPr>
+            <p:cNvPr id="83" name="TextBox 82">
+              <a:extLst>
+                <a:ext uri="{FF2B5EF4-FFF2-40B4-BE49-F238E27FC236}">
+                  <a16:creationId xmlns:a16="http://schemas.microsoft.com/office/drawing/2014/main" id="{5ADA3057-9DB5-450F-A689-38B82CC654CF}"/>
+                </a:ext>
+              </a:extLst>
+            </p:cNvPr>
+            <p:cNvSpPr txBox="1"/>
+            <p:nvPr/>
+          </p:nvSpPr>
+          <p:spPr>
+            <a:xfrm>
+              <a:off x="7167718" y="2856017"/>
+              <a:ext cx="1430200" cy="307777"/>
+            </a:xfrm>
+            <a:prstGeom prst="rect">
+              <a:avLst/>
+            </a:prstGeom>
             <a:noFill/>
-          </a:ln>
-        </p:spPr>
-        <p:style>
-          <a:lnRef idx="3">
-            <a:schemeClr val="lt1"/>
-          </a:lnRef>
-          <a:fillRef idx="1">
-            <a:schemeClr val="accent5"/>
-          </a:fillRef>
-          <a:effectRef idx="1">
-            <a:schemeClr val="accent5"/>
-          </a:effectRef>
-          <a:fontRef idx="minor">
-            <a:schemeClr val="lt1"/>
-          </a:fontRef>
-        </p:style>
-        <p:txBody>
-          <a:bodyPr rtlCol="0" anchor="ctr"/>
-          <a:lstStyle/>
-          <a:p>
-            <a:pPr algn="ctr"/>
-            <a:r>
-              <a:rPr lang="en-US" dirty="0"/>
-              <a:t>Microservice2</a:t>
-            </a:r>
-          </a:p>
-        </p:txBody>
-      </p:sp>
-      <p:sp>
-        <p:nvSpPr>
-          <p:cNvPr id="9" name="Прямоугольник 8">
+          </p:spPr>
+          <p:txBody>
+            <a:bodyPr wrap="none" rtlCol="0">
+              <a:spAutoFit/>
+            </a:bodyPr>
+            <a:lstStyle/>
+            <a:p>
+              <a:r>
+                <a:rPr lang="ru-RU" sz="1400" dirty="0"/>
+                <a:t>Микросервис 2</a:t>
+              </a:r>
+              <a:endParaRPr lang="en-US" sz="1400" dirty="0"/>
+            </a:p>
+          </p:txBody>
+        </p:sp>
+        <p:sp>
+          <p:nvSpPr>
+            <p:cNvPr id="8" name="Прямоугольник 7">
+              <a:extLst>
+                <a:ext uri="{FF2B5EF4-FFF2-40B4-BE49-F238E27FC236}">
+                  <a16:creationId xmlns:a16="http://schemas.microsoft.com/office/drawing/2014/main" id="{9B7A2330-0553-464E-85A4-325BD954CAB6}"/>
+                </a:ext>
+              </a:extLst>
+            </p:cNvPr>
+            <p:cNvSpPr/>
+            <p:nvPr/>
+          </p:nvSpPr>
+          <p:spPr>
+            <a:xfrm>
+              <a:off x="7375707" y="3155654"/>
+              <a:ext cx="1748437" cy="567993"/>
+            </a:xfrm>
+            <a:prstGeom prst="rect">
+              <a:avLst/>
+            </a:prstGeom>
+            <a:ln>
+              <a:noFill/>
+            </a:ln>
+          </p:spPr>
+          <p:style>
+            <a:lnRef idx="3">
+              <a:schemeClr val="lt1"/>
+            </a:lnRef>
+            <a:fillRef idx="1">
+              <a:schemeClr val="accent5"/>
+            </a:fillRef>
+            <a:effectRef idx="1">
+              <a:schemeClr val="accent5"/>
+            </a:effectRef>
+            <a:fontRef idx="minor">
+              <a:schemeClr val="lt1"/>
+            </a:fontRef>
+          </p:style>
+          <p:txBody>
+            <a:bodyPr rtlCol="0" anchor="ctr"/>
+            <a:lstStyle/>
+            <a:p>
+              <a:pPr algn="ctr"/>
+              <a:r>
+                <a:rPr lang="en-US" dirty="0"/>
+                <a:t>API 2</a:t>
+              </a:r>
+            </a:p>
+          </p:txBody>
+        </p:sp>
+        <p:sp>
+          <p:nvSpPr>
+            <p:cNvPr id="57" name="Прямоугольник 56">
+              <a:extLst>
+                <a:ext uri="{FF2B5EF4-FFF2-40B4-BE49-F238E27FC236}">
+                  <a16:creationId xmlns:a16="http://schemas.microsoft.com/office/drawing/2014/main" id="{A8998293-C0CB-4819-B7D8-278A3E44C2DC}"/>
+                </a:ext>
+              </a:extLst>
+            </p:cNvPr>
+            <p:cNvSpPr/>
+            <p:nvPr/>
+          </p:nvSpPr>
+          <p:spPr>
+            <a:xfrm>
+              <a:off x="8600051" y="2971617"/>
+              <a:ext cx="671019" cy="584163"/>
+            </a:xfrm>
+            <a:prstGeom prst="rect">
+              <a:avLst/>
+            </a:prstGeom>
+            <a:solidFill>
+              <a:schemeClr val="accent2"/>
+            </a:solidFill>
+            <a:ln>
+              <a:noFill/>
+            </a:ln>
+          </p:spPr>
+          <p:style>
+            <a:lnRef idx="2">
+              <a:schemeClr val="accent2">
+                <a:shade val="50000"/>
+              </a:schemeClr>
+            </a:lnRef>
+            <a:fillRef idx="1">
+              <a:schemeClr val="accent2"/>
+            </a:fillRef>
+            <a:effectRef idx="0">
+              <a:schemeClr val="accent2"/>
+            </a:effectRef>
+            <a:fontRef idx="minor">
+              <a:schemeClr val="lt1"/>
+            </a:fontRef>
+          </p:style>
+          <p:txBody>
+            <a:bodyPr rtlCol="0" anchor="ctr"/>
+            <a:lstStyle/>
+            <a:p>
+              <a:pPr algn="ctr"/>
+              <a:r>
+                <a:rPr lang="en-US" dirty="0"/>
+                <a:t>UI 1</a:t>
+              </a:r>
+            </a:p>
+          </p:txBody>
+        </p:sp>
+      </p:grpSp>
+      <p:grpSp>
+        <p:nvGrpSpPr>
+          <p:cNvPr id="128" name="Группа 127">
             <a:extLst>
               <a:ext uri="{FF2B5EF4-FFF2-40B4-BE49-F238E27FC236}">
-                <a16:creationId xmlns:a16="http://schemas.microsoft.com/office/drawing/2014/main" id="{1281CDC2-F45A-439A-BBD9-829A19B16F21}"/>
+                <a16:creationId xmlns:a16="http://schemas.microsoft.com/office/drawing/2014/main" id="{C54D954E-EA6D-42AC-AD22-4EA66E5EEDFD}"/>
               </a:ext>
             </a:extLst>
           </p:cNvPr>
-          <p:cNvSpPr/>
+          <p:cNvGrpSpPr/>
           <p:nvPr/>
-        </p:nvSpPr>
-        <p:spPr>
+        </p:nvGrpSpPr>
+        <p:grpSpPr>
           <a:xfrm>
-            <a:off x="6388884" y="2573105"/>
-            <a:ext cx="2604099" cy="567993"/>
+            <a:off x="6096000" y="4109172"/>
+            <a:ext cx="2147079" cy="990498"/>
+            <a:chOff x="6096000" y="4109172"/>
+            <a:chExt cx="2147079" cy="990498"/>
           </a:xfrm>
-          <a:prstGeom prst="rect">
-            <a:avLst/>
-          </a:prstGeom>
-          <a:ln>
+        </p:grpSpPr>
+        <p:sp>
+          <p:nvSpPr>
+            <p:cNvPr id="85" name="Прямоугольник: скругленные углы 84">
+              <a:extLst>
+                <a:ext uri="{FF2B5EF4-FFF2-40B4-BE49-F238E27FC236}">
+                  <a16:creationId xmlns:a16="http://schemas.microsoft.com/office/drawing/2014/main" id="{B5A2918F-7DD4-4491-8760-1CBD3DDA03ED}"/>
+                </a:ext>
+              </a:extLst>
+            </p:cNvPr>
+            <p:cNvSpPr/>
+            <p:nvPr/>
+          </p:nvSpPr>
+          <p:spPr>
+            <a:xfrm>
+              <a:off x="6100355" y="4109172"/>
+              <a:ext cx="2142724" cy="990498"/>
+            </a:xfrm>
+            <a:prstGeom prst="roundRect">
+              <a:avLst/>
+            </a:prstGeom>
+            <a:solidFill>
+              <a:schemeClr val="accent3"/>
+            </a:solidFill>
+            <a:ln>
+              <a:noFill/>
+            </a:ln>
+          </p:spPr>
+          <p:style>
+            <a:lnRef idx="2">
+              <a:schemeClr val="accent1">
+                <a:shade val="50000"/>
+              </a:schemeClr>
+            </a:lnRef>
+            <a:fillRef idx="1">
+              <a:schemeClr val="accent1"/>
+            </a:fillRef>
+            <a:effectRef idx="0">
+              <a:schemeClr val="accent1"/>
+            </a:effectRef>
+            <a:fontRef idx="minor">
+              <a:schemeClr val="lt1"/>
+            </a:fontRef>
+          </p:style>
+          <p:txBody>
+            <a:bodyPr rtlCol="0" anchor="ctr"/>
+            <a:lstStyle/>
+            <a:p>
+              <a:pPr algn="ctr"/>
+              <a:endParaRPr lang="en-US"/>
+            </a:p>
+          </p:txBody>
+        </p:sp>
+        <p:sp>
+          <p:nvSpPr>
+            <p:cNvPr id="86" name="TextBox 85">
+              <a:extLst>
+                <a:ext uri="{FF2B5EF4-FFF2-40B4-BE49-F238E27FC236}">
+                  <a16:creationId xmlns:a16="http://schemas.microsoft.com/office/drawing/2014/main" id="{5AE33F51-7ACA-4510-B9BE-B78CD7D0F95C}"/>
+                </a:ext>
+              </a:extLst>
+            </p:cNvPr>
+            <p:cNvSpPr txBox="1"/>
+            <p:nvPr/>
+          </p:nvSpPr>
+          <p:spPr>
+            <a:xfrm>
+              <a:off x="6096000" y="4178672"/>
+              <a:ext cx="1430200" cy="307777"/>
+            </a:xfrm>
+            <a:prstGeom prst="rect">
+              <a:avLst/>
+            </a:prstGeom>
             <a:noFill/>
-          </a:ln>
-        </p:spPr>
-        <p:style>
-          <a:lnRef idx="3">
-            <a:schemeClr val="lt1"/>
-          </a:lnRef>
-          <a:fillRef idx="1">
-            <a:schemeClr val="accent5"/>
-          </a:fillRef>
-          <a:effectRef idx="1">
-            <a:schemeClr val="accent5"/>
-          </a:effectRef>
-          <a:fontRef idx="minor">
-            <a:schemeClr val="lt1"/>
-          </a:fontRef>
-        </p:style>
-        <p:txBody>
-          <a:bodyPr rtlCol="0" anchor="ctr"/>
-          <a:lstStyle/>
-          <a:p>
-            <a:pPr algn="ctr"/>
-            <a:r>
-              <a:rPr lang="en-US" dirty="0"/>
-              <a:t>Microservice1</a:t>
-            </a:r>
-          </a:p>
-        </p:txBody>
-      </p:sp>
-      <p:sp>
-        <p:nvSpPr>
-          <p:cNvPr id="12" name="Прямоугольник 11">
+          </p:spPr>
+          <p:txBody>
+            <a:bodyPr wrap="none" rtlCol="0">
+              <a:spAutoFit/>
+            </a:bodyPr>
+            <a:lstStyle/>
+            <a:p>
+              <a:r>
+                <a:rPr lang="ru-RU" sz="1400" dirty="0"/>
+                <a:t>Микросервис 2</a:t>
+              </a:r>
+              <a:endParaRPr lang="en-US" sz="1400" dirty="0"/>
+            </a:p>
+          </p:txBody>
+        </p:sp>
+        <p:sp>
+          <p:nvSpPr>
+            <p:cNvPr id="12" name="Прямоугольник 11">
+              <a:extLst>
+                <a:ext uri="{FF2B5EF4-FFF2-40B4-BE49-F238E27FC236}">
+                  <a16:creationId xmlns:a16="http://schemas.microsoft.com/office/drawing/2014/main" id="{79734D60-5C13-41DD-BE01-A1FD5B11C801}"/>
+                </a:ext>
+              </a:extLst>
+            </p:cNvPr>
+            <p:cNvSpPr/>
+            <p:nvPr/>
+          </p:nvSpPr>
+          <p:spPr>
+            <a:xfrm>
+              <a:off x="6301857" y="4473918"/>
+              <a:ext cx="1748437" cy="567993"/>
+            </a:xfrm>
+            <a:prstGeom prst="rect">
+              <a:avLst/>
+            </a:prstGeom>
+            <a:ln>
+              <a:noFill/>
+            </a:ln>
+          </p:spPr>
+          <p:style>
+            <a:lnRef idx="3">
+              <a:schemeClr val="lt1"/>
+            </a:lnRef>
+            <a:fillRef idx="1">
+              <a:schemeClr val="accent5"/>
+            </a:fillRef>
+            <a:effectRef idx="1">
+              <a:schemeClr val="accent5"/>
+            </a:effectRef>
+            <a:fontRef idx="minor">
+              <a:schemeClr val="lt1"/>
+            </a:fontRef>
+          </p:style>
+          <p:txBody>
+            <a:bodyPr rtlCol="0" anchor="ctr"/>
+            <a:lstStyle/>
+            <a:p>
+              <a:pPr algn="ctr"/>
+              <a:r>
+                <a:rPr lang="en-US" dirty="0"/>
+                <a:t>API 3</a:t>
+              </a:r>
+            </a:p>
+          </p:txBody>
+        </p:sp>
+        <p:sp>
+          <p:nvSpPr>
+            <p:cNvPr id="58" name="Прямоугольник 57">
+              <a:extLst>
+                <a:ext uri="{FF2B5EF4-FFF2-40B4-BE49-F238E27FC236}">
+                  <a16:creationId xmlns:a16="http://schemas.microsoft.com/office/drawing/2014/main" id="{1C371192-7FCC-41C4-9E3B-61601C3A646B}"/>
+                </a:ext>
+              </a:extLst>
+            </p:cNvPr>
+            <p:cNvSpPr/>
+            <p:nvPr/>
+          </p:nvSpPr>
+          <p:spPr>
+            <a:xfrm>
+              <a:off x="7526200" y="4341298"/>
+              <a:ext cx="671019" cy="584163"/>
+            </a:xfrm>
+            <a:prstGeom prst="rect">
+              <a:avLst/>
+            </a:prstGeom>
+            <a:solidFill>
+              <a:schemeClr val="accent2"/>
+            </a:solidFill>
+            <a:ln>
+              <a:noFill/>
+            </a:ln>
+          </p:spPr>
+          <p:style>
+            <a:lnRef idx="2">
+              <a:schemeClr val="accent2">
+                <a:shade val="50000"/>
+              </a:schemeClr>
+            </a:lnRef>
+            <a:fillRef idx="1">
+              <a:schemeClr val="accent2"/>
+            </a:fillRef>
+            <a:effectRef idx="0">
+              <a:schemeClr val="accent2"/>
+            </a:effectRef>
+            <a:fontRef idx="minor">
+              <a:schemeClr val="lt1"/>
+            </a:fontRef>
+          </p:style>
+          <p:txBody>
+            <a:bodyPr rtlCol="0" anchor="ctr"/>
+            <a:lstStyle/>
+            <a:p>
+              <a:pPr algn="ctr"/>
+              <a:r>
+                <a:rPr lang="en-US" dirty="0"/>
+                <a:t>UI 1</a:t>
+              </a:r>
+            </a:p>
+          </p:txBody>
+        </p:sp>
+      </p:grpSp>
+      <p:grpSp>
+        <p:nvGrpSpPr>
+          <p:cNvPr id="129" name="Группа 128">
             <a:extLst>
               <a:ext uri="{FF2B5EF4-FFF2-40B4-BE49-F238E27FC236}">
-                <a16:creationId xmlns:a16="http://schemas.microsoft.com/office/drawing/2014/main" id="{79734D60-5C13-41DD-BE01-A1FD5B11C801}"/>
+                <a16:creationId xmlns:a16="http://schemas.microsoft.com/office/drawing/2014/main" id="{A04231EA-6B9A-4F97-B42F-3806B71A1DDC}"/>
               </a:ext>
             </a:extLst>
           </p:cNvPr>
-          <p:cNvSpPr/>
+          <p:cNvGrpSpPr/>
           <p:nvPr/>
-        </p:nvSpPr>
-        <p:spPr>
+        </p:nvGrpSpPr>
+        <p:grpSpPr>
           <a:xfrm>
-            <a:off x="6388884" y="3983947"/>
-            <a:ext cx="2604099" cy="567993"/>
+            <a:off x="7231307" y="5310187"/>
+            <a:ext cx="2147079" cy="990498"/>
+            <a:chOff x="7231307" y="5310187"/>
+            <a:chExt cx="2147079" cy="990498"/>
           </a:xfrm>
-          <a:prstGeom prst="rect">
-            <a:avLst/>
-          </a:prstGeom>
-          <a:ln>
+        </p:grpSpPr>
+        <p:sp>
+          <p:nvSpPr>
+            <p:cNvPr id="91" name="Прямоугольник: скругленные углы 90">
+              <a:extLst>
+                <a:ext uri="{FF2B5EF4-FFF2-40B4-BE49-F238E27FC236}">
+                  <a16:creationId xmlns:a16="http://schemas.microsoft.com/office/drawing/2014/main" id="{10FEFE3A-6F86-46EA-9A97-9BDE3580CC5F}"/>
+                </a:ext>
+              </a:extLst>
+            </p:cNvPr>
+            <p:cNvSpPr/>
+            <p:nvPr/>
+          </p:nvSpPr>
+          <p:spPr>
+            <a:xfrm>
+              <a:off x="7235662" y="5310187"/>
+              <a:ext cx="2142724" cy="990498"/>
+            </a:xfrm>
+            <a:prstGeom prst="roundRect">
+              <a:avLst/>
+            </a:prstGeom>
+            <a:solidFill>
+              <a:schemeClr val="accent3"/>
+            </a:solidFill>
+            <a:ln>
+              <a:noFill/>
+            </a:ln>
+          </p:spPr>
+          <p:style>
+            <a:lnRef idx="2">
+              <a:schemeClr val="accent1">
+                <a:shade val="50000"/>
+              </a:schemeClr>
+            </a:lnRef>
+            <a:fillRef idx="1">
+              <a:schemeClr val="accent1"/>
+            </a:fillRef>
+            <a:effectRef idx="0">
+              <a:schemeClr val="accent1"/>
+            </a:effectRef>
+            <a:fontRef idx="minor">
+              <a:schemeClr val="lt1"/>
+            </a:fontRef>
+          </p:style>
+          <p:txBody>
+            <a:bodyPr rtlCol="0" anchor="ctr"/>
+            <a:lstStyle/>
+            <a:p>
+              <a:pPr algn="ctr"/>
+              <a:endParaRPr lang="en-US"/>
+            </a:p>
+          </p:txBody>
+        </p:sp>
+        <p:sp>
+          <p:nvSpPr>
+            <p:cNvPr id="92" name="TextBox 91">
+              <a:extLst>
+                <a:ext uri="{FF2B5EF4-FFF2-40B4-BE49-F238E27FC236}">
+                  <a16:creationId xmlns:a16="http://schemas.microsoft.com/office/drawing/2014/main" id="{C20D5D85-827F-4B5A-B5D5-9128E2AB007A}"/>
+                </a:ext>
+              </a:extLst>
+            </p:cNvPr>
+            <p:cNvSpPr txBox="1"/>
+            <p:nvPr/>
+          </p:nvSpPr>
+          <p:spPr>
+            <a:xfrm>
+              <a:off x="7231307" y="5379687"/>
+              <a:ext cx="1430200" cy="307777"/>
+            </a:xfrm>
+            <a:prstGeom prst="rect">
+              <a:avLst/>
+            </a:prstGeom>
             <a:noFill/>
-          </a:ln>
-        </p:spPr>
-        <p:style>
-          <a:lnRef idx="3">
-            <a:schemeClr val="lt1"/>
-          </a:lnRef>
-          <a:fillRef idx="1">
-            <a:schemeClr val="accent5"/>
-          </a:fillRef>
-          <a:effectRef idx="1">
-            <a:schemeClr val="accent5"/>
-          </a:effectRef>
-          <a:fontRef idx="minor">
-            <a:schemeClr val="lt1"/>
-          </a:fontRef>
-        </p:style>
-        <p:txBody>
-          <a:bodyPr rtlCol="0" anchor="ctr"/>
-          <a:lstStyle/>
-          <a:p>
-            <a:pPr algn="ctr"/>
-            <a:r>
-              <a:rPr lang="en-US" dirty="0"/>
-              <a:t>Microservice3</a:t>
-            </a:r>
-          </a:p>
-        </p:txBody>
-      </p:sp>
-      <p:sp>
-        <p:nvSpPr>
-          <p:cNvPr id="13" name="Прямоугольник 12">
+          </p:spPr>
+          <p:txBody>
+            <a:bodyPr wrap="none" rtlCol="0">
+              <a:spAutoFit/>
+            </a:bodyPr>
+            <a:lstStyle/>
+            <a:p>
+              <a:r>
+                <a:rPr lang="ru-RU" sz="1400" dirty="0"/>
+                <a:t>Микросервис 2</a:t>
+              </a:r>
+              <a:endParaRPr lang="en-US" sz="1400" dirty="0"/>
+            </a:p>
+          </p:txBody>
+        </p:sp>
+        <p:sp>
+          <p:nvSpPr>
+            <p:cNvPr id="13" name="Прямоугольник 12">
+              <a:extLst>
+                <a:ext uri="{FF2B5EF4-FFF2-40B4-BE49-F238E27FC236}">
+                  <a16:creationId xmlns:a16="http://schemas.microsoft.com/office/drawing/2014/main" id="{63924B82-F1CB-4B5E-9011-CDEF9490139C}"/>
+                </a:ext>
+              </a:extLst>
+            </p:cNvPr>
+            <p:cNvSpPr/>
+            <p:nvPr/>
+          </p:nvSpPr>
+          <p:spPr>
+            <a:xfrm>
+              <a:off x="7388964" y="5642014"/>
+              <a:ext cx="1748437" cy="567993"/>
+            </a:xfrm>
+            <a:prstGeom prst="rect">
+              <a:avLst/>
+            </a:prstGeom>
+            <a:ln>
+              <a:noFill/>
+            </a:ln>
+          </p:spPr>
+          <p:style>
+            <a:lnRef idx="3">
+              <a:schemeClr val="lt1"/>
+            </a:lnRef>
+            <a:fillRef idx="1">
+              <a:schemeClr val="accent5"/>
+            </a:fillRef>
+            <a:effectRef idx="1">
+              <a:schemeClr val="accent5"/>
+            </a:effectRef>
+            <a:fontRef idx="minor">
+              <a:schemeClr val="lt1"/>
+            </a:fontRef>
+          </p:style>
+          <p:txBody>
+            <a:bodyPr rtlCol="0" anchor="ctr"/>
+            <a:lstStyle/>
+            <a:p>
+              <a:pPr algn="ctr"/>
+              <a:r>
+                <a:rPr lang="en-US" dirty="0"/>
+                <a:t>API 4</a:t>
+              </a:r>
+            </a:p>
+          </p:txBody>
+        </p:sp>
+        <p:sp>
+          <p:nvSpPr>
+            <p:cNvPr id="59" name="Прямоугольник 58">
+              <a:extLst>
+                <a:ext uri="{FF2B5EF4-FFF2-40B4-BE49-F238E27FC236}">
+                  <a16:creationId xmlns:a16="http://schemas.microsoft.com/office/drawing/2014/main" id="{66E2B0CE-04A3-451E-A0CA-8BFE088C4F9E}"/>
+                </a:ext>
+              </a:extLst>
+            </p:cNvPr>
+            <p:cNvSpPr/>
+            <p:nvPr/>
+          </p:nvSpPr>
+          <p:spPr>
+            <a:xfrm>
+              <a:off x="8613307" y="5518279"/>
+              <a:ext cx="671019" cy="584163"/>
+            </a:xfrm>
+            <a:prstGeom prst="rect">
+              <a:avLst/>
+            </a:prstGeom>
+            <a:solidFill>
+              <a:schemeClr val="accent2"/>
+            </a:solidFill>
+            <a:ln>
+              <a:noFill/>
+            </a:ln>
+          </p:spPr>
+          <p:style>
+            <a:lnRef idx="2">
+              <a:schemeClr val="accent2">
+                <a:shade val="50000"/>
+              </a:schemeClr>
+            </a:lnRef>
+            <a:fillRef idx="1">
+              <a:schemeClr val="accent2"/>
+            </a:fillRef>
+            <a:effectRef idx="0">
+              <a:schemeClr val="accent2"/>
+            </a:effectRef>
+            <a:fontRef idx="minor">
+              <a:schemeClr val="lt1"/>
+            </a:fontRef>
+          </p:style>
+          <p:txBody>
+            <a:bodyPr rtlCol="0" anchor="ctr"/>
+            <a:lstStyle/>
+            <a:p>
+              <a:pPr algn="ctr"/>
+              <a:r>
+                <a:rPr lang="en-US" dirty="0"/>
+                <a:t>UI 1</a:t>
+              </a:r>
+            </a:p>
+          </p:txBody>
+        </p:sp>
+      </p:grpSp>
+      <p:grpSp>
+        <p:nvGrpSpPr>
+          <p:cNvPr id="127" name="Группа 126">
             <a:extLst>
               <a:ext uri="{FF2B5EF4-FFF2-40B4-BE49-F238E27FC236}">
-                <a16:creationId xmlns:a16="http://schemas.microsoft.com/office/drawing/2014/main" id="{63924B82-F1CB-4B5E-9011-CDEF9490139C}"/>
+                <a16:creationId xmlns:a16="http://schemas.microsoft.com/office/drawing/2014/main" id="{A1CCD3F7-7302-4069-BB26-5FECBEE569C9}"/>
               </a:ext>
             </a:extLst>
           </p:cNvPr>
-          <p:cNvSpPr/>
+          <p:cNvGrpSpPr/>
           <p:nvPr/>
-        </p:nvSpPr>
-        <p:spPr>
+        </p:nvGrpSpPr>
+        <p:grpSpPr>
           <a:xfrm>
-            <a:off x="6388884" y="4689368"/>
-            <a:ext cx="2604099" cy="567993"/>
+            <a:off x="4829986" y="2210740"/>
+            <a:ext cx="2147079" cy="990498"/>
+            <a:chOff x="4829986" y="2210740"/>
+            <a:chExt cx="2147079" cy="990498"/>
           </a:xfrm>
-          <a:prstGeom prst="rect">
-            <a:avLst/>
-          </a:prstGeom>
-          <a:ln>
+        </p:grpSpPr>
+        <p:grpSp>
+          <p:nvGrpSpPr>
+            <p:cNvPr id="125" name="Группа 124">
+              <a:extLst>
+                <a:ext uri="{FF2B5EF4-FFF2-40B4-BE49-F238E27FC236}">
+                  <a16:creationId xmlns:a16="http://schemas.microsoft.com/office/drawing/2014/main" id="{2670C025-5138-4A54-AADB-254559008970}"/>
+                </a:ext>
+              </a:extLst>
+            </p:cNvPr>
+            <p:cNvGrpSpPr/>
+            <p:nvPr/>
+          </p:nvGrpSpPr>
+          <p:grpSpPr>
+            <a:xfrm>
+              <a:off x="4834341" y="2210740"/>
+              <a:ext cx="2142724" cy="990498"/>
+              <a:chOff x="4834341" y="2210740"/>
+              <a:chExt cx="2142724" cy="990498"/>
+            </a:xfrm>
+          </p:grpSpPr>
+          <p:sp>
+            <p:nvSpPr>
+              <p:cNvPr id="72" name="Прямоугольник: скругленные углы 71">
+                <a:extLst>
+                  <a:ext uri="{FF2B5EF4-FFF2-40B4-BE49-F238E27FC236}">
+                    <a16:creationId xmlns:a16="http://schemas.microsoft.com/office/drawing/2014/main" id="{D06B11D6-5E2A-40FD-89BE-9551BC415597}"/>
+                  </a:ext>
+                </a:extLst>
+              </p:cNvPr>
+              <p:cNvSpPr/>
+              <p:nvPr/>
+            </p:nvSpPr>
+            <p:spPr>
+              <a:xfrm>
+                <a:off x="4834341" y="2210740"/>
+                <a:ext cx="2142724" cy="990498"/>
+              </a:xfrm>
+              <a:prstGeom prst="roundRect">
+                <a:avLst/>
+              </a:prstGeom>
+              <a:solidFill>
+                <a:schemeClr val="accent3"/>
+              </a:solidFill>
+              <a:ln>
+                <a:noFill/>
+              </a:ln>
+            </p:spPr>
+            <p:style>
+              <a:lnRef idx="2">
+                <a:schemeClr val="accent1">
+                  <a:shade val="50000"/>
+                </a:schemeClr>
+              </a:lnRef>
+              <a:fillRef idx="1">
+                <a:schemeClr val="accent1"/>
+              </a:fillRef>
+              <a:effectRef idx="0">
+                <a:schemeClr val="accent1"/>
+              </a:effectRef>
+              <a:fontRef idx="minor">
+                <a:schemeClr val="lt1"/>
+              </a:fontRef>
+            </p:style>
+            <p:txBody>
+              <a:bodyPr rtlCol="0" anchor="ctr"/>
+              <a:lstStyle/>
+              <a:p>
+                <a:pPr algn="ctr"/>
+                <a:endParaRPr lang="en-US"/>
+              </a:p>
+            </p:txBody>
+          </p:sp>
+          <p:sp>
+            <p:nvSpPr>
+              <p:cNvPr id="9" name="Прямоугольник 8">
+                <a:extLst>
+                  <a:ext uri="{FF2B5EF4-FFF2-40B4-BE49-F238E27FC236}">
+                    <a16:creationId xmlns:a16="http://schemas.microsoft.com/office/drawing/2014/main" id="{1281CDC2-F45A-439A-BBD9-829A19B16F21}"/>
+                  </a:ext>
+                </a:extLst>
+              </p:cNvPr>
+              <p:cNvSpPr/>
+              <p:nvPr/>
+            </p:nvSpPr>
+            <p:spPr>
+              <a:xfrm>
+                <a:off x="5031486" y="2578375"/>
+                <a:ext cx="1748437" cy="567993"/>
+              </a:xfrm>
+              <a:prstGeom prst="rect">
+                <a:avLst/>
+              </a:prstGeom>
+              <a:ln>
+                <a:noFill/>
+              </a:ln>
+            </p:spPr>
+            <p:style>
+              <a:lnRef idx="3">
+                <a:schemeClr val="lt1"/>
+              </a:lnRef>
+              <a:fillRef idx="1">
+                <a:schemeClr val="accent5"/>
+              </a:fillRef>
+              <a:effectRef idx="1">
+                <a:schemeClr val="accent5"/>
+              </a:effectRef>
+              <a:fontRef idx="minor">
+                <a:schemeClr val="lt1"/>
+              </a:fontRef>
+            </p:style>
+            <p:txBody>
+              <a:bodyPr rtlCol="0" anchor="ctr"/>
+              <a:lstStyle/>
+              <a:p>
+                <a:pPr algn="ctr"/>
+                <a:r>
+                  <a:rPr lang="en-US" dirty="0"/>
+                  <a:t>API 1</a:t>
+                </a:r>
+              </a:p>
+            </p:txBody>
+          </p:sp>
+          <p:sp>
+            <p:nvSpPr>
+              <p:cNvPr id="39" name="Прямоугольник 38">
+                <a:extLst>
+                  <a:ext uri="{FF2B5EF4-FFF2-40B4-BE49-F238E27FC236}">
+                    <a16:creationId xmlns:a16="http://schemas.microsoft.com/office/drawing/2014/main" id="{559706E4-4D3F-4BCA-B9C2-2A6A4D7539C4}"/>
+                  </a:ext>
+                </a:extLst>
+              </p:cNvPr>
+              <p:cNvSpPr/>
+              <p:nvPr/>
+            </p:nvSpPr>
+            <p:spPr>
+              <a:xfrm>
+                <a:off x="6255830" y="2440122"/>
+                <a:ext cx="671019" cy="584163"/>
+              </a:xfrm>
+              <a:prstGeom prst="rect">
+                <a:avLst/>
+              </a:prstGeom>
+              <a:solidFill>
+                <a:schemeClr val="accent2"/>
+              </a:solidFill>
+              <a:ln>
+                <a:noFill/>
+              </a:ln>
+            </p:spPr>
+            <p:style>
+              <a:lnRef idx="2">
+                <a:schemeClr val="accent2">
+                  <a:shade val="50000"/>
+                </a:schemeClr>
+              </a:lnRef>
+              <a:fillRef idx="1">
+                <a:schemeClr val="accent2"/>
+              </a:fillRef>
+              <a:effectRef idx="0">
+                <a:schemeClr val="accent2"/>
+              </a:effectRef>
+              <a:fontRef idx="minor">
+                <a:schemeClr val="lt1"/>
+              </a:fontRef>
+            </p:style>
+            <p:txBody>
+              <a:bodyPr rtlCol="0" anchor="ctr"/>
+              <a:lstStyle/>
+              <a:p>
+                <a:pPr algn="ctr"/>
+                <a:r>
+                  <a:rPr lang="en-US" dirty="0"/>
+                  <a:t>UI 1</a:t>
+                </a:r>
+              </a:p>
+            </p:txBody>
+          </p:sp>
+        </p:grpSp>
+        <p:sp>
+          <p:nvSpPr>
+            <p:cNvPr id="78" name="TextBox 77">
+              <a:extLst>
+                <a:ext uri="{FF2B5EF4-FFF2-40B4-BE49-F238E27FC236}">
+                  <a16:creationId xmlns:a16="http://schemas.microsoft.com/office/drawing/2014/main" id="{5179A6F7-F6FC-4E51-A890-737CB439A8F0}"/>
+                </a:ext>
+              </a:extLst>
+            </p:cNvPr>
+            <p:cNvSpPr txBox="1"/>
+            <p:nvPr/>
+          </p:nvSpPr>
+          <p:spPr>
+            <a:xfrm>
+              <a:off x="4829986" y="2280240"/>
+              <a:ext cx="1430200" cy="307777"/>
+            </a:xfrm>
+            <a:prstGeom prst="rect">
+              <a:avLst/>
+            </a:prstGeom>
             <a:noFill/>
-          </a:ln>
-        </p:spPr>
-        <p:style>
-          <a:lnRef idx="3">
-            <a:schemeClr val="lt1"/>
-          </a:lnRef>
-          <a:fillRef idx="1">
-            <a:schemeClr val="accent5"/>
-          </a:fillRef>
-          <a:effectRef idx="1">
-            <a:schemeClr val="accent5"/>
-          </a:effectRef>
-          <a:fontRef idx="minor">
-            <a:schemeClr val="lt1"/>
-          </a:fontRef>
-        </p:style>
-        <p:txBody>
-          <a:bodyPr rtlCol="0" anchor="ctr"/>
-          <a:lstStyle/>
-          <a:p>
-            <a:pPr algn="ctr"/>
-            <a:r>
-              <a:rPr lang="en-US" dirty="0"/>
-              <a:t>Microservice4</a:t>
-            </a:r>
-          </a:p>
-        </p:txBody>
-      </p:sp>
-      <p:sp>
-        <p:nvSpPr>
-          <p:cNvPr id="14" name="Прямоугольник 13">
+          </p:spPr>
+          <p:txBody>
+            <a:bodyPr wrap="none" rtlCol="0">
+              <a:spAutoFit/>
+            </a:bodyPr>
+            <a:lstStyle/>
+            <a:p>
+              <a:r>
+                <a:rPr lang="ru-RU" sz="1400" dirty="0"/>
+                <a:t>Микросервис 1</a:t>
+              </a:r>
+              <a:endParaRPr lang="en-US" sz="1400" dirty="0"/>
+            </a:p>
+          </p:txBody>
+        </p:sp>
+      </p:grpSp>
+      <p:grpSp>
+        <p:nvGrpSpPr>
+          <p:cNvPr id="140" name="Группа 139">
             <a:extLst>
               <a:ext uri="{FF2B5EF4-FFF2-40B4-BE49-F238E27FC236}">
-                <a16:creationId xmlns:a16="http://schemas.microsoft.com/office/drawing/2014/main" id="{93CC5163-1B3D-4CF0-B455-7A76BAAF9E10}"/>
+                <a16:creationId xmlns:a16="http://schemas.microsoft.com/office/drawing/2014/main" id="{FC97578F-A846-495E-AF8B-8A5A29D5BF75}"/>
               </a:ext>
             </a:extLst>
           </p:cNvPr>
-          <p:cNvSpPr/>
+          <p:cNvGrpSpPr/>
           <p:nvPr/>
-        </p:nvSpPr>
-        <p:spPr>
+        </p:nvGrpSpPr>
+        <p:grpSpPr>
           <a:xfrm>
-            <a:off x="6388884" y="5394789"/>
-            <a:ext cx="2604099" cy="567993"/>
+            <a:off x="429761" y="2300503"/>
+            <a:ext cx="3021621" cy="1679675"/>
+            <a:chOff x="429761" y="2300503"/>
+            <a:chExt cx="3021621" cy="1679675"/>
           </a:xfrm>
-          <a:prstGeom prst="rect">
-            <a:avLst/>
-          </a:prstGeom>
-          <a:ln>
+        </p:grpSpPr>
+        <p:sp>
+          <p:nvSpPr>
+            <p:cNvPr id="119" name="Прямоугольник: скругленные углы 118">
+              <a:extLst>
+                <a:ext uri="{FF2B5EF4-FFF2-40B4-BE49-F238E27FC236}">
+                  <a16:creationId xmlns:a16="http://schemas.microsoft.com/office/drawing/2014/main" id="{B54A1F0D-1BE7-41A2-B3EF-DA0EFE2ED519}"/>
+                </a:ext>
+              </a:extLst>
+            </p:cNvPr>
+            <p:cNvSpPr/>
+            <p:nvPr/>
+          </p:nvSpPr>
+          <p:spPr>
+            <a:xfrm>
+              <a:off x="448587" y="2300503"/>
+              <a:ext cx="3002795" cy="1679675"/>
+            </a:xfrm>
+            <a:prstGeom prst="roundRect">
+              <a:avLst/>
+            </a:prstGeom>
+            <a:solidFill>
+              <a:schemeClr val="accent3"/>
+            </a:solidFill>
+            <a:ln>
+              <a:noFill/>
+            </a:ln>
+          </p:spPr>
+          <p:style>
+            <a:lnRef idx="2">
+              <a:schemeClr val="accent1">
+                <a:shade val="50000"/>
+              </a:schemeClr>
+            </a:lnRef>
+            <a:fillRef idx="1">
+              <a:schemeClr val="accent1"/>
+            </a:fillRef>
+            <a:effectRef idx="0">
+              <a:schemeClr val="accent1"/>
+            </a:effectRef>
+            <a:fontRef idx="minor">
+              <a:schemeClr val="lt1"/>
+            </a:fontRef>
+          </p:style>
+          <p:txBody>
+            <a:bodyPr rtlCol="0" anchor="ctr"/>
+            <a:lstStyle/>
+            <a:p>
+              <a:pPr algn="ctr"/>
+              <a:endParaRPr lang="en-US"/>
+            </a:p>
+          </p:txBody>
+        </p:sp>
+        <p:sp>
+          <p:nvSpPr>
+            <p:cNvPr id="10" name="Прямоугольник 9">
+              <a:extLst>
+                <a:ext uri="{FF2B5EF4-FFF2-40B4-BE49-F238E27FC236}">
+                  <a16:creationId xmlns:a16="http://schemas.microsoft.com/office/drawing/2014/main" id="{2556C8BE-979A-438E-97F6-26F84DC58572}"/>
+                </a:ext>
+              </a:extLst>
+            </p:cNvPr>
+            <p:cNvSpPr/>
+            <p:nvPr/>
+          </p:nvSpPr>
+          <p:spPr>
+            <a:xfrm>
+              <a:off x="726541" y="2787241"/>
+              <a:ext cx="2397717" cy="1114273"/>
+            </a:xfrm>
+            <a:prstGeom prst="rect">
+              <a:avLst/>
+            </a:prstGeom>
+            <a:solidFill>
+              <a:schemeClr val="accent5"/>
+            </a:solidFill>
+            <a:ln>
+              <a:noFill/>
+            </a:ln>
+          </p:spPr>
+          <p:style>
+            <a:lnRef idx="2">
+              <a:schemeClr val="accent3">
+                <a:shade val="50000"/>
+              </a:schemeClr>
+            </a:lnRef>
+            <a:fillRef idx="1">
+              <a:schemeClr val="accent3"/>
+            </a:fillRef>
+            <a:effectRef idx="0">
+              <a:schemeClr val="accent3"/>
+            </a:effectRef>
+            <a:fontRef idx="minor">
+              <a:schemeClr val="lt1"/>
+            </a:fontRef>
+          </p:style>
+          <p:txBody>
+            <a:bodyPr rtlCol="0" anchor="ctr"/>
+            <a:lstStyle/>
+            <a:p>
+              <a:pPr algn="ctr"/>
+              <a:r>
+                <a:rPr lang="ru-RU" dirty="0"/>
+                <a:t>Сервис авторизации</a:t>
+              </a:r>
+            </a:p>
+            <a:p>
+              <a:pPr algn="ctr"/>
+              <a:r>
+                <a:rPr lang="en-US" dirty="0"/>
+                <a:t>API</a:t>
+              </a:r>
+              <a:endParaRPr lang="ru-RU" dirty="0"/>
+            </a:p>
+            <a:p>
+              <a:pPr algn="ctr"/>
+              <a:r>
+                <a:rPr lang="ru-RU" dirty="0"/>
+                <a:t>(</a:t>
+              </a:r>
+              <a:r>
+                <a:rPr lang="en-US" dirty="0"/>
+                <a:t>IdentityServer4)</a:t>
+              </a:r>
+            </a:p>
+          </p:txBody>
+        </p:sp>
+        <p:sp>
+          <p:nvSpPr>
+            <p:cNvPr id="38" name="Прямоугольник 37">
+              <a:extLst>
+                <a:ext uri="{FF2B5EF4-FFF2-40B4-BE49-F238E27FC236}">
+                  <a16:creationId xmlns:a16="http://schemas.microsoft.com/office/drawing/2014/main" id="{08CC8257-102B-4A19-86AA-270BBD7C3DF3}"/>
+                </a:ext>
+              </a:extLst>
+            </p:cNvPr>
+            <p:cNvSpPr/>
+            <p:nvPr/>
+          </p:nvSpPr>
+          <p:spPr>
+            <a:xfrm>
+              <a:off x="1853886" y="2466312"/>
+              <a:ext cx="1505687" cy="460279"/>
+            </a:xfrm>
+            <a:prstGeom prst="rect">
+              <a:avLst/>
+            </a:prstGeom>
+            <a:solidFill>
+              <a:schemeClr val="accent2"/>
+            </a:solidFill>
+            <a:ln>
+              <a:noFill/>
+            </a:ln>
+          </p:spPr>
+          <p:style>
+            <a:lnRef idx="2">
+              <a:schemeClr val="accent2">
+                <a:shade val="50000"/>
+              </a:schemeClr>
+            </a:lnRef>
+            <a:fillRef idx="1">
+              <a:schemeClr val="accent2"/>
+            </a:fillRef>
+            <a:effectRef idx="0">
+              <a:schemeClr val="accent2"/>
+            </a:effectRef>
+            <a:fontRef idx="minor">
+              <a:schemeClr val="lt1"/>
+            </a:fontRef>
+          </p:style>
+          <p:txBody>
+            <a:bodyPr rtlCol="0" anchor="ctr"/>
+            <a:lstStyle/>
+            <a:p>
+              <a:pPr algn="ctr"/>
+              <a:r>
+                <a:rPr lang="en-US" sz="1400" dirty="0"/>
+                <a:t>UI </a:t>
+              </a:r>
+              <a:r>
+                <a:rPr lang="ru-RU" sz="1400" dirty="0"/>
+                <a:t>авторизации</a:t>
+              </a:r>
+              <a:endParaRPr lang="en-US" sz="1400" dirty="0"/>
+            </a:p>
+          </p:txBody>
+        </p:sp>
+        <p:sp>
+          <p:nvSpPr>
+            <p:cNvPr id="124" name="TextBox 123">
+              <a:extLst>
+                <a:ext uri="{FF2B5EF4-FFF2-40B4-BE49-F238E27FC236}">
+                  <a16:creationId xmlns:a16="http://schemas.microsoft.com/office/drawing/2014/main" id="{BD3F8C8E-60B4-4EA0-925D-83C1A159AB7F}"/>
+                </a:ext>
+              </a:extLst>
+            </p:cNvPr>
+            <p:cNvSpPr txBox="1"/>
+            <p:nvPr/>
+          </p:nvSpPr>
+          <p:spPr>
+            <a:xfrm>
+              <a:off x="429761" y="2434128"/>
+              <a:ext cx="1430200" cy="307777"/>
+            </a:xfrm>
+            <a:prstGeom prst="rect">
+              <a:avLst/>
+            </a:prstGeom>
             <a:noFill/>
-          </a:ln>
-        </p:spPr>
-        <p:style>
-          <a:lnRef idx="3">
-            <a:schemeClr val="lt1"/>
-          </a:lnRef>
-          <a:fillRef idx="1">
-            <a:schemeClr val="accent5"/>
-          </a:fillRef>
-          <a:effectRef idx="1">
-            <a:schemeClr val="accent5"/>
-          </a:effectRef>
-          <a:fontRef idx="minor">
-            <a:schemeClr val="lt1"/>
-          </a:fontRef>
-        </p:style>
-        <p:txBody>
-          <a:bodyPr rtlCol="0" anchor="ctr"/>
-          <a:lstStyle/>
-          <a:p>
-            <a:pPr algn="ctr"/>
-            <a:r>
-              <a:rPr lang="en-US" dirty="0"/>
-              <a:t>Microservice5</a:t>
-            </a:r>
-          </a:p>
-        </p:txBody>
-      </p:sp>
-      <p:cxnSp>
-        <p:nvCxnSpPr>
-          <p:cNvPr id="6" name="Прямая со стрелкой 5">
-            <a:extLst>
-              <a:ext uri="{FF2B5EF4-FFF2-40B4-BE49-F238E27FC236}">
-                <a16:creationId xmlns:a16="http://schemas.microsoft.com/office/drawing/2014/main" id="{E0EC6873-397A-4672-BADC-AA6786C870AB}"/>
-              </a:ext>
-            </a:extLst>
-          </p:cNvPr>
-          <p:cNvCxnSpPr>
-            <a:cxnSpLocks/>
-            <a:stCxn id="9" idx="1"/>
-            <a:endCxn id="11" idx="3"/>
-          </p:cNvCxnSpPr>
-          <p:nvPr/>
-        </p:nvCxnSpPr>
-        <p:spPr>
-          <a:xfrm flipH="1">
-            <a:off x="2899457" y="2857102"/>
-            <a:ext cx="3489427" cy="2419121"/>
-          </a:xfrm>
-          <a:prstGeom prst="straightConnector1">
-            <a:avLst/>
-          </a:prstGeom>
-          <a:ln w="38100">
-            <a:solidFill>
-              <a:schemeClr val="tx1">
-                <a:lumMod val="95000"/>
-              </a:schemeClr>
-            </a:solidFill>
-            <a:headEnd type="stealth"/>
-            <a:tailEnd type="stealth"/>
-          </a:ln>
-        </p:spPr>
-        <p:style>
-          <a:lnRef idx="1">
-            <a:schemeClr val="accent1"/>
-          </a:lnRef>
-          <a:fillRef idx="0">
-            <a:schemeClr val="accent1"/>
-          </a:fillRef>
-          <a:effectRef idx="0">
-            <a:schemeClr val="accent1"/>
-          </a:effectRef>
-          <a:fontRef idx="minor">
-            <a:schemeClr val="tx1"/>
-          </a:fontRef>
-        </p:style>
-      </p:cxnSp>
+          </p:spPr>
+          <p:txBody>
+            <a:bodyPr wrap="none" rtlCol="0">
+              <a:spAutoFit/>
+            </a:bodyPr>
+            <a:lstStyle/>
+            <a:p>
+              <a:r>
+                <a:rPr lang="ru-RU" sz="1400" dirty="0"/>
+                <a:t>Микросервис 0</a:t>
+              </a:r>
+              <a:endParaRPr lang="en-US" sz="1400" dirty="0"/>
+            </a:p>
+          </p:txBody>
+        </p:sp>
+      </p:grpSp>
       <p:cxnSp>
         <p:nvCxnSpPr>
           <p:cNvPr id="16" name="Прямая со стрелкой 15">
@@ -12390,8 +16009,8 @@
         </p:nvCxnSpPr>
         <p:spPr>
           <a:xfrm flipH="1">
-            <a:off x="2899457" y="3562523"/>
-            <a:ext cx="3489427" cy="1713700"/>
+            <a:off x="3150833" y="3439651"/>
+            <a:ext cx="4224874" cy="1875681"/>
           </a:xfrm>
           <a:prstGeom prst="straightConnector1">
             <a:avLst/>
@@ -12439,8 +16058,8 @@
         </p:nvCxnSpPr>
         <p:spPr>
           <a:xfrm flipH="1">
-            <a:off x="2899457" y="4267944"/>
-            <a:ext cx="3489427" cy="1008279"/>
+            <a:off x="3150833" y="4757915"/>
+            <a:ext cx="3151024" cy="557417"/>
           </a:xfrm>
           <a:prstGeom prst="straightConnector1">
             <a:avLst/>
@@ -12487,9 +16106,9 @@
           <p:nvPr/>
         </p:nvCxnSpPr>
         <p:spPr>
-          <a:xfrm flipH="1">
-            <a:off x="2899457" y="4973365"/>
-            <a:ext cx="3489427" cy="302858"/>
+          <a:xfrm flipH="1" flipV="1">
+            <a:off x="3150833" y="5315332"/>
+            <a:ext cx="4238131" cy="610679"/>
           </a:xfrm>
           <a:prstGeom prst="straightConnector1">
             <a:avLst/>
@@ -12521,385 +16140,6 @@
       </p:cxnSp>
       <p:cxnSp>
         <p:nvCxnSpPr>
-          <p:cNvPr id="22" name="Прямая со стрелкой 21">
-            <a:extLst>
-              <a:ext uri="{FF2B5EF4-FFF2-40B4-BE49-F238E27FC236}">
-                <a16:creationId xmlns:a16="http://schemas.microsoft.com/office/drawing/2014/main" id="{1C04BB8E-F67B-4B14-A0EA-C0CF344E12DC}"/>
-              </a:ext>
-            </a:extLst>
-          </p:cNvPr>
-          <p:cNvCxnSpPr>
-            <a:cxnSpLocks/>
-            <a:stCxn id="14" idx="1"/>
-            <a:endCxn id="11" idx="3"/>
-          </p:cNvCxnSpPr>
-          <p:nvPr/>
-        </p:nvCxnSpPr>
-        <p:spPr>
-          <a:xfrm flipH="1" flipV="1">
-            <a:off x="2899457" y="5276223"/>
-            <a:ext cx="3489427" cy="402563"/>
-          </a:xfrm>
-          <a:prstGeom prst="straightConnector1">
-            <a:avLst/>
-          </a:prstGeom>
-          <a:ln w="38100">
-            <a:solidFill>
-              <a:schemeClr val="tx1">
-                <a:lumMod val="95000"/>
-              </a:schemeClr>
-            </a:solidFill>
-            <a:headEnd type="stealth"/>
-            <a:tailEnd type="stealth"/>
-          </a:ln>
-        </p:spPr>
-        <p:style>
-          <a:lnRef idx="1">
-            <a:schemeClr val="accent1"/>
-          </a:lnRef>
-          <a:fillRef idx="0">
-            <a:schemeClr val="accent1"/>
-          </a:fillRef>
-          <a:effectRef idx="0">
-            <a:schemeClr val="accent1"/>
-          </a:effectRef>
-          <a:fontRef idx="minor">
-            <a:schemeClr val="tx1"/>
-          </a:fontRef>
-        </p:style>
-      </p:cxnSp>
-      <p:sp>
-        <p:nvSpPr>
-          <p:cNvPr id="38" name="Прямоугольник 37">
-            <a:extLst>
-              <a:ext uri="{FF2B5EF4-FFF2-40B4-BE49-F238E27FC236}">
-                <a16:creationId xmlns:a16="http://schemas.microsoft.com/office/drawing/2014/main" id="{08CC8257-102B-4A19-86AA-270BBD7C3DF3}"/>
-              </a:ext>
-            </a:extLst>
-          </p:cNvPr>
-          <p:cNvSpPr/>
-          <p:nvPr/>
-        </p:nvSpPr>
-        <p:spPr>
-          <a:xfrm>
-            <a:off x="2201492" y="2447635"/>
-            <a:ext cx="781853" cy="531057"/>
-          </a:xfrm>
-          <a:prstGeom prst="rect">
-            <a:avLst/>
-          </a:prstGeom>
-          <a:solidFill>
-            <a:schemeClr val="accent2"/>
-          </a:solidFill>
-          <a:ln>
-            <a:noFill/>
-          </a:ln>
-        </p:spPr>
-        <p:style>
-          <a:lnRef idx="2">
-            <a:schemeClr val="accent2">
-              <a:shade val="50000"/>
-            </a:schemeClr>
-          </a:lnRef>
-          <a:fillRef idx="1">
-            <a:schemeClr val="accent2"/>
-          </a:fillRef>
-          <a:effectRef idx="0">
-            <a:schemeClr val="accent2"/>
-          </a:effectRef>
-          <a:fontRef idx="minor">
-            <a:schemeClr val="lt1"/>
-          </a:fontRef>
-        </p:style>
-        <p:txBody>
-          <a:bodyPr rtlCol="0" anchor="ctr"/>
-          <a:lstStyle/>
-          <a:p>
-            <a:pPr algn="ctr"/>
-            <a:r>
-              <a:rPr lang="en-US" dirty="0"/>
-              <a:t>UI</a:t>
-            </a:r>
-          </a:p>
-        </p:txBody>
-      </p:sp>
-      <p:sp>
-        <p:nvSpPr>
-          <p:cNvPr id="39" name="Прямоугольник 38">
-            <a:extLst>
-              <a:ext uri="{FF2B5EF4-FFF2-40B4-BE49-F238E27FC236}">
-                <a16:creationId xmlns:a16="http://schemas.microsoft.com/office/drawing/2014/main" id="{559706E4-4D3F-4BCA-B9C2-2A6A4D7539C4}"/>
-              </a:ext>
-            </a:extLst>
-          </p:cNvPr>
-          <p:cNvSpPr/>
-          <p:nvPr/>
-        </p:nvSpPr>
-        <p:spPr>
-          <a:xfrm>
-            <a:off x="8432536" y="2519997"/>
-            <a:ext cx="671019" cy="531057"/>
-          </a:xfrm>
-          <a:prstGeom prst="rect">
-            <a:avLst/>
-          </a:prstGeom>
-          <a:solidFill>
-            <a:schemeClr val="accent2"/>
-          </a:solidFill>
-          <a:ln>
-            <a:noFill/>
-          </a:ln>
-        </p:spPr>
-        <p:style>
-          <a:lnRef idx="2">
-            <a:schemeClr val="accent2">
-              <a:shade val="50000"/>
-            </a:schemeClr>
-          </a:lnRef>
-          <a:fillRef idx="1">
-            <a:schemeClr val="accent2"/>
-          </a:fillRef>
-          <a:effectRef idx="0">
-            <a:schemeClr val="accent2"/>
-          </a:effectRef>
-          <a:fontRef idx="minor">
-            <a:schemeClr val="lt1"/>
-          </a:fontRef>
-        </p:style>
-        <p:txBody>
-          <a:bodyPr rtlCol="0" anchor="ctr"/>
-          <a:lstStyle/>
-          <a:p>
-            <a:pPr algn="ctr"/>
-            <a:r>
-              <a:rPr lang="en-US" dirty="0"/>
-              <a:t>UI</a:t>
-            </a:r>
-          </a:p>
-        </p:txBody>
-      </p:sp>
-      <p:sp>
-        <p:nvSpPr>
-          <p:cNvPr id="40" name="Прямоугольник 39">
-            <a:extLst>
-              <a:ext uri="{FF2B5EF4-FFF2-40B4-BE49-F238E27FC236}">
-                <a16:creationId xmlns:a16="http://schemas.microsoft.com/office/drawing/2014/main" id="{35406FD0-C7A6-4587-B3A2-739E61A9A241}"/>
-              </a:ext>
-            </a:extLst>
-          </p:cNvPr>
-          <p:cNvSpPr/>
-          <p:nvPr/>
-        </p:nvSpPr>
-        <p:spPr>
-          <a:xfrm>
-            <a:off x="8432536" y="3240979"/>
-            <a:ext cx="671019" cy="531057"/>
-          </a:xfrm>
-          <a:prstGeom prst="rect">
-            <a:avLst/>
-          </a:prstGeom>
-          <a:solidFill>
-            <a:schemeClr val="accent2"/>
-          </a:solidFill>
-          <a:ln>
-            <a:noFill/>
-          </a:ln>
-        </p:spPr>
-        <p:style>
-          <a:lnRef idx="2">
-            <a:schemeClr val="accent2">
-              <a:shade val="50000"/>
-            </a:schemeClr>
-          </a:lnRef>
-          <a:fillRef idx="1">
-            <a:schemeClr val="accent2"/>
-          </a:fillRef>
-          <a:effectRef idx="0">
-            <a:schemeClr val="accent2"/>
-          </a:effectRef>
-          <a:fontRef idx="minor">
-            <a:schemeClr val="lt1"/>
-          </a:fontRef>
-        </p:style>
-        <p:txBody>
-          <a:bodyPr rtlCol="0" anchor="ctr"/>
-          <a:lstStyle/>
-          <a:p>
-            <a:pPr algn="ctr"/>
-            <a:r>
-              <a:rPr lang="en-US" dirty="0"/>
-              <a:t>UI</a:t>
-            </a:r>
-          </a:p>
-        </p:txBody>
-      </p:sp>
-      <p:sp>
-        <p:nvSpPr>
-          <p:cNvPr id="51" name="Прямоугольник 50">
-            <a:extLst>
-              <a:ext uri="{FF2B5EF4-FFF2-40B4-BE49-F238E27FC236}">
-                <a16:creationId xmlns:a16="http://schemas.microsoft.com/office/drawing/2014/main" id="{55F2B395-CBC1-4E29-8351-E653B9CD7A41}"/>
-              </a:ext>
-            </a:extLst>
-          </p:cNvPr>
-          <p:cNvSpPr/>
-          <p:nvPr/>
-        </p:nvSpPr>
-        <p:spPr>
-          <a:xfrm>
-            <a:off x="8432536" y="3965173"/>
-            <a:ext cx="671019" cy="531057"/>
-          </a:xfrm>
-          <a:prstGeom prst="rect">
-            <a:avLst/>
-          </a:prstGeom>
-          <a:solidFill>
-            <a:schemeClr val="accent2"/>
-          </a:solidFill>
-          <a:ln>
-            <a:noFill/>
-          </a:ln>
-        </p:spPr>
-        <p:style>
-          <a:lnRef idx="2">
-            <a:schemeClr val="accent2">
-              <a:shade val="50000"/>
-            </a:schemeClr>
-          </a:lnRef>
-          <a:fillRef idx="1">
-            <a:schemeClr val="accent2"/>
-          </a:fillRef>
-          <a:effectRef idx="0">
-            <a:schemeClr val="accent2"/>
-          </a:effectRef>
-          <a:fontRef idx="minor">
-            <a:schemeClr val="lt1"/>
-          </a:fontRef>
-        </p:style>
-        <p:txBody>
-          <a:bodyPr rtlCol="0" anchor="ctr"/>
-          <a:lstStyle/>
-          <a:p>
-            <a:pPr algn="ctr"/>
-            <a:r>
-              <a:rPr lang="en-US" dirty="0"/>
-              <a:t>UI</a:t>
-            </a:r>
-          </a:p>
-        </p:txBody>
-      </p:sp>
-      <p:sp>
-        <p:nvSpPr>
-          <p:cNvPr id="52" name="Прямоугольник 51">
-            <a:extLst>
-              <a:ext uri="{FF2B5EF4-FFF2-40B4-BE49-F238E27FC236}">
-                <a16:creationId xmlns:a16="http://schemas.microsoft.com/office/drawing/2014/main" id="{81F49ADB-B6D6-4124-93E3-726CCB4964F2}"/>
-              </a:ext>
-            </a:extLst>
-          </p:cNvPr>
-          <p:cNvSpPr/>
-          <p:nvPr/>
-        </p:nvSpPr>
-        <p:spPr>
-          <a:xfrm>
-            <a:off x="8432536" y="4667078"/>
-            <a:ext cx="671019" cy="531057"/>
-          </a:xfrm>
-          <a:prstGeom prst="rect">
-            <a:avLst/>
-          </a:prstGeom>
-          <a:solidFill>
-            <a:schemeClr val="accent2"/>
-          </a:solidFill>
-          <a:ln>
-            <a:noFill/>
-          </a:ln>
-        </p:spPr>
-        <p:style>
-          <a:lnRef idx="2">
-            <a:schemeClr val="accent2">
-              <a:shade val="50000"/>
-            </a:schemeClr>
-          </a:lnRef>
-          <a:fillRef idx="1">
-            <a:schemeClr val="accent2"/>
-          </a:fillRef>
-          <a:effectRef idx="0">
-            <a:schemeClr val="accent2"/>
-          </a:effectRef>
-          <a:fontRef idx="minor">
-            <a:schemeClr val="lt1"/>
-          </a:fontRef>
-        </p:style>
-        <p:txBody>
-          <a:bodyPr rtlCol="0" anchor="ctr"/>
-          <a:lstStyle/>
-          <a:p>
-            <a:pPr algn="ctr"/>
-            <a:r>
-              <a:rPr lang="en-US" dirty="0"/>
-              <a:t>UI</a:t>
-            </a:r>
-          </a:p>
-        </p:txBody>
-      </p:sp>
-      <p:sp>
-        <p:nvSpPr>
-          <p:cNvPr id="53" name="Прямоугольник 52">
-            <a:extLst>
-              <a:ext uri="{FF2B5EF4-FFF2-40B4-BE49-F238E27FC236}">
-                <a16:creationId xmlns:a16="http://schemas.microsoft.com/office/drawing/2014/main" id="{A7F91042-6A82-4B0E-AFC4-3A935D7AAAD4}"/>
-              </a:ext>
-            </a:extLst>
-          </p:cNvPr>
-          <p:cNvSpPr/>
-          <p:nvPr/>
-        </p:nvSpPr>
-        <p:spPr>
-          <a:xfrm>
-            <a:off x="8443155" y="5335563"/>
-            <a:ext cx="671019" cy="531057"/>
-          </a:xfrm>
-          <a:prstGeom prst="rect">
-            <a:avLst/>
-          </a:prstGeom>
-          <a:solidFill>
-            <a:schemeClr val="accent2"/>
-          </a:solidFill>
-          <a:ln>
-            <a:noFill/>
-          </a:ln>
-        </p:spPr>
-        <p:style>
-          <a:lnRef idx="2">
-            <a:schemeClr val="accent2">
-              <a:shade val="50000"/>
-            </a:schemeClr>
-          </a:lnRef>
-          <a:fillRef idx="1">
-            <a:schemeClr val="accent2"/>
-          </a:fillRef>
-          <a:effectRef idx="0">
-            <a:schemeClr val="accent2"/>
-          </a:effectRef>
-          <a:fontRef idx="minor">
-            <a:schemeClr val="lt1"/>
-          </a:fontRef>
-        </p:style>
-        <p:txBody>
-          <a:bodyPr rtlCol="0" anchor="ctr"/>
-          <a:lstStyle/>
-          <a:p>
-            <a:pPr algn="ctr"/>
-            <a:r>
-              <a:rPr lang="en-US" dirty="0"/>
-              <a:t>UI</a:t>
-            </a:r>
-          </a:p>
-        </p:txBody>
-      </p:sp>
-      <p:cxnSp>
-        <p:nvCxnSpPr>
           <p:cNvPr id="61" name="Прямая со стрелкой 60">
             <a:extLst>
               <a:ext uri="{FF2B5EF4-FFF2-40B4-BE49-F238E27FC236}">
@@ -12916,55 +16156,8 @@
         </p:nvCxnSpPr>
         <p:spPr>
           <a:xfrm flipV="1">
-            <a:off x="2872882" y="2857102"/>
-            <a:ext cx="3516002" cy="383878"/>
-          </a:xfrm>
-          <a:prstGeom prst="straightConnector1">
-            <a:avLst/>
-          </a:prstGeom>
-          <a:ln w="38100">
-            <a:solidFill>
-              <a:srgbClr val="FFFF00"/>
-            </a:solidFill>
-            <a:headEnd type="stealth"/>
-            <a:tailEnd type="stealth"/>
-          </a:ln>
-        </p:spPr>
-        <p:style>
-          <a:lnRef idx="1">
-            <a:schemeClr val="accent1"/>
-          </a:lnRef>
-          <a:fillRef idx="0">
-            <a:schemeClr val="accent1"/>
-          </a:fillRef>
-          <a:effectRef idx="0">
-            <a:schemeClr val="accent1"/>
-          </a:effectRef>
-          <a:fontRef idx="minor">
-            <a:schemeClr val="tx1"/>
-          </a:fontRef>
-        </p:style>
-      </p:cxnSp>
-      <p:cxnSp>
-        <p:nvCxnSpPr>
-          <p:cNvPr id="64" name="Прямая со стрелкой 63">
-            <a:extLst>
-              <a:ext uri="{FF2B5EF4-FFF2-40B4-BE49-F238E27FC236}">
-                <a16:creationId xmlns:a16="http://schemas.microsoft.com/office/drawing/2014/main" id="{B30199F6-F3FF-4060-A2D0-87381B6A0263}"/>
-              </a:ext>
-            </a:extLst>
-          </p:cNvPr>
-          <p:cNvCxnSpPr>
-            <a:cxnSpLocks/>
-            <a:stCxn id="10" idx="3"/>
-            <a:endCxn id="8" idx="1"/>
-          </p:cNvCxnSpPr>
-          <p:nvPr/>
-        </p:nvCxnSpPr>
-        <p:spPr>
-          <a:xfrm>
-            <a:off x="2872882" y="3240980"/>
-            <a:ext cx="3516002" cy="321543"/>
+            <a:off x="3124258" y="2862372"/>
+            <a:ext cx="1907228" cy="482006"/>
           </a:xfrm>
           <a:prstGeom prst="straightConnector1">
             <a:avLst/>
@@ -13010,55 +16203,8 @@
         </p:nvCxnSpPr>
         <p:spPr>
           <a:xfrm>
-            <a:off x="2872882" y="3240980"/>
-            <a:ext cx="3516002" cy="1026964"/>
-          </a:xfrm>
-          <a:prstGeom prst="straightConnector1">
-            <a:avLst/>
-          </a:prstGeom>
-          <a:ln w="38100">
-            <a:solidFill>
-              <a:srgbClr val="FFFF00"/>
-            </a:solidFill>
-            <a:headEnd type="stealth"/>
-            <a:tailEnd type="stealth"/>
-          </a:ln>
-        </p:spPr>
-        <p:style>
-          <a:lnRef idx="1">
-            <a:schemeClr val="accent1"/>
-          </a:lnRef>
-          <a:fillRef idx="0">
-            <a:schemeClr val="accent1"/>
-          </a:fillRef>
-          <a:effectRef idx="0">
-            <a:schemeClr val="accent1"/>
-          </a:effectRef>
-          <a:fontRef idx="minor">
-            <a:schemeClr val="tx1"/>
-          </a:fontRef>
-        </p:style>
-      </p:cxnSp>
-      <p:cxnSp>
-        <p:nvCxnSpPr>
-          <p:cNvPr id="80" name="Прямая со стрелкой 79">
-            <a:extLst>
-              <a:ext uri="{FF2B5EF4-FFF2-40B4-BE49-F238E27FC236}">
-                <a16:creationId xmlns:a16="http://schemas.microsoft.com/office/drawing/2014/main" id="{04D50012-35F1-4080-951A-AD9CF77E9A06}"/>
-              </a:ext>
-            </a:extLst>
-          </p:cNvPr>
-          <p:cNvCxnSpPr>
-            <a:cxnSpLocks/>
-            <a:stCxn id="10" idx="3"/>
-            <a:endCxn id="14" idx="1"/>
-          </p:cNvCxnSpPr>
-          <p:nvPr/>
-        </p:nvCxnSpPr>
-        <p:spPr>
-          <a:xfrm>
-            <a:off x="2872882" y="3240980"/>
-            <a:ext cx="3516002" cy="2437806"/>
+            <a:off x="3124258" y="3344378"/>
+            <a:ext cx="3177599" cy="1413537"/>
           </a:xfrm>
           <a:prstGeom prst="straightConnector1">
             <a:avLst/>
@@ -13104,8 +16250,8 @@
         </p:nvCxnSpPr>
         <p:spPr>
           <a:xfrm>
-            <a:off x="2872882" y="3240980"/>
-            <a:ext cx="3516002" cy="1732385"/>
+            <a:off x="3124258" y="3344378"/>
+            <a:ext cx="4264706" cy="2581633"/>
           </a:xfrm>
           <a:prstGeom prst="straightConnector1">
             <a:avLst/>
@@ -13113,6 +16259,151 @@
           <a:ln w="38100">
             <a:solidFill>
               <a:srgbClr val="FFFF00"/>
+            </a:solidFill>
+            <a:headEnd type="stealth"/>
+            <a:tailEnd type="stealth"/>
+          </a:ln>
+        </p:spPr>
+        <p:style>
+          <a:lnRef idx="1">
+            <a:schemeClr val="accent1"/>
+          </a:lnRef>
+          <a:fillRef idx="0">
+            <a:schemeClr val="accent1"/>
+          </a:fillRef>
+          <a:effectRef idx="0">
+            <a:schemeClr val="accent1"/>
+          </a:effectRef>
+          <a:fontRef idx="minor">
+            <a:schemeClr val="tx1"/>
+          </a:fontRef>
+        </p:style>
+      </p:cxnSp>
+      <p:cxnSp>
+        <p:nvCxnSpPr>
+          <p:cNvPr id="6" name="Прямая со стрелкой 5">
+            <a:extLst>
+              <a:ext uri="{FF2B5EF4-FFF2-40B4-BE49-F238E27FC236}">
+                <a16:creationId xmlns:a16="http://schemas.microsoft.com/office/drawing/2014/main" id="{E0EC6873-397A-4672-BADC-AA6786C870AB}"/>
+              </a:ext>
+            </a:extLst>
+          </p:cNvPr>
+          <p:cNvCxnSpPr>
+            <a:cxnSpLocks/>
+            <a:stCxn id="9" idx="1"/>
+            <a:endCxn id="11" idx="3"/>
+          </p:cNvCxnSpPr>
+          <p:nvPr/>
+        </p:nvCxnSpPr>
+        <p:spPr>
+          <a:xfrm flipH="1">
+            <a:off x="3150833" y="2862372"/>
+            <a:ext cx="1880653" cy="2452960"/>
+          </a:xfrm>
+          <a:prstGeom prst="straightConnector1">
+            <a:avLst/>
+          </a:prstGeom>
+          <a:ln w="38100">
+            <a:solidFill>
+              <a:schemeClr val="tx1">
+                <a:lumMod val="95000"/>
+              </a:schemeClr>
+            </a:solidFill>
+            <a:headEnd type="stealth"/>
+            <a:tailEnd type="stealth"/>
+          </a:ln>
+        </p:spPr>
+        <p:style>
+          <a:lnRef idx="1">
+            <a:schemeClr val="accent1"/>
+          </a:lnRef>
+          <a:fillRef idx="0">
+            <a:schemeClr val="accent1"/>
+          </a:fillRef>
+          <a:effectRef idx="0">
+            <a:schemeClr val="accent1"/>
+          </a:effectRef>
+          <a:fontRef idx="minor">
+            <a:schemeClr val="tx1"/>
+          </a:fontRef>
+        </p:style>
+      </p:cxnSp>
+      <p:cxnSp>
+        <p:nvCxnSpPr>
+          <p:cNvPr id="64" name="Прямая со стрелкой 63">
+            <a:extLst>
+              <a:ext uri="{FF2B5EF4-FFF2-40B4-BE49-F238E27FC236}">
+                <a16:creationId xmlns:a16="http://schemas.microsoft.com/office/drawing/2014/main" id="{B30199F6-F3FF-4060-A2D0-87381B6A0263}"/>
+              </a:ext>
+            </a:extLst>
+          </p:cNvPr>
+          <p:cNvCxnSpPr>
+            <a:cxnSpLocks/>
+            <a:stCxn id="10" idx="3"/>
+            <a:endCxn id="8" idx="1"/>
+          </p:cNvCxnSpPr>
+          <p:nvPr/>
+        </p:nvCxnSpPr>
+        <p:spPr>
+          <a:xfrm>
+            <a:off x="3124258" y="3344378"/>
+            <a:ext cx="4251449" cy="95273"/>
+          </a:xfrm>
+          <a:prstGeom prst="straightConnector1">
+            <a:avLst/>
+          </a:prstGeom>
+          <a:ln w="38100">
+            <a:solidFill>
+              <a:srgbClr val="FFFF00"/>
+            </a:solidFill>
+            <a:headEnd type="stealth"/>
+            <a:tailEnd type="stealth"/>
+          </a:ln>
+        </p:spPr>
+        <p:style>
+          <a:lnRef idx="1">
+            <a:schemeClr val="accent1"/>
+          </a:lnRef>
+          <a:fillRef idx="0">
+            <a:schemeClr val="accent1"/>
+          </a:fillRef>
+          <a:effectRef idx="0">
+            <a:schemeClr val="accent1"/>
+          </a:effectRef>
+          <a:fontRef idx="minor">
+            <a:schemeClr val="tx1"/>
+          </a:fontRef>
+        </p:style>
+      </p:cxnSp>
+      <p:cxnSp>
+        <p:nvCxnSpPr>
+          <p:cNvPr id="130" name="Прямая со стрелкой 129">
+            <a:extLst>
+              <a:ext uri="{FF2B5EF4-FFF2-40B4-BE49-F238E27FC236}">
+                <a16:creationId xmlns:a16="http://schemas.microsoft.com/office/drawing/2014/main" id="{91F272E1-B0B1-45BC-8B83-151A21836D6F}"/>
+              </a:ext>
+            </a:extLst>
+          </p:cNvPr>
+          <p:cNvCxnSpPr>
+            <a:cxnSpLocks/>
+            <a:stCxn id="10" idx="2"/>
+            <a:endCxn id="11" idx="0"/>
+          </p:cNvCxnSpPr>
+          <p:nvPr/>
+        </p:nvCxnSpPr>
+        <p:spPr>
+          <a:xfrm flipH="1">
+            <a:off x="1925399" y="3901514"/>
+            <a:ext cx="1" cy="845824"/>
+          </a:xfrm>
+          <a:prstGeom prst="straightConnector1">
+            <a:avLst/>
+          </a:prstGeom>
+          <a:ln w="38100">
+            <a:solidFill>
+              <a:schemeClr val="tx1">
+                <a:lumMod val="95000"/>
+              </a:schemeClr>
             </a:solidFill>
             <a:headEnd type="stealth"/>
             <a:tailEnd type="stealth"/>
@@ -13146,10 +16437,3022 @@
   <p:transition spd="slow">
     <p:cover/>
   </p:transition>
+  <p:timing>
+    <p:tnLst>
+      <p:par>
+        <p:cTn id="1" dur="indefinite" restart="never" nodeType="tmRoot">
+          <p:childTnLst>
+            <p:seq concurrent="1" nextAc="seek">
+              <p:cTn id="2" dur="indefinite" nodeType="mainSeq">
+                <p:childTnLst>
+                  <p:par>
+                    <p:cTn id="3" fill="hold">
+                      <p:stCondLst>
+                        <p:cond delay="indefinite"/>
+                      </p:stCondLst>
+                      <p:childTnLst>
+                        <p:par>
+                          <p:cTn id="4" fill="hold">
+                            <p:stCondLst>
+                              <p:cond delay="0"/>
+                            </p:stCondLst>
+                            <p:childTnLst>
+                              <p:par>
+                                <p:cTn id="5" presetID="53" presetClass="entr" presetSubtype="16" fill="hold" nodeType="clickEffect">
+                                  <p:stCondLst>
+                                    <p:cond delay="0"/>
+                                  </p:stCondLst>
+                                  <p:childTnLst>
+                                    <p:set>
+                                      <p:cBhvr>
+                                        <p:cTn id="6" dur="1" fill="hold">
+                                          <p:stCondLst>
+                                            <p:cond delay="0"/>
+                                          </p:stCondLst>
+                                        </p:cTn>
+                                        <p:tgtEl>
+                                          <p:spTgt spid="140"/>
+                                        </p:tgtEl>
+                                        <p:attrNameLst>
+                                          <p:attrName>style.visibility</p:attrName>
+                                        </p:attrNameLst>
+                                      </p:cBhvr>
+                                      <p:to>
+                                        <p:strVal val="visible"/>
+                                      </p:to>
+                                    </p:set>
+                                    <p:anim calcmode="lin" valueType="num">
+                                      <p:cBhvr>
+                                        <p:cTn id="7" dur="500" fill="hold"/>
+                                        <p:tgtEl>
+                                          <p:spTgt spid="140"/>
+                                        </p:tgtEl>
+                                        <p:attrNameLst>
+                                          <p:attrName>ppt_w</p:attrName>
+                                        </p:attrNameLst>
+                                      </p:cBhvr>
+                                      <p:tavLst>
+                                        <p:tav tm="0">
+                                          <p:val>
+                                            <p:fltVal val="0"/>
+                                          </p:val>
+                                        </p:tav>
+                                        <p:tav tm="100000">
+                                          <p:val>
+                                            <p:strVal val="#ppt_w"/>
+                                          </p:val>
+                                        </p:tav>
+                                      </p:tavLst>
+                                    </p:anim>
+                                    <p:anim calcmode="lin" valueType="num">
+                                      <p:cBhvr>
+                                        <p:cTn id="8" dur="500" fill="hold"/>
+                                        <p:tgtEl>
+                                          <p:spTgt spid="140"/>
+                                        </p:tgtEl>
+                                        <p:attrNameLst>
+                                          <p:attrName>ppt_h</p:attrName>
+                                        </p:attrNameLst>
+                                      </p:cBhvr>
+                                      <p:tavLst>
+                                        <p:tav tm="0">
+                                          <p:val>
+                                            <p:fltVal val="0"/>
+                                          </p:val>
+                                        </p:tav>
+                                        <p:tav tm="100000">
+                                          <p:val>
+                                            <p:strVal val="#ppt_h"/>
+                                          </p:val>
+                                        </p:tav>
+                                      </p:tavLst>
+                                    </p:anim>
+                                    <p:animEffect transition="in" filter="fade">
+                                      <p:cBhvr>
+                                        <p:cTn id="9" dur="500"/>
+                                        <p:tgtEl>
+                                          <p:spTgt spid="140"/>
+                                        </p:tgtEl>
+                                      </p:cBhvr>
+                                    </p:animEffect>
+                                  </p:childTnLst>
+                                </p:cTn>
+                              </p:par>
+                            </p:childTnLst>
+                          </p:cTn>
+                        </p:par>
+                      </p:childTnLst>
+                    </p:cTn>
+                  </p:par>
+                  <p:par>
+                    <p:cTn id="10" fill="hold">
+                      <p:stCondLst>
+                        <p:cond delay="indefinite"/>
+                      </p:stCondLst>
+                      <p:childTnLst>
+                        <p:par>
+                          <p:cTn id="11" fill="hold">
+                            <p:stCondLst>
+                              <p:cond delay="0"/>
+                            </p:stCondLst>
+                            <p:childTnLst>
+                              <p:par>
+                                <p:cTn id="12" presetID="53" presetClass="entr" presetSubtype="16" fill="hold" nodeType="clickEffect">
+                                  <p:stCondLst>
+                                    <p:cond delay="0"/>
+                                  </p:stCondLst>
+                                  <p:childTnLst>
+                                    <p:set>
+                                      <p:cBhvr>
+                                        <p:cTn id="13" dur="1" fill="hold">
+                                          <p:stCondLst>
+                                            <p:cond delay="0"/>
+                                          </p:stCondLst>
+                                        </p:cTn>
+                                        <p:tgtEl>
+                                          <p:spTgt spid="127"/>
+                                        </p:tgtEl>
+                                        <p:attrNameLst>
+                                          <p:attrName>style.visibility</p:attrName>
+                                        </p:attrNameLst>
+                                      </p:cBhvr>
+                                      <p:to>
+                                        <p:strVal val="visible"/>
+                                      </p:to>
+                                    </p:set>
+                                    <p:anim calcmode="lin" valueType="num">
+                                      <p:cBhvr>
+                                        <p:cTn id="14" dur="500" fill="hold"/>
+                                        <p:tgtEl>
+                                          <p:spTgt spid="127"/>
+                                        </p:tgtEl>
+                                        <p:attrNameLst>
+                                          <p:attrName>ppt_w</p:attrName>
+                                        </p:attrNameLst>
+                                      </p:cBhvr>
+                                      <p:tavLst>
+                                        <p:tav tm="0">
+                                          <p:val>
+                                            <p:fltVal val="0"/>
+                                          </p:val>
+                                        </p:tav>
+                                        <p:tav tm="100000">
+                                          <p:val>
+                                            <p:strVal val="#ppt_w"/>
+                                          </p:val>
+                                        </p:tav>
+                                      </p:tavLst>
+                                    </p:anim>
+                                    <p:anim calcmode="lin" valueType="num">
+                                      <p:cBhvr>
+                                        <p:cTn id="15" dur="500" fill="hold"/>
+                                        <p:tgtEl>
+                                          <p:spTgt spid="127"/>
+                                        </p:tgtEl>
+                                        <p:attrNameLst>
+                                          <p:attrName>ppt_h</p:attrName>
+                                        </p:attrNameLst>
+                                      </p:cBhvr>
+                                      <p:tavLst>
+                                        <p:tav tm="0">
+                                          <p:val>
+                                            <p:fltVal val="0"/>
+                                          </p:val>
+                                        </p:tav>
+                                        <p:tav tm="100000">
+                                          <p:val>
+                                            <p:strVal val="#ppt_h"/>
+                                          </p:val>
+                                        </p:tav>
+                                      </p:tavLst>
+                                    </p:anim>
+                                    <p:animEffect transition="in" filter="fade">
+                                      <p:cBhvr>
+                                        <p:cTn id="16" dur="500"/>
+                                        <p:tgtEl>
+                                          <p:spTgt spid="127"/>
+                                        </p:tgtEl>
+                                      </p:cBhvr>
+                                    </p:animEffect>
+                                  </p:childTnLst>
+                                </p:cTn>
+                              </p:par>
+                            </p:childTnLst>
+                          </p:cTn>
+                        </p:par>
+                      </p:childTnLst>
+                    </p:cTn>
+                  </p:par>
+                  <p:par>
+                    <p:cTn id="17" fill="hold">
+                      <p:stCondLst>
+                        <p:cond delay="indefinite"/>
+                      </p:stCondLst>
+                      <p:childTnLst>
+                        <p:par>
+                          <p:cTn id="18" fill="hold">
+                            <p:stCondLst>
+                              <p:cond delay="0"/>
+                            </p:stCondLst>
+                            <p:childTnLst>
+                              <p:par>
+                                <p:cTn id="19" presetID="53" presetClass="entr" presetSubtype="16" fill="hold" nodeType="clickEffect">
+                                  <p:stCondLst>
+                                    <p:cond delay="0"/>
+                                  </p:stCondLst>
+                                  <p:childTnLst>
+                                    <p:set>
+                                      <p:cBhvr>
+                                        <p:cTn id="20" dur="1" fill="hold">
+                                          <p:stCondLst>
+                                            <p:cond delay="0"/>
+                                          </p:stCondLst>
+                                        </p:cTn>
+                                        <p:tgtEl>
+                                          <p:spTgt spid="61"/>
+                                        </p:tgtEl>
+                                        <p:attrNameLst>
+                                          <p:attrName>style.visibility</p:attrName>
+                                        </p:attrNameLst>
+                                      </p:cBhvr>
+                                      <p:to>
+                                        <p:strVal val="visible"/>
+                                      </p:to>
+                                    </p:set>
+                                    <p:anim calcmode="lin" valueType="num">
+                                      <p:cBhvr>
+                                        <p:cTn id="21" dur="500" fill="hold"/>
+                                        <p:tgtEl>
+                                          <p:spTgt spid="61"/>
+                                        </p:tgtEl>
+                                        <p:attrNameLst>
+                                          <p:attrName>ppt_w</p:attrName>
+                                        </p:attrNameLst>
+                                      </p:cBhvr>
+                                      <p:tavLst>
+                                        <p:tav tm="0">
+                                          <p:val>
+                                            <p:fltVal val="0"/>
+                                          </p:val>
+                                        </p:tav>
+                                        <p:tav tm="100000">
+                                          <p:val>
+                                            <p:strVal val="#ppt_w"/>
+                                          </p:val>
+                                        </p:tav>
+                                      </p:tavLst>
+                                    </p:anim>
+                                    <p:anim calcmode="lin" valueType="num">
+                                      <p:cBhvr>
+                                        <p:cTn id="22" dur="500" fill="hold"/>
+                                        <p:tgtEl>
+                                          <p:spTgt spid="61"/>
+                                        </p:tgtEl>
+                                        <p:attrNameLst>
+                                          <p:attrName>ppt_h</p:attrName>
+                                        </p:attrNameLst>
+                                      </p:cBhvr>
+                                      <p:tavLst>
+                                        <p:tav tm="0">
+                                          <p:val>
+                                            <p:fltVal val="0"/>
+                                          </p:val>
+                                        </p:tav>
+                                        <p:tav tm="100000">
+                                          <p:val>
+                                            <p:strVal val="#ppt_h"/>
+                                          </p:val>
+                                        </p:tav>
+                                      </p:tavLst>
+                                    </p:anim>
+                                    <p:animEffect transition="in" filter="fade">
+                                      <p:cBhvr>
+                                        <p:cTn id="23" dur="500"/>
+                                        <p:tgtEl>
+                                          <p:spTgt spid="61"/>
+                                        </p:tgtEl>
+                                      </p:cBhvr>
+                                    </p:animEffect>
+                                  </p:childTnLst>
+                                </p:cTn>
+                              </p:par>
+                            </p:childTnLst>
+                          </p:cTn>
+                        </p:par>
+                      </p:childTnLst>
+                    </p:cTn>
+                  </p:par>
+                  <p:par>
+                    <p:cTn id="24" fill="hold">
+                      <p:stCondLst>
+                        <p:cond delay="indefinite"/>
+                      </p:stCondLst>
+                      <p:childTnLst>
+                        <p:par>
+                          <p:cTn id="25" fill="hold">
+                            <p:stCondLst>
+                              <p:cond delay="0"/>
+                            </p:stCondLst>
+                            <p:childTnLst>
+                              <p:par>
+                                <p:cTn id="26" presetID="53" presetClass="entr" presetSubtype="16" fill="hold" nodeType="clickEffect">
+                                  <p:stCondLst>
+                                    <p:cond delay="0"/>
+                                  </p:stCondLst>
+                                  <p:childTnLst>
+                                    <p:set>
+                                      <p:cBhvr>
+                                        <p:cTn id="27" dur="1" fill="hold">
+                                          <p:stCondLst>
+                                            <p:cond delay="0"/>
+                                          </p:stCondLst>
+                                        </p:cTn>
+                                        <p:tgtEl>
+                                          <p:spTgt spid="126"/>
+                                        </p:tgtEl>
+                                        <p:attrNameLst>
+                                          <p:attrName>style.visibility</p:attrName>
+                                        </p:attrNameLst>
+                                      </p:cBhvr>
+                                      <p:to>
+                                        <p:strVal val="visible"/>
+                                      </p:to>
+                                    </p:set>
+                                    <p:anim calcmode="lin" valueType="num">
+                                      <p:cBhvr>
+                                        <p:cTn id="28" dur="500" fill="hold"/>
+                                        <p:tgtEl>
+                                          <p:spTgt spid="126"/>
+                                        </p:tgtEl>
+                                        <p:attrNameLst>
+                                          <p:attrName>ppt_w</p:attrName>
+                                        </p:attrNameLst>
+                                      </p:cBhvr>
+                                      <p:tavLst>
+                                        <p:tav tm="0">
+                                          <p:val>
+                                            <p:fltVal val="0"/>
+                                          </p:val>
+                                        </p:tav>
+                                        <p:tav tm="100000">
+                                          <p:val>
+                                            <p:strVal val="#ppt_w"/>
+                                          </p:val>
+                                        </p:tav>
+                                      </p:tavLst>
+                                    </p:anim>
+                                    <p:anim calcmode="lin" valueType="num">
+                                      <p:cBhvr>
+                                        <p:cTn id="29" dur="500" fill="hold"/>
+                                        <p:tgtEl>
+                                          <p:spTgt spid="126"/>
+                                        </p:tgtEl>
+                                        <p:attrNameLst>
+                                          <p:attrName>ppt_h</p:attrName>
+                                        </p:attrNameLst>
+                                      </p:cBhvr>
+                                      <p:tavLst>
+                                        <p:tav tm="0">
+                                          <p:val>
+                                            <p:fltVal val="0"/>
+                                          </p:val>
+                                        </p:tav>
+                                        <p:tav tm="100000">
+                                          <p:val>
+                                            <p:strVal val="#ppt_h"/>
+                                          </p:val>
+                                        </p:tav>
+                                      </p:tavLst>
+                                    </p:anim>
+                                    <p:animEffect transition="in" filter="fade">
+                                      <p:cBhvr>
+                                        <p:cTn id="30" dur="500"/>
+                                        <p:tgtEl>
+                                          <p:spTgt spid="126"/>
+                                        </p:tgtEl>
+                                      </p:cBhvr>
+                                    </p:animEffect>
+                                  </p:childTnLst>
+                                </p:cTn>
+                              </p:par>
+                            </p:childTnLst>
+                          </p:cTn>
+                        </p:par>
+                      </p:childTnLst>
+                    </p:cTn>
+                  </p:par>
+                  <p:par>
+                    <p:cTn id="31" fill="hold">
+                      <p:stCondLst>
+                        <p:cond delay="indefinite"/>
+                      </p:stCondLst>
+                      <p:childTnLst>
+                        <p:par>
+                          <p:cTn id="32" fill="hold">
+                            <p:stCondLst>
+                              <p:cond delay="0"/>
+                            </p:stCondLst>
+                            <p:childTnLst>
+                              <p:par>
+                                <p:cTn id="33" presetID="53" presetClass="entr" presetSubtype="16" fill="hold" nodeType="clickEffect">
+                                  <p:stCondLst>
+                                    <p:cond delay="0"/>
+                                  </p:stCondLst>
+                                  <p:childTnLst>
+                                    <p:set>
+                                      <p:cBhvr>
+                                        <p:cTn id="34" dur="1" fill="hold">
+                                          <p:stCondLst>
+                                            <p:cond delay="0"/>
+                                          </p:stCondLst>
+                                        </p:cTn>
+                                        <p:tgtEl>
+                                          <p:spTgt spid="64"/>
+                                        </p:tgtEl>
+                                        <p:attrNameLst>
+                                          <p:attrName>style.visibility</p:attrName>
+                                        </p:attrNameLst>
+                                      </p:cBhvr>
+                                      <p:to>
+                                        <p:strVal val="visible"/>
+                                      </p:to>
+                                    </p:set>
+                                    <p:anim calcmode="lin" valueType="num">
+                                      <p:cBhvr>
+                                        <p:cTn id="35" dur="500" fill="hold"/>
+                                        <p:tgtEl>
+                                          <p:spTgt spid="64"/>
+                                        </p:tgtEl>
+                                        <p:attrNameLst>
+                                          <p:attrName>ppt_w</p:attrName>
+                                        </p:attrNameLst>
+                                      </p:cBhvr>
+                                      <p:tavLst>
+                                        <p:tav tm="0">
+                                          <p:val>
+                                            <p:fltVal val="0"/>
+                                          </p:val>
+                                        </p:tav>
+                                        <p:tav tm="100000">
+                                          <p:val>
+                                            <p:strVal val="#ppt_w"/>
+                                          </p:val>
+                                        </p:tav>
+                                      </p:tavLst>
+                                    </p:anim>
+                                    <p:anim calcmode="lin" valueType="num">
+                                      <p:cBhvr>
+                                        <p:cTn id="36" dur="500" fill="hold"/>
+                                        <p:tgtEl>
+                                          <p:spTgt spid="64"/>
+                                        </p:tgtEl>
+                                        <p:attrNameLst>
+                                          <p:attrName>ppt_h</p:attrName>
+                                        </p:attrNameLst>
+                                      </p:cBhvr>
+                                      <p:tavLst>
+                                        <p:tav tm="0">
+                                          <p:val>
+                                            <p:fltVal val="0"/>
+                                          </p:val>
+                                        </p:tav>
+                                        <p:tav tm="100000">
+                                          <p:val>
+                                            <p:strVal val="#ppt_h"/>
+                                          </p:val>
+                                        </p:tav>
+                                      </p:tavLst>
+                                    </p:anim>
+                                    <p:animEffect transition="in" filter="fade">
+                                      <p:cBhvr>
+                                        <p:cTn id="37" dur="500"/>
+                                        <p:tgtEl>
+                                          <p:spTgt spid="64"/>
+                                        </p:tgtEl>
+                                      </p:cBhvr>
+                                    </p:animEffect>
+                                  </p:childTnLst>
+                                </p:cTn>
+                              </p:par>
+                            </p:childTnLst>
+                          </p:cTn>
+                        </p:par>
+                      </p:childTnLst>
+                    </p:cTn>
+                  </p:par>
+                  <p:par>
+                    <p:cTn id="38" fill="hold">
+                      <p:stCondLst>
+                        <p:cond delay="indefinite"/>
+                      </p:stCondLst>
+                      <p:childTnLst>
+                        <p:par>
+                          <p:cTn id="39" fill="hold">
+                            <p:stCondLst>
+                              <p:cond delay="0"/>
+                            </p:stCondLst>
+                            <p:childTnLst>
+                              <p:par>
+                                <p:cTn id="40" presetID="53" presetClass="entr" presetSubtype="16" fill="hold" nodeType="clickEffect">
+                                  <p:stCondLst>
+                                    <p:cond delay="0"/>
+                                  </p:stCondLst>
+                                  <p:childTnLst>
+                                    <p:set>
+                                      <p:cBhvr>
+                                        <p:cTn id="41" dur="1" fill="hold">
+                                          <p:stCondLst>
+                                            <p:cond delay="0"/>
+                                          </p:stCondLst>
+                                        </p:cTn>
+                                        <p:tgtEl>
+                                          <p:spTgt spid="128"/>
+                                        </p:tgtEl>
+                                        <p:attrNameLst>
+                                          <p:attrName>style.visibility</p:attrName>
+                                        </p:attrNameLst>
+                                      </p:cBhvr>
+                                      <p:to>
+                                        <p:strVal val="visible"/>
+                                      </p:to>
+                                    </p:set>
+                                    <p:anim calcmode="lin" valueType="num">
+                                      <p:cBhvr>
+                                        <p:cTn id="42" dur="500" fill="hold"/>
+                                        <p:tgtEl>
+                                          <p:spTgt spid="128"/>
+                                        </p:tgtEl>
+                                        <p:attrNameLst>
+                                          <p:attrName>ppt_w</p:attrName>
+                                        </p:attrNameLst>
+                                      </p:cBhvr>
+                                      <p:tavLst>
+                                        <p:tav tm="0">
+                                          <p:val>
+                                            <p:fltVal val="0"/>
+                                          </p:val>
+                                        </p:tav>
+                                        <p:tav tm="100000">
+                                          <p:val>
+                                            <p:strVal val="#ppt_w"/>
+                                          </p:val>
+                                        </p:tav>
+                                      </p:tavLst>
+                                    </p:anim>
+                                    <p:anim calcmode="lin" valueType="num">
+                                      <p:cBhvr>
+                                        <p:cTn id="43" dur="500" fill="hold"/>
+                                        <p:tgtEl>
+                                          <p:spTgt spid="128"/>
+                                        </p:tgtEl>
+                                        <p:attrNameLst>
+                                          <p:attrName>ppt_h</p:attrName>
+                                        </p:attrNameLst>
+                                      </p:cBhvr>
+                                      <p:tavLst>
+                                        <p:tav tm="0">
+                                          <p:val>
+                                            <p:fltVal val="0"/>
+                                          </p:val>
+                                        </p:tav>
+                                        <p:tav tm="100000">
+                                          <p:val>
+                                            <p:strVal val="#ppt_h"/>
+                                          </p:val>
+                                        </p:tav>
+                                      </p:tavLst>
+                                    </p:anim>
+                                    <p:animEffect transition="in" filter="fade">
+                                      <p:cBhvr>
+                                        <p:cTn id="44" dur="500"/>
+                                        <p:tgtEl>
+                                          <p:spTgt spid="128"/>
+                                        </p:tgtEl>
+                                      </p:cBhvr>
+                                    </p:animEffect>
+                                  </p:childTnLst>
+                                </p:cTn>
+                              </p:par>
+                            </p:childTnLst>
+                          </p:cTn>
+                        </p:par>
+                      </p:childTnLst>
+                    </p:cTn>
+                  </p:par>
+                  <p:par>
+                    <p:cTn id="45" fill="hold">
+                      <p:stCondLst>
+                        <p:cond delay="indefinite"/>
+                      </p:stCondLst>
+                      <p:childTnLst>
+                        <p:par>
+                          <p:cTn id="46" fill="hold">
+                            <p:stCondLst>
+                              <p:cond delay="0"/>
+                            </p:stCondLst>
+                            <p:childTnLst>
+                              <p:par>
+                                <p:cTn id="47" presetID="53" presetClass="entr" presetSubtype="16" fill="hold" nodeType="clickEffect">
+                                  <p:stCondLst>
+                                    <p:cond delay="0"/>
+                                  </p:stCondLst>
+                                  <p:childTnLst>
+                                    <p:set>
+                                      <p:cBhvr>
+                                        <p:cTn id="48" dur="1" fill="hold">
+                                          <p:stCondLst>
+                                            <p:cond delay="0"/>
+                                          </p:stCondLst>
+                                        </p:cTn>
+                                        <p:tgtEl>
+                                          <p:spTgt spid="77"/>
+                                        </p:tgtEl>
+                                        <p:attrNameLst>
+                                          <p:attrName>style.visibility</p:attrName>
+                                        </p:attrNameLst>
+                                      </p:cBhvr>
+                                      <p:to>
+                                        <p:strVal val="visible"/>
+                                      </p:to>
+                                    </p:set>
+                                    <p:anim calcmode="lin" valueType="num">
+                                      <p:cBhvr>
+                                        <p:cTn id="49" dur="500" fill="hold"/>
+                                        <p:tgtEl>
+                                          <p:spTgt spid="77"/>
+                                        </p:tgtEl>
+                                        <p:attrNameLst>
+                                          <p:attrName>ppt_w</p:attrName>
+                                        </p:attrNameLst>
+                                      </p:cBhvr>
+                                      <p:tavLst>
+                                        <p:tav tm="0">
+                                          <p:val>
+                                            <p:fltVal val="0"/>
+                                          </p:val>
+                                        </p:tav>
+                                        <p:tav tm="100000">
+                                          <p:val>
+                                            <p:strVal val="#ppt_w"/>
+                                          </p:val>
+                                        </p:tav>
+                                      </p:tavLst>
+                                    </p:anim>
+                                    <p:anim calcmode="lin" valueType="num">
+                                      <p:cBhvr>
+                                        <p:cTn id="50" dur="500" fill="hold"/>
+                                        <p:tgtEl>
+                                          <p:spTgt spid="77"/>
+                                        </p:tgtEl>
+                                        <p:attrNameLst>
+                                          <p:attrName>ppt_h</p:attrName>
+                                        </p:attrNameLst>
+                                      </p:cBhvr>
+                                      <p:tavLst>
+                                        <p:tav tm="0">
+                                          <p:val>
+                                            <p:fltVal val="0"/>
+                                          </p:val>
+                                        </p:tav>
+                                        <p:tav tm="100000">
+                                          <p:val>
+                                            <p:strVal val="#ppt_h"/>
+                                          </p:val>
+                                        </p:tav>
+                                      </p:tavLst>
+                                    </p:anim>
+                                    <p:animEffect transition="in" filter="fade">
+                                      <p:cBhvr>
+                                        <p:cTn id="51" dur="500"/>
+                                        <p:tgtEl>
+                                          <p:spTgt spid="77"/>
+                                        </p:tgtEl>
+                                      </p:cBhvr>
+                                    </p:animEffect>
+                                  </p:childTnLst>
+                                </p:cTn>
+                              </p:par>
+                            </p:childTnLst>
+                          </p:cTn>
+                        </p:par>
+                      </p:childTnLst>
+                    </p:cTn>
+                  </p:par>
+                  <p:par>
+                    <p:cTn id="52" fill="hold">
+                      <p:stCondLst>
+                        <p:cond delay="indefinite"/>
+                      </p:stCondLst>
+                      <p:childTnLst>
+                        <p:par>
+                          <p:cTn id="53" fill="hold">
+                            <p:stCondLst>
+                              <p:cond delay="0"/>
+                            </p:stCondLst>
+                            <p:childTnLst>
+                              <p:par>
+                                <p:cTn id="54" presetID="53" presetClass="entr" presetSubtype="16" fill="hold" nodeType="clickEffect">
+                                  <p:stCondLst>
+                                    <p:cond delay="0"/>
+                                  </p:stCondLst>
+                                  <p:childTnLst>
+                                    <p:set>
+                                      <p:cBhvr>
+                                        <p:cTn id="55" dur="1" fill="hold">
+                                          <p:stCondLst>
+                                            <p:cond delay="0"/>
+                                          </p:stCondLst>
+                                        </p:cTn>
+                                        <p:tgtEl>
+                                          <p:spTgt spid="129"/>
+                                        </p:tgtEl>
+                                        <p:attrNameLst>
+                                          <p:attrName>style.visibility</p:attrName>
+                                        </p:attrNameLst>
+                                      </p:cBhvr>
+                                      <p:to>
+                                        <p:strVal val="visible"/>
+                                      </p:to>
+                                    </p:set>
+                                    <p:anim calcmode="lin" valueType="num">
+                                      <p:cBhvr>
+                                        <p:cTn id="56" dur="500" fill="hold"/>
+                                        <p:tgtEl>
+                                          <p:spTgt spid="129"/>
+                                        </p:tgtEl>
+                                        <p:attrNameLst>
+                                          <p:attrName>ppt_w</p:attrName>
+                                        </p:attrNameLst>
+                                      </p:cBhvr>
+                                      <p:tavLst>
+                                        <p:tav tm="0">
+                                          <p:val>
+                                            <p:fltVal val="0"/>
+                                          </p:val>
+                                        </p:tav>
+                                        <p:tav tm="100000">
+                                          <p:val>
+                                            <p:strVal val="#ppt_w"/>
+                                          </p:val>
+                                        </p:tav>
+                                      </p:tavLst>
+                                    </p:anim>
+                                    <p:anim calcmode="lin" valueType="num">
+                                      <p:cBhvr>
+                                        <p:cTn id="57" dur="500" fill="hold"/>
+                                        <p:tgtEl>
+                                          <p:spTgt spid="129"/>
+                                        </p:tgtEl>
+                                        <p:attrNameLst>
+                                          <p:attrName>ppt_h</p:attrName>
+                                        </p:attrNameLst>
+                                      </p:cBhvr>
+                                      <p:tavLst>
+                                        <p:tav tm="0">
+                                          <p:val>
+                                            <p:fltVal val="0"/>
+                                          </p:val>
+                                        </p:tav>
+                                        <p:tav tm="100000">
+                                          <p:val>
+                                            <p:strVal val="#ppt_h"/>
+                                          </p:val>
+                                        </p:tav>
+                                      </p:tavLst>
+                                    </p:anim>
+                                    <p:animEffect transition="in" filter="fade">
+                                      <p:cBhvr>
+                                        <p:cTn id="58" dur="500"/>
+                                        <p:tgtEl>
+                                          <p:spTgt spid="129"/>
+                                        </p:tgtEl>
+                                      </p:cBhvr>
+                                    </p:animEffect>
+                                  </p:childTnLst>
+                                </p:cTn>
+                              </p:par>
+                            </p:childTnLst>
+                          </p:cTn>
+                        </p:par>
+                      </p:childTnLst>
+                    </p:cTn>
+                  </p:par>
+                  <p:par>
+                    <p:cTn id="59" fill="hold">
+                      <p:stCondLst>
+                        <p:cond delay="indefinite"/>
+                      </p:stCondLst>
+                      <p:childTnLst>
+                        <p:par>
+                          <p:cTn id="60" fill="hold">
+                            <p:stCondLst>
+                              <p:cond delay="0"/>
+                            </p:stCondLst>
+                            <p:childTnLst>
+                              <p:par>
+                                <p:cTn id="61" presetID="53" presetClass="entr" presetSubtype="16" fill="hold" nodeType="clickEffect">
+                                  <p:stCondLst>
+                                    <p:cond delay="0"/>
+                                  </p:stCondLst>
+                                  <p:childTnLst>
+                                    <p:set>
+                                      <p:cBhvr>
+                                        <p:cTn id="62" dur="1" fill="hold">
+                                          <p:stCondLst>
+                                            <p:cond delay="0"/>
+                                          </p:stCondLst>
+                                        </p:cTn>
+                                        <p:tgtEl>
+                                          <p:spTgt spid="82"/>
+                                        </p:tgtEl>
+                                        <p:attrNameLst>
+                                          <p:attrName>style.visibility</p:attrName>
+                                        </p:attrNameLst>
+                                      </p:cBhvr>
+                                      <p:to>
+                                        <p:strVal val="visible"/>
+                                      </p:to>
+                                    </p:set>
+                                    <p:anim calcmode="lin" valueType="num">
+                                      <p:cBhvr>
+                                        <p:cTn id="63" dur="500" fill="hold"/>
+                                        <p:tgtEl>
+                                          <p:spTgt spid="82"/>
+                                        </p:tgtEl>
+                                        <p:attrNameLst>
+                                          <p:attrName>ppt_w</p:attrName>
+                                        </p:attrNameLst>
+                                      </p:cBhvr>
+                                      <p:tavLst>
+                                        <p:tav tm="0">
+                                          <p:val>
+                                            <p:fltVal val="0"/>
+                                          </p:val>
+                                        </p:tav>
+                                        <p:tav tm="100000">
+                                          <p:val>
+                                            <p:strVal val="#ppt_w"/>
+                                          </p:val>
+                                        </p:tav>
+                                      </p:tavLst>
+                                    </p:anim>
+                                    <p:anim calcmode="lin" valueType="num">
+                                      <p:cBhvr>
+                                        <p:cTn id="64" dur="500" fill="hold"/>
+                                        <p:tgtEl>
+                                          <p:spTgt spid="82"/>
+                                        </p:tgtEl>
+                                        <p:attrNameLst>
+                                          <p:attrName>ppt_h</p:attrName>
+                                        </p:attrNameLst>
+                                      </p:cBhvr>
+                                      <p:tavLst>
+                                        <p:tav tm="0">
+                                          <p:val>
+                                            <p:fltVal val="0"/>
+                                          </p:val>
+                                        </p:tav>
+                                        <p:tav tm="100000">
+                                          <p:val>
+                                            <p:strVal val="#ppt_h"/>
+                                          </p:val>
+                                        </p:tav>
+                                      </p:tavLst>
+                                    </p:anim>
+                                    <p:animEffect transition="in" filter="fade">
+                                      <p:cBhvr>
+                                        <p:cTn id="65" dur="500"/>
+                                        <p:tgtEl>
+                                          <p:spTgt spid="82"/>
+                                        </p:tgtEl>
+                                      </p:cBhvr>
+                                    </p:animEffect>
+                                  </p:childTnLst>
+                                </p:cTn>
+                              </p:par>
+                            </p:childTnLst>
+                          </p:cTn>
+                        </p:par>
+                      </p:childTnLst>
+                    </p:cTn>
+                  </p:par>
+                  <p:par>
+                    <p:cTn id="66" fill="hold">
+                      <p:stCondLst>
+                        <p:cond delay="indefinite"/>
+                      </p:stCondLst>
+                      <p:childTnLst>
+                        <p:par>
+                          <p:cTn id="67" fill="hold">
+                            <p:stCondLst>
+                              <p:cond delay="0"/>
+                            </p:stCondLst>
+                            <p:childTnLst>
+                              <p:par>
+                                <p:cTn id="68" presetID="53" presetClass="entr" presetSubtype="16" fill="hold" grpId="0" nodeType="clickEffect">
+                                  <p:stCondLst>
+                                    <p:cond delay="0"/>
+                                  </p:stCondLst>
+                                  <p:childTnLst>
+                                    <p:set>
+                                      <p:cBhvr>
+                                        <p:cTn id="69" dur="1" fill="hold">
+                                          <p:stCondLst>
+                                            <p:cond delay="0"/>
+                                          </p:stCondLst>
+                                        </p:cTn>
+                                        <p:tgtEl>
+                                          <p:spTgt spid="11"/>
+                                        </p:tgtEl>
+                                        <p:attrNameLst>
+                                          <p:attrName>style.visibility</p:attrName>
+                                        </p:attrNameLst>
+                                      </p:cBhvr>
+                                      <p:to>
+                                        <p:strVal val="visible"/>
+                                      </p:to>
+                                    </p:set>
+                                    <p:anim calcmode="lin" valueType="num">
+                                      <p:cBhvr>
+                                        <p:cTn id="70" dur="500" fill="hold"/>
+                                        <p:tgtEl>
+                                          <p:spTgt spid="11"/>
+                                        </p:tgtEl>
+                                        <p:attrNameLst>
+                                          <p:attrName>ppt_w</p:attrName>
+                                        </p:attrNameLst>
+                                      </p:cBhvr>
+                                      <p:tavLst>
+                                        <p:tav tm="0">
+                                          <p:val>
+                                            <p:fltVal val="0"/>
+                                          </p:val>
+                                        </p:tav>
+                                        <p:tav tm="100000">
+                                          <p:val>
+                                            <p:strVal val="#ppt_w"/>
+                                          </p:val>
+                                        </p:tav>
+                                      </p:tavLst>
+                                    </p:anim>
+                                    <p:anim calcmode="lin" valueType="num">
+                                      <p:cBhvr>
+                                        <p:cTn id="71" dur="500" fill="hold"/>
+                                        <p:tgtEl>
+                                          <p:spTgt spid="11"/>
+                                        </p:tgtEl>
+                                        <p:attrNameLst>
+                                          <p:attrName>ppt_h</p:attrName>
+                                        </p:attrNameLst>
+                                      </p:cBhvr>
+                                      <p:tavLst>
+                                        <p:tav tm="0">
+                                          <p:val>
+                                            <p:fltVal val="0"/>
+                                          </p:val>
+                                        </p:tav>
+                                        <p:tav tm="100000">
+                                          <p:val>
+                                            <p:strVal val="#ppt_h"/>
+                                          </p:val>
+                                        </p:tav>
+                                      </p:tavLst>
+                                    </p:anim>
+                                    <p:animEffect transition="in" filter="fade">
+                                      <p:cBhvr>
+                                        <p:cTn id="72" dur="500"/>
+                                        <p:tgtEl>
+                                          <p:spTgt spid="11"/>
+                                        </p:tgtEl>
+                                      </p:cBhvr>
+                                    </p:animEffect>
+                                  </p:childTnLst>
+                                </p:cTn>
+                              </p:par>
+                              <p:par>
+                                <p:cTn id="73" presetID="53" presetClass="entr" presetSubtype="16" fill="hold" nodeType="withEffect">
+                                  <p:stCondLst>
+                                    <p:cond delay="0"/>
+                                  </p:stCondLst>
+                                  <p:childTnLst>
+                                    <p:set>
+                                      <p:cBhvr>
+                                        <p:cTn id="74" dur="1" fill="hold">
+                                          <p:stCondLst>
+                                            <p:cond delay="0"/>
+                                          </p:stCondLst>
+                                        </p:cTn>
+                                        <p:tgtEl>
+                                          <p:spTgt spid="6"/>
+                                        </p:tgtEl>
+                                        <p:attrNameLst>
+                                          <p:attrName>style.visibility</p:attrName>
+                                        </p:attrNameLst>
+                                      </p:cBhvr>
+                                      <p:to>
+                                        <p:strVal val="visible"/>
+                                      </p:to>
+                                    </p:set>
+                                    <p:anim calcmode="lin" valueType="num">
+                                      <p:cBhvr>
+                                        <p:cTn id="75" dur="500" fill="hold"/>
+                                        <p:tgtEl>
+                                          <p:spTgt spid="6"/>
+                                        </p:tgtEl>
+                                        <p:attrNameLst>
+                                          <p:attrName>ppt_w</p:attrName>
+                                        </p:attrNameLst>
+                                      </p:cBhvr>
+                                      <p:tavLst>
+                                        <p:tav tm="0">
+                                          <p:val>
+                                            <p:fltVal val="0"/>
+                                          </p:val>
+                                        </p:tav>
+                                        <p:tav tm="100000">
+                                          <p:val>
+                                            <p:strVal val="#ppt_w"/>
+                                          </p:val>
+                                        </p:tav>
+                                      </p:tavLst>
+                                    </p:anim>
+                                    <p:anim calcmode="lin" valueType="num">
+                                      <p:cBhvr>
+                                        <p:cTn id="76" dur="500" fill="hold"/>
+                                        <p:tgtEl>
+                                          <p:spTgt spid="6"/>
+                                        </p:tgtEl>
+                                        <p:attrNameLst>
+                                          <p:attrName>ppt_h</p:attrName>
+                                        </p:attrNameLst>
+                                      </p:cBhvr>
+                                      <p:tavLst>
+                                        <p:tav tm="0">
+                                          <p:val>
+                                            <p:fltVal val="0"/>
+                                          </p:val>
+                                        </p:tav>
+                                        <p:tav tm="100000">
+                                          <p:val>
+                                            <p:strVal val="#ppt_h"/>
+                                          </p:val>
+                                        </p:tav>
+                                      </p:tavLst>
+                                    </p:anim>
+                                    <p:animEffect transition="in" filter="fade">
+                                      <p:cBhvr>
+                                        <p:cTn id="77" dur="500"/>
+                                        <p:tgtEl>
+                                          <p:spTgt spid="6"/>
+                                        </p:tgtEl>
+                                      </p:cBhvr>
+                                    </p:animEffect>
+                                  </p:childTnLst>
+                                </p:cTn>
+                              </p:par>
+                              <p:par>
+                                <p:cTn id="78" presetID="53" presetClass="entr" presetSubtype="16" fill="hold" nodeType="withEffect">
+                                  <p:stCondLst>
+                                    <p:cond delay="0"/>
+                                  </p:stCondLst>
+                                  <p:childTnLst>
+                                    <p:set>
+                                      <p:cBhvr>
+                                        <p:cTn id="79" dur="1" fill="hold">
+                                          <p:stCondLst>
+                                            <p:cond delay="0"/>
+                                          </p:stCondLst>
+                                        </p:cTn>
+                                        <p:tgtEl>
+                                          <p:spTgt spid="16"/>
+                                        </p:tgtEl>
+                                        <p:attrNameLst>
+                                          <p:attrName>style.visibility</p:attrName>
+                                        </p:attrNameLst>
+                                      </p:cBhvr>
+                                      <p:to>
+                                        <p:strVal val="visible"/>
+                                      </p:to>
+                                    </p:set>
+                                    <p:anim calcmode="lin" valueType="num">
+                                      <p:cBhvr>
+                                        <p:cTn id="80" dur="500" fill="hold"/>
+                                        <p:tgtEl>
+                                          <p:spTgt spid="16"/>
+                                        </p:tgtEl>
+                                        <p:attrNameLst>
+                                          <p:attrName>ppt_w</p:attrName>
+                                        </p:attrNameLst>
+                                      </p:cBhvr>
+                                      <p:tavLst>
+                                        <p:tav tm="0">
+                                          <p:val>
+                                            <p:fltVal val="0"/>
+                                          </p:val>
+                                        </p:tav>
+                                        <p:tav tm="100000">
+                                          <p:val>
+                                            <p:strVal val="#ppt_w"/>
+                                          </p:val>
+                                        </p:tav>
+                                      </p:tavLst>
+                                    </p:anim>
+                                    <p:anim calcmode="lin" valueType="num">
+                                      <p:cBhvr>
+                                        <p:cTn id="81" dur="500" fill="hold"/>
+                                        <p:tgtEl>
+                                          <p:spTgt spid="16"/>
+                                        </p:tgtEl>
+                                        <p:attrNameLst>
+                                          <p:attrName>ppt_h</p:attrName>
+                                        </p:attrNameLst>
+                                      </p:cBhvr>
+                                      <p:tavLst>
+                                        <p:tav tm="0">
+                                          <p:val>
+                                            <p:fltVal val="0"/>
+                                          </p:val>
+                                        </p:tav>
+                                        <p:tav tm="100000">
+                                          <p:val>
+                                            <p:strVal val="#ppt_h"/>
+                                          </p:val>
+                                        </p:tav>
+                                      </p:tavLst>
+                                    </p:anim>
+                                    <p:animEffect transition="in" filter="fade">
+                                      <p:cBhvr>
+                                        <p:cTn id="82" dur="500"/>
+                                        <p:tgtEl>
+                                          <p:spTgt spid="16"/>
+                                        </p:tgtEl>
+                                      </p:cBhvr>
+                                    </p:animEffect>
+                                  </p:childTnLst>
+                                </p:cTn>
+                              </p:par>
+                              <p:par>
+                                <p:cTn id="83" presetID="53" presetClass="entr" presetSubtype="16" fill="hold" nodeType="withEffect">
+                                  <p:stCondLst>
+                                    <p:cond delay="0"/>
+                                  </p:stCondLst>
+                                  <p:childTnLst>
+                                    <p:set>
+                                      <p:cBhvr>
+                                        <p:cTn id="84" dur="1" fill="hold">
+                                          <p:stCondLst>
+                                            <p:cond delay="0"/>
+                                          </p:stCondLst>
+                                        </p:cTn>
+                                        <p:tgtEl>
+                                          <p:spTgt spid="18"/>
+                                        </p:tgtEl>
+                                        <p:attrNameLst>
+                                          <p:attrName>style.visibility</p:attrName>
+                                        </p:attrNameLst>
+                                      </p:cBhvr>
+                                      <p:to>
+                                        <p:strVal val="visible"/>
+                                      </p:to>
+                                    </p:set>
+                                    <p:anim calcmode="lin" valueType="num">
+                                      <p:cBhvr>
+                                        <p:cTn id="85" dur="500" fill="hold"/>
+                                        <p:tgtEl>
+                                          <p:spTgt spid="18"/>
+                                        </p:tgtEl>
+                                        <p:attrNameLst>
+                                          <p:attrName>ppt_w</p:attrName>
+                                        </p:attrNameLst>
+                                      </p:cBhvr>
+                                      <p:tavLst>
+                                        <p:tav tm="0">
+                                          <p:val>
+                                            <p:fltVal val="0"/>
+                                          </p:val>
+                                        </p:tav>
+                                        <p:tav tm="100000">
+                                          <p:val>
+                                            <p:strVal val="#ppt_w"/>
+                                          </p:val>
+                                        </p:tav>
+                                      </p:tavLst>
+                                    </p:anim>
+                                    <p:anim calcmode="lin" valueType="num">
+                                      <p:cBhvr>
+                                        <p:cTn id="86" dur="500" fill="hold"/>
+                                        <p:tgtEl>
+                                          <p:spTgt spid="18"/>
+                                        </p:tgtEl>
+                                        <p:attrNameLst>
+                                          <p:attrName>ppt_h</p:attrName>
+                                        </p:attrNameLst>
+                                      </p:cBhvr>
+                                      <p:tavLst>
+                                        <p:tav tm="0">
+                                          <p:val>
+                                            <p:fltVal val="0"/>
+                                          </p:val>
+                                        </p:tav>
+                                        <p:tav tm="100000">
+                                          <p:val>
+                                            <p:strVal val="#ppt_h"/>
+                                          </p:val>
+                                        </p:tav>
+                                      </p:tavLst>
+                                    </p:anim>
+                                    <p:animEffect transition="in" filter="fade">
+                                      <p:cBhvr>
+                                        <p:cTn id="87" dur="500"/>
+                                        <p:tgtEl>
+                                          <p:spTgt spid="18"/>
+                                        </p:tgtEl>
+                                      </p:cBhvr>
+                                    </p:animEffect>
+                                  </p:childTnLst>
+                                </p:cTn>
+                              </p:par>
+                              <p:par>
+                                <p:cTn id="88" presetID="53" presetClass="entr" presetSubtype="16" fill="hold" nodeType="withEffect">
+                                  <p:stCondLst>
+                                    <p:cond delay="0"/>
+                                  </p:stCondLst>
+                                  <p:childTnLst>
+                                    <p:set>
+                                      <p:cBhvr>
+                                        <p:cTn id="89" dur="1" fill="hold">
+                                          <p:stCondLst>
+                                            <p:cond delay="0"/>
+                                          </p:stCondLst>
+                                        </p:cTn>
+                                        <p:tgtEl>
+                                          <p:spTgt spid="20"/>
+                                        </p:tgtEl>
+                                        <p:attrNameLst>
+                                          <p:attrName>style.visibility</p:attrName>
+                                        </p:attrNameLst>
+                                      </p:cBhvr>
+                                      <p:to>
+                                        <p:strVal val="visible"/>
+                                      </p:to>
+                                    </p:set>
+                                    <p:anim calcmode="lin" valueType="num">
+                                      <p:cBhvr>
+                                        <p:cTn id="90" dur="500" fill="hold"/>
+                                        <p:tgtEl>
+                                          <p:spTgt spid="20"/>
+                                        </p:tgtEl>
+                                        <p:attrNameLst>
+                                          <p:attrName>ppt_w</p:attrName>
+                                        </p:attrNameLst>
+                                      </p:cBhvr>
+                                      <p:tavLst>
+                                        <p:tav tm="0">
+                                          <p:val>
+                                            <p:fltVal val="0"/>
+                                          </p:val>
+                                        </p:tav>
+                                        <p:tav tm="100000">
+                                          <p:val>
+                                            <p:strVal val="#ppt_w"/>
+                                          </p:val>
+                                        </p:tav>
+                                      </p:tavLst>
+                                    </p:anim>
+                                    <p:anim calcmode="lin" valueType="num">
+                                      <p:cBhvr>
+                                        <p:cTn id="91" dur="500" fill="hold"/>
+                                        <p:tgtEl>
+                                          <p:spTgt spid="20"/>
+                                        </p:tgtEl>
+                                        <p:attrNameLst>
+                                          <p:attrName>ppt_h</p:attrName>
+                                        </p:attrNameLst>
+                                      </p:cBhvr>
+                                      <p:tavLst>
+                                        <p:tav tm="0">
+                                          <p:val>
+                                            <p:fltVal val="0"/>
+                                          </p:val>
+                                        </p:tav>
+                                        <p:tav tm="100000">
+                                          <p:val>
+                                            <p:strVal val="#ppt_h"/>
+                                          </p:val>
+                                        </p:tav>
+                                      </p:tavLst>
+                                    </p:anim>
+                                    <p:animEffect transition="in" filter="fade">
+                                      <p:cBhvr>
+                                        <p:cTn id="92" dur="500"/>
+                                        <p:tgtEl>
+                                          <p:spTgt spid="20"/>
+                                        </p:tgtEl>
+                                      </p:cBhvr>
+                                    </p:animEffect>
+                                  </p:childTnLst>
+                                </p:cTn>
+                              </p:par>
+                              <p:par>
+                                <p:cTn id="93" presetID="53" presetClass="entr" presetSubtype="16" fill="hold" nodeType="withEffect">
+                                  <p:stCondLst>
+                                    <p:cond delay="0"/>
+                                  </p:stCondLst>
+                                  <p:childTnLst>
+                                    <p:set>
+                                      <p:cBhvr>
+                                        <p:cTn id="94" dur="1" fill="hold">
+                                          <p:stCondLst>
+                                            <p:cond delay="0"/>
+                                          </p:stCondLst>
+                                        </p:cTn>
+                                        <p:tgtEl>
+                                          <p:spTgt spid="130"/>
+                                        </p:tgtEl>
+                                        <p:attrNameLst>
+                                          <p:attrName>style.visibility</p:attrName>
+                                        </p:attrNameLst>
+                                      </p:cBhvr>
+                                      <p:to>
+                                        <p:strVal val="visible"/>
+                                      </p:to>
+                                    </p:set>
+                                    <p:anim calcmode="lin" valueType="num">
+                                      <p:cBhvr>
+                                        <p:cTn id="95" dur="500" fill="hold"/>
+                                        <p:tgtEl>
+                                          <p:spTgt spid="130"/>
+                                        </p:tgtEl>
+                                        <p:attrNameLst>
+                                          <p:attrName>ppt_w</p:attrName>
+                                        </p:attrNameLst>
+                                      </p:cBhvr>
+                                      <p:tavLst>
+                                        <p:tav tm="0">
+                                          <p:val>
+                                            <p:fltVal val="0"/>
+                                          </p:val>
+                                        </p:tav>
+                                        <p:tav tm="100000">
+                                          <p:val>
+                                            <p:strVal val="#ppt_w"/>
+                                          </p:val>
+                                        </p:tav>
+                                      </p:tavLst>
+                                    </p:anim>
+                                    <p:anim calcmode="lin" valueType="num">
+                                      <p:cBhvr>
+                                        <p:cTn id="96" dur="500" fill="hold"/>
+                                        <p:tgtEl>
+                                          <p:spTgt spid="130"/>
+                                        </p:tgtEl>
+                                        <p:attrNameLst>
+                                          <p:attrName>ppt_h</p:attrName>
+                                        </p:attrNameLst>
+                                      </p:cBhvr>
+                                      <p:tavLst>
+                                        <p:tav tm="0">
+                                          <p:val>
+                                            <p:fltVal val="0"/>
+                                          </p:val>
+                                        </p:tav>
+                                        <p:tav tm="100000">
+                                          <p:val>
+                                            <p:strVal val="#ppt_h"/>
+                                          </p:val>
+                                        </p:tav>
+                                      </p:tavLst>
+                                    </p:anim>
+                                    <p:animEffect transition="in" filter="fade">
+                                      <p:cBhvr>
+                                        <p:cTn id="97" dur="500"/>
+                                        <p:tgtEl>
+                                          <p:spTgt spid="130"/>
+                                        </p:tgtEl>
+                                      </p:cBhvr>
+                                    </p:animEffect>
+                                  </p:childTnLst>
+                                </p:cTn>
+                              </p:par>
+                            </p:childTnLst>
+                          </p:cTn>
+                        </p:par>
+                      </p:childTnLst>
+                    </p:cTn>
+                  </p:par>
+                </p:childTnLst>
+              </p:cTn>
+              <p:prevCondLst>
+                <p:cond evt="onPrev" delay="0">
+                  <p:tgtEl>
+                    <p:sldTgt/>
+                  </p:tgtEl>
+                </p:cond>
+              </p:prevCondLst>
+              <p:nextCondLst>
+                <p:cond evt="onNext" delay="0">
+                  <p:tgtEl>
+                    <p:sldTgt/>
+                  </p:tgtEl>
+                </p:cond>
+              </p:nextCondLst>
+            </p:seq>
+          </p:childTnLst>
+        </p:cTn>
+      </p:par>
+    </p:tnLst>
+    <p:bldLst>
+      <p:bldP spid="11" grpId="0" animBg="1"/>
+    </p:bldLst>
+  </p:timing>
 </p:sld>
 </file>
 
 <file path=ppt/slides/slide4.xml><?xml version="1.0" encoding="utf-8"?>
+<p:sld xmlns:a="http://schemas.openxmlformats.org/drawingml/2006/main" xmlns:r="http://schemas.openxmlformats.org/officeDocument/2006/relationships" xmlns:p="http://schemas.openxmlformats.org/presentationml/2006/main">
+  <p:cSld>
+    <p:spTree>
+      <p:nvGrpSpPr>
+        <p:cNvPr id="1" name=""/>
+        <p:cNvGrpSpPr/>
+        <p:nvPr/>
+      </p:nvGrpSpPr>
+      <p:grpSpPr>
+        <a:xfrm>
+          <a:off x="0" y="0"/>
+          <a:ext cx="0" cy="0"/>
+          <a:chOff x="0" y="0"/>
+          <a:chExt cx="0" cy="0"/>
+        </a:xfrm>
+      </p:grpSpPr>
+      <p:sp>
+        <p:nvSpPr>
+          <p:cNvPr id="2" name="Заголовок 1"/>
+          <p:cNvSpPr>
+            <a:spLocks noGrp="1"/>
+          </p:cNvSpPr>
+          <p:nvPr>
+            <p:ph type="title"/>
+          </p:nvPr>
+        </p:nvSpPr>
+        <p:spPr/>
+        <p:txBody>
+          <a:bodyPr/>
+          <a:lstStyle/>
+          <a:p>
+            <a:r>
+              <a:rPr lang="ru-RU" dirty="0"/>
+              <a:t>Примеры</a:t>
+            </a:r>
+            <a:endParaRPr lang="en-US" dirty="0"/>
+          </a:p>
+        </p:txBody>
+      </p:sp>
+      <p:sp>
+        <p:nvSpPr>
+          <p:cNvPr id="5" name="Номер слайда 4">
+            <a:extLst>
+              <a:ext uri="{FF2B5EF4-FFF2-40B4-BE49-F238E27FC236}">
+                <a16:creationId xmlns:a16="http://schemas.microsoft.com/office/drawing/2014/main" id="{A7F9CA83-090A-458E-8646-772D01BCC54F}"/>
+              </a:ext>
+            </a:extLst>
+          </p:cNvPr>
+          <p:cNvSpPr>
+            <a:spLocks noGrp="1"/>
+          </p:cNvSpPr>
+          <p:nvPr>
+            <p:ph type="sldNum" sz="quarter" idx="12"/>
+          </p:nvPr>
+        </p:nvSpPr>
+        <p:spPr/>
+        <p:txBody>
+          <a:bodyPr/>
+          <a:lstStyle/>
+          <a:p>
+            <a:fld id="{356453D0-7C6D-4FAD-A87B-D4E72CD04107}" type="slidenum">
+              <a:rPr lang="en-US" smtClean="0"/>
+              <a:t>4</a:t>
+            </a:fld>
+            <a:endParaRPr lang="en-US" dirty="0"/>
+          </a:p>
+        </p:txBody>
+      </p:sp>
+      <p:grpSp>
+        <p:nvGrpSpPr>
+          <p:cNvPr id="7" name="Группа 6">
+            <a:extLst>
+              <a:ext uri="{FF2B5EF4-FFF2-40B4-BE49-F238E27FC236}">
+                <a16:creationId xmlns:a16="http://schemas.microsoft.com/office/drawing/2014/main" id="{F6CE52F6-8830-4FF9-95D9-04F04D1C0A42}"/>
+              </a:ext>
+            </a:extLst>
+          </p:cNvPr>
+          <p:cNvGrpSpPr/>
+          <p:nvPr/>
+        </p:nvGrpSpPr>
+        <p:grpSpPr>
+          <a:xfrm>
+            <a:off x="628650" y="2277276"/>
+            <a:ext cx="5467350" cy="3552825"/>
+            <a:chOff x="628650" y="2277276"/>
+            <a:chExt cx="5467350" cy="3552825"/>
+          </a:xfrm>
+        </p:grpSpPr>
+        <p:pic>
+          <p:nvPicPr>
+            <p:cNvPr id="3" name="Рисунок 2">
+              <a:extLst>
+                <a:ext uri="{FF2B5EF4-FFF2-40B4-BE49-F238E27FC236}">
+                  <a16:creationId xmlns:a16="http://schemas.microsoft.com/office/drawing/2014/main" id="{B9B2C0E5-2ED7-4A58-B4B1-DD0900F0C061}"/>
+                </a:ext>
+              </a:extLst>
+            </p:cNvPr>
+            <p:cNvPicPr>
+              <a:picLocks noChangeAspect="1"/>
+            </p:cNvPicPr>
+            <p:nvPr/>
+          </p:nvPicPr>
+          <p:blipFill>
+            <a:blip r:embed="rId2"/>
+            <a:stretch>
+              <a:fillRect/>
+            </a:stretch>
+          </p:blipFill>
+          <p:spPr>
+            <a:xfrm>
+              <a:off x="628650" y="2277276"/>
+              <a:ext cx="5467350" cy="3552825"/>
+            </a:xfrm>
+            <a:prstGeom prst="rect">
+              <a:avLst/>
+            </a:prstGeom>
+          </p:spPr>
+        </p:pic>
+        <p:sp>
+          <p:nvSpPr>
+            <p:cNvPr id="4" name="TextBox 3">
+              <a:extLst>
+                <a:ext uri="{FF2B5EF4-FFF2-40B4-BE49-F238E27FC236}">
+                  <a16:creationId xmlns:a16="http://schemas.microsoft.com/office/drawing/2014/main" id="{B4444CC0-1C8B-4207-BA79-9E8E62D17E3A}"/>
+                </a:ext>
+              </a:extLst>
+            </p:cNvPr>
+            <p:cNvSpPr txBox="1"/>
+            <p:nvPr/>
+          </p:nvSpPr>
+          <p:spPr>
+            <a:xfrm>
+              <a:off x="770855" y="5468294"/>
+              <a:ext cx="1954381" cy="276999"/>
+            </a:xfrm>
+            <a:prstGeom prst="rect">
+              <a:avLst/>
+            </a:prstGeom>
+            <a:noFill/>
+          </p:spPr>
+          <p:txBody>
+            <a:bodyPr wrap="none" rtlCol="0">
+              <a:spAutoFit/>
+            </a:bodyPr>
+            <a:lstStyle/>
+            <a:p>
+              <a:r>
+                <a:rPr lang="en-US" sz="1200" dirty="0">
+                  <a:solidFill>
+                    <a:schemeClr val="tx1">
+                      <a:lumMod val="75000"/>
+                    </a:schemeClr>
+                  </a:solidFill>
+                  <a:hlinkClick r:id="rId3">
+                    <a:extLst>
+                      <a:ext uri="{A12FA001-AC4F-418D-AE19-62706E023703}">
+                        <ahyp:hlinkClr xmlns:ahyp="http://schemas.microsoft.com/office/drawing/2018/hyperlinkcolor" val="tx"/>
+                      </a:ext>
+                    </a:extLst>
+                  </a:hlinkClick>
+                </a:rPr>
+                <a:t>https://microservices.io/</a:t>
+              </a:r>
+              <a:endParaRPr lang="en-US" sz="1200" dirty="0">
+                <a:solidFill>
+                  <a:schemeClr val="tx1">
+                    <a:lumMod val="75000"/>
+                  </a:schemeClr>
+                </a:solidFill>
+              </a:endParaRPr>
+            </a:p>
+          </p:txBody>
+        </p:sp>
+      </p:grpSp>
+      <p:grpSp>
+        <p:nvGrpSpPr>
+          <p:cNvPr id="17" name="Группа 16">
+            <a:extLst>
+              <a:ext uri="{FF2B5EF4-FFF2-40B4-BE49-F238E27FC236}">
+                <a16:creationId xmlns:a16="http://schemas.microsoft.com/office/drawing/2014/main" id="{239CD8F6-62F0-4B7D-98F6-4F7F86FA22D5}"/>
+              </a:ext>
+            </a:extLst>
+          </p:cNvPr>
+          <p:cNvGrpSpPr/>
+          <p:nvPr/>
+        </p:nvGrpSpPr>
+        <p:grpSpPr>
+          <a:xfrm>
+            <a:off x="4916031" y="2189778"/>
+            <a:ext cx="5056643" cy="4378056"/>
+            <a:chOff x="5173630" y="2013560"/>
+            <a:chExt cx="5215504" cy="4442596"/>
+          </a:xfrm>
+        </p:grpSpPr>
+        <p:pic>
+          <p:nvPicPr>
+            <p:cNvPr id="14" name="Рисунок 13">
+              <a:extLst>
+                <a:ext uri="{FF2B5EF4-FFF2-40B4-BE49-F238E27FC236}">
+                  <a16:creationId xmlns:a16="http://schemas.microsoft.com/office/drawing/2014/main" id="{8BE1B816-A11E-4182-AB90-6295D8BAECBE}"/>
+                </a:ext>
+              </a:extLst>
+            </p:cNvPr>
+            <p:cNvPicPr>
+              <a:picLocks noChangeAspect="1"/>
+            </p:cNvPicPr>
+            <p:nvPr/>
+          </p:nvPicPr>
+          <p:blipFill>
+            <a:blip r:embed="rId4"/>
+            <a:stretch>
+              <a:fillRect/>
+            </a:stretch>
+          </p:blipFill>
+          <p:spPr>
+            <a:xfrm>
+              <a:off x="5173630" y="2013560"/>
+              <a:ext cx="5215504" cy="4442596"/>
+            </a:xfrm>
+            <a:prstGeom prst="rect">
+              <a:avLst/>
+            </a:prstGeom>
+          </p:spPr>
+        </p:pic>
+        <p:sp>
+          <p:nvSpPr>
+            <p:cNvPr id="15" name="TextBox 14">
+              <a:extLst>
+                <a:ext uri="{FF2B5EF4-FFF2-40B4-BE49-F238E27FC236}">
+                  <a16:creationId xmlns:a16="http://schemas.microsoft.com/office/drawing/2014/main" id="{6AA087FE-A8B9-4C76-8E22-6C6A8012C142}"/>
+                </a:ext>
+              </a:extLst>
+            </p:cNvPr>
+            <p:cNvSpPr txBox="1"/>
+            <p:nvPr/>
+          </p:nvSpPr>
+          <p:spPr>
+            <a:xfrm>
+              <a:off x="5173630" y="6156551"/>
+              <a:ext cx="4578497" cy="261610"/>
+            </a:xfrm>
+            <a:prstGeom prst="rect">
+              <a:avLst/>
+            </a:prstGeom>
+            <a:noFill/>
+          </p:spPr>
+          <p:txBody>
+            <a:bodyPr wrap="none" rtlCol="0">
+              <a:spAutoFit/>
+            </a:bodyPr>
+            <a:lstStyle/>
+            <a:p>
+              <a:r>
+                <a:rPr lang="en-US" sz="1050" dirty="0">
+                  <a:solidFill>
+                    <a:schemeClr val="tx1">
+                      <a:lumMod val="75000"/>
+                    </a:schemeClr>
+                  </a:solidFill>
+                  <a:hlinkClick r:id="rId5">
+                    <a:extLst>
+                      <a:ext uri="{A12FA001-AC4F-418D-AE19-62706E023703}">
+                        <ahyp:hlinkClr xmlns:ahyp="http://schemas.microsoft.com/office/drawing/2018/hyperlinkcolor" val="tx"/>
+                      </a:ext>
+                    </a:extLst>
+                  </a:hlinkClick>
+                </a:rPr>
+                <a:t>https://www.codebyamir.com/blog/create-rest-api-with-spring-boot</a:t>
+              </a:r>
+              <a:endParaRPr lang="en-US" sz="1050" dirty="0">
+                <a:solidFill>
+                  <a:schemeClr val="tx1">
+                    <a:lumMod val="75000"/>
+                  </a:schemeClr>
+                </a:solidFill>
+              </a:endParaRPr>
+            </a:p>
+          </p:txBody>
+        </p:sp>
+      </p:grpSp>
+      <p:grpSp>
+        <p:nvGrpSpPr>
+          <p:cNvPr id="22" name="Группа 21">
+            <a:extLst>
+              <a:ext uri="{FF2B5EF4-FFF2-40B4-BE49-F238E27FC236}">
+                <a16:creationId xmlns:a16="http://schemas.microsoft.com/office/drawing/2014/main" id="{5B6F904A-3D82-4CB0-9157-54244CBAE959}"/>
+              </a:ext>
+            </a:extLst>
+          </p:cNvPr>
+          <p:cNvGrpSpPr/>
+          <p:nvPr/>
+        </p:nvGrpSpPr>
+        <p:grpSpPr>
+          <a:xfrm>
+            <a:off x="3244419" y="2088444"/>
+            <a:ext cx="4485663" cy="4580723"/>
+            <a:chOff x="3362325" y="2088444"/>
+            <a:chExt cx="4485663" cy="4580723"/>
+          </a:xfrm>
+        </p:grpSpPr>
+        <p:pic>
+          <p:nvPicPr>
+            <p:cNvPr id="19" name="Рисунок 18">
+              <a:extLst>
+                <a:ext uri="{FF2B5EF4-FFF2-40B4-BE49-F238E27FC236}">
+                  <a16:creationId xmlns:a16="http://schemas.microsoft.com/office/drawing/2014/main" id="{49804ED1-6278-4D44-B9D9-9C20EB959AB3}"/>
+                </a:ext>
+              </a:extLst>
+            </p:cNvPr>
+            <p:cNvPicPr>
+              <a:picLocks noChangeAspect="1"/>
+            </p:cNvPicPr>
+            <p:nvPr/>
+          </p:nvPicPr>
+          <p:blipFill>
+            <a:blip r:embed="rId6"/>
+            <a:stretch>
+              <a:fillRect/>
+            </a:stretch>
+          </p:blipFill>
+          <p:spPr>
+            <a:xfrm>
+              <a:off x="3362325" y="2088444"/>
+              <a:ext cx="4485663" cy="4580723"/>
+            </a:xfrm>
+            <a:prstGeom prst="rect">
+              <a:avLst/>
+            </a:prstGeom>
+          </p:spPr>
+        </p:pic>
+        <p:sp>
+          <p:nvSpPr>
+            <p:cNvPr id="21" name="Прямоугольник 20">
+              <a:extLst>
+                <a:ext uri="{FF2B5EF4-FFF2-40B4-BE49-F238E27FC236}">
+                  <a16:creationId xmlns:a16="http://schemas.microsoft.com/office/drawing/2014/main" id="{5A819CD8-1595-4B24-B996-4436EF92B917}"/>
+                </a:ext>
+              </a:extLst>
+            </p:cNvPr>
+            <p:cNvSpPr/>
+            <p:nvPr/>
+          </p:nvSpPr>
+          <p:spPr>
+            <a:xfrm>
+              <a:off x="3362325" y="6435018"/>
+              <a:ext cx="3442824" cy="230832"/>
+            </a:xfrm>
+            <a:prstGeom prst="rect">
+              <a:avLst/>
+            </a:prstGeom>
+          </p:spPr>
+          <p:txBody>
+            <a:bodyPr wrap="square">
+              <a:spAutoFit/>
+            </a:bodyPr>
+            <a:lstStyle/>
+            <a:p>
+              <a:r>
+                <a:rPr lang="en-US" sz="900" dirty="0">
+                  <a:solidFill>
+                    <a:schemeClr val="tx1">
+                      <a:lumMod val="65000"/>
+                    </a:schemeClr>
+                  </a:solidFill>
+                  <a:hlinkClick r:id="rId7">
+                    <a:extLst>
+                      <a:ext uri="{A12FA001-AC4F-418D-AE19-62706E023703}">
+                        <ahyp:hlinkClr xmlns:ahyp="http://schemas.microsoft.com/office/drawing/2018/hyperlinkcolor" val="tx"/>
+                      </a:ext>
+                    </a:extLst>
+                  </a:hlinkClick>
+                </a:rPr>
+                <a:t>https://www.nginx.com/blog/introduction-to-microservices/</a:t>
+              </a:r>
+              <a:endParaRPr lang="en-US" sz="900" dirty="0">
+                <a:solidFill>
+                  <a:schemeClr val="tx1">
+                    <a:lumMod val="65000"/>
+                  </a:schemeClr>
+                </a:solidFill>
+              </a:endParaRPr>
+            </a:p>
+          </p:txBody>
+        </p:sp>
+      </p:grpSp>
+    </p:spTree>
+    <p:extLst>
+      <p:ext uri="{BB962C8B-B14F-4D97-AF65-F5344CB8AC3E}">
+        <p14:creationId xmlns:p14="http://schemas.microsoft.com/office/powerpoint/2010/main" val="4006114132"/>
+      </p:ext>
+    </p:extLst>
+  </p:cSld>
+  <p:clrMapOvr>
+    <a:masterClrMapping/>
+  </p:clrMapOvr>
+  <p:transition spd="slow">
+    <p:cover/>
+  </p:transition>
+  <p:timing>
+    <p:tnLst>
+      <p:par>
+        <p:cTn id="1" dur="indefinite" restart="never" nodeType="tmRoot">
+          <p:childTnLst>
+            <p:seq concurrent="1" nextAc="seek">
+              <p:cTn id="2" dur="indefinite" nodeType="mainSeq">
+                <p:childTnLst>
+                  <p:par>
+                    <p:cTn id="3" fill="hold">
+                      <p:stCondLst>
+                        <p:cond delay="indefinite"/>
+                      </p:stCondLst>
+                      <p:childTnLst>
+                        <p:par>
+                          <p:cTn id="4" fill="hold">
+                            <p:stCondLst>
+                              <p:cond delay="0"/>
+                            </p:stCondLst>
+                            <p:childTnLst>
+                              <p:par>
+                                <p:cTn id="5" presetID="53" presetClass="entr" presetSubtype="16" fill="hold" nodeType="clickEffect">
+                                  <p:stCondLst>
+                                    <p:cond delay="0"/>
+                                  </p:stCondLst>
+                                  <p:childTnLst>
+                                    <p:set>
+                                      <p:cBhvr>
+                                        <p:cTn id="6" dur="1" fill="hold">
+                                          <p:stCondLst>
+                                            <p:cond delay="0"/>
+                                          </p:stCondLst>
+                                        </p:cTn>
+                                        <p:tgtEl>
+                                          <p:spTgt spid="7"/>
+                                        </p:tgtEl>
+                                        <p:attrNameLst>
+                                          <p:attrName>style.visibility</p:attrName>
+                                        </p:attrNameLst>
+                                      </p:cBhvr>
+                                      <p:to>
+                                        <p:strVal val="visible"/>
+                                      </p:to>
+                                    </p:set>
+                                    <p:anim calcmode="lin" valueType="num">
+                                      <p:cBhvr>
+                                        <p:cTn id="7" dur="500" fill="hold"/>
+                                        <p:tgtEl>
+                                          <p:spTgt spid="7"/>
+                                        </p:tgtEl>
+                                        <p:attrNameLst>
+                                          <p:attrName>ppt_w</p:attrName>
+                                        </p:attrNameLst>
+                                      </p:cBhvr>
+                                      <p:tavLst>
+                                        <p:tav tm="0">
+                                          <p:val>
+                                            <p:fltVal val="0"/>
+                                          </p:val>
+                                        </p:tav>
+                                        <p:tav tm="100000">
+                                          <p:val>
+                                            <p:strVal val="#ppt_w"/>
+                                          </p:val>
+                                        </p:tav>
+                                      </p:tavLst>
+                                    </p:anim>
+                                    <p:anim calcmode="lin" valueType="num">
+                                      <p:cBhvr>
+                                        <p:cTn id="8" dur="500" fill="hold"/>
+                                        <p:tgtEl>
+                                          <p:spTgt spid="7"/>
+                                        </p:tgtEl>
+                                        <p:attrNameLst>
+                                          <p:attrName>ppt_h</p:attrName>
+                                        </p:attrNameLst>
+                                      </p:cBhvr>
+                                      <p:tavLst>
+                                        <p:tav tm="0">
+                                          <p:val>
+                                            <p:fltVal val="0"/>
+                                          </p:val>
+                                        </p:tav>
+                                        <p:tav tm="100000">
+                                          <p:val>
+                                            <p:strVal val="#ppt_h"/>
+                                          </p:val>
+                                        </p:tav>
+                                      </p:tavLst>
+                                    </p:anim>
+                                    <p:animEffect transition="in" filter="fade">
+                                      <p:cBhvr>
+                                        <p:cTn id="9" dur="500"/>
+                                        <p:tgtEl>
+                                          <p:spTgt spid="7"/>
+                                        </p:tgtEl>
+                                      </p:cBhvr>
+                                    </p:animEffect>
+                                  </p:childTnLst>
+                                </p:cTn>
+                              </p:par>
+                            </p:childTnLst>
+                          </p:cTn>
+                        </p:par>
+                      </p:childTnLst>
+                    </p:cTn>
+                  </p:par>
+                  <p:par>
+                    <p:cTn id="10" fill="hold">
+                      <p:stCondLst>
+                        <p:cond delay="indefinite"/>
+                      </p:stCondLst>
+                      <p:childTnLst>
+                        <p:par>
+                          <p:cTn id="11" fill="hold">
+                            <p:stCondLst>
+                              <p:cond delay="0"/>
+                            </p:stCondLst>
+                            <p:childTnLst>
+                              <p:par>
+                                <p:cTn id="12" presetID="2" presetClass="exit" presetSubtype="4" fill="hold" nodeType="clickEffect">
+                                  <p:stCondLst>
+                                    <p:cond delay="0"/>
+                                  </p:stCondLst>
+                                  <p:childTnLst>
+                                    <p:anim calcmode="lin" valueType="num">
+                                      <p:cBhvr additive="base">
+                                        <p:cTn id="13" dur="500"/>
+                                        <p:tgtEl>
+                                          <p:spTgt spid="7"/>
+                                        </p:tgtEl>
+                                        <p:attrNameLst>
+                                          <p:attrName>ppt_x</p:attrName>
+                                        </p:attrNameLst>
+                                      </p:cBhvr>
+                                      <p:tavLst>
+                                        <p:tav tm="0">
+                                          <p:val>
+                                            <p:strVal val="ppt_x"/>
+                                          </p:val>
+                                        </p:tav>
+                                        <p:tav tm="100000">
+                                          <p:val>
+                                            <p:strVal val="ppt_x"/>
+                                          </p:val>
+                                        </p:tav>
+                                      </p:tavLst>
+                                    </p:anim>
+                                    <p:anim calcmode="lin" valueType="num">
+                                      <p:cBhvr additive="base">
+                                        <p:cTn id="14" dur="500"/>
+                                        <p:tgtEl>
+                                          <p:spTgt spid="7"/>
+                                        </p:tgtEl>
+                                        <p:attrNameLst>
+                                          <p:attrName>ppt_y</p:attrName>
+                                        </p:attrNameLst>
+                                      </p:cBhvr>
+                                      <p:tavLst>
+                                        <p:tav tm="0">
+                                          <p:val>
+                                            <p:strVal val="ppt_y"/>
+                                          </p:val>
+                                        </p:tav>
+                                        <p:tav tm="100000">
+                                          <p:val>
+                                            <p:strVal val="1+ppt_h/2"/>
+                                          </p:val>
+                                        </p:tav>
+                                      </p:tavLst>
+                                    </p:anim>
+                                    <p:set>
+                                      <p:cBhvr>
+                                        <p:cTn id="15" dur="1" fill="hold">
+                                          <p:stCondLst>
+                                            <p:cond delay="499"/>
+                                          </p:stCondLst>
+                                        </p:cTn>
+                                        <p:tgtEl>
+                                          <p:spTgt spid="7"/>
+                                        </p:tgtEl>
+                                        <p:attrNameLst>
+                                          <p:attrName>style.visibility</p:attrName>
+                                        </p:attrNameLst>
+                                      </p:cBhvr>
+                                      <p:to>
+                                        <p:strVal val="hidden"/>
+                                      </p:to>
+                                    </p:set>
+                                  </p:childTnLst>
+                                </p:cTn>
+                              </p:par>
+                              <p:par>
+                                <p:cTn id="16" presetID="53" presetClass="entr" presetSubtype="16" fill="hold" nodeType="withEffect">
+                                  <p:stCondLst>
+                                    <p:cond delay="0"/>
+                                  </p:stCondLst>
+                                  <p:childTnLst>
+                                    <p:set>
+                                      <p:cBhvr>
+                                        <p:cTn id="17" dur="1" fill="hold">
+                                          <p:stCondLst>
+                                            <p:cond delay="0"/>
+                                          </p:stCondLst>
+                                        </p:cTn>
+                                        <p:tgtEl>
+                                          <p:spTgt spid="17"/>
+                                        </p:tgtEl>
+                                        <p:attrNameLst>
+                                          <p:attrName>style.visibility</p:attrName>
+                                        </p:attrNameLst>
+                                      </p:cBhvr>
+                                      <p:to>
+                                        <p:strVal val="visible"/>
+                                      </p:to>
+                                    </p:set>
+                                    <p:anim calcmode="lin" valueType="num">
+                                      <p:cBhvr>
+                                        <p:cTn id="18" dur="500" fill="hold"/>
+                                        <p:tgtEl>
+                                          <p:spTgt spid="17"/>
+                                        </p:tgtEl>
+                                        <p:attrNameLst>
+                                          <p:attrName>ppt_w</p:attrName>
+                                        </p:attrNameLst>
+                                      </p:cBhvr>
+                                      <p:tavLst>
+                                        <p:tav tm="0">
+                                          <p:val>
+                                            <p:fltVal val="0"/>
+                                          </p:val>
+                                        </p:tav>
+                                        <p:tav tm="100000">
+                                          <p:val>
+                                            <p:strVal val="#ppt_w"/>
+                                          </p:val>
+                                        </p:tav>
+                                      </p:tavLst>
+                                    </p:anim>
+                                    <p:anim calcmode="lin" valueType="num">
+                                      <p:cBhvr>
+                                        <p:cTn id="19" dur="500" fill="hold"/>
+                                        <p:tgtEl>
+                                          <p:spTgt spid="17"/>
+                                        </p:tgtEl>
+                                        <p:attrNameLst>
+                                          <p:attrName>ppt_h</p:attrName>
+                                        </p:attrNameLst>
+                                      </p:cBhvr>
+                                      <p:tavLst>
+                                        <p:tav tm="0">
+                                          <p:val>
+                                            <p:fltVal val="0"/>
+                                          </p:val>
+                                        </p:tav>
+                                        <p:tav tm="100000">
+                                          <p:val>
+                                            <p:strVal val="#ppt_h"/>
+                                          </p:val>
+                                        </p:tav>
+                                      </p:tavLst>
+                                    </p:anim>
+                                    <p:animEffect transition="in" filter="fade">
+                                      <p:cBhvr>
+                                        <p:cTn id="20" dur="500"/>
+                                        <p:tgtEl>
+                                          <p:spTgt spid="17"/>
+                                        </p:tgtEl>
+                                      </p:cBhvr>
+                                    </p:animEffect>
+                                  </p:childTnLst>
+                                </p:cTn>
+                              </p:par>
+                            </p:childTnLst>
+                          </p:cTn>
+                        </p:par>
+                      </p:childTnLst>
+                    </p:cTn>
+                  </p:par>
+                  <p:par>
+                    <p:cTn id="21" fill="hold">
+                      <p:stCondLst>
+                        <p:cond delay="indefinite"/>
+                      </p:stCondLst>
+                      <p:childTnLst>
+                        <p:par>
+                          <p:cTn id="22" fill="hold">
+                            <p:stCondLst>
+                              <p:cond delay="0"/>
+                            </p:stCondLst>
+                            <p:childTnLst>
+                              <p:par>
+                                <p:cTn id="23" presetID="2" presetClass="exit" presetSubtype="4" fill="hold" nodeType="clickEffect">
+                                  <p:stCondLst>
+                                    <p:cond delay="0"/>
+                                  </p:stCondLst>
+                                  <p:childTnLst>
+                                    <p:anim calcmode="lin" valueType="num">
+                                      <p:cBhvr additive="base">
+                                        <p:cTn id="24" dur="500"/>
+                                        <p:tgtEl>
+                                          <p:spTgt spid="17"/>
+                                        </p:tgtEl>
+                                        <p:attrNameLst>
+                                          <p:attrName>ppt_x</p:attrName>
+                                        </p:attrNameLst>
+                                      </p:cBhvr>
+                                      <p:tavLst>
+                                        <p:tav tm="0">
+                                          <p:val>
+                                            <p:strVal val="ppt_x"/>
+                                          </p:val>
+                                        </p:tav>
+                                        <p:tav tm="100000">
+                                          <p:val>
+                                            <p:strVal val="ppt_x"/>
+                                          </p:val>
+                                        </p:tav>
+                                      </p:tavLst>
+                                    </p:anim>
+                                    <p:anim calcmode="lin" valueType="num">
+                                      <p:cBhvr additive="base">
+                                        <p:cTn id="25" dur="500"/>
+                                        <p:tgtEl>
+                                          <p:spTgt spid="17"/>
+                                        </p:tgtEl>
+                                        <p:attrNameLst>
+                                          <p:attrName>ppt_y</p:attrName>
+                                        </p:attrNameLst>
+                                      </p:cBhvr>
+                                      <p:tavLst>
+                                        <p:tav tm="0">
+                                          <p:val>
+                                            <p:strVal val="ppt_y"/>
+                                          </p:val>
+                                        </p:tav>
+                                        <p:tav tm="100000">
+                                          <p:val>
+                                            <p:strVal val="1+ppt_h/2"/>
+                                          </p:val>
+                                        </p:tav>
+                                      </p:tavLst>
+                                    </p:anim>
+                                    <p:set>
+                                      <p:cBhvr>
+                                        <p:cTn id="26" dur="1" fill="hold">
+                                          <p:stCondLst>
+                                            <p:cond delay="499"/>
+                                          </p:stCondLst>
+                                        </p:cTn>
+                                        <p:tgtEl>
+                                          <p:spTgt spid="17"/>
+                                        </p:tgtEl>
+                                        <p:attrNameLst>
+                                          <p:attrName>style.visibility</p:attrName>
+                                        </p:attrNameLst>
+                                      </p:cBhvr>
+                                      <p:to>
+                                        <p:strVal val="hidden"/>
+                                      </p:to>
+                                    </p:set>
+                                  </p:childTnLst>
+                                </p:cTn>
+                              </p:par>
+                              <p:par>
+                                <p:cTn id="27" presetID="53" presetClass="entr" presetSubtype="16" fill="hold" nodeType="withEffect">
+                                  <p:stCondLst>
+                                    <p:cond delay="0"/>
+                                  </p:stCondLst>
+                                  <p:childTnLst>
+                                    <p:set>
+                                      <p:cBhvr>
+                                        <p:cTn id="28" dur="1" fill="hold">
+                                          <p:stCondLst>
+                                            <p:cond delay="0"/>
+                                          </p:stCondLst>
+                                        </p:cTn>
+                                        <p:tgtEl>
+                                          <p:spTgt spid="22"/>
+                                        </p:tgtEl>
+                                        <p:attrNameLst>
+                                          <p:attrName>style.visibility</p:attrName>
+                                        </p:attrNameLst>
+                                      </p:cBhvr>
+                                      <p:to>
+                                        <p:strVal val="visible"/>
+                                      </p:to>
+                                    </p:set>
+                                    <p:anim calcmode="lin" valueType="num">
+                                      <p:cBhvr>
+                                        <p:cTn id="29" dur="500" fill="hold"/>
+                                        <p:tgtEl>
+                                          <p:spTgt spid="22"/>
+                                        </p:tgtEl>
+                                        <p:attrNameLst>
+                                          <p:attrName>ppt_w</p:attrName>
+                                        </p:attrNameLst>
+                                      </p:cBhvr>
+                                      <p:tavLst>
+                                        <p:tav tm="0">
+                                          <p:val>
+                                            <p:fltVal val="0"/>
+                                          </p:val>
+                                        </p:tav>
+                                        <p:tav tm="100000">
+                                          <p:val>
+                                            <p:strVal val="#ppt_w"/>
+                                          </p:val>
+                                        </p:tav>
+                                      </p:tavLst>
+                                    </p:anim>
+                                    <p:anim calcmode="lin" valueType="num">
+                                      <p:cBhvr>
+                                        <p:cTn id="30" dur="500" fill="hold"/>
+                                        <p:tgtEl>
+                                          <p:spTgt spid="22"/>
+                                        </p:tgtEl>
+                                        <p:attrNameLst>
+                                          <p:attrName>ppt_h</p:attrName>
+                                        </p:attrNameLst>
+                                      </p:cBhvr>
+                                      <p:tavLst>
+                                        <p:tav tm="0">
+                                          <p:val>
+                                            <p:fltVal val="0"/>
+                                          </p:val>
+                                        </p:tav>
+                                        <p:tav tm="100000">
+                                          <p:val>
+                                            <p:strVal val="#ppt_h"/>
+                                          </p:val>
+                                        </p:tav>
+                                      </p:tavLst>
+                                    </p:anim>
+                                    <p:animEffect transition="in" filter="fade">
+                                      <p:cBhvr>
+                                        <p:cTn id="31" dur="500"/>
+                                        <p:tgtEl>
+                                          <p:spTgt spid="22"/>
+                                        </p:tgtEl>
+                                      </p:cBhvr>
+                                    </p:animEffect>
+                                  </p:childTnLst>
+                                </p:cTn>
+                              </p:par>
+                            </p:childTnLst>
+                          </p:cTn>
+                        </p:par>
+                      </p:childTnLst>
+                    </p:cTn>
+                  </p:par>
+                  <p:par>
+                    <p:cTn id="32" fill="hold">
+                      <p:stCondLst>
+                        <p:cond delay="indefinite"/>
+                      </p:stCondLst>
+                      <p:childTnLst>
+                        <p:par>
+                          <p:cTn id="33" fill="hold">
+                            <p:stCondLst>
+                              <p:cond delay="0"/>
+                            </p:stCondLst>
+                            <p:childTnLst>
+                              <p:par>
+                                <p:cTn id="34" presetID="2" presetClass="exit" presetSubtype="4" fill="hold" nodeType="clickEffect">
+                                  <p:stCondLst>
+                                    <p:cond delay="0"/>
+                                  </p:stCondLst>
+                                  <p:childTnLst>
+                                    <p:anim calcmode="lin" valueType="num">
+                                      <p:cBhvr additive="base">
+                                        <p:cTn id="35" dur="500"/>
+                                        <p:tgtEl>
+                                          <p:spTgt spid="22"/>
+                                        </p:tgtEl>
+                                        <p:attrNameLst>
+                                          <p:attrName>ppt_x</p:attrName>
+                                        </p:attrNameLst>
+                                      </p:cBhvr>
+                                      <p:tavLst>
+                                        <p:tav tm="0">
+                                          <p:val>
+                                            <p:strVal val="ppt_x"/>
+                                          </p:val>
+                                        </p:tav>
+                                        <p:tav tm="100000">
+                                          <p:val>
+                                            <p:strVal val="ppt_x"/>
+                                          </p:val>
+                                        </p:tav>
+                                      </p:tavLst>
+                                    </p:anim>
+                                    <p:anim calcmode="lin" valueType="num">
+                                      <p:cBhvr additive="base">
+                                        <p:cTn id="36" dur="500"/>
+                                        <p:tgtEl>
+                                          <p:spTgt spid="22"/>
+                                        </p:tgtEl>
+                                        <p:attrNameLst>
+                                          <p:attrName>ppt_y</p:attrName>
+                                        </p:attrNameLst>
+                                      </p:cBhvr>
+                                      <p:tavLst>
+                                        <p:tav tm="0">
+                                          <p:val>
+                                            <p:strVal val="ppt_y"/>
+                                          </p:val>
+                                        </p:tav>
+                                        <p:tav tm="100000">
+                                          <p:val>
+                                            <p:strVal val="1+ppt_h/2"/>
+                                          </p:val>
+                                        </p:tav>
+                                      </p:tavLst>
+                                    </p:anim>
+                                    <p:set>
+                                      <p:cBhvr>
+                                        <p:cTn id="37" dur="1" fill="hold">
+                                          <p:stCondLst>
+                                            <p:cond delay="499"/>
+                                          </p:stCondLst>
+                                        </p:cTn>
+                                        <p:tgtEl>
+                                          <p:spTgt spid="22"/>
+                                        </p:tgtEl>
+                                        <p:attrNameLst>
+                                          <p:attrName>style.visibility</p:attrName>
+                                        </p:attrNameLst>
+                                      </p:cBhvr>
+                                      <p:to>
+                                        <p:strVal val="hidden"/>
+                                      </p:to>
+                                    </p:set>
+                                  </p:childTnLst>
+                                </p:cTn>
+                              </p:par>
+                            </p:childTnLst>
+                          </p:cTn>
+                        </p:par>
+                      </p:childTnLst>
+                    </p:cTn>
+                  </p:par>
+                </p:childTnLst>
+              </p:cTn>
+              <p:prevCondLst>
+                <p:cond evt="onPrev" delay="0">
+                  <p:tgtEl>
+                    <p:sldTgt/>
+                  </p:tgtEl>
+                </p:cond>
+              </p:prevCondLst>
+              <p:nextCondLst>
+                <p:cond evt="onNext" delay="0">
+                  <p:tgtEl>
+                    <p:sldTgt/>
+                  </p:tgtEl>
+                </p:cond>
+              </p:nextCondLst>
+            </p:seq>
+          </p:childTnLst>
+        </p:cTn>
+      </p:par>
+    </p:tnLst>
+  </p:timing>
+</p:sld>
+</file>
+
+<file path=ppt/slides/slide5.xml><?xml version="1.0" encoding="utf-8"?>
+<p:sld xmlns:a="http://schemas.openxmlformats.org/drawingml/2006/main" xmlns:r="http://schemas.openxmlformats.org/officeDocument/2006/relationships" xmlns:p="http://schemas.openxmlformats.org/presentationml/2006/main">
+  <p:cSld>
+    <p:spTree>
+      <p:nvGrpSpPr>
+        <p:cNvPr id="1" name=""/>
+        <p:cNvGrpSpPr/>
+        <p:nvPr/>
+      </p:nvGrpSpPr>
+      <p:grpSpPr>
+        <a:xfrm>
+          <a:off x="0" y="0"/>
+          <a:ext cx="0" cy="0"/>
+          <a:chOff x="0" y="0"/>
+          <a:chExt cx="0" cy="0"/>
+        </a:xfrm>
+      </p:grpSpPr>
+      <p:sp>
+        <p:nvSpPr>
+          <p:cNvPr id="2" name="Заголовок 1"/>
+          <p:cNvSpPr>
+            <a:spLocks noGrp="1"/>
+          </p:cNvSpPr>
+          <p:nvPr>
+            <p:ph type="title"/>
+          </p:nvPr>
+        </p:nvSpPr>
+        <p:spPr/>
+        <p:txBody>
+          <a:bodyPr/>
+          <a:lstStyle/>
+          <a:p>
+            <a:r>
+              <a:rPr lang="ru-RU" dirty="0"/>
+              <a:t>Создание микросервисов</a:t>
+            </a:r>
+            <a:endParaRPr lang="en-US" dirty="0"/>
+          </a:p>
+        </p:txBody>
+      </p:sp>
+      <p:graphicFrame>
+        <p:nvGraphicFramePr>
+          <p:cNvPr id="4" name="Объект 3">
+            <a:extLst>
+              <a:ext uri="{FF2B5EF4-FFF2-40B4-BE49-F238E27FC236}">
+                <a16:creationId xmlns:a16="http://schemas.microsoft.com/office/drawing/2014/main" id="{34E044EA-5C10-4A7C-A135-B705E9C521A7}"/>
+              </a:ext>
+            </a:extLst>
+          </p:cNvPr>
+          <p:cNvGraphicFramePr>
+            <a:graphicFrameLocks noGrp="1"/>
+          </p:cNvGraphicFramePr>
+          <p:nvPr>
+            <p:ph idx="1"/>
+            <p:extLst>
+              <p:ext uri="{D42A27DB-BD31-4B8C-83A1-F6EECF244321}">
+                <p14:modId xmlns:p14="http://schemas.microsoft.com/office/powerpoint/2010/main" val="850644835"/>
+              </p:ext>
+            </p:extLst>
+          </p:nvPr>
+        </p:nvGraphicFramePr>
+        <p:xfrm>
+          <a:off x="681037" y="2336800"/>
+          <a:ext cx="9730447" cy="3598863"/>
+        </p:xfrm>
+        <a:graphic>
+          <a:graphicData uri="http://schemas.openxmlformats.org/drawingml/2006/diagram">
+            <dgm:relIds xmlns:dgm="http://schemas.openxmlformats.org/drawingml/2006/diagram" xmlns:r="http://schemas.openxmlformats.org/officeDocument/2006/relationships" r:dm="rId2" r:lo="rId3" r:qs="rId4" r:cs="rId5"/>
+          </a:graphicData>
+        </a:graphic>
+      </p:graphicFrame>
+      <p:sp>
+        <p:nvSpPr>
+          <p:cNvPr id="5" name="Номер слайда 4">
+            <a:extLst>
+              <a:ext uri="{FF2B5EF4-FFF2-40B4-BE49-F238E27FC236}">
+                <a16:creationId xmlns:a16="http://schemas.microsoft.com/office/drawing/2014/main" id="{A7F9CA83-090A-458E-8646-772D01BCC54F}"/>
+              </a:ext>
+            </a:extLst>
+          </p:cNvPr>
+          <p:cNvSpPr>
+            <a:spLocks noGrp="1"/>
+          </p:cNvSpPr>
+          <p:nvPr>
+            <p:ph type="sldNum" sz="quarter" idx="12"/>
+          </p:nvPr>
+        </p:nvSpPr>
+        <p:spPr>
+          <a:xfrm>
+            <a:off x="10729455" y="753227"/>
+            <a:ext cx="1154151" cy="1090789"/>
+          </a:xfrm>
+        </p:spPr>
+        <p:txBody>
+          <a:bodyPr/>
+          <a:lstStyle/>
+          <a:p>
+            <a:fld id="{356453D0-7C6D-4FAD-A87B-D4E72CD04107}" type="slidenum">
+              <a:rPr lang="en-US" smtClean="0"/>
+              <a:t>5</a:t>
+            </a:fld>
+            <a:endParaRPr lang="en-US" dirty="0"/>
+          </a:p>
+        </p:txBody>
+      </p:sp>
+    </p:spTree>
+    <p:extLst>
+      <p:ext uri="{BB962C8B-B14F-4D97-AF65-F5344CB8AC3E}">
+        <p14:creationId xmlns:p14="http://schemas.microsoft.com/office/powerpoint/2010/main" val="3385044040"/>
+      </p:ext>
+    </p:extLst>
+  </p:cSld>
+  <p:clrMapOvr>
+    <a:masterClrMapping/>
+  </p:clrMapOvr>
+  <p:transition spd="slow">
+    <p:cover/>
+  </p:transition>
+  <p:timing>
+    <p:tnLst>
+      <p:par>
+        <p:cTn id="1" dur="indefinite" restart="never" nodeType="tmRoot">
+          <p:childTnLst>
+            <p:seq concurrent="1" nextAc="seek">
+              <p:cTn id="2" dur="indefinite" nodeType="mainSeq">
+                <p:childTnLst>
+                  <p:par>
+                    <p:cTn id="3" fill="hold">
+                      <p:stCondLst>
+                        <p:cond delay="indefinite"/>
+                      </p:stCondLst>
+                      <p:childTnLst>
+                        <p:par>
+                          <p:cTn id="4" fill="hold">
+                            <p:stCondLst>
+                              <p:cond delay="0"/>
+                            </p:stCondLst>
+                            <p:childTnLst>
+                              <p:par>
+                                <p:cTn id="5" presetID="53" presetClass="entr" presetSubtype="16" fill="hold" grpId="0" nodeType="clickEffect">
+                                  <p:stCondLst>
+                                    <p:cond delay="0"/>
+                                  </p:stCondLst>
+                                  <p:childTnLst>
+                                    <p:set>
+                                      <p:cBhvr>
+                                        <p:cTn id="6" dur="1" fill="hold">
+                                          <p:stCondLst>
+                                            <p:cond delay="0"/>
+                                          </p:stCondLst>
+                                        </p:cTn>
+                                        <p:tgtEl>
+                                          <p:spTgt spid="4">
+                                            <p:graphicEl>
+                                              <a:dgm id="{A64EE8FE-E085-4B5A-A29D-C194A8B1F9DC}"/>
+                                            </p:graphicEl>
+                                          </p:spTgt>
+                                        </p:tgtEl>
+                                        <p:attrNameLst>
+                                          <p:attrName>style.visibility</p:attrName>
+                                        </p:attrNameLst>
+                                      </p:cBhvr>
+                                      <p:to>
+                                        <p:strVal val="visible"/>
+                                      </p:to>
+                                    </p:set>
+                                    <p:anim calcmode="lin" valueType="num">
+                                      <p:cBhvr>
+                                        <p:cTn id="7" dur="500" fill="hold"/>
+                                        <p:tgtEl>
+                                          <p:spTgt spid="4">
+                                            <p:graphicEl>
+                                              <a:dgm id="{A64EE8FE-E085-4B5A-A29D-C194A8B1F9DC}"/>
+                                            </p:graphicEl>
+                                          </p:spTgt>
+                                        </p:tgtEl>
+                                        <p:attrNameLst>
+                                          <p:attrName>ppt_w</p:attrName>
+                                        </p:attrNameLst>
+                                      </p:cBhvr>
+                                      <p:tavLst>
+                                        <p:tav tm="0">
+                                          <p:val>
+                                            <p:fltVal val="0"/>
+                                          </p:val>
+                                        </p:tav>
+                                        <p:tav tm="100000">
+                                          <p:val>
+                                            <p:strVal val="#ppt_w"/>
+                                          </p:val>
+                                        </p:tav>
+                                      </p:tavLst>
+                                    </p:anim>
+                                    <p:anim calcmode="lin" valueType="num">
+                                      <p:cBhvr>
+                                        <p:cTn id="8" dur="500" fill="hold"/>
+                                        <p:tgtEl>
+                                          <p:spTgt spid="4">
+                                            <p:graphicEl>
+                                              <a:dgm id="{A64EE8FE-E085-4B5A-A29D-C194A8B1F9DC}"/>
+                                            </p:graphicEl>
+                                          </p:spTgt>
+                                        </p:tgtEl>
+                                        <p:attrNameLst>
+                                          <p:attrName>ppt_h</p:attrName>
+                                        </p:attrNameLst>
+                                      </p:cBhvr>
+                                      <p:tavLst>
+                                        <p:tav tm="0">
+                                          <p:val>
+                                            <p:fltVal val="0"/>
+                                          </p:val>
+                                        </p:tav>
+                                        <p:tav tm="100000">
+                                          <p:val>
+                                            <p:strVal val="#ppt_h"/>
+                                          </p:val>
+                                        </p:tav>
+                                      </p:tavLst>
+                                    </p:anim>
+                                    <p:animEffect transition="in" filter="fade">
+                                      <p:cBhvr>
+                                        <p:cTn id="9" dur="500"/>
+                                        <p:tgtEl>
+                                          <p:spTgt spid="4">
+                                            <p:graphicEl>
+                                              <a:dgm id="{A64EE8FE-E085-4B5A-A29D-C194A8B1F9DC}"/>
+                                            </p:graphicEl>
+                                          </p:spTgt>
+                                        </p:tgtEl>
+                                      </p:cBhvr>
+                                    </p:animEffect>
+                                  </p:childTnLst>
+                                </p:cTn>
+                              </p:par>
+                            </p:childTnLst>
+                          </p:cTn>
+                        </p:par>
+                      </p:childTnLst>
+                    </p:cTn>
+                  </p:par>
+                  <p:par>
+                    <p:cTn id="10" fill="hold">
+                      <p:stCondLst>
+                        <p:cond delay="indefinite"/>
+                      </p:stCondLst>
+                      <p:childTnLst>
+                        <p:par>
+                          <p:cTn id="11" fill="hold">
+                            <p:stCondLst>
+                              <p:cond delay="0"/>
+                            </p:stCondLst>
+                            <p:childTnLst>
+                              <p:par>
+                                <p:cTn id="12" presetID="53" presetClass="entr" presetSubtype="16" fill="hold" grpId="0" nodeType="clickEffect">
+                                  <p:stCondLst>
+                                    <p:cond delay="0"/>
+                                  </p:stCondLst>
+                                  <p:childTnLst>
+                                    <p:set>
+                                      <p:cBhvr>
+                                        <p:cTn id="13" dur="1" fill="hold">
+                                          <p:stCondLst>
+                                            <p:cond delay="0"/>
+                                          </p:stCondLst>
+                                        </p:cTn>
+                                        <p:tgtEl>
+                                          <p:spTgt spid="4">
+                                            <p:graphicEl>
+                                              <a:dgm id="{0B900DE8-F567-44D8-83A4-7747D8C312C5}"/>
+                                            </p:graphicEl>
+                                          </p:spTgt>
+                                        </p:tgtEl>
+                                        <p:attrNameLst>
+                                          <p:attrName>style.visibility</p:attrName>
+                                        </p:attrNameLst>
+                                      </p:cBhvr>
+                                      <p:to>
+                                        <p:strVal val="visible"/>
+                                      </p:to>
+                                    </p:set>
+                                    <p:anim calcmode="lin" valueType="num">
+                                      <p:cBhvr>
+                                        <p:cTn id="14" dur="500" fill="hold"/>
+                                        <p:tgtEl>
+                                          <p:spTgt spid="4">
+                                            <p:graphicEl>
+                                              <a:dgm id="{0B900DE8-F567-44D8-83A4-7747D8C312C5}"/>
+                                            </p:graphicEl>
+                                          </p:spTgt>
+                                        </p:tgtEl>
+                                        <p:attrNameLst>
+                                          <p:attrName>ppt_w</p:attrName>
+                                        </p:attrNameLst>
+                                      </p:cBhvr>
+                                      <p:tavLst>
+                                        <p:tav tm="0">
+                                          <p:val>
+                                            <p:fltVal val="0"/>
+                                          </p:val>
+                                        </p:tav>
+                                        <p:tav tm="100000">
+                                          <p:val>
+                                            <p:strVal val="#ppt_w"/>
+                                          </p:val>
+                                        </p:tav>
+                                      </p:tavLst>
+                                    </p:anim>
+                                    <p:anim calcmode="lin" valueType="num">
+                                      <p:cBhvr>
+                                        <p:cTn id="15" dur="500" fill="hold"/>
+                                        <p:tgtEl>
+                                          <p:spTgt spid="4">
+                                            <p:graphicEl>
+                                              <a:dgm id="{0B900DE8-F567-44D8-83A4-7747D8C312C5}"/>
+                                            </p:graphicEl>
+                                          </p:spTgt>
+                                        </p:tgtEl>
+                                        <p:attrNameLst>
+                                          <p:attrName>ppt_h</p:attrName>
+                                        </p:attrNameLst>
+                                      </p:cBhvr>
+                                      <p:tavLst>
+                                        <p:tav tm="0">
+                                          <p:val>
+                                            <p:fltVal val="0"/>
+                                          </p:val>
+                                        </p:tav>
+                                        <p:tav tm="100000">
+                                          <p:val>
+                                            <p:strVal val="#ppt_h"/>
+                                          </p:val>
+                                        </p:tav>
+                                      </p:tavLst>
+                                    </p:anim>
+                                    <p:animEffect transition="in" filter="fade">
+                                      <p:cBhvr>
+                                        <p:cTn id="16" dur="500"/>
+                                        <p:tgtEl>
+                                          <p:spTgt spid="4">
+                                            <p:graphicEl>
+                                              <a:dgm id="{0B900DE8-F567-44D8-83A4-7747D8C312C5}"/>
+                                            </p:graphicEl>
+                                          </p:spTgt>
+                                        </p:tgtEl>
+                                      </p:cBhvr>
+                                    </p:animEffect>
+                                  </p:childTnLst>
+                                </p:cTn>
+                              </p:par>
+                            </p:childTnLst>
+                          </p:cTn>
+                        </p:par>
+                      </p:childTnLst>
+                    </p:cTn>
+                  </p:par>
+                  <p:par>
+                    <p:cTn id="17" fill="hold">
+                      <p:stCondLst>
+                        <p:cond delay="indefinite"/>
+                      </p:stCondLst>
+                      <p:childTnLst>
+                        <p:par>
+                          <p:cTn id="18" fill="hold">
+                            <p:stCondLst>
+                              <p:cond delay="0"/>
+                            </p:stCondLst>
+                            <p:childTnLst>
+                              <p:par>
+                                <p:cTn id="19" presetID="53" presetClass="entr" presetSubtype="16" fill="hold" grpId="0" nodeType="clickEffect">
+                                  <p:stCondLst>
+                                    <p:cond delay="0"/>
+                                  </p:stCondLst>
+                                  <p:childTnLst>
+                                    <p:set>
+                                      <p:cBhvr>
+                                        <p:cTn id="20" dur="1" fill="hold">
+                                          <p:stCondLst>
+                                            <p:cond delay="0"/>
+                                          </p:stCondLst>
+                                        </p:cTn>
+                                        <p:tgtEl>
+                                          <p:spTgt spid="4">
+                                            <p:graphicEl>
+                                              <a:dgm id="{42A9104B-0428-4481-8F40-CBB83AB2CA0E}"/>
+                                            </p:graphicEl>
+                                          </p:spTgt>
+                                        </p:tgtEl>
+                                        <p:attrNameLst>
+                                          <p:attrName>style.visibility</p:attrName>
+                                        </p:attrNameLst>
+                                      </p:cBhvr>
+                                      <p:to>
+                                        <p:strVal val="visible"/>
+                                      </p:to>
+                                    </p:set>
+                                    <p:anim calcmode="lin" valueType="num">
+                                      <p:cBhvr>
+                                        <p:cTn id="21" dur="500" fill="hold"/>
+                                        <p:tgtEl>
+                                          <p:spTgt spid="4">
+                                            <p:graphicEl>
+                                              <a:dgm id="{42A9104B-0428-4481-8F40-CBB83AB2CA0E}"/>
+                                            </p:graphicEl>
+                                          </p:spTgt>
+                                        </p:tgtEl>
+                                        <p:attrNameLst>
+                                          <p:attrName>ppt_w</p:attrName>
+                                        </p:attrNameLst>
+                                      </p:cBhvr>
+                                      <p:tavLst>
+                                        <p:tav tm="0">
+                                          <p:val>
+                                            <p:fltVal val="0"/>
+                                          </p:val>
+                                        </p:tav>
+                                        <p:tav tm="100000">
+                                          <p:val>
+                                            <p:strVal val="#ppt_w"/>
+                                          </p:val>
+                                        </p:tav>
+                                      </p:tavLst>
+                                    </p:anim>
+                                    <p:anim calcmode="lin" valueType="num">
+                                      <p:cBhvr>
+                                        <p:cTn id="22" dur="500" fill="hold"/>
+                                        <p:tgtEl>
+                                          <p:spTgt spid="4">
+                                            <p:graphicEl>
+                                              <a:dgm id="{42A9104B-0428-4481-8F40-CBB83AB2CA0E}"/>
+                                            </p:graphicEl>
+                                          </p:spTgt>
+                                        </p:tgtEl>
+                                        <p:attrNameLst>
+                                          <p:attrName>ppt_h</p:attrName>
+                                        </p:attrNameLst>
+                                      </p:cBhvr>
+                                      <p:tavLst>
+                                        <p:tav tm="0">
+                                          <p:val>
+                                            <p:fltVal val="0"/>
+                                          </p:val>
+                                        </p:tav>
+                                        <p:tav tm="100000">
+                                          <p:val>
+                                            <p:strVal val="#ppt_h"/>
+                                          </p:val>
+                                        </p:tav>
+                                      </p:tavLst>
+                                    </p:anim>
+                                    <p:animEffect transition="in" filter="fade">
+                                      <p:cBhvr>
+                                        <p:cTn id="23" dur="500"/>
+                                        <p:tgtEl>
+                                          <p:spTgt spid="4">
+                                            <p:graphicEl>
+                                              <a:dgm id="{42A9104B-0428-4481-8F40-CBB83AB2CA0E}"/>
+                                            </p:graphicEl>
+                                          </p:spTgt>
+                                        </p:tgtEl>
+                                      </p:cBhvr>
+                                    </p:animEffect>
+                                  </p:childTnLst>
+                                </p:cTn>
+                              </p:par>
+                            </p:childTnLst>
+                          </p:cTn>
+                        </p:par>
+                      </p:childTnLst>
+                    </p:cTn>
+                  </p:par>
+                  <p:par>
+                    <p:cTn id="24" fill="hold">
+                      <p:stCondLst>
+                        <p:cond delay="indefinite"/>
+                      </p:stCondLst>
+                      <p:childTnLst>
+                        <p:par>
+                          <p:cTn id="25" fill="hold">
+                            <p:stCondLst>
+                              <p:cond delay="0"/>
+                            </p:stCondLst>
+                            <p:childTnLst>
+                              <p:par>
+                                <p:cTn id="26" presetID="53" presetClass="entr" presetSubtype="16" fill="hold" grpId="0" nodeType="clickEffect">
+                                  <p:stCondLst>
+                                    <p:cond delay="0"/>
+                                  </p:stCondLst>
+                                  <p:childTnLst>
+                                    <p:set>
+                                      <p:cBhvr>
+                                        <p:cTn id="27" dur="1" fill="hold">
+                                          <p:stCondLst>
+                                            <p:cond delay="0"/>
+                                          </p:stCondLst>
+                                        </p:cTn>
+                                        <p:tgtEl>
+                                          <p:spTgt spid="4">
+                                            <p:graphicEl>
+                                              <a:dgm id="{75AF9ED6-AE17-41E7-95B0-53D5E52A506B}"/>
+                                            </p:graphicEl>
+                                          </p:spTgt>
+                                        </p:tgtEl>
+                                        <p:attrNameLst>
+                                          <p:attrName>style.visibility</p:attrName>
+                                        </p:attrNameLst>
+                                      </p:cBhvr>
+                                      <p:to>
+                                        <p:strVal val="visible"/>
+                                      </p:to>
+                                    </p:set>
+                                    <p:anim calcmode="lin" valueType="num">
+                                      <p:cBhvr>
+                                        <p:cTn id="28" dur="500" fill="hold"/>
+                                        <p:tgtEl>
+                                          <p:spTgt spid="4">
+                                            <p:graphicEl>
+                                              <a:dgm id="{75AF9ED6-AE17-41E7-95B0-53D5E52A506B}"/>
+                                            </p:graphicEl>
+                                          </p:spTgt>
+                                        </p:tgtEl>
+                                        <p:attrNameLst>
+                                          <p:attrName>ppt_w</p:attrName>
+                                        </p:attrNameLst>
+                                      </p:cBhvr>
+                                      <p:tavLst>
+                                        <p:tav tm="0">
+                                          <p:val>
+                                            <p:fltVal val="0"/>
+                                          </p:val>
+                                        </p:tav>
+                                        <p:tav tm="100000">
+                                          <p:val>
+                                            <p:strVal val="#ppt_w"/>
+                                          </p:val>
+                                        </p:tav>
+                                      </p:tavLst>
+                                    </p:anim>
+                                    <p:anim calcmode="lin" valueType="num">
+                                      <p:cBhvr>
+                                        <p:cTn id="29" dur="500" fill="hold"/>
+                                        <p:tgtEl>
+                                          <p:spTgt spid="4">
+                                            <p:graphicEl>
+                                              <a:dgm id="{75AF9ED6-AE17-41E7-95B0-53D5E52A506B}"/>
+                                            </p:graphicEl>
+                                          </p:spTgt>
+                                        </p:tgtEl>
+                                        <p:attrNameLst>
+                                          <p:attrName>ppt_h</p:attrName>
+                                        </p:attrNameLst>
+                                      </p:cBhvr>
+                                      <p:tavLst>
+                                        <p:tav tm="0">
+                                          <p:val>
+                                            <p:fltVal val="0"/>
+                                          </p:val>
+                                        </p:tav>
+                                        <p:tav tm="100000">
+                                          <p:val>
+                                            <p:strVal val="#ppt_h"/>
+                                          </p:val>
+                                        </p:tav>
+                                      </p:tavLst>
+                                    </p:anim>
+                                    <p:animEffect transition="in" filter="fade">
+                                      <p:cBhvr>
+                                        <p:cTn id="30" dur="500"/>
+                                        <p:tgtEl>
+                                          <p:spTgt spid="4">
+                                            <p:graphicEl>
+                                              <a:dgm id="{75AF9ED6-AE17-41E7-95B0-53D5E52A506B}"/>
+                                            </p:graphicEl>
+                                          </p:spTgt>
+                                        </p:tgtEl>
+                                      </p:cBhvr>
+                                    </p:animEffect>
+                                  </p:childTnLst>
+                                </p:cTn>
+                              </p:par>
+                            </p:childTnLst>
+                          </p:cTn>
+                        </p:par>
+                      </p:childTnLst>
+                    </p:cTn>
+                  </p:par>
+                </p:childTnLst>
+              </p:cTn>
+              <p:prevCondLst>
+                <p:cond evt="onPrev" delay="0">
+                  <p:tgtEl>
+                    <p:sldTgt/>
+                  </p:tgtEl>
+                </p:cond>
+              </p:prevCondLst>
+              <p:nextCondLst>
+                <p:cond evt="onNext" delay="0">
+                  <p:tgtEl>
+                    <p:sldTgt/>
+                  </p:tgtEl>
+                </p:cond>
+              </p:nextCondLst>
+            </p:seq>
+          </p:childTnLst>
+        </p:cTn>
+      </p:par>
+    </p:tnLst>
+    <p:bldLst>
+      <p:bldGraphic spid="4" grpId="0">
+        <p:bldSub>
+          <a:bldDgm bld="one"/>
+        </p:bldSub>
+      </p:bldGraphic>
+    </p:bldLst>
+  </p:timing>
+</p:sld>
+</file>
+
+<file path=ppt/slides/slide6.xml><?xml version="1.0" encoding="utf-8"?>
 <p:sld xmlns:a="http://schemas.openxmlformats.org/drawingml/2006/main" xmlns:r="http://schemas.openxmlformats.org/officeDocument/2006/relationships" xmlns:p="http://schemas.openxmlformats.org/presentationml/2006/main">
   <p:cSld>
     <p:spTree>
@@ -13204,7 +19507,7 @@
         </p:spPr>
         <p:txBody>
           <a:bodyPr>
-            <a:normAutofit fontScale="92500" lnSpcReduction="20000"/>
+            <a:normAutofit/>
           </a:bodyPr>
           <a:lstStyle/>
           <a:p>
@@ -13212,10 +19515,19 @@
               <a:buNone/>
             </a:pPr>
             <a:r>
-              <a:rPr lang="ru-RU" sz="3600" dirty="0" err="1"/>
-              <a:t>Заключие</a:t>
+              <a:rPr lang="ru-RU" dirty="0"/>
+              <a:t>Коллеги, свои вопросы пишите в комментарии к видео, а также в моём блоге</a:t>
             </a:r>
-            <a:endParaRPr lang="ru-RU" sz="3600" dirty="0"/>
+            <a:r>
+              <a:rPr lang="en-US" dirty="0"/>
+              <a:t>.</a:t>
+            </a:r>
+          </a:p>
+          <a:p>
+            <a:pPr marL="0" indent="0">
+              <a:buNone/>
+            </a:pPr>
+            <a:endParaRPr lang="en-US" dirty="0"/>
           </a:p>
           <a:p>
             <a:pPr marL="0" indent="0">
@@ -13223,54 +19535,13 @@
             </a:pPr>
             <a:r>
               <a:rPr lang="ru-RU" dirty="0"/>
-              <a:t>О чем этот ролик:</a:t>
-            </a:r>
-            <a:endParaRPr lang="ru-RU" sz="3600" dirty="0"/>
-          </a:p>
-          <a:p>
-            <a:r>
-              <a:rPr lang="ru-RU" dirty="0"/>
-              <a:t>Установка шаблона </a:t>
-            </a:r>
-            <a:r>
-              <a:rPr lang="ru-RU" dirty="0" err="1"/>
-              <a:t>микросервиса</a:t>
-            </a:r>
-            <a:endParaRPr lang="ru-RU" dirty="0"/>
-          </a:p>
-          <a:p>
-            <a:r>
-              <a:rPr lang="ru-RU" dirty="0"/>
-              <a:t>Создание проекта </a:t>
-            </a:r>
-            <a:r>
-              <a:rPr lang="ru-RU" dirty="0" err="1"/>
-              <a:t>микросервиса</a:t>
-            </a:r>
-            <a:r>
-              <a:rPr lang="ru-RU" dirty="0"/>
-              <a:t> из шаблона</a:t>
+              <a:t>Конструктивная критика приветствуется.</a:t>
             </a:r>
           </a:p>
           <a:p>
-            <a:r>
-              <a:rPr lang="ru-RU" dirty="0"/>
-              <a:t>Подключение к БД</a:t>
-            </a:r>
-          </a:p>
-          <a:p>
-            <a:r>
-              <a:rPr lang="ru-RU" dirty="0"/>
-              <a:t>Создание контролера</a:t>
-            </a:r>
-          </a:p>
-          <a:p>
-            <a:r>
-              <a:rPr lang="ru-RU" dirty="0"/>
-              <a:t>Регистрация пользователя</a:t>
-            </a:r>
-          </a:p>
-          <a:p>
+            <a:pPr marL="0" indent="0">
+              <a:buNone/>
+            </a:pPr>
             <a:endParaRPr lang="ru-RU" dirty="0"/>
           </a:p>
           <a:p>
@@ -13279,7 +19550,34 @@
             </a:pPr>
             <a:r>
               <a:rPr lang="ru-RU" dirty="0"/>
-              <a:t>Пример использования данного сервиса в следующем видео.</a:t>
+              <a:t>Презентация для данного видео доступна на </a:t>
+            </a:r>
+            <a:r>
+              <a:rPr lang="en-US" dirty="0"/>
+              <a:t>github.com</a:t>
+            </a:r>
+          </a:p>
+          <a:p>
+            <a:pPr marL="0" indent="0">
+              <a:buNone/>
+            </a:pPr>
+            <a:endParaRPr lang="en-US" dirty="0"/>
+          </a:p>
+          <a:p>
+            <a:pPr marL="0" indent="0">
+              <a:buNone/>
+            </a:pPr>
+            <a:r>
+              <a:rPr lang="ru-RU"/>
+              <a:t>Простого вам  </a:t>
+            </a:r>
+            <a:r>
+              <a:rPr lang="ru-RU" dirty="0" err="1"/>
+              <a:t>дебага</a:t>
+            </a:r>
+            <a:r>
+              <a:rPr lang="ru-RU" dirty="0"/>
+              <a:t>!</a:t>
             </a:r>
           </a:p>
         </p:txBody>
@@ -13312,7 +19610,7 @@
           <a:p>
             <a:fld id="{356453D0-7C6D-4FAD-A87B-D4E72CD04107}" type="slidenum">
               <a:rPr lang="en-US" smtClean="0"/>
-              <a:t>4</a:t>
+              <a:t>6</a:t>
             </a:fld>
             <a:endParaRPr lang="en-US" dirty="0"/>
           </a:p>
@@ -13349,62 +19647,18 @@
         </p:blipFill>
         <p:spPr>
           <a:xfrm flipH="1">
-            <a:off x="8759141" y="4517884"/>
-            <a:ext cx="1592985" cy="1524323"/>
+            <a:off x="9420040" y="5268308"/>
+            <a:ext cx="874142" cy="836464"/>
           </a:xfrm>
           <a:prstGeom prst="rect">
             <a:avLst/>
           </a:prstGeom>
         </p:spPr>
       </p:pic>
-      <p:sp>
-        <p:nvSpPr>
-          <p:cNvPr id="7" name="TextBox 6">
-            <a:extLst>
-              <a:ext uri="{FF2B5EF4-FFF2-40B4-BE49-F238E27FC236}">
-                <a16:creationId xmlns:a16="http://schemas.microsoft.com/office/drawing/2014/main" id="{C9C91B2D-4DA0-4FED-8AA4-4810868BE0C9}"/>
-              </a:ext>
-            </a:extLst>
-          </p:cNvPr>
-          <p:cNvSpPr txBox="1"/>
-          <p:nvPr/>
-        </p:nvSpPr>
-        <p:spPr>
-          <a:xfrm rot="16200000">
-            <a:off x="9538942" y="5130570"/>
-            <a:ext cx="1024785" cy="523220"/>
-          </a:xfrm>
-          <a:prstGeom prst="rect">
-            <a:avLst/>
-          </a:prstGeom>
-          <a:noFill/>
-        </p:spPr>
-        <p:txBody>
-          <a:bodyPr wrap="square" rtlCol="0">
-            <a:spAutoFit/>
-          </a:bodyPr>
-          <a:lstStyle/>
-          <a:p>
-            <a:r>
-              <a:rPr lang="ru-RU" sz="2800" b="1" dirty="0">
-                <a:solidFill>
-                  <a:srgbClr val="9F1505"/>
-                </a:solidFill>
-              </a:rPr>
-              <a:t>100</a:t>
-            </a:r>
-            <a:endParaRPr lang="en-US" sz="2800" b="1" dirty="0">
-              <a:solidFill>
-                <a:srgbClr val="9F1505"/>
-              </a:solidFill>
-            </a:endParaRPr>
-          </a:p>
-        </p:txBody>
-      </p:sp>
     </p:spTree>
     <p:extLst>
       <p:ext uri="{BB962C8B-B14F-4D97-AF65-F5344CB8AC3E}">
-        <p14:creationId xmlns:p14="http://schemas.microsoft.com/office/powerpoint/2010/main" val="3385044040"/>
+        <p14:creationId xmlns:p14="http://schemas.microsoft.com/office/powerpoint/2010/main" val="1718312307"/>
       </p:ext>
     </p:extLst>
   </p:cSld>

--- a/Presentation/Microservices2.pptx
+++ b/Presentation/Microservices2.pptx
@@ -5,10 +5,10 @@
     <p:sldMasterId id="2147483762" r:id="rId1"/>
   </p:sldMasterIdLst>
   <p:notesMasterIdLst>
-    <p:notesMasterId r:id="rId8"/>
+    <p:notesMasterId r:id="rId11"/>
   </p:notesMasterIdLst>
   <p:handoutMasterIdLst>
-    <p:handoutMasterId r:id="rId9"/>
+    <p:handoutMasterId r:id="rId12"/>
   </p:handoutMasterIdLst>
   <p:sldIdLst>
     <p:sldId id="256" r:id="rId2"/>
@@ -16,7 +16,10 @@
     <p:sldId id="275" r:id="rId4"/>
     <p:sldId id="276" r:id="rId5"/>
     <p:sldId id="274" r:id="rId6"/>
-    <p:sldId id="277" r:id="rId7"/>
+    <p:sldId id="280" r:id="rId7"/>
+    <p:sldId id="278" r:id="rId8"/>
+    <p:sldId id="279" r:id="rId9"/>
+    <p:sldId id="277" r:id="rId10"/>
   </p:sldIdLst>
   <p:sldSz cx="12192000" cy="6858000"/>
   <p:notesSz cx="6858000" cy="9144000"/>
@@ -124,6 +127,18 @@
     </p:ext>
   </p:extLst>
 </p:presentation>
+</file>
+
+<file path=ppt/commentAuthors.xml><?xml version="1.0" encoding="utf-8"?>
+<p:cmAuthorLst xmlns:a="http://schemas.openxmlformats.org/drawingml/2006/main" xmlns:r="http://schemas.openxmlformats.org/officeDocument/2006/relationships" xmlns:p="http://schemas.openxmlformats.org/presentationml/2006/main">
+  <p:cmAuthor id="1" name="Сергей Калабонга" initials="СК" lastIdx="2" clrIdx="0">
+    <p:extLst>
+      <p:ext uri="{19B8F6BF-5375-455C-9EA6-DF929625EA0E}">
+        <p15:presenceInfo xmlns:p15="http://schemas.microsoft.com/office/powerpoint/2012/main" userId="6b2f8b568b4803e7" providerId="Windows Live"/>
+      </p:ext>
+    </p:extLst>
+  </p:cmAuthor>
+</p:cmAuthorLst>
 </file>
 
 <file path=ppt/diagrams/colors1.xml><?xml version="1.0" encoding="utf-8"?>
@@ -2143,151 +2158,6 @@
         </a:p>
       </dgm:t>
     </dgm:pt>
-    <dgm:pt modelId="{49DB18B6-4334-43BB-BE2C-B2C3EABF9E66}">
-      <dgm:prSet phldrT="[Текст]"/>
-      <dgm:spPr/>
-      <dgm:t>
-        <a:bodyPr/>
-        <a:lstStyle/>
-        <a:p>
-          <a:r>
-            <a:rPr lang="ru-RU" dirty="0"/>
-            <a:t>Кэширование</a:t>
-          </a:r>
-          <a:endParaRPr lang="en-US" dirty="0"/>
-        </a:p>
-      </dgm:t>
-    </dgm:pt>
-    <dgm:pt modelId="{E47B1548-2CAE-489C-898C-49993E00008F}" type="parTrans" cxnId="{50D44EAD-2A48-4508-BEF3-920A772C2A39}">
-      <dgm:prSet/>
-      <dgm:spPr/>
-      <dgm:t>
-        <a:bodyPr/>
-        <a:lstStyle/>
-        <a:p>
-          <a:endParaRPr lang="en-US"/>
-        </a:p>
-      </dgm:t>
-    </dgm:pt>
-    <dgm:pt modelId="{22443177-354A-4F44-95A7-B6028AEDDE74}" type="sibTrans" cxnId="{50D44EAD-2A48-4508-BEF3-920A772C2A39}">
-      <dgm:prSet/>
-      <dgm:spPr/>
-      <dgm:t>
-        <a:bodyPr/>
-        <a:lstStyle/>
-        <a:p>
-          <a:endParaRPr lang="en-US"/>
-        </a:p>
-      </dgm:t>
-    </dgm:pt>
-    <dgm:pt modelId="{864839B4-F4F1-4B2F-976B-8AAB25FA0091}">
-      <dgm:prSet phldrT="[Текст]"/>
-      <dgm:spPr/>
-      <dgm:t>
-        <a:bodyPr/>
-        <a:lstStyle/>
-        <a:p>
-          <a:r>
-            <a:rPr lang="en-US" dirty="0"/>
-            <a:t>Radis</a:t>
-          </a:r>
-        </a:p>
-      </dgm:t>
-    </dgm:pt>
-    <dgm:pt modelId="{922783A8-019C-407A-A0A8-DF9214973CBE}" type="parTrans" cxnId="{EF62E3F7-1D89-442A-A5A6-410D45977E01}">
-      <dgm:prSet/>
-      <dgm:spPr/>
-      <dgm:t>
-        <a:bodyPr/>
-        <a:lstStyle/>
-        <a:p>
-          <a:endParaRPr lang="en-US"/>
-        </a:p>
-      </dgm:t>
-    </dgm:pt>
-    <dgm:pt modelId="{F1ABD757-CBF4-4E56-BC89-263EDE8953A0}" type="sibTrans" cxnId="{EF62E3F7-1D89-442A-A5A6-410D45977E01}">
-      <dgm:prSet/>
-      <dgm:spPr/>
-      <dgm:t>
-        <a:bodyPr/>
-        <a:lstStyle/>
-        <a:p>
-          <a:endParaRPr lang="en-US"/>
-        </a:p>
-      </dgm:t>
-    </dgm:pt>
-    <dgm:pt modelId="{ED1D3F94-D1E0-40FC-BFBC-59C3DB7A8966}">
-      <dgm:prSet phldrT="[Текст]"/>
-      <dgm:spPr/>
-      <dgm:t>
-        <a:bodyPr/>
-        <a:lstStyle/>
-        <a:p>
-          <a:r>
-            <a:rPr lang="en-US" dirty="0"/>
-            <a:t>CDN</a:t>
-          </a:r>
-        </a:p>
-      </dgm:t>
-    </dgm:pt>
-    <dgm:pt modelId="{05E904D7-D60B-4E9B-B045-C8A18A7FB5EB}" type="parTrans" cxnId="{AE893E1B-2112-486D-A745-18AC42930254}">
-      <dgm:prSet/>
-      <dgm:spPr/>
-      <dgm:t>
-        <a:bodyPr/>
-        <a:lstStyle/>
-        <a:p>
-          <a:endParaRPr lang="en-US"/>
-        </a:p>
-      </dgm:t>
-    </dgm:pt>
-    <dgm:pt modelId="{AA6C53FD-A695-43FE-AE28-A179187772AE}" type="sibTrans" cxnId="{AE893E1B-2112-486D-A745-18AC42930254}">
-      <dgm:prSet/>
-      <dgm:spPr/>
-      <dgm:t>
-        <a:bodyPr/>
-        <a:lstStyle/>
-        <a:p>
-          <a:endParaRPr lang="en-US"/>
-        </a:p>
-      </dgm:t>
-    </dgm:pt>
-    <dgm:pt modelId="{07244416-E1A8-470A-ADA8-F97F9FA09692}">
-      <dgm:prSet phldrT="[Текст]"/>
-      <dgm:spPr/>
-      <dgm:t>
-        <a:bodyPr/>
-        <a:lstStyle/>
-        <a:p>
-          <a:r>
-            <a:rPr lang="en-US" dirty="0"/>
-            <a:t>MongoDB</a:t>
-          </a:r>
-        </a:p>
-      </dgm:t>
-    </dgm:pt>
-    <dgm:pt modelId="{70796836-5DAF-4741-A0DC-687228386BE0}" type="parTrans" cxnId="{9BCE0943-E570-4D1D-A01D-4C844A30EE4F}">
-      <dgm:prSet/>
-      <dgm:spPr/>
-      <dgm:t>
-        <a:bodyPr/>
-        <a:lstStyle/>
-        <a:p>
-          <a:endParaRPr lang="en-US"/>
-        </a:p>
-      </dgm:t>
-    </dgm:pt>
-    <dgm:pt modelId="{7E55282B-2382-4D95-A75F-8AE1FA3DC4B6}" type="sibTrans" cxnId="{9BCE0943-E570-4D1D-A01D-4C844A30EE4F}">
-      <dgm:prSet/>
-      <dgm:spPr/>
-      <dgm:t>
-        <a:bodyPr/>
-        <a:lstStyle/>
-        <a:p>
-          <a:endParaRPr lang="en-US"/>
-        </a:p>
-      </dgm:t>
-    </dgm:pt>
     <dgm:pt modelId="{AD61D444-9D34-4F11-8598-AE9320D6EA71}">
       <dgm:prSet phldrT="[Текст]"/>
       <dgm:spPr/>
@@ -2433,6 +2303,79 @@
         </a:p>
       </dgm:t>
     </dgm:pt>
+    <dgm:pt modelId="{C7047CB4-E9FB-46C7-B9E6-2376BA656DF9}">
+      <dgm:prSet phldrT="[Текст]"/>
+      <dgm:spPr/>
+      <dgm:t>
+        <a:bodyPr/>
+        <a:lstStyle/>
+        <a:p>
+          <a:r>
+            <a:rPr lang="en-US" dirty="0"/>
+            <a:t>Metrics</a:t>
+          </a:r>
+        </a:p>
+      </dgm:t>
+    </dgm:pt>
+    <dgm:pt modelId="{2728197C-1110-4EB0-A2EC-1CE289B36A60}" type="parTrans" cxnId="{15BF8FDE-A75B-4AA0-A262-5DB67E46C00B}">
+      <dgm:prSet/>
+      <dgm:spPr/>
+      <dgm:t>
+        <a:bodyPr/>
+        <a:lstStyle/>
+        <a:p>
+          <a:endParaRPr lang="en-US"/>
+        </a:p>
+      </dgm:t>
+    </dgm:pt>
+    <dgm:pt modelId="{EA645F52-9509-402E-8D25-7BBEE2F64893}" type="sibTrans" cxnId="{15BF8FDE-A75B-4AA0-A262-5DB67E46C00B}">
+      <dgm:prSet/>
+      <dgm:spPr/>
+      <dgm:t>
+        <a:bodyPr/>
+        <a:lstStyle/>
+        <a:p>
+          <a:endParaRPr lang="en-US"/>
+        </a:p>
+      </dgm:t>
+    </dgm:pt>
+    <dgm:pt modelId="{273FA18C-D698-469B-8947-42094DFA8DDC}">
+      <dgm:prSet phldrT="[Текст]"/>
+      <dgm:spPr/>
+      <dgm:t>
+        <a:bodyPr/>
+        <a:lstStyle/>
+        <a:p>
+          <a:r>
+            <a:rPr lang="ru-RU"/>
+            <a:t>Кэширование</a:t>
+          </a:r>
+          <a:endParaRPr lang="en-US" dirty="0"/>
+        </a:p>
+      </dgm:t>
+    </dgm:pt>
+    <dgm:pt modelId="{A97F2217-8C17-48AB-B44F-8E0CCC1DF9F0}" type="parTrans" cxnId="{7433B89C-3EF0-44F0-9521-2D5E30272D2C}">
+      <dgm:prSet/>
+      <dgm:spPr/>
+      <dgm:t>
+        <a:bodyPr/>
+        <a:lstStyle/>
+        <a:p>
+          <a:endParaRPr lang="en-US"/>
+        </a:p>
+      </dgm:t>
+    </dgm:pt>
+    <dgm:pt modelId="{060C4710-690B-4984-B3F7-BC2DDB01F92B}" type="sibTrans" cxnId="{7433B89C-3EF0-44F0-9521-2D5E30272D2C}">
+      <dgm:prSet/>
+      <dgm:spPr/>
+      <dgm:t>
+        <a:bodyPr/>
+        <a:lstStyle/>
+        <a:p>
+          <a:endParaRPr lang="en-US"/>
+        </a:p>
+      </dgm:t>
+    </dgm:pt>
     <dgm:pt modelId="{3F028575-C012-476E-8A1F-14DFED049459}" type="pres">
       <dgm:prSet presAssocID="{AD1D00D0-CC87-450E-AE46-AE0BF2BE2A83}" presName="theList" presStyleCnt="0">
         <dgm:presLayoutVars>
@@ -2448,11 +2391,11 @@
       <dgm:spPr/>
     </dgm:pt>
     <dgm:pt modelId="{7BE45A5C-2995-4CF3-97BE-C3CEB30ACA2D}" type="pres">
-      <dgm:prSet presAssocID="{B62EC93E-18BC-45EA-800E-55DA74D917CE}" presName="aNode" presStyleLbl="bgShp" presStyleIdx="0" presStyleCnt="5"/>
+      <dgm:prSet presAssocID="{B62EC93E-18BC-45EA-800E-55DA74D917CE}" presName="aNode" presStyleLbl="bgShp" presStyleIdx="0" presStyleCnt="4"/>
       <dgm:spPr/>
     </dgm:pt>
     <dgm:pt modelId="{7472305A-E93A-4C0B-8B80-6C316C5477D2}" type="pres">
-      <dgm:prSet presAssocID="{B62EC93E-18BC-45EA-800E-55DA74D917CE}" presName="textNode" presStyleLbl="bgShp" presStyleIdx="0" presStyleCnt="5"/>
+      <dgm:prSet presAssocID="{B62EC93E-18BC-45EA-800E-55DA74D917CE}" presName="textNode" presStyleLbl="bgShp" presStyleIdx="0" presStyleCnt="4"/>
       <dgm:spPr/>
     </dgm:pt>
     <dgm:pt modelId="{1F6124FD-23D1-47C7-972F-B9FB88E09A62}" type="pres">
@@ -2464,7 +2407,7 @@
       <dgm:spPr/>
     </dgm:pt>
     <dgm:pt modelId="{945E3236-03BF-43EB-9C68-D6AA80704045}" type="pres">
-      <dgm:prSet presAssocID="{11B89C84-43AA-4705-85FB-CAE4422A9DB3}" presName="childNode" presStyleLbl="node1" presStyleIdx="0" presStyleCnt="17">
+      <dgm:prSet presAssocID="{11B89C84-43AA-4705-85FB-CAE4422A9DB3}" presName="childNode" presStyleLbl="node1" presStyleIdx="0" presStyleCnt="16">
         <dgm:presLayoutVars>
           <dgm:bulletEnabled val="1"/>
         </dgm:presLayoutVars>
@@ -2476,7 +2419,7 @@
       <dgm:spPr/>
     </dgm:pt>
     <dgm:pt modelId="{84C3A6CF-7882-4415-82ED-FADAC232FE40}" type="pres">
-      <dgm:prSet presAssocID="{07C8E766-C661-463D-9636-76092E370DE6}" presName="childNode" presStyleLbl="node1" presStyleIdx="1" presStyleCnt="17">
+      <dgm:prSet presAssocID="{07C8E766-C661-463D-9636-76092E370DE6}" presName="childNode" presStyleLbl="node1" presStyleIdx="1" presStyleCnt="16">
         <dgm:presLayoutVars>
           <dgm:bulletEnabled val="1"/>
         </dgm:presLayoutVars>
@@ -2488,7 +2431,7 @@
       <dgm:spPr/>
     </dgm:pt>
     <dgm:pt modelId="{C2967C0D-9177-4081-BE96-825E0372F8A6}" type="pres">
-      <dgm:prSet presAssocID="{E76BA998-8AF2-4931-8C86-562F2BAC25A3}" presName="childNode" presStyleLbl="node1" presStyleIdx="2" presStyleCnt="17">
+      <dgm:prSet presAssocID="{E76BA998-8AF2-4931-8C86-562F2BAC25A3}" presName="childNode" presStyleLbl="node1" presStyleIdx="2" presStyleCnt="16">
         <dgm:presLayoutVars>
           <dgm:bulletEnabled val="1"/>
         </dgm:presLayoutVars>
@@ -2500,7 +2443,7 @@
       <dgm:spPr/>
     </dgm:pt>
     <dgm:pt modelId="{C1300048-CBBE-490D-B9A1-A90B116CAD2F}" type="pres">
-      <dgm:prSet presAssocID="{A9F25EEC-AE1A-4AA3-855D-8FAB077FDF99}" presName="childNode" presStyleLbl="node1" presStyleIdx="3" presStyleCnt="17">
+      <dgm:prSet presAssocID="{A9F25EEC-AE1A-4AA3-855D-8FAB077FDF99}" presName="childNode" presStyleLbl="node1" presStyleIdx="3" presStyleCnt="16">
         <dgm:presLayoutVars>
           <dgm:bulletEnabled val="1"/>
         </dgm:presLayoutVars>
@@ -2516,11 +2459,11 @@
       <dgm:spPr/>
     </dgm:pt>
     <dgm:pt modelId="{48969356-AE7E-48C7-88E1-F2D0710EC79C}" type="pres">
-      <dgm:prSet presAssocID="{8FD36E32-2E69-41F0-BAA4-5F78C511B4ED}" presName="aNode" presStyleLbl="bgShp" presStyleIdx="1" presStyleCnt="5"/>
+      <dgm:prSet presAssocID="{8FD36E32-2E69-41F0-BAA4-5F78C511B4ED}" presName="aNode" presStyleLbl="bgShp" presStyleIdx="1" presStyleCnt="4"/>
       <dgm:spPr/>
     </dgm:pt>
     <dgm:pt modelId="{698FEF21-481C-446A-8E94-BE4AC54D7771}" type="pres">
-      <dgm:prSet presAssocID="{8FD36E32-2E69-41F0-BAA4-5F78C511B4ED}" presName="textNode" presStyleLbl="bgShp" presStyleIdx="1" presStyleCnt="5"/>
+      <dgm:prSet presAssocID="{8FD36E32-2E69-41F0-BAA4-5F78C511B4ED}" presName="textNode" presStyleLbl="bgShp" presStyleIdx="1" presStyleCnt="4"/>
       <dgm:spPr/>
     </dgm:pt>
     <dgm:pt modelId="{CB08BBAE-1671-4B99-B38E-D31F6E50335A}" type="pres">
@@ -2532,7 +2475,7 @@
       <dgm:spPr/>
     </dgm:pt>
     <dgm:pt modelId="{6FFF4494-4F93-4DE1-AFC5-D12F3BE53BA2}" type="pres">
-      <dgm:prSet presAssocID="{89B4AAD9-2D0A-4D4C-8885-A2CD90F722D5}" presName="childNode" presStyleLbl="node1" presStyleIdx="4" presStyleCnt="17">
+      <dgm:prSet presAssocID="{89B4AAD9-2D0A-4D4C-8885-A2CD90F722D5}" presName="childNode" presStyleLbl="node1" presStyleIdx="4" presStyleCnt="16">
         <dgm:presLayoutVars>
           <dgm:bulletEnabled val="1"/>
         </dgm:presLayoutVars>
@@ -2544,7 +2487,7 @@
       <dgm:spPr/>
     </dgm:pt>
     <dgm:pt modelId="{8CABBB4F-8805-43AD-86AA-2B2C4FF03695}" type="pres">
-      <dgm:prSet presAssocID="{A1EB7C45-CC37-4FC3-AB0C-928B06A5B403}" presName="childNode" presStyleLbl="node1" presStyleIdx="5" presStyleCnt="17">
+      <dgm:prSet presAssocID="{A1EB7C45-CC37-4FC3-AB0C-928B06A5B403}" presName="childNode" presStyleLbl="node1" presStyleIdx="5" presStyleCnt="16">
         <dgm:presLayoutVars>
           <dgm:bulletEnabled val="1"/>
         </dgm:presLayoutVars>
@@ -2556,7 +2499,7 @@
       <dgm:spPr/>
     </dgm:pt>
     <dgm:pt modelId="{7C7BA948-4D6C-4868-A093-E6A1EAC83D6D}" type="pres">
-      <dgm:prSet presAssocID="{DB426483-7DB5-47C7-AAC2-34BDA14473E6}" presName="childNode" presStyleLbl="node1" presStyleIdx="6" presStyleCnt="17">
+      <dgm:prSet presAssocID="{DB426483-7DB5-47C7-AAC2-34BDA14473E6}" presName="childNode" presStyleLbl="node1" presStyleIdx="6" presStyleCnt="16">
         <dgm:presLayoutVars>
           <dgm:bulletEnabled val="1"/>
         </dgm:presLayoutVars>
@@ -2572,11 +2515,11 @@
       <dgm:spPr/>
     </dgm:pt>
     <dgm:pt modelId="{BF0CB8F0-CCB2-473A-896F-2BC8FB829335}" type="pres">
-      <dgm:prSet presAssocID="{0481B58C-D648-45EA-83C2-244D62947D7D}" presName="aNode" presStyleLbl="bgShp" presStyleIdx="2" presStyleCnt="5"/>
+      <dgm:prSet presAssocID="{0481B58C-D648-45EA-83C2-244D62947D7D}" presName="aNode" presStyleLbl="bgShp" presStyleIdx="2" presStyleCnt="4"/>
       <dgm:spPr/>
     </dgm:pt>
     <dgm:pt modelId="{5F469DC3-84F6-4F25-A4BC-B51CE6D03E29}" type="pres">
-      <dgm:prSet presAssocID="{0481B58C-D648-45EA-83C2-244D62947D7D}" presName="textNode" presStyleLbl="bgShp" presStyleIdx="2" presStyleCnt="5"/>
+      <dgm:prSet presAssocID="{0481B58C-D648-45EA-83C2-244D62947D7D}" presName="textNode" presStyleLbl="bgShp" presStyleIdx="2" presStyleCnt="4"/>
       <dgm:spPr/>
     </dgm:pt>
     <dgm:pt modelId="{741237D9-960A-418A-9AC5-0073099BEF1E}" type="pres">
@@ -2588,7 +2531,7 @@
       <dgm:spPr/>
     </dgm:pt>
     <dgm:pt modelId="{37A0FEA3-01F8-4A5D-BE6B-D06CF7B60D92}" type="pres">
-      <dgm:prSet presAssocID="{9FA53224-BBF3-44F8-95E8-09DA759F7343}" presName="childNode" presStyleLbl="node1" presStyleIdx="7" presStyleCnt="17">
+      <dgm:prSet presAssocID="{9FA53224-BBF3-44F8-95E8-09DA759F7343}" presName="childNode" presStyleLbl="node1" presStyleIdx="7" presStyleCnt="16">
         <dgm:presLayoutVars>
           <dgm:bulletEnabled val="1"/>
         </dgm:presLayoutVars>
@@ -2600,7 +2543,7 @@
       <dgm:spPr/>
     </dgm:pt>
     <dgm:pt modelId="{348A453C-9C40-45EB-8B30-E25DD442720F}" type="pres">
-      <dgm:prSet presAssocID="{97294972-52C9-4584-BB3F-15DD371C0681}" presName="childNode" presStyleLbl="node1" presStyleIdx="8" presStyleCnt="17">
+      <dgm:prSet presAssocID="{97294972-52C9-4584-BB3F-15DD371C0681}" presName="childNode" presStyleLbl="node1" presStyleIdx="8" presStyleCnt="16">
         <dgm:presLayoutVars>
           <dgm:bulletEnabled val="1"/>
         </dgm:presLayoutVars>
@@ -2612,7 +2555,7 @@
       <dgm:spPr/>
     </dgm:pt>
     <dgm:pt modelId="{A3391E2B-1BF9-4FA2-876D-E2F2E36B125E}" type="pres">
-      <dgm:prSet presAssocID="{704E2E6A-6F04-436C-A55F-2C6E8093A537}" presName="childNode" presStyleLbl="node1" presStyleIdx="9" presStyleCnt="17">
+      <dgm:prSet presAssocID="{704E2E6A-6F04-436C-A55F-2C6E8093A537}" presName="childNode" presStyleLbl="node1" presStyleIdx="9" presStyleCnt="16">
         <dgm:presLayoutVars>
           <dgm:bulletEnabled val="1"/>
         </dgm:presLayoutVars>
@@ -2624,7 +2567,7 @@
       <dgm:spPr/>
     </dgm:pt>
     <dgm:pt modelId="{09BE5ABE-B34C-4D20-97E1-E737462C57ED}" type="pres">
-      <dgm:prSet presAssocID="{5AB58081-B76C-4E21-B144-676F7178ACCA}" presName="childNode" presStyleLbl="node1" presStyleIdx="10" presStyleCnt="17">
+      <dgm:prSet presAssocID="{5AB58081-B76C-4E21-B144-676F7178ACCA}" presName="childNode" presStyleLbl="node1" presStyleIdx="10" presStyleCnt="16">
         <dgm:presLayoutVars>
           <dgm:bulletEnabled val="1"/>
         </dgm:presLayoutVars>
@@ -2635,72 +2578,16 @@
       <dgm:prSet presAssocID="{0481B58C-D648-45EA-83C2-244D62947D7D}" presName="aSpace" presStyleCnt="0"/>
       <dgm:spPr/>
     </dgm:pt>
-    <dgm:pt modelId="{A9C5745B-7D1B-46BD-9403-5385549B5F36}" type="pres">
-      <dgm:prSet presAssocID="{49DB18B6-4334-43BB-BE2C-B2C3EABF9E66}" presName="compNode" presStyleCnt="0"/>
-      <dgm:spPr/>
-    </dgm:pt>
-    <dgm:pt modelId="{893ADCDE-7C9A-4F6A-9F74-8180A511A873}" type="pres">
-      <dgm:prSet presAssocID="{49DB18B6-4334-43BB-BE2C-B2C3EABF9E66}" presName="aNode" presStyleLbl="bgShp" presStyleIdx="3" presStyleCnt="5"/>
-      <dgm:spPr/>
-    </dgm:pt>
-    <dgm:pt modelId="{48F27AF6-1155-4EE6-89F8-C29C8F987BD7}" type="pres">
-      <dgm:prSet presAssocID="{49DB18B6-4334-43BB-BE2C-B2C3EABF9E66}" presName="textNode" presStyleLbl="bgShp" presStyleIdx="3" presStyleCnt="5"/>
-      <dgm:spPr/>
-    </dgm:pt>
-    <dgm:pt modelId="{C8AC7AFF-29DA-418F-96DD-A84497D66444}" type="pres">
-      <dgm:prSet presAssocID="{49DB18B6-4334-43BB-BE2C-B2C3EABF9E66}" presName="compChildNode" presStyleCnt="0"/>
-      <dgm:spPr/>
-    </dgm:pt>
-    <dgm:pt modelId="{527B3317-7DCB-43DB-8B76-8411E3D8332C}" type="pres">
-      <dgm:prSet presAssocID="{49DB18B6-4334-43BB-BE2C-B2C3EABF9E66}" presName="theInnerList" presStyleCnt="0"/>
-      <dgm:spPr/>
-    </dgm:pt>
-    <dgm:pt modelId="{09A80809-EF96-4343-9D77-41087A1C7E34}" type="pres">
-      <dgm:prSet presAssocID="{864839B4-F4F1-4B2F-976B-8AAB25FA0091}" presName="childNode" presStyleLbl="node1" presStyleIdx="11" presStyleCnt="17">
-        <dgm:presLayoutVars>
-          <dgm:bulletEnabled val="1"/>
-        </dgm:presLayoutVars>
-      </dgm:prSet>
-      <dgm:spPr/>
-    </dgm:pt>
-    <dgm:pt modelId="{24BA2077-D8C6-4DD0-974D-80EB9A9B7024}" type="pres">
-      <dgm:prSet presAssocID="{864839B4-F4F1-4B2F-976B-8AAB25FA0091}" presName="aSpace2" presStyleCnt="0"/>
-      <dgm:spPr/>
-    </dgm:pt>
-    <dgm:pt modelId="{BC686E6D-667C-4E20-8AC1-9F6622D63C95}" type="pres">
-      <dgm:prSet presAssocID="{ED1D3F94-D1E0-40FC-BFBC-59C3DB7A8966}" presName="childNode" presStyleLbl="node1" presStyleIdx="12" presStyleCnt="17">
-        <dgm:presLayoutVars>
-          <dgm:bulletEnabled val="1"/>
-        </dgm:presLayoutVars>
-      </dgm:prSet>
-      <dgm:spPr/>
-    </dgm:pt>
-    <dgm:pt modelId="{CF88F832-8B56-4DAA-A2AB-741D1A5F53B4}" type="pres">
-      <dgm:prSet presAssocID="{ED1D3F94-D1E0-40FC-BFBC-59C3DB7A8966}" presName="aSpace2" presStyleCnt="0"/>
-      <dgm:spPr/>
-    </dgm:pt>
-    <dgm:pt modelId="{2DB58220-B4A9-441E-9D1E-338C608C52D7}" type="pres">
-      <dgm:prSet presAssocID="{07244416-E1A8-470A-ADA8-F97F9FA09692}" presName="childNode" presStyleLbl="node1" presStyleIdx="13" presStyleCnt="17">
-        <dgm:presLayoutVars>
-          <dgm:bulletEnabled val="1"/>
-        </dgm:presLayoutVars>
-      </dgm:prSet>
-      <dgm:spPr/>
-    </dgm:pt>
-    <dgm:pt modelId="{D63483FF-13B0-4E88-B700-3C26F2A86712}" type="pres">
-      <dgm:prSet presAssocID="{49DB18B6-4334-43BB-BE2C-B2C3EABF9E66}" presName="aSpace" presStyleCnt="0"/>
-      <dgm:spPr/>
-    </dgm:pt>
     <dgm:pt modelId="{A9F598B7-45D1-4D4A-B25F-20D89B1A0D2C}" type="pres">
       <dgm:prSet presAssocID="{AD61D444-9D34-4F11-8598-AE9320D6EA71}" presName="compNode" presStyleCnt="0"/>
       <dgm:spPr/>
     </dgm:pt>
     <dgm:pt modelId="{7D4EB7EB-1E00-4962-8CE9-02D3AD579119}" type="pres">
-      <dgm:prSet presAssocID="{AD61D444-9D34-4F11-8598-AE9320D6EA71}" presName="aNode" presStyleLbl="bgShp" presStyleIdx="4" presStyleCnt="5"/>
+      <dgm:prSet presAssocID="{AD61D444-9D34-4F11-8598-AE9320D6EA71}" presName="aNode" presStyleLbl="bgShp" presStyleIdx="3" presStyleCnt="4"/>
       <dgm:spPr/>
     </dgm:pt>
     <dgm:pt modelId="{C4D8A066-302E-434B-8B9B-B9D4D56D5447}" type="pres">
-      <dgm:prSet presAssocID="{AD61D444-9D34-4F11-8598-AE9320D6EA71}" presName="textNode" presStyleLbl="bgShp" presStyleIdx="4" presStyleCnt="5"/>
+      <dgm:prSet presAssocID="{AD61D444-9D34-4F11-8598-AE9320D6EA71}" presName="textNode" presStyleLbl="bgShp" presStyleIdx="3" presStyleCnt="4"/>
       <dgm:spPr/>
     </dgm:pt>
     <dgm:pt modelId="{CECFF001-BD69-4100-B535-89C3AE225558}" type="pres">
@@ -2711,8 +2598,20 @@
       <dgm:prSet presAssocID="{AD61D444-9D34-4F11-8598-AE9320D6EA71}" presName="theInnerList" presStyleCnt="0"/>
       <dgm:spPr/>
     </dgm:pt>
+    <dgm:pt modelId="{DF5B10FD-D798-4E84-A254-3D674D0995DF}" type="pres">
+      <dgm:prSet presAssocID="{273FA18C-D698-469B-8947-42094DFA8DDC}" presName="childNode" presStyleLbl="node1" presStyleIdx="11" presStyleCnt="16">
+        <dgm:presLayoutVars>
+          <dgm:bulletEnabled val="1"/>
+        </dgm:presLayoutVars>
+      </dgm:prSet>
+      <dgm:spPr/>
+    </dgm:pt>
+    <dgm:pt modelId="{0DAE8ED8-318F-4B4B-B5FC-2D0E90A23BF8}" type="pres">
+      <dgm:prSet presAssocID="{273FA18C-D698-469B-8947-42094DFA8DDC}" presName="aSpace2" presStyleCnt="0"/>
+      <dgm:spPr/>
+    </dgm:pt>
     <dgm:pt modelId="{7D7397BB-C8A1-481E-A283-9CB65EA085CB}" type="pres">
-      <dgm:prSet presAssocID="{162E0E86-33A0-411A-8E64-528CF19B7297}" presName="childNode" presStyleLbl="node1" presStyleIdx="14" presStyleCnt="17">
+      <dgm:prSet presAssocID="{162E0E86-33A0-411A-8E64-528CF19B7297}" presName="childNode" presStyleLbl="node1" presStyleIdx="12" presStyleCnt="16">
         <dgm:presLayoutVars>
           <dgm:bulletEnabled val="1"/>
         </dgm:presLayoutVars>
@@ -2724,7 +2623,7 @@
       <dgm:spPr/>
     </dgm:pt>
     <dgm:pt modelId="{9B01321E-7A2F-4E8C-A85E-43E32830F1C1}" type="pres">
-      <dgm:prSet presAssocID="{FE1E4630-79B7-477B-B274-3A73788ADD19}" presName="childNode" presStyleLbl="node1" presStyleIdx="15" presStyleCnt="17">
+      <dgm:prSet presAssocID="{FE1E4630-79B7-477B-B274-3A73788ADD19}" presName="childNode" presStyleLbl="node1" presStyleIdx="13" presStyleCnt="16">
         <dgm:presLayoutVars>
           <dgm:bulletEnabled val="1"/>
         </dgm:presLayoutVars>
@@ -2736,7 +2635,19 @@
       <dgm:spPr/>
     </dgm:pt>
     <dgm:pt modelId="{7187998F-1515-4667-828E-5581160B7D10}" type="pres">
-      <dgm:prSet presAssocID="{A6302BF3-D92F-4C05-AD00-FB13C9B36122}" presName="childNode" presStyleLbl="node1" presStyleIdx="16" presStyleCnt="17">
+      <dgm:prSet presAssocID="{A6302BF3-D92F-4C05-AD00-FB13C9B36122}" presName="childNode" presStyleLbl="node1" presStyleIdx="14" presStyleCnt="16">
+        <dgm:presLayoutVars>
+          <dgm:bulletEnabled val="1"/>
+        </dgm:presLayoutVars>
+      </dgm:prSet>
+      <dgm:spPr/>
+    </dgm:pt>
+    <dgm:pt modelId="{A22E918E-9F01-49C4-90DB-39CB55D1CFEC}" type="pres">
+      <dgm:prSet presAssocID="{A6302BF3-D92F-4C05-AD00-FB13C9B36122}" presName="aSpace2" presStyleCnt="0"/>
+      <dgm:spPr/>
+    </dgm:pt>
+    <dgm:pt modelId="{74EAB87E-A716-4A6C-AD43-BE0DA83B3776}" type="pres">
+      <dgm:prSet presAssocID="{C7047CB4-E9FB-46C7-B9E6-2376BA656DF9}" presName="childNode" presStyleLbl="node1" presStyleIdx="15" presStyleCnt="16">
         <dgm:presLayoutVars>
           <dgm:bulletEnabled val="1"/>
         </dgm:presLayoutVars>
@@ -2745,56 +2656,51 @@
     </dgm:pt>
   </dgm:ptLst>
   <dgm:cxnLst>
-    <dgm:cxn modelId="{996B5D05-B25B-4DB9-86A2-F88EB34A22D1}" type="presOf" srcId="{864839B4-F4F1-4B2F-976B-8AAB25FA0091}" destId="{09A80809-EF96-4343-9D77-41087A1C7E34}" srcOrd="0" destOrd="0" presId="urn:microsoft.com/office/officeart/2005/8/layout/lProcess2"/>
     <dgm:cxn modelId="{5881F407-D8B2-4C44-A499-C8E25A9639C5}" type="presOf" srcId="{97294972-52C9-4584-BB3F-15DD371C0681}" destId="{348A453C-9C40-45EB-8B30-E25DD442720F}" srcOrd="0" destOrd="0" presId="urn:microsoft.com/office/officeart/2005/8/layout/lProcess2"/>
     <dgm:cxn modelId="{CF49530A-D13C-4CF3-89C0-C8A6A6971669}" type="presOf" srcId="{AD1D00D0-CC87-450E-AE46-AE0BF2BE2A83}" destId="{3F028575-C012-476E-8A1F-14DFED049459}" srcOrd="0" destOrd="0" presId="urn:microsoft.com/office/officeart/2005/8/layout/lProcess2"/>
     <dgm:cxn modelId="{E8E10A0D-D20B-4A56-AC33-1CA497FD51DB}" type="presOf" srcId="{A9F25EEC-AE1A-4AA3-855D-8FAB077FDF99}" destId="{C1300048-CBBE-490D-B9A1-A90B116CAD2F}" srcOrd="0" destOrd="0" presId="urn:microsoft.com/office/officeart/2005/8/layout/lProcess2"/>
     <dgm:cxn modelId="{D99B990D-B3D7-49C6-B64B-A9635A46C16A}" type="presOf" srcId="{B62EC93E-18BC-45EA-800E-55DA74D917CE}" destId="{7BE45A5C-2995-4CF3-97BE-C3CEB30ACA2D}" srcOrd="0" destOrd="0" presId="urn:microsoft.com/office/officeart/2005/8/layout/lProcess2"/>
     <dgm:cxn modelId="{9C6C5511-A32C-4C0A-8874-C87F54390969}" type="presOf" srcId="{DB426483-7DB5-47C7-AAC2-34BDA14473E6}" destId="{7C7BA948-4D6C-4868-A093-E6A1EAC83D6D}" srcOrd="0" destOrd="0" presId="urn:microsoft.com/office/officeart/2005/8/layout/lProcess2"/>
-    <dgm:cxn modelId="{E40A8711-3E34-409C-B616-1223D4C43D97}" srcId="{AD61D444-9D34-4F11-8598-AE9320D6EA71}" destId="{162E0E86-33A0-411A-8E64-528CF19B7297}" srcOrd="0" destOrd="0" parTransId="{69194240-BA9C-463D-81B2-F125E54F3B87}" sibTransId="{8AFE7A8E-6425-4597-96AC-AF9D108BFCE4}"/>
+    <dgm:cxn modelId="{E40A8711-3E34-409C-B616-1223D4C43D97}" srcId="{AD61D444-9D34-4F11-8598-AE9320D6EA71}" destId="{162E0E86-33A0-411A-8E64-528CF19B7297}" srcOrd="1" destOrd="0" parTransId="{69194240-BA9C-463D-81B2-F125E54F3B87}" sibTransId="{8AFE7A8E-6425-4597-96AC-AF9D108BFCE4}"/>
+    <dgm:cxn modelId="{4432A311-675A-492D-829E-662CEE805C1F}" type="presOf" srcId="{FE1E4630-79B7-477B-B274-3A73788ADD19}" destId="{9B01321E-7A2F-4E8C-A85E-43E32830F1C1}" srcOrd="0" destOrd="0" presId="urn:microsoft.com/office/officeart/2005/8/layout/lProcess2"/>
     <dgm:cxn modelId="{77D78C1A-81DA-4E55-BD60-C243C719E266}" type="presOf" srcId="{8FD36E32-2E69-41F0-BAA4-5F78C511B4ED}" destId="{698FEF21-481C-446A-8E94-BE4AC54D7771}" srcOrd="1" destOrd="0" presId="urn:microsoft.com/office/officeart/2005/8/layout/lProcess2"/>
-    <dgm:cxn modelId="{AE893E1B-2112-486D-A745-18AC42930254}" srcId="{49DB18B6-4334-43BB-BE2C-B2C3EABF9E66}" destId="{ED1D3F94-D1E0-40FC-BFBC-59C3DB7A8966}" srcOrd="1" destOrd="0" parTransId="{05E904D7-D60B-4E9B-B045-C8A18A7FB5EB}" sibTransId="{AA6C53FD-A695-43FE-AE28-A179187772AE}"/>
     <dgm:cxn modelId="{8536E91B-E7B3-4DAD-87B9-D32F769DC24A}" type="presOf" srcId="{B62EC93E-18BC-45EA-800E-55DA74D917CE}" destId="{7472305A-E93A-4C0B-8B80-6C316C5477D2}" srcOrd="1" destOrd="0" presId="urn:microsoft.com/office/officeart/2005/8/layout/lProcess2"/>
     <dgm:cxn modelId="{3E38722A-0FCE-4EC6-B33A-11CA79FECF26}" type="presOf" srcId="{89B4AAD9-2D0A-4D4C-8885-A2CD90F722D5}" destId="{6FFF4494-4F93-4DE1-AFC5-D12F3BE53BA2}" srcOrd="0" destOrd="0" presId="urn:microsoft.com/office/officeart/2005/8/layout/lProcess2"/>
     <dgm:cxn modelId="{DF979431-14F6-4F13-838A-273137BD7463}" type="presOf" srcId="{07C8E766-C661-463D-9636-76092E370DE6}" destId="{84C3A6CF-7882-4415-82ED-FADAC232FE40}" srcOrd="0" destOrd="0" presId="urn:microsoft.com/office/officeart/2005/8/layout/lProcess2"/>
     <dgm:cxn modelId="{B5689536-4D0D-4CF0-9EB4-2D840ACFEE21}" type="presOf" srcId="{AD61D444-9D34-4F11-8598-AE9320D6EA71}" destId="{7D4EB7EB-1E00-4962-8CE9-02D3AD579119}" srcOrd="0" destOrd="0" presId="urn:microsoft.com/office/officeart/2005/8/layout/lProcess2"/>
     <dgm:cxn modelId="{AAA3543B-5FC5-4A10-B56D-84313A917ECC}" srcId="{8FD36E32-2E69-41F0-BAA4-5F78C511B4ED}" destId="{DB426483-7DB5-47C7-AAC2-34BDA14473E6}" srcOrd="2" destOrd="0" parTransId="{D6982C51-4DA2-43A3-BC5E-6ECFFCD4F3C9}" sibTransId="{EB11DCE2-8A8E-43F7-8D5E-B896A62A7E8D}"/>
     <dgm:cxn modelId="{9C376A5B-06F1-4A14-94AA-A6C67CCC259A}" type="presOf" srcId="{E76BA998-8AF2-4931-8C86-562F2BAC25A3}" destId="{C2967C0D-9177-4081-BE96-825E0372F8A6}" srcOrd="0" destOrd="0" presId="urn:microsoft.com/office/officeart/2005/8/layout/lProcess2"/>
-    <dgm:cxn modelId="{DF6CB15B-44C1-416D-A57B-1BC40A3E472F}" type="presOf" srcId="{07244416-E1A8-470A-ADA8-F97F9FA09692}" destId="{2DB58220-B4A9-441E-9D1E-338C608C52D7}" srcOrd="0" destOrd="0" presId="urn:microsoft.com/office/officeart/2005/8/layout/lProcess2"/>
-    <dgm:cxn modelId="{9BCE0943-E570-4D1D-A01D-4C844A30EE4F}" srcId="{49DB18B6-4334-43BB-BE2C-B2C3EABF9E66}" destId="{07244416-E1A8-470A-ADA8-F97F9FA09692}" srcOrd="2" destOrd="0" parTransId="{70796836-5DAF-4741-A0DC-687228386BE0}" sibTransId="{7E55282B-2382-4D95-A75F-8AE1FA3DC4B6}"/>
     <dgm:cxn modelId="{57735544-6FAC-4963-93CA-D877EB1BC575}" type="presOf" srcId="{0481B58C-D648-45EA-83C2-244D62947D7D}" destId="{BF0CB8F0-CCB2-473A-896F-2BC8FB829335}" srcOrd="0" destOrd="0" presId="urn:microsoft.com/office/officeart/2005/8/layout/lProcess2"/>
-    <dgm:cxn modelId="{E7A12D6B-1CD8-46D0-90E4-845434BAD71D}" type="presOf" srcId="{49DB18B6-4334-43BB-BE2C-B2C3EABF9E66}" destId="{48F27AF6-1155-4EE6-89F8-C29C8F987BD7}" srcOrd="1" destOrd="0" presId="urn:microsoft.com/office/officeart/2005/8/layout/lProcess2"/>
-    <dgm:cxn modelId="{723CF14B-EC8B-4E2E-9729-FD7F9EF737B5}" type="presOf" srcId="{A6302BF3-D92F-4C05-AD00-FB13C9B36122}" destId="{7187998F-1515-4667-828E-5581160B7D10}" srcOrd="0" destOrd="0" presId="urn:microsoft.com/office/officeart/2005/8/layout/lProcess2"/>
+    <dgm:cxn modelId="{A8F61A69-0523-48E9-AB0F-7766F834C703}" type="presOf" srcId="{C7047CB4-E9FB-46C7-B9E6-2376BA656DF9}" destId="{74EAB87E-A716-4A6C-AD43-BE0DA83B3776}" srcOrd="0" destOrd="0" presId="urn:microsoft.com/office/officeart/2005/8/layout/lProcess2"/>
     <dgm:cxn modelId="{9CB32E70-EAC8-4E2A-A68E-DE95D427EEDB}" type="presOf" srcId="{8FD36E32-2E69-41F0-BAA4-5F78C511B4ED}" destId="{48969356-AE7E-48C7-88E1-F2D0710EC79C}" srcOrd="0" destOrd="0" presId="urn:microsoft.com/office/officeart/2005/8/layout/lProcess2"/>
     <dgm:cxn modelId="{FE3C6552-6EE7-4FD5-847B-0AF8E0DBDA9D}" type="presOf" srcId="{A1EB7C45-CC37-4FC3-AB0C-928B06A5B403}" destId="{8CABBB4F-8805-43AD-86AA-2B2C4FF03695}" srcOrd="0" destOrd="0" presId="urn:microsoft.com/office/officeart/2005/8/layout/lProcess2"/>
     <dgm:cxn modelId="{3CBE8B7A-021D-4CC7-8AF3-179E3A8B9B6D}" type="presOf" srcId="{5AB58081-B76C-4E21-B144-676F7178ACCA}" destId="{09BE5ABE-B34C-4D20-97E1-E737462C57ED}" srcOrd="0" destOrd="0" presId="urn:microsoft.com/office/officeart/2005/8/layout/lProcess2"/>
     <dgm:cxn modelId="{46153C80-1CA1-4C70-8862-679D43311C67}" srcId="{B62EC93E-18BC-45EA-800E-55DA74D917CE}" destId="{E76BA998-8AF2-4931-8C86-562F2BAC25A3}" srcOrd="2" destOrd="0" parTransId="{1F55FB72-EAF8-49A6-A5E3-654AEFEB90C4}" sibTransId="{B2C98FFD-2877-4C76-AA7C-FE7BFECAC8B5}"/>
     <dgm:cxn modelId="{94167785-DFF3-473D-8348-CD1A435139B8}" srcId="{B62EC93E-18BC-45EA-800E-55DA74D917CE}" destId="{07C8E766-C661-463D-9636-76092E370DE6}" srcOrd="1" destOrd="0" parTransId="{7D8CE502-43F1-448E-9662-22723B409840}" sibTransId="{DB59BDE9-DACF-4AEB-AD66-035C3276B6BE}"/>
-    <dgm:cxn modelId="{60F4E886-0D96-4B17-B3FB-ADF58E6B8CA2}" srcId="{AD61D444-9D34-4F11-8598-AE9320D6EA71}" destId="{FE1E4630-79B7-477B-B274-3A73788ADD19}" srcOrd="1" destOrd="0" parTransId="{9A1F184C-72B7-4E3F-960F-9C7F81729566}" sibTransId="{E48254FB-5EC8-49A3-B184-B976AC80C38D}"/>
+    <dgm:cxn modelId="{60F4E886-0D96-4B17-B3FB-ADF58E6B8CA2}" srcId="{AD61D444-9D34-4F11-8598-AE9320D6EA71}" destId="{FE1E4630-79B7-477B-B274-3A73788ADD19}" srcOrd="2" destOrd="0" parTransId="{9A1F184C-72B7-4E3F-960F-9C7F81729566}" sibTransId="{E48254FB-5EC8-49A3-B184-B976AC80C38D}"/>
     <dgm:cxn modelId="{1884E08B-924A-47AF-B6A9-7649C82E7C72}" type="presOf" srcId="{11B89C84-43AA-4705-85FB-CAE4422A9DB3}" destId="{945E3236-03BF-43EB-9C68-D6AA80704045}" srcOrd="0" destOrd="0" presId="urn:microsoft.com/office/officeart/2005/8/layout/lProcess2"/>
     <dgm:cxn modelId="{7DC25E8C-D1E8-4F15-8C32-E37543E4DD07}" srcId="{0481B58C-D648-45EA-83C2-244D62947D7D}" destId="{9FA53224-BBF3-44F8-95E8-09DA759F7343}" srcOrd="0" destOrd="0" parTransId="{FB04697F-546D-4FC5-96AE-05801D5CD746}" sibTransId="{55549D9B-AF93-4029-9A61-4CA11166B448}"/>
     <dgm:cxn modelId="{24017197-232B-4A2F-B476-A6AB18C2120D}" srcId="{B62EC93E-18BC-45EA-800E-55DA74D917CE}" destId="{A9F25EEC-AE1A-4AA3-855D-8FAB077FDF99}" srcOrd="3" destOrd="0" parTransId="{6999AC07-F581-4059-BFE8-52CAEFC62CFC}" sibTransId="{D64E1DC3-F2D5-4988-B866-A083A55483F9}"/>
+    <dgm:cxn modelId="{7433B89C-3EF0-44F0-9521-2D5E30272D2C}" srcId="{AD61D444-9D34-4F11-8598-AE9320D6EA71}" destId="{273FA18C-D698-469B-8947-42094DFA8DDC}" srcOrd="0" destOrd="0" parTransId="{A97F2217-8C17-48AB-B44F-8E0CCC1DF9F0}" sibTransId="{060C4710-690B-4984-B3F7-BC2DDB01F92B}"/>
     <dgm:cxn modelId="{C712549E-8CD6-49D9-B077-23C8490862F6}" srcId="{8FD36E32-2E69-41F0-BAA4-5F78C511B4ED}" destId="{89B4AAD9-2D0A-4D4C-8885-A2CD90F722D5}" srcOrd="0" destOrd="0" parTransId="{53BD62A5-9536-410E-A1BC-4F838774096B}" sibTransId="{95D88377-C724-40B7-A9C4-986DA2D60096}"/>
-    <dgm:cxn modelId="{A8A422A7-56EE-4AE7-A69B-11BFCCC4CE14}" type="presOf" srcId="{162E0E86-33A0-411A-8E64-528CF19B7297}" destId="{7D7397BB-C8A1-481E-A283-9CB65EA085CB}" srcOrd="0" destOrd="0" presId="urn:microsoft.com/office/officeart/2005/8/layout/lProcess2"/>
+    <dgm:cxn modelId="{487A969E-76D9-43AC-B3A3-6173B1E9A056}" type="presOf" srcId="{162E0E86-33A0-411A-8E64-528CF19B7297}" destId="{7D7397BB-C8A1-481E-A283-9CB65EA085CB}" srcOrd="0" destOrd="0" presId="urn:microsoft.com/office/officeart/2005/8/layout/lProcess2"/>
     <dgm:cxn modelId="{B21328AA-57D1-4FB5-B44D-15B24A2B238A}" srcId="{B62EC93E-18BC-45EA-800E-55DA74D917CE}" destId="{11B89C84-43AA-4705-85FB-CAE4422A9DB3}" srcOrd="0" destOrd="0" parTransId="{5931052D-B7A6-42AE-A679-21453667DEB3}" sibTransId="{2601C6B8-1B2F-4BAD-9AF4-F1C4BDB57E42}"/>
-    <dgm:cxn modelId="{50D44EAD-2A48-4508-BEF3-920A772C2A39}" srcId="{AD1D00D0-CC87-450E-AE46-AE0BF2BE2A83}" destId="{49DB18B6-4334-43BB-BE2C-B2C3EABF9E66}" srcOrd="3" destOrd="0" parTransId="{E47B1548-2CAE-489C-898C-49993E00008F}" sibTransId="{22443177-354A-4F44-95A7-B6028AEDDE74}"/>
     <dgm:cxn modelId="{1B7AE5B7-24FF-45C1-A879-95E58F3DF210}" type="presOf" srcId="{704E2E6A-6F04-436C-A55F-2C6E8093A537}" destId="{A3391E2B-1BF9-4FA2-876D-E2F2E36B125E}" srcOrd="0" destOrd="0" presId="urn:microsoft.com/office/officeart/2005/8/layout/lProcess2"/>
     <dgm:cxn modelId="{F29BA7B8-26CB-4236-8BDB-616B8CEF50B4}" srcId="{8FD36E32-2E69-41F0-BAA4-5F78C511B4ED}" destId="{A1EB7C45-CC37-4FC3-AB0C-928B06A5B403}" srcOrd="1" destOrd="0" parTransId="{E358ACE1-E829-4218-8064-AB167AAB5B0D}" sibTransId="{4090BC3D-852F-4596-8A5F-5EF203F1DB3B}"/>
     <dgm:cxn modelId="{1AEFBBB9-C65A-44FA-8E7F-C6197B674238}" type="presOf" srcId="{0481B58C-D648-45EA-83C2-244D62947D7D}" destId="{5F469DC3-84F6-4F25-A4BC-B51CE6D03E29}" srcOrd="1" destOrd="0" presId="urn:microsoft.com/office/officeart/2005/8/layout/lProcess2"/>
+    <dgm:cxn modelId="{E728F7B9-AD23-4617-9C01-87B7F23166F7}" type="presOf" srcId="{A6302BF3-D92F-4C05-AD00-FB13C9B36122}" destId="{7187998F-1515-4667-828E-5581160B7D10}" srcOrd="0" destOrd="0" presId="urn:microsoft.com/office/officeart/2005/8/layout/lProcess2"/>
     <dgm:cxn modelId="{44A7CABC-9733-48C8-832F-730DDD82FA3C}" srcId="{AD1D00D0-CC87-450E-AE46-AE0BF2BE2A83}" destId="{B62EC93E-18BC-45EA-800E-55DA74D917CE}" srcOrd="0" destOrd="0" parTransId="{B725B058-AAEE-4B19-8746-5537977B78F8}" sibTransId="{E915D8C9-D8CD-4D5B-853A-7F01D4DC486F}"/>
-    <dgm:cxn modelId="{064B7FC4-93C9-49FA-96F9-4A7573F9BE16}" type="presOf" srcId="{FE1E4630-79B7-477B-B274-3A73788ADD19}" destId="{9B01321E-7A2F-4E8C-A85E-43E32830F1C1}" srcOrd="0" destOrd="0" presId="urn:microsoft.com/office/officeart/2005/8/layout/lProcess2"/>
     <dgm:cxn modelId="{C34973C8-F0F0-4B64-A7E4-4B71EB0D297E}" srcId="{0481B58C-D648-45EA-83C2-244D62947D7D}" destId="{704E2E6A-6F04-436C-A55F-2C6E8093A537}" srcOrd="2" destOrd="0" parTransId="{3197378D-60B0-40D8-81C4-A689BEFC7FDC}" sibTransId="{CD42CD41-0A52-4A68-973A-485DB85676F5}"/>
     <dgm:cxn modelId="{DB3D95CA-2A36-4A0C-970F-13CC864B59FA}" type="presOf" srcId="{AD61D444-9D34-4F11-8598-AE9320D6EA71}" destId="{C4D8A066-302E-434B-8B9B-B9D4D56D5447}" srcOrd="1" destOrd="0" presId="urn:microsoft.com/office/officeart/2005/8/layout/lProcess2"/>
     <dgm:cxn modelId="{6F9447CE-8DCA-476E-B041-E9CE61180497}" srcId="{0481B58C-D648-45EA-83C2-244D62947D7D}" destId="{97294972-52C9-4584-BB3F-15DD371C0681}" srcOrd="1" destOrd="0" parTransId="{B9C3C4DA-DB2B-4232-99D4-813631AA6D04}" sibTransId="{25D27EEA-4963-44D7-BBF5-0E38D58E9BAB}"/>
     <dgm:cxn modelId="{5E6982CE-BE16-4A54-909E-1422CF01B5D4}" srcId="{AD1D00D0-CC87-450E-AE46-AE0BF2BE2A83}" destId="{8FD36E32-2E69-41F0-BAA4-5F78C511B4ED}" srcOrd="1" destOrd="0" parTransId="{808A6657-287A-4C32-8D4C-A4142E862416}" sibTransId="{B0BAC92F-ACA0-41CE-AF86-E0E8E92DB668}"/>
     <dgm:cxn modelId="{26F92CD7-D82E-443D-B9FD-3E99827EBAF7}" type="presOf" srcId="{9FA53224-BBF3-44F8-95E8-09DA759F7343}" destId="{37A0FEA3-01F8-4A5D-BE6B-D06CF7B60D92}" srcOrd="0" destOrd="0" presId="urn:microsoft.com/office/officeart/2005/8/layout/lProcess2"/>
-    <dgm:cxn modelId="{00B0E3E1-6042-4DCE-8B76-030A75348ED3}" srcId="{AD61D444-9D34-4F11-8598-AE9320D6EA71}" destId="{A6302BF3-D92F-4C05-AD00-FB13C9B36122}" srcOrd="2" destOrd="0" parTransId="{1EF28F67-1B78-41C3-875C-83B57F2411AA}" sibTransId="{9CBD55C2-7E0D-49A0-AFD6-A888F629D400}"/>
-    <dgm:cxn modelId="{F4A362E2-379F-4391-9E39-ABC397D16F38}" srcId="{AD1D00D0-CC87-450E-AE46-AE0BF2BE2A83}" destId="{AD61D444-9D34-4F11-8598-AE9320D6EA71}" srcOrd="4" destOrd="0" parTransId="{533D35A4-33A9-4FEC-BAC4-1BC703AF846F}" sibTransId="{010F6C32-8C86-4857-8045-3F2084385F25}"/>
+    <dgm:cxn modelId="{15BF8FDE-A75B-4AA0-A262-5DB67E46C00B}" srcId="{AD61D444-9D34-4F11-8598-AE9320D6EA71}" destId="{C7047CB4-E9FB-46C7-B9E6-2376BA656DF9}" srcOrd="4" destOrd="0" parTransId="{2728197C-1110-4EB0-A2EC-1CE289B36A60}" sibTransId="{EA645F52-9509-402E-8D25-7BBEE2F64893}"/>
+    <dgm:cxn modelId="{00B0E3E1-6042-4DCE-8B76-030A75348ED3}" srcId="{AD61D444-9D34-4F11-8598-AE9320D6EA71}" destId="{A6302BF3-D92F-4C05-AD00-FB13C9B36122}" srcOrd="3" destOrd="0" parTransId="{1EF28F67-1B78-41C3-875C-83B57F2411AA}" sibTransId="{9CBD55C2-7E0D-49A0-AFD6-A888F629D400}"/>
+    <dgm:cxn modelId="{F4A362E2-379F-4391-9E39-ABC397D16F38}" srcId="{AD1D00D0-CC87-450E-AE46-AE0BF2BE2A83}" destId="{AD61D444-9D34-4F11-8598-AE9320D6EA71}" srcOrd="3" destOrd="0" parTransId="{533D35A4-33A9-4FEC-BAC4-1BC703AF846F}" sibTransId="{010F6C32-8C86-4857-8045-3F2084385F25}"/>
     <dgm:cxn modelId="{280E84E6-E80E-4330-8423-E0BB45E2DE24}" srcId="{AD1D00D0-CC87-450E-AE46-AE0BF2BE2A83}" destId="{0481B58C-D648-45EA-83C2-244D62947D7D}" srcOrd="2" destOrd="0" parTransId="{23810220-DB6A-4D58-973A-7F3C7B31FCBB}" sibTransId="{F12D8B31-1E31-4A42-8B16-08A54D44C969}"/>
-    <dgm:cxn modelId="{8CF89FEC-0CD1-4DD6-AE2C-F636F5214CC2}" type="presOf" srcId="{ED1D3F94-D1E0-40FC-BFBC-59C3DB7A8966}" destId="{BC686E6D-667C-4E20-8AC1-9F6622D63C95}" srcOrd="0" destOrd="0" presId="urn:microsoft.com/office/officeart/2005/8/layout/lProcess2"/>
-    <dgm:cxn modelId="{EF62E3F7-1D89-442A-A5A6-410D45977E01}" srcId="{49DB18B6-4334-43BB-BE2C-B2C3EABF9E66}" destId="{864839B4-F4F1-4B2F-976B-8AAB25FA0091}" srcOrd="0" destOrd="0" parTransId="{922783A8-019C-407A-A0A8-DF9214973CBE}" sibTransId="{F1ABD757-CBF4-4E56-BC89-263EDE8953A0}"/>
+    <dgm:cxn modelId="{9B27A7E8-E01B-43D0-A6C6-BD5E177514AC}" type="presOf" srcId="{273FA18C-D698-469B-8947-42094DFA8DDC}" destId="{DF5B10FD-D798-4E84-A254-3D674D0995DF}" srcOrd="0" destOrd="0" presId="urn:microsoft.com/office/officeart/2005/8/layout/lProcess2"/>
     <dgm:cxn modelId="{F52538F9-5E3A-436E-9353-7CEC77F6FCBF}" srcId="{0481B58C-D648-45EA-83C2-244D62947D7D}" destId="{5AB58081-B76C-4E21-B144-676F7178ACCA}" srcOrd="3" destOrd="0" parTransId="{F529E602-37BF-4524-AD2E-AB43D78E1286}" sibTransId="{D5FC4089-AB81-496F-A523-071E8FEAE7D7}"/>
-    <dgm:cxn modelId="{3A98A5FB-32FC-4B63-8E59-3D0BA168841D}" type="presOf" srcId="{49DB18B6-4334-43BB-BE2C-B2C3EABF9E66}" destId="{893ADCDE-7C9A-4F6A-9F74-8180A511A873}" srcOrd="0" destOrd="0" presId="urn:microsoft.com/office/officeart/2005/8/layout/lProcess2"/>
     <dgm:cxn modelId="{945C41DD-4E72-4482-9763-DD61027F8EF7}" type="presParOf" srcId="{3F028575-C012-476E-8A1F-14DFED049459}" destId="{C2D47B95-D5A3-4499-B059-94DDDF32B386}" srcOrd="0" destOrd="0" presId="urn:microsoft.com/office/officeart/2005/8/layout/lProcess2"/>
     <dgm:cxn modelId="{69B87220-1C1B-4B8F-B8DA-1E562CEDBF06}" type="presParOf" srcId="{C2D47B95-D5A3-4499-B059-94DDDF32B386}" destId="{7BE45A5C-2995-4CF3-97BE-C3CEB30ACA2D}" srcOrd="0" destOrd="0" presId="urn:microsoft.com/office/officeart/2005/8/layout/lProcess2"/>
     <dgm:cxn modelId="{44B03363-B492-4BDB-8FD8-315CE7A3E7D0}" type="presParOf" srcId="{C2D47B95-D5A3-4499-B059-94DDDF32B386}" destId="{7472305A-E93A-4C0B-8B80-6C316C5477D2}" srcOrd="1" destOrd="0" presId="urn:microsoft.com/office/officeart/2005/8/layout/lProcess2"/>
@@ -2832,33 +2738,26 @@
     <dgm:cxn modelId="{8E05F6CF-AFBC-4FAC-8FF7-0127D49060FD}" type="presParOf" srcId="{A202FD24-2743-4D70-B0A5-0F33DC525075}" destId="{E2752D9B-8862-4B76-818E-522250047115}" srcOrd="5" destOrd="0" presId="urn:microsoft.com/office/officeart/2005/8/layout/lProcess2"/>
     <dgm:cxn modelId="{67060743-2F8D-4319-AE9A-8BAD2FC95D4A}" type="presParOf" srcId="{A202FD24-2743-4D70-B0A5-0F33DC525075}" destId="{09BE5ABE-B34C-4D20-97E1-E737462C57ED}" srcOrd="6" destOrd="0" presId="urn:microsoft.com/office/officeart/2005/8/layout/lProcess2"/>
     <dgm:cxn modelId="{824B7796-EA90-4BFF-8251-E38BCCDD5525}" type="presParOf" srcId="{3F028575-C012-476E-8A1F-14DFED049459}" destId="{E4C4E828-97F7-401A-BB92-48CADC80B9AC}" srcOrd="5" destOrd="0" presId="urn:microsoft.com/office/officeart/2005/8/layout/lProcess2"/>
-    <dgm:cxn modelId="{0D3C8F76-2BCD-4579-9B71-4A95915EBC1A}" type="presParOf" srcId="{3F028575-C012-476E-8A1F-14DFED049459}" destId="{A9C5745B-7D1B-46BD-9403-5385549B5F36}" srcOrd="6" destOrd="0" presId="urn:microsoft.com/office/officeart/2005/8/layout/lProcess2"/>
-    <dgm:cxn modelId="{0B5781CF-804C-447D-A2FA-3A41EE31AFA0}" type="presParOf" srcId="{A9C5745B-7D1B-46BD-9403-5385549B5F36}" destId="{893ADCDE-7C9A-4F6A-9F74-8180A511A873}" srcOrd="0" destOrd="0" presId="urn:microsoft.com/office/officeart/2005/8/layout/lProcess2"/>
-    <dgm:cxn modelId="{D4A240A8-5311-41D5-AD8A-695ECCE74B38}" type="presParOf" srcId="{A9C5745B-7D1B-46BD-9403-5385549B5F36}" destId="{48F27AF6-1155-4EE6-89F8-C29C8F987BD7}" srcOrd="1" destOrd="0" presId="urn:microsoft.com/office/officeart/2005/8/layout/lProcess2"/>
-    <dgm:cxn modelId="{5CDD75F2-AEA8-4601-8839-60206CCABA1B}" type="presParOf" srcId="{A9C5745B-7D1B-46BD-9403-5385549B5F36}" destId="{C8AC7AFF-29DA-418F-96DD-A84497D66444}" srcOrd="2" destOrd="0" presId="urn:microsoft.com/office/officeart/2005/8/layout/lProcess2"/>
-    <dgm:cxn modelId="{DB13C4F0-BDBE-46E3-A561-2EF213CB679B}" type="presParOf" srcId="{C8AC7AFF-29DA-418F-96DD-A84497D66444}" destId="{527B3317-7DCB-43DB-8B76-8411E3D8332C}" srcOrd="0" destOrd="0" presId="urn:microsoft.com/office/officeart/2005/8/layout/lProcess2"/>
-    <dgm:cxn modelId="{3D1A8047-6D11-46B6-B6CB-9525034F54D2}" type="presParOf" srcId="{527B3317-7DCB-43DB-8B76-8411E3D8332C}" destId="{09A80809-EF96-4343-9D77-41087A1C7E34}" srcOrd="0" destOrd="0" presId="urn:microsoft.com/office/officeart/2005/8/layout/lProcess2"/>
-    <dgm:cxn modelId="{DFB6F0AE-562F-4693-ABFB-AF62D0ABDCC5}" type="presParOf" srcId="{527B3317-7DCB-43DB-8B76-8411E3D8332C}" destId="{24BA2077-D8C6-4DD0-974D-80EB9A9B7024}" srcOrd="1" destOrd="0" presId="urn:microsoft.com/office/officeart/2005/8/layout/lProcess2"/>
-    <dgm:cxn modelId="{604689CF-9E3D-46BE-AE96-90A0158AC2B1}" type="presParOf" srcId="{527B3317-7DCB-43DB-8B76-8411E3D8332C}" destId="{BC686E6D-667C-4E20-8AC1-9F6622D63C95}" srcOrd="2" destOrd="0" presId="urn:microsoft.com/office/officeart/2005/8/layout/lProcess2"/>
-    <dgm:cxn modelId="{C736A609-FF5F-4F3A-9722-D80EACDA466B}" type="presParOf" srcId="{527B3317-7DCB-43DB-8B76-8411E3D8332C}" destId="{CF88F832-8B56-4DAA-A2AB-741D1A5F53B4}" srcOrd="3" destOrd="0" presId="urn:microsoft.com/office/officeart/2005/8/layout/lProcess2"/>
-    <dgm:cxn modelId="{AE383C6C-2981-4961-89BA-465839DFC713}" type="presParOf" srcId="{527B3317-7DCB-43DB-8B76-8411E3D8332C}" destId="{2DB58220-B4A9-441E-9D1E-338C608C52D7}" srcOrd="4" destOrd="0" presId="urn:microsoft.com/office/officeart/2005/8/layout/lProcess2"/>
-    <dgm:cxn modelId="{CB93536F-E2F4-4388-9BBD-1FB0215F2144}" type="presParOf" srcId="{3F028575-C012-476E-8A1F-14DFED049459}" destId="{D63483FF-13B0-4E88-B700-3C26F2A86712}" srcOrd="7" destOrd="0" presId="urn:microsoft.com/office/officeart/2005/8/layout/lProcess2"/>
-    <dgm:cxn modelId="{76089B4F-7C81-441D-8BA5-C51D5AE4DAE5}" type="presParOf" srcId="{3F028575-C012-476E-8A1F-14DFED049459}" destId="{A9F598B7-45D1-4D4A-B25F-20D89B1A0D2C}" srcOrd="8" destOrd="0" presId="urn:microsoft.com/office/officeart/2005/8/layout/lProcess2"/>
+    <dgm:cxn modelId="{76089B4F-7C81-441D-8BA5-C51D5AE4DAE5}" type="presParOf" srcId="{3F028575-C012-476E-8A1F-14DFED049459}" destId="{A9F598B7-45D1-4D4A-B25F-20D89B1A0D2C}" srcOrd="6" destOrd="0" presId="urn:microsoft.com/office/officeart/2005/8/layout/lProcess2"/>
     <dgm:cxn modelId="{B83D2F41-AC86-498C-B220-BBE8611C51DF}" type="presParOf" srcId="{A9F598B7-45D1-4D4A-B25F-20D89B1A0D2C}" destId="{7D4EB7EB-1E00-4962-8CE9-02D3AD579119}" srcOrd="0" destOrd="0" presId="urn:microsoft.com/office/officeart/2005/8/layout/lProcess2"/>
     <dgm:cxn modelId="{A786AD2B-DD43-4DBC-B077-D0FFF1F20A14}" type="presParOf" srcId="{A9F598B7-45D1-4D4A-B25F-20D89B1A0D2C}" destId="{C4D8A066-302E-434B-8B9B-B9D4D56D5447}" srcOrd="1" destOrd="0" presId="urn:microsoft.com/office/officeart/2005/8/layout/lProcess2"/>
     <dgm:cxn modelId="{8887B256-44AC-424F-A723-94137DC261C3}" type="presParOf" srcId="{A9F598B7-45D1-4D4A-B25F-20D89B1A0D2C}" destId="{CECFF001-BD69-4100-B535-89C3AE225558}" srcOrd="2" destOrd="0" presId="urn:microsoft.com/office/officeart/2005/8/layout/lProcess2"/>
     <dgm:cxn modelId="{29C2BE77-E00E-4D91-9BC8-0F561A15DF38}" type="presParOf" srcId="{CECFF001-BD69-4100-B535-89C3AE225558}" destId="{FDC5E7C4-50CC-4B8D-A9AA-674C9159A62C}" srcOrd="0" destOrd="0" presId="urn:microsoft.com/office/officeart/2005/8/layout/lProcess2"/>
-    <dgm:cxn modelId="{150020DA-2C90-4D45-9982-951AD440178D}" type="presParOf" srcId="{FDC5E7C4-50CC-4B8D-A9AA-674C9159A62C}" destId="{7D7397BB-C8A1-481E-A283-9CB65EA085CB}" srcOrd="0" destOrd="0" presId="urn:microsoft.com/office/officeart/2005/8/layout/lProcess2"/>
-    <dgm:cxn modelId="{30C68AA7-5BE7-4AE9-A204-710F3C314D0C}" type="presParOf" srcId="{FDC5E7C4-50CC-4B8D-A9AA-674C9159A62C}" destId="{78E3298C-96C5-4D55-9C06-F1986347A435}" srcOrd="1" destOrd="0" presId="urn:microsoft.com/office/officeart/2005/8/layout/lProcess2"/>
-    <dgm:cxn modelId="{5EB3493D-7BA5-41CF-A524-BE7DC30F83D7}" type="presParOf" srcId="{FDC5E7C4-50CC-4B8D-A9AA-674C9159A62C}" destId="{9B01321E-7A2F-4E8C-A85E-43E32830F1C1}" srcOrd="2" destOrd="0" presId="urn:microsoft.com/office/officeart/2005/8/layout/lProcess2"/>
-    <dgm:cxn modelId="{C67E68A5-3A57-4DAC-83DF-D6293A5DDF52}" type="presParOf" srcId="{FDC5E7C4-50CC-4B8D-A9AA-674C9159A62C}" destId="{68A7E233-34BB-4CD5-8B93-02C21683A3E6}" srcOrd="3" destOrd="0" presId="urn:microsoft.com/office/officeart/2005/8/layout/lProcess2"/>
-    <dgm:cxn modelId="{180F7FD7-9BC3-4C87-B834-D85538016E53}" type="presParOf" srcId="{FDC5E7C4-50CC-4B8D-A9AA-674C9159A62C}" destId="{7187998F-1515-4667-828E-5581160B7D10}" srcOrd="4" destOrd="0" presId="urn:microsoft.com/office/officeart/2005/8/layout/lProcess2"/>
+    <dgm:cxn modelId="{307E9B70-A170-4C68-A7B8-0D71A9B85F95}" type="presParOf" srcId="{FDC5E7C4-50CC-4B8D-A9AA-674C9159A62C}" destId="{DF5B10FD-D798-4E84-A254-3D674D0995DF}" srcOrd="0" destOrd="0" presId="urn:microsoft.com/office/officeart/2005/8/layout/lProcess2"/>
+    <dgm:cxn modelId="{BCF32750-C002-4BC3-B092-8DCD82BCE18E}" type="presParOf" srcId="{FDC5E7C4-50CC-4B8D-A9AA-674C9159A62C}" destId="{0DAE8ED8-318F-4B4B-B5FC-2D0E90A23BF8}" srcOrd="1" destOrd="0" presId="urn:microsoft.com/office/officeart/2005/8/layout/lProcess2"/>
+    <dgm:cxn modelId="{EA3B0E34-90FF-469D-A1C1-076535EFCAAA}" type="presParOf" srcId="{FDC5E7C4-50CC-4B8D-A9AA-674C9159A62C}" destId="{7D7397BB-C8A1-481E-A283-9CB65EA085CB}" srcOrd="2" destOrd="0" presId="urn:microsoft.com/office/officeart/2005/8/layout/lProcess2"/>
+    <dgm:cxn modelId="{9437AFAB-F278-468D-8732-555744AEAD1B}" type="presParOf" srcId="{FDC5E7C4-50CC-4B8D-A9AA-674C9159A62C}" destId="{78E3298C-96C5-4D55-9C06-F1986347A435}" srcOrd="3" destOrd="0" presId="urn:microsoft.com/office/officeart/2005/8/layout/lProcess2"/>
+    <dgm:cxn modelId="{F3113A13-F76B-4997-80A2-F29FEA11094E}" type="presParOf" srcId="{FDC5E7C4-50CC-4B8D-A9AA-674C9159A62C}" destId="{9B01321E-7A2F-4E8C-A85E-43E32830F1C1}" srcOrd="4" destOrd="0" presId="urn:microsoft.com/office/officeart/2005/8/layout/lProcess2"/>
+    <dgm:cxn modelId="{A131B93A-2179-458D-8653-77CBC4FCF87E}" type="presParOf" srcId="{FDC5E7C4-50CC-4B8D-A9AA-674C9159A62C}" destId="{68A7E233-34BB-4CD5-8B93-02C21683A3E6}" srcOrd="5" destOrd="0" presId="urn:microsoft.com/office/officeart/2005/8/layout/lProcess2"/>
+    <dgm:cxn modelId="{A21145E7-CEA6-4BFA-944E-5071DCD2D053}" type="presParOf" srcId="{FDC5E7C4-50CC-4B8D-A9AA-674C9159A62C}" destId="{7187998F-1515-4667-828E-5581160B7D10}" srcOrd="6" destOrd="0" presId="urn:microsoft.com/office/officeart/2005/8/layout/lProcess2"/>
+    <dgm:cxn modelId="{C08D3FB2-70D8-4BD8-8431-9C0B2954660C}" type="presParOf" srcId="{FDC5E7C4-50CC-4B8D-A9AA-674C9159A62C}" destId="{A22E918E-9F01-49C4-90DB-39CB55D1CFEC}" srcOrd="7" destOrd="0" presId="urn:microsoft.com/office/officeart/2005/8/layout/lProcess2"/>
+    <dgm:cxn modelId="{1A25FEA0-1B64-4E1F-B5BB-DB2148E82E00}" type="presParOf" srcId="{FDC5E7C4-50CC-4B8D-A9AA-674C9159A62C}" destId="{74EAB87E-A716-4A6C-AD43-BE0DA83B3776}" srcOrd="8" destOrd="0" presId="urn:microsoft.com/office/officeart/2005/8/layout/lProcess2"/>
   </dgm:cxnLst>
   <dgm:bg/>
   <dgm:whole/>
   <dgm:extLst>
     <a:ext uri="http://schemas.microsoft.com/office/drawing/2008/diagram">
-      <dsp:dataModelExt xmlns:dsp="http://schemas.microsoft.com/office/drawing/2008/diagram" relId="rId6" minVer="http://schemas.openxmlformats.org/drawingml/2006/diagram"/>
+      <dsp:dataModelExt xmlns:dsp="http://schemas.microsoft.com/office/drawing/2008/diagram" relId="rId7" minVer="http://schemas.openxmlformats.org/drawingml/2006/diagram"/>
     </a:ext>
   </dgm:extLst>
 </dgm:dataModel>
@@ -2886,13 +2785,10 @@
         <a:lstStyle/>
         <a:p>
           <a:r>
-            <a:rPr lang="ru-RU" dirty="0"/>
-            <a:t>Шаблон микросервиса</a:t>
+            <a:rPr lang="en-US" b="0" i="0" dirty="0" err="1"/>
+            <a:t>TemplateMicroserviceVS</a:t>
           </a:r>
-          <a:r>
-            <a:rPr lang="en-US" dirty="0"/>
-            <a:t> 1</a:t>
-          </a:r>
+          <a:endParaRPr lang="en-US" dirty="0"/>
         </a:p>
       </dgm:t>
     </dgm:pt>
@@ -2926,8 +2822,8 @@
         <a:lstStyle/>
         <a:p>
           <a:r>
-            <a:rPr lang="ru-RU" dirty="0"/>
-            <a:t>Шаблон микросервиса 2</a:t>
+            <a:rPr lang="en-US" b="0" i="0" dirty="0" err="1"/>
+            <a:t>TemplateMicroserviceModuleVS</a:t>
           </a:r>
           <a:endParaRPr lang="en-US" dirty="0"/>
         </a:p>
@@ -3299,7 +3195,7 @@
   <dgm:whole/>
   <dgm:extLst>
     <a:ext uri="http://schemas.microsoft.com/office/drawing/2008/diagram">
-      <dsp:dataModelExt xmlns:dsp="http://schemas.microsoft.com/office/drawing/2008/diagram" relId="rId6" minVer="http://schemas.openxmlformats.org/drawingml/2006/diagram"/>
+      <dsp:dataModelExt xmlns:dsp="http://schemas.microsoft.com/office/drawing/2008/diagram" relId="rId7" minVer="http://schemas.openxmlformats.org/drawingml/2006/diagram"/>
     </a:ext>
   </dgm:extLst>
 </dgm:dataModel>
@@ -3320,8 +3216,8 @@
       </dsp:nvSpPr>
       <dsp:spPr>
         <a:xfrm>
-          <a:off x="5163" y="0"/>
-          <a:ext cx="1811994" cy="3598863"/>
+          <a:off x="2317" y="0"/>
+          <a:ext cx="2274382" cy="3598863"/>
         </a:xfrm>
         <a:prstGeom prst="roundRect">
           <a:avLst>
@@ -3355,12 +3251,12 @@
         <a:fontRef idx="minor"/>
       </dsp:style>
       <dsp:txBody>
-        <a:bodyPr spcFirstLastPara="0" vert="horz" wrap="square" lIns="76200" tIns="76200" rIns="76200" bIns="76200" numCol="1" spcCol="1270" anchor="ctr" anchorCtr="0">
+        <a:bodyPr spcFirstLastPara="0" vert="horz" wrap="square" lIns="83820" tIns="83820" rIns="83820" bIns="83820" numCol="1" spcCol="1270" anchor="ctr" anchorCtr="0">
           <a:noAutofit/>
         </a:bodyPr>
         <a:lstStyle/>
         <a:p>
-          <a:pPr marL="0" lvl="0" indent="0" algn="ctr" defTabSz="889000">
+          <a:pPr marL="0" lvl="0" indent="0" algn="ctr" defTabSz="977900">
             <a:lnSpc>
               <a:spcPct val="90000"/>
             </a:lnSpc>
@@ -3373,15 +3269,15 @@
             <a:buNone/>
           </a:pPr>
           <a:r>
-            <a:rPr lang="ru-RU" sz="2000" kern="1200" dirty="0"/>
+            <a:rPr lang="ru-RU" sz="2200" kern="1200" dirty="0"/>
             <a:t>Сервер авторизации</a:t>
           </a:r>
-          <a:endParaRPr lang="en-US" sz="2000" kern="1200" dirty="0"/>
+          <a:endParaRPr lang="en-US" sz="2200" kern="1200" dirty="0"/>
         </a:p>
       </dsp:txBody>
       <dsp:txXfrm>
-        <a:off x="5163" y="0"/>
-        <a:ext cx="1811994" cy="1079658"/>
+        <a:off x="2317" y="0"/>
+        <a:ext cx="2274382" cy="1079658"/>
       </dsp:txXfrm>
     </dsp:sp>
     <dsp:sp modelId="{945E3236-03BF-43EB-9C68-D6AA80704045}">
@@ -3391,8 +3287,8 @@
       </dsp:nvSpPr>
       <dsp:spPr>
         <a:xfrm>
-          <a:off x="186363" y="1079746"/>
-          <a:ext cx="1449595" cy="524277"/>
+          <a:off x="229756" y="1079746"/>
+          <a:ext cx="1819505" cy="524277"/>
         </a:xfrm>
         <a:prstGeom prst="roundRect">
           <a:avLst>
@@ -3435,12 +3331,12 @@
         </a:fontRef>
       </dsp:style>
       <dsp:txBody>
-        <a:bodyPr spcFirstLastPara="0" vert="horz" wrap="square" lIns="27940" tIns="20955" rIns="27940" bIns="20955" numCol="1" spcCol="1270" anchor="ctr" anchorCtr="0">
+        <a:bodyPr spcFirstLastPara="0" vert="horz" wrap="square" lIns="35560" tIns="26670" rIns="35560" bIns="26670" numCol="1" spcCol="1270" anchor="ctr" anchorCtr="0">
           <a:noAutofit/>
         </a:bodyPr>
         <a:lstStyle/>
         <a:p>
-          <a:pPr marL="0" lvl="0" indent="0" algn="ctr" defTabSz="488950">
+          <a:pPr marL="0" lvl="0" indent="0" algn="ctr" defTabSz="622300">
             <a:lnSpc>
               <a:spcPct val="90000"/>
             </a:lnSpc>
@@ -3453,14 +3349,14 @@
             <a:buNone/>
           </a:pPr>
           <a:r>
-            <a:rPr lang="en-US" sz="1100" kern="1200" dirty="0"/>
+            <a:rPr lang="en-US" sz="1400" kern="1200" dirty="0"/>
             <a:t>IdentityServer4</a:t>
           </a:r>
         </a:p>
       </dsp:txBody>
       <dsp:txXfrm>
-        <a:off x="201719" y="1095102"/>
-        <a:ext cx="1418883" cy="493565"/>
+        <a:off x="245112" y="1095102"/>
+        <a:ext cx="1788793" cy="493565"/>
       </dsp:txXfrm>
     </dsp:sp>
     <dsp:sp modelId="{84C3A6CF-7882-4415-82ED-FADAC232FE40}">
@@ -3470,8 +3366,8 @@
       </dsp:nvSpPr>
       <dsp:spPr>
         <a:xfrm>
-          <a:off x="186363" y="1684682"/>
-          <a:ext cx="1449595" cy="524277"/>
+          <a:off x="229756" y="1684682"/>
+          <a:ext cx="1819505" cy="524277"/>
         </a:xfrm>
         <a:prstGeom prst="roundRect">
           <a:avLst>
@@ -3514,12 +3410,12 @@
         </a:fontRef>
       </dsp:style>
       <dsp:txBody>
-        <a:bodyPr spcFirstLastPara="0" vert="horz" wrap="square" lIns="27940" tIns="20955" rIns="27940" bIns="20955" numCol="1" spcCol="1270" anchor="ctr" anchorCtr="0">
+        <a:bodyPr spcFirstLastPara="0" vert="horz" wrap="square" lIns="35560" tIns="26670" rIns="35560" bIns="26670" numCol="1" spcCol="1270" anchor="ctr" anchorCtr="0">
           <a:noAutofit/>
         </a:bodyPr>
         <a:lstStyle/>
         <a:p>
-          <a:pPr marL="0" lvl="0" indent="0" algn="ctr" defTabSz="488950">
+          <a:pPr marL="0" lvl="0" indent="0" algn="ctr" defTabSz="622300">
             <a:lnSpc>
               <a:spcPct val="90000"/>
             </a:lnSpc>
@@ -3532,14 +3428,14 @@
             <a:buNone/>
           </a:pPr>
           <a:r>
-            <a:rPr lang="en-US" sz="1100" kern="1200" dirty="0"/>
+            <a:rPr lang="en-US" sz="1400" kern="1200" dirty="0"/>
             <a:t>Azure Active Directory</a:t>
           </a:r>
         </a:p>
       </dsp:txBody>
       <dsp:txXfrm>
-        <a:off x="201719" y="1700038"/>
-        <a:ext cx="1418883" cy="493565"/>
+        <a:off x="245112" y="1700038"/>
+        <a:ext cx="1788793" cy="493565"/>
       </dsp:txXfrm>
     </dsp:sp>
     <dsp:sp modelId="{C2967C0D-9177-4081-BE96-825E0372F8A6}">
@@ -3549,8 +3445,8 @@
       </dsp:nvSpPr>
       <dsp:spPr>
         <a:xfrm>
-          <a:off x="186363" y="2289618"/>
-          <a:ext cx="1449595" cy="524277"/>
+          <a:off x="229756" y="2289618"/>
+          <a:ext cx="1819505" cy="524277"/>
         </a:xfrm>
         <a:prstGeom prst="roundRect">
           <a:avLst>
@@ -3593,12 +3489,12 @@
         </a:fontRef>
       </dsp:style>
       <dsp:txBody>
-        <a:bodyPr spcFirstLastPara="0" vert="horz" wrap="square" lIns="27940" tIns="20955" rIns="27940" bIns="20955" numCol="1" spcCol="1270" anchor="ctr" anchorCtr="0">
+        <a:bodyPr spcFirstLastPara="0" vert="horz" wrap="square" lIns="35560" tIns="26670" rIns="35560" bIns="26670" numCol="1" spcCol="1270" anchor="ctr" anchorCtr="0">
           <a:noAutofit/>
         </a:bodyPr>
         <a:lstStyle/>
         <a:p>
-          <a:pPr marL="0" lvl="0" indent="0" algn="ctr" defTabSz="488950">
+          <a:pPr marL="0" lvl="0" indent="0" algn="ctr" defTabSz="622300">
             <a:lnSpc>
               <a:spcPct val="90000"/>
             </a:lnSpc>
@@ -3611,14 +3507,14 @@
             <a:buNone/>
           </a:pPr>
           <a:r>
-            <a:rPr lang="en-US" sz="1100" kern="1200" dirty="0"/>
+            <a:rPr lang="en-US" sz="1400" kern="1200" dirty="0"/>
             <a:t>Azure Auth Service</a:t>
           </a:r>
         </a:p>
       </dsp:txBody>
       <dsp:txXfrm>
-        <a:off x="201719" y="2304974"/>
-        <a:ext cx="1418883" cy="493565"/>
+        <a:off x="245112" y="2304974"/>
+        <a:ext cx="1788793" cy="493565"/>
       </dsp:txXfrm>
     </dsp:sp>
     <dsp:sp modelId="{C1300048-CBBE-490D-B9A1-A90B116CAD2F}">
@@ -3628,8 +3524,8 @@
       </dsp:nvSpPr>
       <dsp:spPr>
         <a:xfrm>
-          <a:off x="186363" y="2894554"/>
-          <a:ext cx="1449595" cy="524277"/>
+          <a:off x="229756" y="2894554"/>
+          <a:ext cx="1819505" cy="524277"/>
         </a:xfrm>
         <a:prstGeom prst="roundRect">
           <a:avLst>
@@ -3672,12 +3568,12 @@
         </a:fontRef>
       </dsp:style>
       <dsp:txBody>
-        <a:bodyPr spcFirstLastPara="0" vert="horz" wrap="square" lIns="27940" tIns="20955" rIns="27940" bIns="20955" numCol="1" spcCol="1270" anchor="ctr" anchorCtr="0">
+        <a:bodyPr spcFirstLastPara="0" vert="horz" wrap="square" lIns="35560" tIns="26670" rIns="35560" bIns="26670" numCol="1" spcCol="1270" anchor="ctr" anchorCtr="0">
           <a:noAutofit/>
         </a:bodyPr>
         <a:lstStyle/>
         <a:p>
-          <a:pPr marL="0" lvl="0" indent="0" algn="ctr" defTabSz="488950">
+          <a:pPr marL="0" lvl="0" indent="0" algn="ctr" defTabSz="622300">
             <a:lnSpc>
               <a:spcPct val="90000"/>
             </a:lnSpc>
@@ -3690,14 +3586,14 @@
             <a:buNone/>
           </a:pPr>
           <a:r>
-            <a:rPr lang="en-US" sz="1100" kern="1200" dirty="0"/>
+            <a:rPr lang="en-US" sz="1400" kern="1200" dirty="0"/>
             <a:t>Individual User Account</a:t>
           </a:r>
         </a:p>
       </dsp:txBody>
       <dsp:txXfrm>
-        <a:off x="201719" y="2909910"/>
-        <a:ext cx="1418883" cy="493565"/>
+        <a:off x="245112" y="2909910"/>
+        <a:ext cx="1788793" cy="493565"/>
       </dsp:txXfrm>
     </dsp:sp>
     <dsp:sp modelId="{48969356-AE7E-48C7-88E1-F2D0710EC79C}">
@@ -3707,8 +3603,8 @@
       </dsp:nvSpPr>
       <dsp:spPr>
         <a:xfrm>
-          <a:off x="1953058" y="0"/>
-          <a:ext cx="1811994" cy="3598863"/>
+          <a:off x="2447278" y="0"/>
+          <a:ext cx="2274382" cy="3598863"/>
         </a:xfrm>
         <a:prstGeom prst="roundRect">
           <a:avLst>
@@ -3742,12 +3638,12 @@
         <a:fontRef idx="minor"/>
       </dsp:style>
       <dsp:txBody>
-        <a:bodyPr spcFirstLastPara="0" vert="horz" wrap="square" lIns="76200" tIns="76200" rIns="76200" bIns="76200" numCol="1" spcCol="1270" anchor="ctr" anchorCtr="0">
+        <a:bodyPr spcFirstLastPara="0" vert="horz" wrap="square" lIns="83820" tIns="83820" rIns="83820" bIns="83820" numCol="1" spcCol="1270" anchor="ctr" anchorCtr="0">
           <a:noAutofit/>
         </a:bodyPr>
         <a:lstStyle/>
         <a:p>
-          <a:pPr marL="0" lvl="0" indent="0" algn="ctr" defTabSz="889000">
+          <a:pPr marL="0" lvl="0" indent="0" algn="ctr" defTabSz="977900">
             <a:lnSpc>
               <a:spcPct val="90000"/>
             </a:lnSpc>
@@ -3760,14 +3656,14 @@
             <a:buNone/>
           </a:pPr>
           <a:r>
-            <a:rPr lang="en-US" sz="2000" kern="1200" dirty="0"/>
+            <a:rPr lang="en-US" sz="2200" kern="1200" dirty="0"/>
             <a:t>Composite Layer (dashboard)</a:t>
           </a:r>
         </a:p>
       </dsp:txBody>
       <dsp:txXfrm>
-        <a:off x="1953058" y="0"/>
-        <a:ext cx="1811994" cy="1079658"/>
+        <a:off x="2447278" y="0"/>
+        <a:ext cx="2274382" cy="1079658"/>
       </dsp:txXfrm>
     </dsp:sp>
     <dsp:sp modelId="{6FFF4494-4F93-4DE1-AFC5-D12F3BE53BA2}">
@@ -3777,8 +3673,8 @@
       </dsp:nvSpPr>
       <dsp:spPr>
         <a:xfrm>
-          <a:off x="2134257" y="1079966"/>
-          <a:ext cx="1449595" cy="707032"/>
+          <a:off x="2674716" y="1079966"/>
+          <a:ext cx="1819505" cy="707032"/>
         </a:xfrm>
         <a:prstGeom prst="roundRect">
           <a:avLst>
@@ -3821,12 +3717,12 @@
         </a:fontRef>
       </dsp:style>
       <dsp:txBody>
-        <a:bodyPr spcFirstLastPara="0" vert="horz" wrap="square" lIns="27940" tIns="20955" rIns="27940" bIns="20955" numCol="1" spcCol="1270" anchor="ctr" anchorCtr="0">
+        <a:bodyPr spcFirstLastPara="0" vert="horz" wrap="square" lIns="35560" tIns="26670" rIns="35560" bIns="26670" numCol="1" spcCol="1270" anchor="ctr" anchorCtr="0">
           <a:noAutofit/>
         </a:bodyPr>
         <a:lstStyle/>
         <a:p>
-          <a:pPr marL="0" lvl="0" indent="0" algn="ctr" defTabSz="488950">
+          <a:pPr marL="0" lvl="0" indent="0" algn="ctr" defTabSz="622300">
             <a:lnSpc>
               <a:spcPct val="90000"/>
             </a:lnSpc>
@@ -3839,15 +3735,15 @@
             <a:buNone/>
           </a:pPr>
           <a:r>
-            <a:rPr lang="ru-RU" sz="1100" kern="1200" dirty="0"/>
+            <a:rPr lang="ru-RU" sz="1400" kern="1200" dirty="0"/>
             <a:t>Система управления сервисами</a:t>
           </a:r>
-          <a:endParaRPr lang="en-US" sz="1100" kern="1200" dirty="0"/>
+          <a:endParaRPr lang="en-US" sz="1400" kern="1200" dirty="0"/>
         </a:p>
       </dsp:txBody>
       <dsp:txXfrm>
-        <a:off x="2154965" y="1100674"/>
-        <a:ext cx="1408179" cy="665616"/>
+        <a:off x="2695424" y="1100674"/>
+        <a:ext cx="1778089" cy="665616"/>
       </dsp:txXfrm>
     </dsp:sp>
     <dsp:sp modelId="{8CABBB4F-8805-43AD-86AA-2B2C4FF03695}">
@@ -3857,8 +3753,8 @@
       </dsp:nvSpPr>
       <dsp:spPr>
         <a:xfrm>
-          <a:off x="2134257" y="1895773"/>
-          <a:ext cx="1449595" cy="707032"/>
+          <a:off x="2674716" y="1895773"/>
+          <a:ext cx="1819505" cy="707032"/>
         </a:xfrm>
         <a:prstGeom prst="roundRect">
           <a:avLst>
@@ -3901,12 +3797,12 @@
         </a:fontRef>
       </dsp:style>
       <dsp:txBody>
-        <a:bodyPr spcFirstLastPara="0" vert="horz" wrap="square" lIns="27940" tIns="20955" rIns="27940" bIns="20955" numCol="1" spcCol="1270" anchor="ctr" anchorCtr="0">
+        <a:bodyPr spcFirstLastPara="0" vert="horz" wrap="square" lIns="35560" tIns="26670" rIns="35560" bIns="26670" numCol="1" spcCol="1270" anchor="ctr" anchorCtr="0">
           <a:noAutofit/>
         </a:bodyPr>
         <a:lstStyle/>
         <a:p>
-          <a:pPr marL="0" lvl="0" indent="0" algn="ctr" defTabSz="488950">
+          <a:pPr marL="0" lvl="0" indent="0" algn="ctr" defTabSz="622300">
             <a:lnSpc>
               <a:spcPct val="90000"/>
             </a:lnSpc>
@@ -3919,15 +3815,15 @@
             <a:buNone/>
           </a:pPr>
           <a:r>
-            <a:rPr lang="ru-RU" sz="1100" kern="1200" dirty="0"/>
+            <a:rPr lang="ru-RU" sz="1400" kern="1200" dirty="0"/>
             <a:t>Администрирование</a:t>
           </a:r>
-          <a:endParaRPr lang="en-US" sz="1100" kern="1200" dirty="0"/>
+          <a:endParaRPr lang="en-US" sz="1400" kern="1200" dirty="0"/>
         </a:p>
       </dsp:txBody>
       <dsp:txXfrm>
-        <a:off x="2154965" y="1916481"/>
-        <a:ext cx="1408179" cy="665616"/>
+        <a:off x="2695424" y="1916481"/>
+        <a:ext cx="1778089" cy="665616"/>
       </dsp:txXfrm>
     </dsp:sp>
     <dsp:sp modelId="{7C7BA948-4D6C-4868-A093-E6A1EAC83D6D}">
@@ -3937,8 +3833,8 @@
       </dsp:nvSpPr>
       <dsp:spPr>
         <a:xfrm>
-          <a:off x="2134257" y="2711579"/>
-          <a:ext cx="1449595" cy="707032"/>
+          <a:off x="2674716" y="2711579"/>
+          <a:ext cx="1819505" cy="707032"/>
         </a:xfrm>
         <a:prstGeom prst="roundRect">
           <a:avLst>
@@ -3981,12 +3877,12 @@
         </a:fontRef>
       </dsp:style>
       <dsp:txBody>
-        <a:bodyPr spcFirstLastPara="0" vert="horz" wrap="square" lIns="27940" tIns="20955" rIns="27940" bIns="20955" numCol="1" spcCol="1270" anchor="ctr" anchorCtr="0">
+        <a:bodyPr spcFirstLastPara="0" vert="horz" wrap="square" lIns="35560" tIns="26670" rIns="35560" bIns="26670" numCol="1" spcCol="1270" anchor="ctr" anchorCtr="0">
           <a:noAutofit/>
         </a:bodyPr>
         <a:lstStyle/>
         <a:p>
-          <a:pPr marL="0" lvl="0" indent="0" algn="ctr" defTabSz="488950">
+          <a:pPr marL="0" lvl="0" indent="0" algn="ctr" defTabSz="622300">
             <a:lnSpc>
               <a:spcPct val="90000"/>
             </a:lnSpc>
@@ -3999,15 +3895,15 @@
             <a:buNone/>
           </a:pPr>
           <a:r>
-            <a:rPr lang="ru-RU" sz="1100" kern="1200" dirty="0"/>
+            <a:rPr lang="ru-RU" sz="1400" kern="1200" dirty="0"/>
             <a:t>Централизованные сервисы</a:t>
           </a:r>
-          <a:endParaRPr lang="en-US" sz="1100" kern="1200" dirty="0"/>
+          <a:endParaRPr lang="en-US" sz="1400" kern="1200" dirty="0"/>
         </a:p>
       </dsp:txBody>
       <dsp:txXfrm>
-        <a:off x="2154965" y="2732287"/>
-        <a:ext cx="1408179" cy="665616"/>
+        <a:off x="2695424" y="2732287"/>
+        <a:ext cx="1778089" cy="665616"/>
       </dsp:txXfrm>
     </dsp:sp>
     <dsp:sp modelId="{BF0CB8F0-CCB2-473A-896F-2BC8FB829335}">
@@ -4017,8 +3913,8 @@
       </dsp:nvSpPr>
       <dsp:spPr>
         <a:xfrm>
-          <a:off x="3900952" y="0"/>
-          <a:ext cx="1811994" cy="3598863"/>
+          <a:off x="4892239" y="0"/>
+          <a:ext cx="2274382" cy="3598863"/>
         </a:xfrm>
         <a:prstGeom prst="roundRect">
           <a:avLst>
@@ -4052,12 +3948,12 @@
         <a:fontRef idx="minor"/>
       </dsp:style>
       <dsp:txBody>
-        <a:bodyPr spcFirstLastPara="0" vert="horz" wrap="square" lIns="76200" tIns="76200" rIns="76200" bIns="76200" numCol="1" spcCol="1270" anchor="ctr" anchorCtr="0">
+        <a:bodyPr spcFirstLastPara="0" vert="horz" wrap="square" lIns="83820" tIns="83820" rIns="83820" bIns="83820" numCol="1" spcCol="1270" anchor="ctr" anchorCtr="0">
           <a:noAutofit/>
         </a:bodyPr>
         <a:lstStyle/>
         <a:p>
-          <a:pPr marL="0" lvl="0" indent="0" algn="ctr" defTabSz="889000">
+          <a:pPr marL="0" lvl="0" indent="0" algn="ctr" defTabSz="977900">
             <a:lnSpc>
               <a:spcPct val="90000"/>
             </a:lnSpc>
@@ -4070,15 +3966,15 @@
             <a:buNone/>
           </a:pPr>
           <a:r>
-            <a:rPr lang="ru-RU" sz="2000" kern="1200" dirty="0"/>
+            <a:rPr lang="ru-RU" sz="2200" kern="1200" dirty="0"/>
             <a:t>Очередь сообщений</a:t>
           </a:r>
-          <a:endParaRPr lang="en-US" sz="2000" kern="1200" dirty="0"/>
+          <a:endParaRPr lang="en-US" sz="2200" kern="1200" dirty="0"/>
         </a:p>
       </dsp:txBody>
       <dsp:txXfrm>
-        <a:off x="3900952" y="0"/>
-        <a:ext cx="1811994" cy="1079658"/>
+        <a:off x="4892239" y="0"/>
+        <a:ext cx="2274382" cy="1079658"/>
       </dsp:txXfrm>
     </dsp:sp>
     <dsp:sp modelId="{37A0FEA3-01F8-4A5D-BE6B-D06CF7B60D92}">
@@ -4088,8 +3984,8 @@
       </dsp:nvSpPr>
       <dsp:spPr>
         <a:xfrm>
-          <a:off x="4082152" y="1079746"/>
-          <a:ext cx="1449595" cy="524277"/>
+          <a:off x="5119677" y="1079746"/>
+          <a:ext cx="1819505" cy="524277"/>
         </a:xfrm>
         <a:prstGeom prst="roundRect">
           <a:avLst>
@@ -4132,12 +4028,12 @@
         </a:fontRef>
       </dsp:style>
       <dsp:txBody>
-        <a:bodyPr spcFirstLastPara="0" vert="horz" wrap="square" lIns="27940" tIns="20955" rIns="27940" bIns="20955" numCol="1" spcCol="1270" anchor="ctr" anchorCtr="0">
+        <a:bodyPr spcFirstLastPara="0" vert="horz" wrap="square" lIns="35560" tIns="26670" rIns="35560" bIns="26670" numCol="1" spcCol="1270" anchor="ctr" anchorCtr="0">
           <a:noAutofit/>
         </a:bodyPr>
         <a:lstStyle/>
         <a:p>
-          <a:pPr marL="0" lvl="0" indent="0" algn="ctr" defTabSz="488950">
+          <a:pPr marL="0" lvl="0" indent="0" algn="ctr" defTabSz="622300">
             <a:lnSpc>
               <a:spcPct val="90000"/>
             </a:lnSpc>
@@ -4150,14 +4046,14 @@
             <a:buNone/>
           </a:pPr>
           <a:r>
-            <a:rPr lang="en-US" sz="1100" kern="1200" dirty="0"/>
+            <a:rPr lang="en-US" sz="1400" kern="1200" dirty="0"/>
             <a:t>RabbitMQ</a:t>
           </a:r>
         </a:p>
       </dsp:txBody>
       <dsp:txXfrm>
-        <a:off x="4097508" y="1095102"/>
-        <a:ext cx="1418883" cy="493565"/>
+        <a:off x="5135033" y="1095102"/>
+        <a:ext cx="1788793" cy="493565"/>
       </dsp:txXfrm>
     </dsp:sp>
     <dsp:sp modelId="{348A453C-9C40-45EB-8B30-E25DD442720F}">
@@ -4167,8 +4063,8 @@
       </dsp:nvSpPr>
       <dsp:spPr>
         <a:xfrm>
-          <a:off x="4082152" y="1684682"/>
-          <a:ext cx="1449595" cy="524277"/>
+          <a:off x="5119677" y="1684682"/>
+          <a:ext cx="1819505" cy="524277"/>
         </a:xfrm>
         <a:prstGeom prst="roundRect">
           <a:avLst>
@@ -4211,12 +4107,12 @@
         </a:fontRef>
       </dsp:style>
       <dsp:txBody>
-        <a:bodyPr spcFirstLastPara="0" vert="horz" wrap="square" lIns="27940" tIns="20955" rIns="27940" bIns="20955" numCol="1" spcCol="1270" anchor="ctr" anchorCtr="0">
+        <a:bodyPr spcFirstLastPara="0" vert="horz" wrap="square" lIns="35560" tIns="26670" rIns="35560" bIns="26670" numCol="1" spcCol="1270" anchor="ctr" anchorCtr="0">
           <a:noAutofit/>
         </a:bodyPr>
         <a:lstStyle/>
         <a:p>
-          <a:pPr marL="0" lvl="0" indent="0" algn="ctr" defTabSz="488950">
+          <a:pPr marL="0" lvl="0" indent="0" algn="ctr" defTabSz="622300">
             <a:lnSpc>
               <a:spcPct val="90000"/>
             </a:lnSpc>
@@ -4229,14 +4125,14 @@
             <a:buNone/>
           </a:pPr>
           <a:r>
-            <a:rPr lang="en-US" sz="1100" kern="1200" dirty="0"/>
+            <a:rPr lang="en-US" sz="1400" kern="1200" dirty="0"/>
             <a:t>Microsoft MQ (MSMQ)</a:t>
           </a:r>
         </a:p>
       </dsp:txBody>
       <dsp:txXfrm>
-        <a:off x="4097508" y="1700038"/>
-        <a:ext cx="1418883" cy="493565"/>
+        <a:off x="5135033" y="1700038"/>
+        <a:ext cx="1788793" cy="493565"/>
       </dsp:txXfrm>
     </dsp:sp>
     <dsp:sp modelId="{A3391E2B-1BF9-4FA2-876D-E2F2E36B125E}">
@@ -4246,8 +4142,8 @@
       </dsp:nvSpPr>
       <dsp:spPr>
         <a:xfrm>
-          <a:off x="4082152" y="2289618"/>
-          <a:ext cx="1449595" cy="524277"/>
+          <a:off x="5119677" y="2289618"/>
+          <a:ext cx="1819505" cy="524277"/>
         </a:xfrm>
         <a:prstGeom prst="roundRect">
           <a:avLst>
@@ -4290,12 +4186,12 @@
         </a:fontRef>
       </dsp:style>
       <dsp:txBody>
-        <a:bodyPr spcFirstLastPara="0" vert="horz" wrap="square" lIns="27940" tIns="20955" rIns="27940" bIns="20955" numCol="1" spcCol="1270" anchor="ctr" anchorCtr="0">
+        <a:bodyPr spcFirstLastPara="0" vert="horz" wrap="square" lIns="35560" tIns="26670" rIns="35560" bIns="26670" numCol="1" spcCol="1270" anchor="ctr" anchorCtr="0">
           <a:noAutofit/>
         </a:bodyPr>
         <a:lstStyle/>
         <a:p>
-          <a:pPr marL="0" lvl="0" indent="0" algn="ctr" defTabSz="488950">
+          <a:pPr marL="0" lvl="0" indent="0" algn="ctr" defTabSz="622300">
             <a:lnSpc>
               <a:spcPct val="90000"/>
             </a:lnSpc>
@@ -4308,14 +4204,14 @@
             <a:buNone/>
           </a:pPr>
           <a:r>
-            <a:rPr lang="en-US" sz="1100" kern="1200" dirty="0"/>
+            <a:rPr lang="en-US" sz="1400" kern="1200" dirty="0"/>
             <a:t>Azure Service Bus</a:t>
           </a:r>
         </a:p>
       </dsp:txBody>
       <dsp:txXfrm>
-        <a:off x="4097508" y="2304974"/>
-        <a:ext cx="1418883" cy="493565"/>
+        <a:off x="5135033" y="2304974"/>
+        <a:ext cx="1788793" cy="493565"/>
       </dsp:txXfrm>
     </dsp:sp>
     <dsp:sp modelId="{09BE5ABE-B34C-4D20-97E1-E737462C57ED}">
@@ -4325,8 +4221,8 @@
       </dsp:nvSpPr>
       <dsp:spPr>
         <a:xfrm>
-          <a:off x="4082152" y="2894554"/>
-          <a:ext cx="1449595" cy="524277"/>
+          <a:off x="5119677" y="2894554"/>
+          <a:ext cx="1819505" cy="524277"/>
         </a:xfrm>
         <a:prstGeom prst="roundRect">
           <a:avLst>
@@ -4369,12 +4265,12 @@
         </a:fontRef>
       </dsp:style>
       <dsp:txBody>
-        <a:bodyPr spcFirstLastPara="0" vert="horz" wrap="square" lIns="27940" tIns="20955" rIns="27940" bIns="20955" numCol="1" spcCol="1270" anchor="ctr" anchorCtr="0">
+        <a:bodyPr spcFirstLastPara="0" vert="horz" wrap="square" lIns="35560" tIns="26670" rIns="35560" bIns="26670" numCol="1" spcCol="1270" anchor="ctr" anchorCtr="0">
           <a:noAutofit/>
         </a:bodyPr>
         <a:lstStyle/>
         <a:p>
-          <a:pPr marL="0" lvl="0" indent="0" algn="ctr" defTabSz="488950">
+          <a:pPr marL="0" lvl="0" indent="0" algn="ctr" defTabSz="622300">
             <a:lnSpc>
               <a:spcPct val="90000"/>
             </a:lnSpc>
@@ -4387,25 +4283,25 @@
             <a:buNone/>
           </a:pPr>
           <a:r>
-            <a:rPr lang="en-US" sz="1100" kern="1200" dirty="0"/>
+            <a:rPr lang="en-US" sz="1400" kern="1200" dirty="0"/>
             <a:t>Kafka</a:t>
           </a:r>
         </a:p>
       </dsp:txBody>
       <dsp:txXfrm>
-        <a:off x="4097508" y="2909910"/>
-        <a:ext cx="1418883" cy="493565"/>
+        <a:off x="5135033" y="2909910"/>
+        <a:ext cx="1788793" cy="493565"/>
       </dsp:txXfrm>
     </dsp:sp>
-    <dsp:sp modelId="{893ADCDE-7C9A-4F6A-9F74-8180A511A873}">
+    <dsp:sp modelId="{7D4EB7EB-1E00-4962-8CE9-02D3AD579119}">
       <dsp:nvSpPr>
         <dsp:cNvPr id="0" name=""/>
         <dsp:cNvSpPr/>
       </dsp:nvSpPr>
       <dsp:spPr>
         <a:xfrm>
-          <a:off x="5848847" y="0"/>
-          <a:ext cx="1811994" cy="3598863"/>
+          <a:off x="7337200" y="0"/>
+          <a:ext cx="2274382" cy="3598863"/>
         </a:xfrm>
         <a:prstGeom prst="roundRect">
           <a:avLst>
@@ -4439,12 +4335,12 @@
         <a:fontRef idx="minor"/>
       </dsp:style>
       <dsp:txBody>
-        <a:bodyPr spcFirstLastPara="0" vert="horz" wrap="square" lIns="76200" tIns="76200" rIns="76200" bIns="76200" numCol="1" spcCol="1270" anchor="ctr" anchorCtr="0">
+        <a:bodyPr spcFirstLastPara="0" vert="horz" wrap="square" lIns="83820" tIns="83820" rIns="83820" bIns="83820" numCol="1" spcCol="1270" anchor="ctr" anchorCtr="0">
           <a:noAutofit/>
         </a:bodyPr>
         <a:lstStyle/>
         <a:p>
-          <a:pPr marL="0" lvl="0" indent="0" algn="ctr" defTabSz="889000">
+          <a:pPr marL="0" lvl="0" indent="0" algn="ctr" defTabSz="977900">
             <a:lnSpc>
               <a:spcPct val="90000"/>
             </a:lnSpc>
@@ -4457,26 +4353,26 @@
             <a:buNone/>
           </a:pPr>
           <a:r>
-            <a:rPr lang="ru-RU" sz="2000" kern="1200" dirty="0"/>
-            <a:t>Кэширование</a:t>
+            <a:rPr lang="ru-RU" sz="2200" kern="1200" dirty="0"/>
+            <a:t>Другие компоненты</a:t>
           </a:r>
-          <a:endParaRPr lang="en-US" sz="2000" kern="1200" dirty="0"/>
+          <a:endParaRPr lang="en-US" sz="2200" kern="1200" dirty="0"/>
         </a:p>
       </dsp:txBody>
       <dsp:txXfrm>
-        <a:off x="5848847" y="0"/>
-        <a:ext cx="1811994" cy="1079658"/>
+        <a:off x="7337200" y="0"/>
+        <a:ext cx="2274382" cy="1079658"/>
       </dsp:txXfrm>
     </dsp:sp>
-    <dsp:sp modelId="{09A80809-EF96-4343-9D77-41087A1C7E34}">
+    <dsp:sp modelId="{DF5B10FD-D798-4E84-A254-3D674D0995DF}">
       <dsp:nvSpPr>
         <dsp:cNvPr id="0" name=""/>
         <dsp:cNvSpPr/>
       </dsp:nvSpPr>
       <dsp:spPr>
         <a:xfrm>
-          <a:off x="6030046" y="1079966"/>
-          <a:ext cx="1449595" cy="707032"/>
+          <a:off x="7564638" y="1080339"/>
+          <a:ext cx="1819505" cy="416338"/>
         </a:xfrm>
         <a:prstGeom prst="roundRect">
           <a:avLst>
@@ -4519,12 +4415,12 @@
         </a:fontRef>
       </dsp:style>
       <dsp:txBody>
-        <a:bodyPr spcFirstLastPara="0" vert="horz" wrap="square" lIns="27940" tIns="20955" rIns="27940" bIns="20955" numCol="1" spcCol="1270" anchor="ctr" anchorCtr="0">
+        <a:bodyPr spcFirstLastPara="0" vert="horz" wrap="square" lIns="35560" tIns="26670" rIns="35560" bIns="26670" numCol="1" spcCol="1270" anchor="ctr" anchorCtr="0">
           <a:noAutofit/>
         </a:bodyPr>
         <a:lstStyle/>
         <a:p>
-          <a:pPr marL="0" lvl="0" indent="0" algn="ctr" defTabSz="488950">
+          <a:pPr marL="0" lvl="0" indent="0" algn="ctr" defTabSz="622300">
             <a:lnSpc>
               <a:spcPct val="90000"/>
             </a:lnSpc>
@@ -4537,25 +4433,26 @@
             <a:buNone/>
           </a:pPr>
           <a:r>
-            <a:rPr lang="en-US" sz="1100" kern="1200" dirty="0"/>
-            <a:t>Radis</a:t>
+            <a:rPr lang="ru-RU" sz="1400" kern="1200"/>
+            <a:t>Кэширование</a:t>
           </a:r>
+          <a:endParaRPr lang="en-US" sz="1400" kern="1200" dirty="0"/>
         </a:p>
       </dsp:txBody>
       <dsp:txXfrm>
-        <a:off x="6050754" y="1100674"/>
-        <a:ext cx="1408179" cy="665616"/>
+        <a:off x="7576832" y="1092533"/>
+        <a:ext cx="1795117" cy="391950"/>
       </dsp:txXfrm>
     </dsp:sp>
-    <dsp:sp modelId="{BC686E6D-667C-4E20-8AC1-9F6622D63C95}">
+    <dsp:sp modelId="{7D7397BB-C8A1-481E-A283-9CB65EA085CB}">
       <dsp:nvSpPr>
         <dsp:cNvPr id="0" name=""/>
         <dsp:cNvSpPr/>
       </dsp:nvSpPr>
       <dsp:spPr>
         <a:xfrm>
-          <a:off x="6030046" y="1895773"/>
-          <a:ext cx="1449595" cy="707032"/>
+          <a:off x="7564638" y="1560730"/>
+          <a:ext cx="1819505" cy="416338"/>
         </a:xfrm>
         <a:prstGeom prst="roundRect">
           <a:avLst>
@@ -4598,12 +4495,12 @@
         </a:fontRef>
       </dsp:style>
       <dsp:txBody>
-        <a:bodyPr spcFirstLastPara="0" vert="horz" wrap="square" lIns="27940" tIns="20955" rIns="27940" bIns="20955" numCol="1" spcCol="1270" anchor="ctr" anchorCtr="0">
+        <a:bodyPr spcFirstLastPara="0" vert="horz" wrap="square" lIns="35560" tIns="26670" rIns="35560" bIns="26670" numCol="1" spcCol="1270" anchor="ctr" anchorCtr="0">
           <a:noAutofit/>
         </a:bodyPr>
         <a:lstStyle/>
         <a:p>
-          <a:pPr marL="0" lvl="0" indent="0" algn="ctr" defTabSz="488950">
+          <a:pPr marL="0" lvl="0" indent="0" algn="ctr" defTabSz="622300">
             <a:lnSpc>
               <a:spcPct val="90000"/>
             </a:lnSpc>
@@ -4616,25 +4513,25 @@
             <a:buNone/>
           </a:pPr>
           <a:r>
-            <a:rPr lang="en-US" sz="1100" kern="1200" dirty="0"/>
-            <a:t>CDN</a:t>
+            <a:rPr lang="en-US" sz="1400" kern="1200" dirty="0"/>
+            <a:t>Load Balancer</a:t>
           </a:r>
         </a:p>
       </dsp:txBody>
       <dsp:txXfrm>
-        <a:off x="6050754" y="1916481"/>
-        <a:ext cx="1408179" cy="665616"/>
+        <a:off x="7576832" y="1572924"/>
+        <a:ext cx="1795117" cy="391950"/>
       </dsp:txXfrm>
     </dsp:sp>
-    <dsp:sp modelId="{2DB58220-B4A9-441E-9D1E-338C608C52D7}">
+    <dsp:sp modelId="{9B01321E-7A2F-4E8C-A85E-43E32830F1C1}">
       <dsp:nvSpPr>
         <dsp:cNvPr id="0" name=""/>
         <dsp:cNvSpPr/>
       </dsp:nvSpPr>
       <dsp:spPr>
         <a:xfrm>
-          <a:off x="6030046" y="2711579"/>
-          <a:ext cx="1449595" cy="707032"/>
+          <a:off x="7564638" y="2041120"/>
+          <a:ext cx="1819505" cy="416338"/>
         </a:xfrm>
         <a:prstGeom prst="roundRect">
           <a:avLst>
@@ -4677,12 +4574,12 @@
         </a:fontRef>
       </dsp:style>
       <dsp:txBody>
-        <a:bodyPr spcFirstLastPara="0" vert="horz" wrap="square" lIns="27940" tIns="20955" rIns="27940" bIns="20955" numCol="1" spcCol="1270" anchor="ctr" anchorCtr="0">
+        <a:bodyPr spcFirstLastPara="0" vert="horz" wrap="square" lIns="35560" tIns="26670" rIns="35560" bIns="26670" numCol="1" spcCol="1270" anchor="ctr" anchorCtr="0">
           <a:noAutofit/>
         </a:bodyPr>
         <a:lstStyle/>
         <a:p>
-          <a:pPr marL="0" lvl="0" indent="0" algn="ctr" defTabSz="488950">
+          <a:pPr marL="0" lvl="0" indent="0" algn="ctr" defTabSz="622300">
             <a:lnSpc>
               <a:spcPct val="90000"/>
             </a:lnSpc>
@@ -4695,96 +4592,25 @@
             <a:buNone/>
           </a:pPr>
           <a:r>
-            <a:rPr lang="en-US" sz="1100" kern="1200" dirty="0"/>
-            <a:t>MongoDB</a:t>
+            <a:rPr lang="en-US" sz="1400" kern="1200" dirty="0"/>
+            <a:t>Proxy</a:t>
           </a:r>
         </a:p>
       </dsp:txBody>
       <dsp:txXfrm>
-        <a:off x="6050754" y="2732287"/>
-        <a:ext cx="1408179" cy="665616"/>
+        <a:off x="7576832" y="2053314"/>
+        <a:ext cx="1795117" cy="391950"/>
       </dsp:txXfrm>
     </dsp:sp>
-    <dsp:sp modelId="{7D4EB7EB-1E00-4962-8CE9-02D3AD579119}">
+    <dsp:sp modelId="{7187998F-1515-4667-828E-5581160B7D10}">
       <dsp:nvSpPr>
         <dsp:cNvPr id="0" name=""/>
         <dsp:cNvSpPr/>
       </dsp:nvSpPr>
       <dsp:spPr>
         <a:xfrm>
-          <a:off x="7796741" y="0"/>
-          <a:ext cx="1811994" cy="3598863"/>
-        </a:xfrm>
-        <a:prstGeom prst="roundRect">
-          <a:avLst>
-            <a:gd name="adj" fmla="val 10000"/>
-          </a:avLst>
-        </a:prstGeom>
-        <a:solidFill>
-          <a:schemeClr val="accent1">
-            <a:tint val="40000"/>
-            <a:hueOff val="0"/>
-            <a:satOff val="0"/>
-            <a:lumOff val="0"/>
-            <a:alphaOff val="0"/>
-          </a:schemeClr>
-        </a:solidFill>
-        <a:ln>
-          <a:noFill/>
-        </a:ln>
-        <a:effectLst/>
-      </dsp:spPr>
-      <dsp:style>
-        <a:lnRef idx="0">
-          <a:scrgbClr r="0" g="0" b="0"/>
-        </a:lnRef>
-        <a:fillRef idx="1">
-          <a:scrgbClr r="0" g="0" b="0"/>
-        </a:fillRef>
-        <a:effectRef idx="0">
-          <a:scrgbClr r="0" g="0" b="0"/>
-        </a:effectRef>
-        <a:fontRef idx="minor"/>
-      </dsp:style>
-      <dsp:txBody>
-        <a:bodyPr spcFirstLastPara="0" vert="horz" wrap="square" lIns="76200" tIns="76200" rIns="76200" bIns="76200" numCol="1" spcCol="1270" anchor="ctr" anchorCtr="0">
-          <a:noAutofit/>
-        </a:bodyPr>
-        <a:lstStyle/>
-        <a:p>
-          <a:pPr marL="0" lvl="0" indent="0" algn="ctr" defTabSz="889000">
-            <a:lnSpc>
-              <a:spcPct val="90000"/>
-            </a:lnSpc>
-            <a:spcBef>
-              <a:spcPct val="0"/>
-            </a:spcBef>
-            <a:spcAft>
-              <a:spcPct val="35000"/>
-            </a:spcAft>
-            <a:buNone/>
-          </a:pPr>
-          <a:r>
-            <a:rPr lang="ru-RU" sz="2000" kern="1200" dirty="0"/>
-            <a:t>Другие компоненты</a:t>
-          </a:r>
-          <a:endParaRPr lang="en-US" sz="2000" kern="1200" dirty="0"/>
-        </a:p>
-      </dsp:txBody>
-      <dsp:txXfrm>
-        <a:off x="7796741" y="0"/>
-        <a:ext cx="1811994" cy="1079658"/>
-      </dsp:txXfrm>
-    </dsp:sp>
-    <dsp:sp modelId="{7D7397BB-C8A1-481E-A283-9CB65EA085CB}">
-      <dsp:nvSpPr>
-        <dsp:cNvPr id="0" name=""/>
-        <dsp:cNvSpPr/>
-      </dsp:nvSpPr>
-      <dsp:spPr>
-        <a:xfrm>
-          <a:off x="7977940" y="1079966"/>
-          <a:ext cx="1449595" cy="707032"/>
+          <a:off x="7564638" y="2521510"/>
+          <a:ext cx="1819505" cy="416338"/>
         </a:xfrm>
         <a:prstGeom prst="roundRect">
           <a:avLst>
@@ -4827,12 +4653,12 @@
         </a:fontRef>
       </dsp:style>
       <dsp:txBody>
-        <a:bodyPr spcFirstLastPara="0" vert="horz" wrap="square" lIns="27940" tIns="20955" rIns="27940" bIns="20955" numCol="1" spcCol="1270" anchor="ctr" anchorCtr="0">
+        <a:bodyPr spcFirstLastPara="0" vert="horz" wrap="square" lIns="35560" tIns="26670" rIns="35560" bIns="26670" numCol="1" spcCol="1270" anchor="ctr" anchorCtr="0">
           <a:noAutofit/>
         </a:bodyPr>
         <a:lstStyle/>
         <a:p>
-          <a:pPr marL="0" lvl="0" indent="0" algn="ctr" defTabSz="488950">
+          <a:pPr marL="0" lvl="0" indent="0" algn="ctr" defTabSz="622300">
             <a:lnSpc>
               <a:spcPct val="90000"/>
             </a:lnSpc>
@@ -4845,25 +4671,25 @@
             <a:buNone/>
           </a:pPr>
           <a:r>
-            <a:rPr lang="en-US" sz="1100" kern="1200" dirty="0"/>
-            <a:t>Load Balancer</a:t>
+            <a:rPr lang="en-US" sz="1400" kern="1200" dirty="0"/>
+            <a:t>Health monitoring</a:t>
           </a:r>
         </a:p>
       </dsp:txBody>
       <dsp:txXfrm>
-        <a:off x="7998648" y="1100674"/>
-        <a:ext cx="1408179" cy="665616"/>
+        <a:off x="7576832" y="2533704"/>
+        <a:ext cx="1795117" cy="391950"/>
       </dsp:txXfrm>
     </dsp:sp>
-    <dsp:sp modelId="{9B01321E-7A2F-4E8C-A85E-43E32830F1C1}">
+    <dsp:sp modelId="{74EAB87E-A716-4A6C-AD43-BE0DA83B3776}">
       <dsp:nvSpPr>
         <dsp:cNvPr id="0" name=""/>
         <dsp:cNvSpPr/>
       </dsp:nvSpPr>
       <dsp:spPr>
         <a:xfrm>
-          <a:off x="7977940" y="1895773"/>
-          <a:ext cx="1449595" cy="707032"/>
+          <a:off x="7564638" y="3001900"/>
+          <a:ext cx="1819505" cy="416338"/>
         </a:xfrm>
         <a:prstGeom prst="roundRect">
           <a:avLst>
@@ -4906,12 +4732,12 @@
         </a:fontRef>
       </dsp:style>
       <dsp:txBody>
-        <a:bodyPr spcFirstLastPara="0" vert="horz" wrap="square" lIns="27940" tIns="20955" rIns="27940" bIns="20955" numCol="1" spcCol="1270" anchor="ctr" anchorCtr="0">
+        <a:bodyPr spcFirstLastPara="0" vert="horz" wrap="square" lIns="35560" tIns="26670" rIns="35560" bIns="26670" numCol="1" spcCol="1270" anchor="ctr" anchorCtr="0">
           <a:noAutofit/>
         </a:bodyPr>
         <a:lstStyle/>
         <a:p>
-          <a:pPr marL="0" lvl="0" indent="0" algn="ctr" defTabSz="488950">
+          <a:pPr marL="0" lvl="0" indent="0" algn="ctr" defTabSz="622300">
             <a:lnSpc>
               <a:spcPct val="90000"/>
             </a:lnSpc>
@@ -4924,93 +4750,14 @@
             <a:buNone/>
           </a:pPr>
           <a:r>
-            <a:rPr lang="en-US" sz="1100" kern="1200" dirty="0"/>
-            <a:t>Proxy</a:t>
+            <a:rPr lang="en-US" sz="1400" kern="1200" dirty="0"/>
+            <a:t>Metrics</a:t>
           </a:r>
         </a:p>
       </dsp:txBody>
       <dsp:txXfrm>
-        <a:off x="7998648" y="1916481"/>
-        <a:ext cx="1408179" cy="665616"/>
-      </dsp:txXfrm>
-    </dsp:sp>
-    <dsp:sp modelId="{7187998F-1515-4667-828E-5581160B7D10}">
-      <dsp:nvSpPr>
-        <dsp:cNvPr id="0" name=""/>
-        <dsp:cNvSpPr/>
-      </dsp:nvSpPr>
-      <dsp:spPr>
-        <a:xfrm>
-          <a:off x="7977940" y="2711579"/>
-          <a:ext cx="1449595" cy="707032"/>
-        </a:xfrm>
-        <a:prstGeom prst="roundRect">
-          <a:avLst>
-            <a:gd name="adj" fmla="val 10000"/>
-          </a:avLst>
-        </a:prstGeom>
-        <a:solidFill>
-          <a:schemeClr val="accent1">
-            <a:hueOff val="0"/>
-            <a:satOff val="0"/>
-            <a:lumOff val="0"/>
-            <a:alphaOff val="0"/>
-          </a:schemeClr>
-        </a:solidFill>
-        <a:ln w="12700" cap="flat" cmpd="sng" algn="ctr">
-          <a:solidFill>
-            <a:schemeClr val="lt1">
-              <a:hueOff val="0"/>
-              <a:satOff val="0"/>
-              <a:lumOff val="0"/>
-              <a:alphaOff val="0"/>
-            </a:schemeClr>
-          </a:solidFill>
-          <a:prstDash val="solid"/>
-        </a:ln>
-        <a:effectLst/>
-      </dsp:spPr>
-      <dsp:style>
-        <a:lnRef idx="2">
-          <a:scrgbClr r="0" g="0" b="0"/>
-        </a:lnRef>
-        <a:fillRef idx="1">
-          <a:scrgbClr r="0" g="0" b="0"/>
-        </a:fillRef>
-        <a:effectRef idx="0">
-          <a:scrgbClr r="0" g="0" b="0"/>
-        </a:effectRef>
-        <a:fontRef idx="minor">
-          <a:schemeClr val="lt1"/>
-        </a:fontRef>
-      </dsp:style>
-      <dsp:txBody>
-        <a:bodyPr spcFirstLastPara="0" vert="horz" wrap="square" lIns="27940" tIns="20955" rIns="27940" bIns="20955" numCol="1" spcCol="1270" anchor="ctr" anchorCtr="0">
-          <a:noAutofit/>
-        </a:bodyPr>
-        <a:lstStyle/>
-        <a:p>
-          <a:pPr marL="0" lvl="0" indent="0" algn="ctr" defTabSz="488950">
-            <a:lnSpc>
-              <a:spcPct val="90000"/>
-            </a:lnSpc>
-            <a:spcBef>
-              <a:spcPct val="0"/>
-            </a:spcBef>
-            <a:spcAft>
-              <a:spcPct val="35000"/>
-            </a:spcAft>
-            <a:buNone/>
-          </a:pPr>
-          <a:r>
-            <a:rPr lang="en-US" sz="1100" kern="1200" dirty="0"/>
-            <a:t>Health monitoring</a:t>
-          </a:r>
-        </a:p>
-      </dsp:txBody>
-      <dsp:txXfrm>
-        <a:off x="7998648" y="2732287"/>
-        <a:ext cx="1408179" cy="665616"/>
+        <a:off x="7576832" y="3014094"/>
+        <a:ext cx="1795117" cy="391950"/>
       </dsp:txXfrm>
     </dsp:sp>
   </dsp:spTree>
@@ -5032,8 +4779,8 @@
       </dsp:nvSpPr>
       <dsp:spPr>
         <a:xfrm>
-          <a:off x="47" y="54664"/>
-          <a:ext cx="4546893" cy="1117853"/>
+          <a:off x="47" y="615909"/>
+          <a:ext cx="4546893" cy="662400"/>
         </a:xfrm>
         <a:prstGeom prst="rect">
           <a:avLst/>
@@ -5074,12 +4821,12 @@
         </a:fontRef>
       </dsp:style>
       <dsp:txBody>
-        <a:bodyPr spcFirstLastPara="0" vert="horz" wrap="square" lIns="227584" tIns="130048" rIns="227584" bIns="130048" numCol="1" spcCol="1270" anchor="ctr" anchorCtr="0">
+        <a:bodyPr spcFirstLastPara="0" vert="horz" wrap="square" lIns="163576" tIns="93472" rIns="163576" bIns="93472" numCol="1" spcCol="1270" anchor="ctr" anchorCtr="0">
           <a:noAutofit/>
         </a:bodyPr>
         <a:lstStyle/>
         <a:p>
-          <a:pPr marL="0" lvl="0" indent="0" algn="ctr" defTabSz="1422400">
+          <a:pPr marL="0" lvl="0" indent="0" algn="ctr" defTabSz="1022350">
             <a:lnSpc>
               <a:spcPct val="90000"/>
             </a:lnSpc>
@@ -5092,18 +4839,15 @@
             <a:buNone/>
           </a:pPr>
           <a:r>
-            <a:rPr lang="ru-RU" sz="3200" kern="1200" dirty="0"/>
-            <a:t>Шаблон микросервиса</a:t>
+            <a:rPr lang="en-US" sz="2300" b="0" i="0" kern="1200" dirty="0" err="1"/>
+            <a:t>TemplateMicroserviceVS</a:t>
           </a:r>
-          <a:r>
-            <a:rPr lang="en-US" sz="3200" kern="1200" dirty="0"/>
-            <a:t> 1</a:t>
-          </a:r>
+          <a:endParaRPr lang="en-US" sz="2300" kern="1200" dirty="0"/>
         </a:p>
       </dsp:txBody>
       <dsp:txXfrm>
-        <a:off x="47" y="54664"/>
-        <a:ext cx="4546893" cy="1117853"/>
+        <a:off x="47" y="615909"/>
+        <a:ext cx="4546893" cy="662400"/>
       </dsp:txXfrm>
     </dsp:sp>
     <dsp:sp modelId="{0B900DE8-F567-44D8-83A4-7747D8C312C5}">
@@ -5113,8 +4857,8 @@
       </dsp:nvSpPr>
       <dsp:spPr>
         <a:xfrm>
-          <a:off x="47" y="1172518"/>
-          <a:ext cx="4546893" cy="2371680"/>
+          <a:off x="47" y="1278309"/>
+          <a:ext cx="4546893" cy="1704644"/>
         </a:xfrm>
         <a:prstGeom prst="rect">
           <a:avLst/>
@@ -5157,12 +4901,12 @@
         <a:fontRef idx="minor"/>
       </dsp:style>
       <dsp:txBody>
-        <a:bodyPr spcFirstLastPara="0" vert="horz" wrap="square" lIns="170688" tIns="170688" rIns="227584" bIns="256032" numCol="1" spcCol="1270" anchor="t" anchorCtr="0">
+        <a:bodyPr spcFirstLastPara="0" vert="horz" wrap="square" lIns="122682" tIns="122682" rIns="163576" bIns="184023" numCol="1" spcCol="1270" anchor="t" anchorCtr="0">
           <a:noAutofit/>
         </a:bodyPr>
         <a:lstStyle/>
         <a:p>
-          <a:pPr marL="285750" lvl="1" indent="-285750" algn="l" defTabSz="1422400">
+          <a:pPr marL="228600" lvl="1" indent="-228600" algn="l" defTabSz="1022350">
             <a:lnSpc>
               <a:spcPct val="90000"/>
             </a:lnSpc>
@@ -5175,13 +4919,13 @@
             <a:buChar char="•"/>
           </a:pPr>
           <a:r>
-            <a:rPr lang="ru-RU" sz="3200" kern="1200" dirty="0"/>
+            <a:rPr lang="ru-RU" sz="2300" kern="1200" dirty="0"/>
             <a:t>Авторизация</a:t>
           </a:r>
-          <a:endParaRPr lang="en-US" sz="3200" kern="1200" dirty="0"/>
+          <a:endParaRPr lang="en-US" sz="2300" kern="1200" dirty="0"/>
         </a:p>
         <a:p>
-          <a:pPr marL="285750" lvl="1" indent="-285750" algn="l" defTabSz="1422400">
+          <a:pPr marL="228600" lvl="1" indent="-228600" algn="l" defTabSz="1022350">
             <a:lnSpc>
               <a:spcPct val="90000"/>
             </a:lnSpc>
@@ -5194,12 +4938,12 @@
             <a:buChar char="•"/>
           </a:pPr>
           <a:r>
-            <a:rPr lang="en-US" sz="3200" kern="1200" dirty="0"/>
+            <a:rPr lang="en-US" sz="2300" kern="1200" dirty="0"/>
             <a:t>Mapper</a:t>
           </a:r>
         </a:p>
         <a:p>
-          <a:pPr marL="285750" lvl="1" indent="-285750" algn="l" defTabSz="1422400">
+          <a:pPr marL="228600" lvl="1" indent="-228600" algn="l" defTabSz="1022350">
             <a:lnSpc>
               <a:spcPct val="90000"/>
             </a:lnSpc>
@@ -5212,12 +4956,12 @@
             <a:buChar char="•"/>
           </a:pPr>
           <a:r>
-            <a:rPr lang="en-US" sz="3200" kern="1200" dirty="0"/>
+            <a:rPr lang="en-US" sz="2300" kern="1200" dirty="0"/>
             <a:t>Unit Of Work</a:t>
           </a:r>
         </a:p>
         <a:p>
-          <a:pPr marL="285750" lvl="1" indent="-285750" algn="l" defTabSz="1422400">
+          <a:pPr marL="228600" lvl="1" indent="-228600" algn="l" defTabSz="1022350">
             <a:lnSpc>
               <a:spcPct val="90000"/>
             </a:lnSpc>
@@ -5230,14 +4974,14 @@
             <a:buChar char="•"/>
           </a:pPr>
           <a:r>
-            <a:rPr lang="en-US" sz="3200" kern="1200" dirty="0"/>
+            <a:rPr lang="en-US" sz="2300" kern="1200" dirty="0"/>
             <a:t>Repository</a:t>
           </a:r>
         </a:p>
       </dsp:txBody>
       <dsp:txXfrm>
-        <a:off x="47" y="1172518"/>
-        <a:ext cx="4546893" cy="2371680"/>
+        <a:off x="47" y="1278309"/>
+        <a:ext cx="4546893" cy="1704644"/>
       </dsp:txXfrm>
     </dsp:sp>
     <dsp:sp modelId="{42A9104B-0428-4481-8F40-CBB83AB2CA0E}">
@@ -5247,8 +4991,8 @@
       </dsp:nvSpPr>
       <dsp:spPr>
         <a:xfrm>
-          <a:off x="5183506" y="54664"/>
-          <a:ext cx="4546893" cy="1117853"/>
+          <a:off x="5183506" y="615909"/>
+          <a:ext cx="4546893" cy="662400"/>
         </a:xfrm>
         <a:prstGeom prst="rect">
           <a:avLst/>
@@ -5289,12 +5033,12 @@
         </a:fontRef>
       </dsp:style>
       <dsp:txBody>
-        <a:bodyPr spcFirstLastPara="0" vert="horz" wrap="square" lIns="227584" tIns="130048" rIns="227584" bIns="130048" numCol="1" spcCol="1270" anchor="ctr" anchorCtr="0">
+        <a:bodyPr spcFirstLastPara="0" vert="horz" wrap="square" lIns="163576" tIns="93472" rIns="163576" bIns="93472" numCol="1" spcCol="1270" anchor="ctr" anchorCtr="0">
           <a:noAutofit/>
         </a:bodyPr>
         <a:lstStyle/>
         <a:p>
-          <a:pPr marL="0" lvl="0" indent="0" algn="ctr" defTabSz="1422400">
+          <a:pPr marL="0" lvl="0" indent="0" algn="ctr" defTabSz="1022350">
             <a:lnSpc>
               <a:spcPct val="90000"/>
             </a:lnSpc>
@@ -5307,15 +5051,15 @@
             <a:buNone/>
           </a:pPr>
           <a:r>
-            <a:rPr lang="ru-RU" sz="3200" kern="1200" dirty="0"/>
-            <a:t>Шаблон микросервиса 2</a:t>
+            <a:rPr lang="en-US" sz="2300" b="0" i="0" kern="1200" dirty="0" err="1"/>
+            <a:t>TemplateMicroserviceModuleVS</a:t>
           </a:r>
-          <a:endParaRPr lang="en-US" sz="3200" kern="1200" dirty="0"/>
+          <a:endParaRPr lang="en-US" sz="2300" kern="1200" dirty="0"/>
         </a:p>
       </dsp:txBody>
       <dsp:txXfrm>
-        <a:off x="5183506" y="54664"/>
-        <a:ext cx="4546893" cy="1117853"/>
+        <a:off x="5183506" y="615909"/>
+        <a:ext cx="4546893" cy="662400"/>
       </dsp:txXfrm>
     </dsp:sp>
     <dsp:sp modelId="{75AF9ED6-AE17-41E7-95B0-53D5E52A506B}">
@@ -5325,8 +5069,8 @@
       </dsp:nvSpPr>
       <dsp:spPr>
         <a:xfrm>
-          <a:off x="5183506" y="1172518"/>
-          <a:ext cx="4546893" cy="2371680"/>
+          <a:off x="5183506" y="1278309"/>
+          <a:ext cx="4546893" cy="1704644"/>
         </a:xfrm>
         <a:prstGeom prst="rect">
           <a:avLst/>
@@ -5369,12 +5113,12 @@
         <a:fontRef idx="minor"/>
       </dsp:style>
       <dsp:txBody>
-        <a:bodyPr spcFirstLastPara="0" vert="horz" wrap="square" lIns="170688" tIns="170688" rIns="227584" bIns="256032" numCol="1" spcCol="1270" anchor="t" anchorCtr="0">
+        <a:bodyPr spcFirstLastPara="0" vert="horz" wrap="square" lIns="122682" tIns="122682" rIns="163576" bIns="184023" numCol="1" spcCol="1270" anchor="t" anchorCtr="0">
           <a:noAutofit/>
         </a:bodyPr>
         <a:lstStyle/>
         <a:p>
-          <a:pPr marL="285750" lvl="1" indent="-285750" algn="l" defTabSz="1422400">
+          <a:pPr marL="228600" lvl="1" indent="-228600" algn="l" defTabSz="1022350">
             <a:lnSpc>
               <a:spcPct val="90000"/>
             </a:lnSpc>
@@ -5387,12 +5131,12 @@
             <a:buChar char="•"/>
           </a:pPr>
           <a:r>
-            <a:rPr lang="en-US" sz="3200" kern="1200" dirty="0"/>
+            <a:rPr lang="en-US" sz="2300" kern="1200" dirty="0"/>
             <a:t>Mapper</a:t>
           </a:r>
         </a:p>
         <a:p>
-          <a:pPr marL="285750" lvl="1" indent="-285750" algn="l" defTabSz="1422400">
+          <a:pPr marL="228600" lvl="1" indent="-228600" algn="l" defTabSz="1022350">
             <a:lnSpc>
               <a:spcPct val="90000"/>
             </a:lnSpc>
@@ -5405,12 +5149,12 @@
             <a:buChar char="•"/>
           </a:pPr>
           <a:r>
-            <a:rPr lang="en-US" sz="3200" kern="1200" dirty="0"/>
+            <a:rPr lang="en-US" sz="2300" kern="1200" dirty="0"/>
             <a:t>Unit Of Work</a:t>
           </a:r>
         </a:p>
         <a:p>
-          <a:pPr marL="285750" lvl="1" indent="-285750" algn="l" defTabSz="1422400">
+          <a:pPr marL="228600" lvl="1" indent="-228600" algn="l" defTabSz="1022350">
             <a:lnSpc>
               <a:spcPct val="90000"/>
             </a:lnSpc>
@@ -5423,14 +5167,14 @@
             <a:buChar char="•"/>
           </a:pPr>
           <a:r>
-            <a:rPr lang="en-US" sz="3200" kern="1200" dirty="0"/>
+            <a:rPr lang="en-US" sz="2300" kern="1200" dirty="0"/>
             <a:t>Repository</a:t>
           </a:r>
         </a:p>
       </dsp:txBody>
       <dsp:txXfrm>
-        <a:off x="5183506" y="1172518"/>
-        <a:ext cx="4546893" cy="2371680"/>
+        <a:off x="5183506" y="1278309"/>
+        <a:ext cx="4546893" cy="1704644"/>
       </dsp:txXfrm>
     </dsp:sp>
   </dsp:spTree>
@@ -8031,7 +7775,7 @@
           <a:p>
             <a:fld id="{CDDF240B-3CA8-4045-B7C9-8B67F6FA2B5E}" type="datetimeFigureOut">
               <a:rPr lang="en-US" smtClean="0"/>
-              <a:t>2019-04-30</a:t>
+              <a:t>2019-05-01</a:t>
             </a:fld>
             <a:endParaRPr lang="en-US"/>
           </a:p>
@@ -8196,7 +7940,7 @@
           <a:p>
             <a:fld id="{06EDAF69-7046-4476-96BB-1FD28CD0E6CB}" type="datetimeFigureOut">
               <a:rPr lang="en-US" smtClean="0"/>
-              <a:t>2019-04-30</a:t>
+              <a:t>2019-05-01</a:t>
             </a:fld>
             <a:endParaRPr lang="en-US"/>
           </a:p>
@@ -8462,6 +8206,853 @@
     </a:lvl9pPr>
   </p:notesStyle>
 </p:notesMaster>
+</file>
+
+<file path=ppt/notesSlides/notesSlide1.xml><?xml version="1.0" encoding="utf-8"?>
+<p:notes xmlns:a="http://schemas.openxmlformats.org/drawingml/2006/main" xmlns:r="http://schemas.openxmlformats.org/officeDocument/2006/relationships" xmlns:p="http://schemas.openxmlformats.org/presentationml/2006/main">
+  <p:cSld>
+    <p:spTree>
+      <p:nvGrpSpPr>
+        <p:cNvPr id="1" name=""/>
+        <p:cNvGrpSpPr/>
+        <p:nvPr/>
+      </p:nvGrpSpPr>
+      <p:grpSpPr>
+        <a:xfrm>
+          <a:off x="0" y="0"/>
+          <a:ext cx="0" cy="0"/>
+          <a:chOff x="0" y="0"/>
+          <a:chExt cx="0" cy="0"/>
+        </a:xfrm>
+      </p:grpSpPr>
+      <p:sp>
+        <p:nvSpPr>
+          <p:cNvPr id="2" name="Образ слайда 1"/>
+          <p:cNvSpPr>
+            <a:spLocks noGrp="1" noRot="1" noChangeAspect="1"/>
+          </p:cNvSpPr>
+          <p:nvPr>
+            <p:ph type="sldImg"/>
+          </p:nvPr>
+        </p:nvSpPr>
+        <p:spPr/>
+      </p:sp>
+      <p:sp>
+        <p:nvSpPr>
+          <p:cNvPr id="3" name="Заметки 2"/>
+          <p:cNvSpPr>
+            <a:spLocks noGrp="1"/>
+          </p:cNvSpPr>
+          <p:nvPr>
+            <p:ph type="body" idx="1"/>
+          </p:nvPr>
+        </p:nvSpPr>
+        <p:spPr/>
+        <p:txBody>
+          <a:bodyPr/>
+          <a:lstStyle/>
+          <a:p>
+            <a:r>
+              <a:rPr lang="ru-RU" dirty="0"/>
+              <a:t>Продолжение темы</a:t>
+            </a:r>
+          </a:p>
+          <a:p>
+            <a:pPr marL="0" marR="0" lvl="0" indent="0" algn="l" defTabSz="914400" rtl="0" eaLnBrk="1" fontAlgn="auto" latinLnBrk="0" hangingPunct="1">
+              <a:lnSpc>
+                <a:spcPct val="100000"/>
+              </a:lnSpc>
+              <a:spcBef>
+                <a:spcPts val="0"/>
+              </a:spcBef>
+              <a:spcAft>
+                <a:spcPts val="0"/>
+              </a:spcAft>
+              <a:buClrTx/>
+              <a:buSzTx/>
+              <a:buFontTx/>
+              <a:buNone/>
+              <a:tabLst/>
+              <a:defRPr/>
+            </a:pPr>
+            <a:r>
+              <a:rPr lang="ru-RU" dirty="0"/>
+              <a:t>Спасибо за комментарии</a:t>
+            </a:r>
+            <a:endParaRPr lang="en-US" dirty="0"/>
+          </a:p>
+          <a:p>
+            <a:r>
+              <a:rPr lang="ru-RU" dirty="0"/>
+              <a:t>Новый шаблон</a:t>
+            </a:r>
+            <a:endParaRPr lang="en-US" dirty="0"/>
+          </a:p>
+          <a:p>
+            <a:r>
+              <a:rPr lang="ru-RU" dirty="0"/>
+              <a:t>Это не руководство к разработке (не </a:t>
+            </a:r>
+            <a:r>
+              <a:rPr lang="en-US" dirty="0"/>
+              <a:t>tutorial)</a:t>
+            </a:r>
+            <a:r>
+              <a:rPr lang="ru-RU" dirty="0"/>
+              <a:t>,</a:t>
+            </a:r>
+            <a:r>
+              <a:rPr lang="en-US" dirty="0"/>
+              <a:t> </a:t>
+            </a:r>
+            <a:r>
+              <a:rPr lang="ru-RU" dirty="0"/>
+              <a:t>это знакомство с архитектурой</a:t>
+            </a:r>
+            <a:endParaRPr lang="en-US" dirty="0"/>
+          </a:p>
+        </p:txBody>
+      </p:sp>
+      <p:sp>
+        <p:nvSpPr>
+          <p:cNvPr id="4" name="Номер слайда 3"/>
+          <p:cNvSpPr>
+            <a:spLocks noGrp="1"/>
+          </p:cNvSpPr>
+          <p:nvPr>
+            <p:ph type="sldNum" sz="quarter" idx="5"/>
+          </p:nvPr>
+        </p:nvSpPr>
+        <p:spPr/>
+        <p:txBody>
+          <a:bodyPr/>
+          <a:lstStyle/>
+          <a:p>
+            <a:fld id="{AB865DE8-36B7-4B7D-8CF5-EE979AF6AB02}" type="slidenum">
+              <a:rPr lang="en-US" smtClean="0"/>
+              <a:t>1</a:t>
+            </a:fld>
+            <a:endParaRPr lang="en-US"/>
+          </a:p>
+        </p:txBody>
+      </p:sp>
+    </p:spTree>
+    <p:extLst>
+      <p:ext uri="{BB962C8B-B14F-4D97-AF65-F5344CB8AC3E}">
+        <p14:creationId xmlns:p14="http://schemas.microsoft.com/office/powerpoint/2010/main" val="79152277"/>
+      </p:ext>
+    </p:extLst>
+  </p:cSld>
+  <p:clrMapOvr>
+    <a:masterClrMapping/>
+  </p:clrMapOvr>
+</p:notes>
+</file>
+
+<file path=ppt/notesSlides/notesSlide2.xml><?xml version="1.0" encoding="utf-8"?>
+<p:notes xmlns:a="http://schemas.openxmlformats.org/drawingml/2006/main" xmlns:r="http://schemas.openxmlformats.org/officeDocument/2006/relationships" xmlns:p="http://schemas.openxmlformats.org/presentationml/2006/main">
+  <p:cSld>
+    <p:spTree>
+      <p:nvGrpSpPr>
+        <p:cNvPr id="1" name=""/>
+        <p:cNvGrpSpPr/>
+        <p:nvPr/>
+      </p:nvGrpSpPr>
+      <p:grpSpPr>
+        <a:xfrm>
+          <a:off x="0" y="0"/>
+          <a:ext cx="0" cy="0"/>
+          <a:chOff x="0" y="0"/>
+          <a:chExt cx="0" cy="0"/>
+        </a:xfrm>
+      </p:grpSpPr>
+      <p:sp>
+        <p:nvSpPr>
+          <p:cNvPr id="2" name="Образ слайда 1"/>
+          <p:cNvSpPr>
+            <a:spLocks noGrp="1" noRot="1" noChangeAspect="1"/>
+          </p:cNvSpPr>
+          <p:nvPr>
+            <p:ph type="sldImg"/>
+          </p:nvPr>
+        </p:nvSpPr>
+        <p:spPr/>
+      </p:sp>
+      <p:sp>
+        <p:nvSpPr>
+          <p:cNvPr id="3" name="Заметки 2"/>
+          <p:cNvSpPr>
+            <a:spLocks noGrp="1"/>
+          </p:cNvSpPr>
+          <p:nvPr>
+            <p:ph type="body" idx="1"/>
+          </p:nvPr>
+        </p:nvSpPr>
+        <p:spPr/>
+        <p:txBody>
+          <a:bodyPr/>
+          <a:lstStyle/>
+          <a:p>
+            <a:r>
+              <a:rPr lang="ru-RU" dirty="0"/>
+              <a:t>Свойства, характерные для микросервисной архитектуры:</a:t>
+            </a:r>
+          </a:p>
+          <a:p>
+            <a:r>
+              <a:rPr lang="ru-RU" dirty="0"/>
+              <a:t>- модули можно легко заменить в любое время: акцент на простоту, независимость развёртывания и обновления каждого из микросервисов;</a:t>
+            </a:r>
+          </a:p>
+          <a:p>
+            <a:r>
+              <a:rPr lang="ru-RU" dirty="0"/>
+              <a:t>- модули организованы вокруг функций: микросервис по возможности выполняет только одну достаточно элементарную функцию;</a:t>
+            </a:r>
+          </a:p>
+          <a:p>
+            <a:r>
+              <a:rPr lang="ru-RU" dirty="0"/>
+              <a:t>- модули могут быть реализованы с использованием различных языков программирования, фреймворков, связующего программного обеспечения, выполняться в различных средах контейнеризации, виртуализации, под управлением различных операционных систем на различных аппаратных платформах: приоритет отдаётся в пользу наибольшей эффективности для каждой конкретной функции, нежели стандартизации средств разработки и исполнения;</a:t>
+            </a:r>
+          </a:p>
+          <a:p>
+            <a:r>
+              <a:rPr lang="ru-RU" dirty="0"/>
+              <a:t>- архитектура симметричная, а не иерархическая: зависимости между </a:t>
+            </a:r>
+            <a:r>
+              <a:rPr lang="ru-RU" dirty="0" err="1"/>
+              <a:t>микросервисами</a:t>
+            </a:r>
+            <a:r>
+              <a:rPr lang="ru-RU" dirty="0"/>
+              <a:t> одноранговые.</a:t>
+            </a:r>
+            <a:endParaRPr lang="en-US" dirty="0"/>
+          </a:p>
+        </p:txBody>
+      </p:sp>
+      <p:sp>
+        <p:nvSpPr>
+          <p:cNvPr id="4" name="Номер слайда 3"/>
+          <p:cNvSpPr>
+            <a:spLocks noGrp="1"/>
+          </p:cNvSpPr>
+          <p:nvPr>
+            <p:ph type="sldNum" sz="quarter" idx="5"/>
+          </p:nvPr>
+        </p:nvSpPr>
+        <p:spPr/>
+        <p:txBody>
+          <a:bodyPr/>
+          <a:lstStyle/>
+          <a:p>
+            <a:fld id="{AB865DE8-36B7-4B7D-8CF5-EE979AF6AB02}" type="slidenum">
+              <a:rPr lang="en-US" smtClean="0"/>
+              <a:t>2</a:t>
+            </a:fld>
+            <a:endParaRPr lang="en-US"/>
+          </a:p>
+        </p:txBody>
+      </p:sp>
+    </p:spTree>
+    <p:extLst>
+      <p:ext uri="{BB962C8B-B14F-4D97-AF65-F5344CB8AC3E}">
+        <p14:creationId xmlns:p14="http://schemas.microsoft.com/office/powerpoint/2010/main" val="1399459710"/>
+      </p:ext>
+    </p:extLst>
+  </p:cSld>
+  <p:clrMapOvr>
+    <a:masterClrMapping/>
+  </p:clrMapOvr>
+</p:notes>
+</file>
+
+<file path=ppt/notesSlides/notesSlide3.xml><?xml version="1.0" encoding="utf-8"?>
+<p:notes xmlns:a="http://schemas.openxmlformats.org/drawingml/2006/main" xmlns:r="http://schemas.openxmlformats.org/officeDocument/2006/relationships" xmlns:p="http://schemas.openxmlformats.org/presentationml/2006/main">
+  <p:cSld>
+    <p:spTree>
+      <p:nvGrpSpPr>
+        <p:cNvPr id="1" name=""/>
+        <p:cNvGrpSpPr/>
+        <p:nvPr/>
+      </p:nvGrpSpPr>
+      <p:grpSpPr>
+        <a:xfrm>
+          <a:off x="0" y="0"/>
+          <a:ext cx="0" cy="0"/>
+          <a:chOff x="0" y="0"/>
+          <a:chExt cx="0" cy="0"/>
+        </a:xfrm>
+      </p:grpSpPr>
+      <p:sp>
+        <p:nvSpPr>
+          <p:cNvPr id="2" name="Образ слайда 1"/>
+          <p:cNvSpPr>
+            <a:spLocks noGrp="1" noRot="1" noChangeAspect="1"/>
+          </p:cNvSpPr>
+          <p:nvPr>
+            <p:ph type="sldImg"/>
+          </p:nvPr>
+        </p:nvSpPr>
+        <p:spPr/>
+      </p:sp>
+      <p:sp>
+        <p:nvSpPr>
+          <p:cNvPr id="3" name="Заметки 2"/>
+          <p:cNvSpPr>
+            <a:spLocks noGrp="1"/>
+          </p:cNvSpPr>
+          <p:nvPr>
+            <p:ph type="body" idx="1"/>
+          </p:nvPr>
+        </p:nvSpPr>
+        <p:spPr/>
+        <p:txBody>
+          <a:bodyPr/>
+          <a:lstStyle/>
+          <a:p>
+            <a:r>
+              <a:rPr lang="ru-RU" dirty="0"/>
+              <a:t>Начинать системы аутентификации и авторизации</a:t>
+            </a:r>
+          </a:p>
+          <a:p>
+            <a:r>
+              <a:rPr lang="ru-RU" dirty="0"/>
+              <a:t>Добавлять сервисы постепенно</a:t>
+            </a:r>
+          </a:p>
+          <a:p>
+            <a:r>
+              <a:rPr lang="ru-RU" dirty="0"/>
+              <a:t>Наличие тех или иных модулей и технологий зависит от конкретных задач</a:t>
+            </a:r>
+          </a:p>
+          <a:p>
+            <a:r>
+              <a:rPr lang="ru-RU" dirty="0"/>
+              <a:t>Нет четко определенных правил, есть характерные свойства</a:t>
+            </a:r>
+            <a:endParaRPr lang="en-US" dirty="0"/>
+          </a:p>
+        </p:txBody>
+      </p:sp>
+      <p:sp>
+        <p:nvSpPr>
+          <p:cNvPr id="4" name="Номер слайда 3"/>
+          <p:cNvSpPr>
+            <a:spLocks noGrp="1"/>
+          </p:cNvSpPr>
+          <p:nvPr>
+            <p:ph type="sldNum" sz="quarter" idx="5"/>
+          </p:nvPr>
+        </p:nvSpPr>
+        <p:spPr/>
+        <p:txBody>
+          <a:bodyPr/>
+          <a:lstStyle/>
+          <a:p>
+            <a:fld id="{AB865DE8-36B7-4B7D-8CF5-EE979AF6AB02}" type="slidenum">
+              <a:rPr lang="en-US" smtClean="0"/>
+              <a:t>3</a:t>
+            </a:fld>
+            <a:endParaRPr lang="en-US"/>
+          </a:p>
+        </p:txBody>
+      </p:sp>
+    </p:spTree>
+    <p:extLst>
+      <p:ext uri="{BB962C8B-B14F-4D97-AF65-F5344CB8AC3E}">
+        <p14:creationId xmlns:p14="http://schemas.microsoft.com/office/powerpoint/2010/main" val="2917439328"/>
+      </p:ext>
+    </p:extLst>
+  </p:cSld>
+  <p:clrMapOvr>
+    <a:masterClrMapping/>
+  </p:clrMapOvr>
+</p:notes>
+</file>
+
+<file path=ppt/notesSlides/notesSlide4.xml><?xml version="1.0" encoding="utf-8"?>
+<p:notes xmlns:a="http://schemas.openxmlformats.org/drawingml/2006/main" xmlns:r="http://schemas.openxmlformats.org/officeDocument/2006/relationships" xmlns:p="http://schemas.openxmlformats.org/presentationml/2006/main">
+  <p:cSld>
+    <p:spTree>
+      <p:nvGrpSpPr>
+        <p:cNvPr id="1" name=""/>
+        <p:cNvGrpSpPr/>
+        <p:nvPr/>
+      </p:nvGrpSpPr>
+      <p:grpSpPr>
+        <a:xfrm>
+          <a:off x="0" y="0"/>
+          <a:ext cx="0" cy="0"/>
+          <a:chOff x="0" y="0"/>
+          <a:chExt cx="0" cy="0"/>
+        </a:xfrm>
+      </p:grpSpPr>
+      <p:sp>
+        <p:nvSpPr>
+          <p:cNvPr id="2" name="Образ слайда 1"/>
+          <p:cNvSpPr>
+            <a:spLocks noGrp="1" noRot="1" noChangeAspect="1"/>
+          </p:cNvSpPr>
+          <p:nvPr>
+            <p:ph type="sldImg"/>
+          </p:nvPr>
+        </p:nvSpPr>
+        <p:spPr/>
+      </p:sp>
+      <p:sp>
+        <p:nvSpPr>
+          <p:cNvPr id="3" name="Заметки 2"/>
+          <p:cNvSpPr>
+            <a:spLocks noGrp="1"/>
+          </p:cNvSpPr>
+          <p:nvPr>
+            <p:ph type="body" idx="1"/>
+          </p:nvPr>
+        </p:nvSpPr>
+        <p:spPr/>
+        <p:txBody>
+          <a:bodyPr/>
+          <a:lstStyle/>
+          <a:p>
+            <a:r>
+              <a:rPr lang="ru-RU" dirty="0"/>
+              <a:t>Давно созданные и существующие системы имеющие характеристики похожие на </a:t>
+            </a:r>
+            <a:r>
+              <a:rPr lang="ru-RU" dirty="0" err="1"/>
+              <a:t>микросервисные</a:t>
+            </a:r>
+            <a:r>
+              <a:rPr lang="ru-RU" dirty="0"/>
+              <a:t> – тоже могут называться </a:t>
+            </a:r>
+            <a:r>
+              <a:rPr lang="ru-RU" dirty="0" err="1"/>
+              <a:t>микросервисами</a:t>
+            </a:r>
+            <a:endParaRPr lang="ru-RU" dirty="0"/>
+          </a:p>
+          <a:p>
+            <a:r>
+              <a:rPr lang="ru-RU" dirty="0"/>
+              <a:t>Решений множество, вариантов куча</a:t>
+            </a:r>
+            <a:endParaRPr lang="en-US" dirty="0"/>
+          </a:p>
+        </p:txBody>
+      </p:sp>
+      <p:sp>
+        <p:nvSpPr>
+          <p:cNvPr id="4" name="Номер слайда 3"/>
+          <p:cNvSpPr>
+            <a:spLocks noGrp="1"/>
+          </p:cNvSpPr>
+          <p:nvPr>
+            <p:ph type="sldNum" sz="quarter" idx="5"/>
+          </p:nvPr>
+        </p:nvSpPr>
+        <p:spPr/>
+        <p:txBody>
+          <a:bodyPr/>
+          <a:lstStyle/>
+          <a:p>
+            <a:fld id="{AB865DE8-36B7-4B7D-8CF5-EE979AF6AB02}" type="slidenum">
+              <a:rPr lang="en-US" smtClean="0"/>
+              <a:t>4</a:t>
+            </a:fld>
+            <a:endParaRPr lang="en-US"/>
+          </a:p>
+        </p:txBody>
+      </p:sp>
+    </p:spTree>
+    <p:extLst>
+      <p:ext uri="{BB962C8B-B14F-4D97-AF65-F5344CB8AC3E}">
+        <p14:creationId xmlns:p14="http://schemas.microsoft.com/office/powerpoint/2010/main" val="3988296453"/>
+      </p:ext>
+    </p:extLst>
+  </p:cSld>
+  <p:clrMapOvr>
+    <a:masterClrMapping/>
+  </p:clrMapOvr>
+</p:notes>
+</file>
+
+<file path=ppt/notesSlides/notesSlide5.xml><?xml version="1.0" encoding="utf-8"?>
+<p:notes xmlns:a="http://schemas.openxmlformats.org/drawingml/2006/main" xmlns:r="http://schemas.openxmlformats.org/officeDocument/2006/relationships" xmlns:p="http://schemas.openxmlformats.org/presentationml/2006/main">
+  <p:cSld>
+    <p:spTree>
+      <p:nvGrpSpPr>
+        <p:cNvPr id="1" name=""/>
+        <p:cNvGrpSpPr/>
+        <p:nvPr/>
+      </p:nvGrpSpPr>
+      <p:grpSpPr>
+        <a:xfrm>
+          <a:off x="0" y="0"/>
+          <a:ext cx="0" cy="0"/>
+          <a:chOff x="0" y="0"/>
+          <a:chExt cx="0" cy="0"/>
+        </a:xfrm>
+      </p:grpSpPr>
+      <p:sp>
+        <p:nvSpPr>
+          <p:cNvPr id="2" name="Образ слайда 1"/>
+          <p:cNvSpPr>
+            <a:spLocks noGrp="1" noRot="1" noChangeAspect="1"/>
+          </p:cNvSpPr>
+          <p:nvPr>
+            <p:ph type="sldImg"/>
+          </p:nvPr>
+        </p:nvSpPr>
+        <p:spPr/>
+      </p:sp>
+      <p:sp>
+        <p:nvSpPr>
+          <p:cNvPr id="3" name="Заметки 2"/>
+          <p:cNvSpPr>
+            <a:spLocks noGrp="1"/>
+          </p:cNvSpPr>
+          <p:nvPr>
+            <p:ph type="body" idx="1"/>
+          </p:nvPr>
+        </p:nvSpPr>
+        <p:spPr/>
+        <p:txBody>
+          <a:bodyPr/>
+          <a:lstStyle/>
+          <a:p>
+            <a:r>
+              <a:rPr lang="ru-RU" dirty="0"/>
+              <a:t>В каждом из представленных реализовано множество функций, возможно некоторые вы просто вырежете из своей реализации</a:t>
+            </a:r>
+          </a:p>
+          <a:p>
+            <a:r>
+              <a:rPr lang="ru-RU" dirty="0"/>
+              <a:t>Сервер авторизации может быть сам выдавать токены</a:t>
+            </a:r>
+          </a:p>
+          <a:p>
+            <a:r>
+              <a:rPr lang="en-US" dirty="0"/>
+              <a:t>IdentityServer4</a:t>
+            </a:r>
+            <a:r>
+              <a:rPr lang="ru-RU" dirty="0"/>
+              <a:t> имеет очень большие возможности по реализации различных сценариев</a:t>
+            </a:r>
+          </a:p>
+          <a:p>
+            <a:r>
+              <a:rPr lang="en-US" dirty="0" err="1"/>
+              <a:t>IdentityServer</a:t>
+            </a:r>
+            <a:r>
+              <a:rPr lang="en-US" dirty="0"/>
+              <a:t> 4 is an open source OpenID Connect and OAuth 2.0 framework for ASP.NET Core</a:t>
+            </a:r>
+          </a:p>
+        </p:txBody>
+      </p:sp>
+      <p:sp>
+        <p:nvSpPr>
+          <p:cNvPr id="4" name="Номер слайда 3"/>
+          <p:cNvSpPr>
+            <a:spLocks noGrp="1"/>
+          </p:cNvSpPr>
+          <p:nvPr>
+            <p:ph type="sldNum" sz="quarter" idx="5"/>
+          </p:nvPr>
+        </p:nvSpPr>
+        <p:spPr/>
+        <p:txBody>
+          <a:bodyPr/>
+          <a:lstStyle/>
+          <a:p>
+            <a:fld id="{AB865DE8-36B7-4B7D-8CF5-EE979AF6AB02}" type="slidenum">
+              <a:rPr lang="en-US" smtClean="0"/>
+              <a:t>5</a:t>
+            </a:fld>
+            <a:endParaRPr lang="en-US"/>
+          </a:p>
+        </p:txBody>
+      </p:sp>
+    </p:spTree>
+    <p:extLst>
+      <p:ext uri="{BB962C8B-B14F-4D97-AF65-F5344CB8AC3E}">
+        <p14:creationId xmlns:p14="http://schemas.microsoft.com/office/powerpoint/2010/main" val="2453007385"/>
+      </p:ext>
+    </p:extLst>
+  </p:cSld>
+  <p:clrMapOvr>
+    <a:masterClrMapping/>
+  </p:clrMapOvr>
+</p:notes>
+</file>
+
+<file path=ppt/notesSlides/notesSlide6.xml><?xml version="1.0" encoding="utf-8"?>
+<p:notes xmlns:a="http://schemas.openxmlformats.org/drawingml/2006/main" xmlns:r="http://schemas.openxmlformats.org/officeDocument/2006/relationships" xmlns:p="http://schemas.openxmlformats.org/presentationml/2006/main">
+  <p:cSld>
+    <p:spTree>
+      <p:nvGrpSpPr>
+        <p:cNvPr id="1" name=""/>
+        <p:cNvGrpSpPr/>
+        <p:nvPr/>
+      </p:nvGrpSpPr>
+      <p:grpSpPr>
+        <a:xfrm>
+          <a:off x="0" y="0"/>
+          <a:ext cx="0" cy="0"/>
+          <a:chOff x="0" y="0"/>
+          <a:chExt cx="0" cy="0"/>
+        </a:xfrm>
+      </p:grpSpPr>
+      <p:sp>
+        <p:nvSpPr>
+          <p:cNvPr id="2" name="Образ слайда 1"/>
+          <p:cNvSpPr>
+            <a:spLocks noGrp="1" noRot="1" noChangeAspect="1"/>
+          </p:cNvSpPr>
+          <p:nvPr>
+            <p:ph type="sldImg"/>
+          </p:nvPr>
+        </p:nvSpPr>
+        <p:spPr/>
+      </p:sp>
+      <p:sp>
+        <p:nvSpPr>
+          <p:cNvPr id="3" name="Заметки 2"/>
+          <p:cNvSpPr>
+            <a:spLocks noGrp="1"/>
+          </p:cNvSpPr>
+          <p:nvPr>
+            <p:ph type="body" idx="1"/>
+          </p:nvPr>
+        </p:nvSpPr>
+        <p:spPr/>
+        <p:txBody>
+          <a:bodyPr/>
+          <a:lstStyle/>
+          <a:p>
+            <a:r>
+              <a:rPr lang="ru-RU" dirty="0"/>
+              <a:t>Как создать микросервис без сервера авторизации</a:t>
+            </a:r>
+            <a:endParaRPr lang="en-US" dirty="0"/>
+          </a:p>
+        </p:txBody>
+      </p:sp>
+      <p:sp>
+        <p:nvSpPr>
+          <p:cNvPr id="4" name="Номер слайда 3"/>
+          <p:cNvSpPr>
+            <a:spLocks noGrp="1"/>
+          </p:cNvSpPr>
+          <p:nvPr>
+            <p:ph type="sldNum" sz="quarter" idx="5"/>
+          </p:nvPr>
+        </p:nvSpPr>
+        <p:spPr/>
+        <p:txBody>
+          <a:bodyPr/>
+          <a:lstStyle/>
+          <a:p>
+            <a:fld id="{AB865DE8-36B7-4B7D-8CF5-EE979AF6AB02}" type="slidenum">
+              <a:rPr lang="en-US" smtClean="0"/>
+              <a:t>6</a:t>
+            </a:fld>
+            <a:endParaRPr lang="en-US"/>
+          </a:p>
+        </p:txBody>
+      </p:sp>
+    </p:spTree>
+    <p:extLst>
+      <p:ext uri="{BB962C8B-B14F-4D97-AF65-F5344CB8AC3E}">
+        <p14:creationId xmlns:p14="http://schemas.microsoft.com/office/powerpoint/2010/main" val="3058993002"/>
+      </p:ext>
+    </p:extLst>
+  </p:cSld>
+  <p:clrMapOvr>
+    <a:masterClrMapping/>
+  </p:clrMapOvr>
+</p:notes>
+</file>
+
+<file path=ppt/notesSlides/notesSlide7.xml><?xml version="1.0" encoding="utf-8"?>
+<p:notes xmlns:a="http://schemas.openxmlformats.org/drawingml/2006/main" xmlns:r="http://schemas.openxmlformats.org/officeDocument/2006/relationships" xmlns:p="http://schemas.openxmlformats.org/presentationml/2006/main">
+  <p:cSld>
+    <p:spTree>
+      <p:nvGrpSpPr>
+        <p:cNvPr id="1" name=""/>
+        <p:cNvGrpSpPr/>
+        <p:nvPr/>
+      </p:nvGrpSpPr>
+      <p:grpSpPr>
+        <a:xfrm>
+          <a:off x="0" y="0"/>
+          <a:ext cx="0" cy="0"/>
+          <a:chOff x="0" y="0"/>
+          <a:chExt cx="0" cy="0"/>
+        </a:xfrm>
+      </p:grpSpPr>
+      <p:sp>
+        <p:nvSpPr>
+          <p:cNvPr id="2" name="Образ слайда 1"/>
+          <p:cNvSpPr>
+            <a:spLocks noGrp="1" noRot="1" noChangeAspect="1"/>
+          </p:cNvSpPr>
+          <p:nvPr>
+            <p:ph type="sldImg"/>
+          </p:nvPr>
+        </p:nvSpPr>
+        <p:spPr/>
+      </p:sp>
+      <p:sp>
+        <p:nvSpPr>
+          <p:cNvPr id="3" name="Заметки 2"/>
+          <p:cNvSpPr>
+            <a:spLocks noGrp="1"/>
+          </p:cNvSpPr>
+          <p:nvPr>
+            <p:ph type="body" idx="1"/>
+          </p:nvPr>
+        </p:nvSpPr>
+        <p:spPr/>
+        <p:txBody>
+          <a:bodyPr/>
+          <a:lstStyle/>
+          <a:p>
+            <a:r>
+              <a:rPr lang="ru-RU" dirty="0"/>
+              <a:t>Использование двух шаблонов</a:t>
+            </a:r>
+            <a:endParaRPr lang="en-US" dirty="0"/>
+          </a:p>
+        </p:txBody>
+      </p:sp>
+      <p:sp>
+        <p:nvSpPr>
+          <p:cNvPr id="4" name="Номер слайда 3"/>
+          <p:cNvSpPr>
+            <a:spLocks noGrp="1"/>
+          </p:cNvSpPr>
+          <p:nvPr>
+            <p:ph type="sldNum" sz="quarter" idx="5"/>
+          </p:nvPr>
+        </p:nvSpPr>
+        <p:spPr/>
+        <p:txBody>
+          <a:bodyPr/>
+          <a:lstStyle/>
+          <a:p>
+            <a:fld id="{AB865DE8-36B7-4B7D-8CF5-EE979AF6AB02}" type="slidenum">
+              <a:rPr lang="en-US" smtClean="0"/>
+              <a:t>7</a:t>
+            </a:fld>
+            <a:endParaRPr lang="en-US"/>
+          </a:p>
+        </p:txBody>
+      </p:sp>
+    </p:spTree>
+    <p:extLst>
+      <p:ext uri="{BB962C8B-B14F-4D97-AF65-F5344CB8AC3E}">
+        <p14:creationId xmlns:p14="http://schemas.microsoft.com/office/powerpoint/2010/main" val="3484951444"/>
+      </p:ext>
+    </p:extLst>
+  </p:cSld>
+  <p:clrMapOvr>
+    <a:masterClrMapping/>
+  </p:clrMapOvr>
+</p:notes>
+</file>
+
+<file path=ppt/notesSlides/notesSlide8.xml><?xml version="1.0" encoding="utf-8"?>
+<p:notes xmlns:a="http://schemas.openxmlformats.org/drawingml/2006/main" xmlns:r="http://schemas.openxmlformats.org/officeDocument/2006/relationships" xmlns:p="http://schemas.openxmlformats.org/presentationml/2006/main">
+  <p:cSld>
+    <p:spTree>
+      <p:nvGrpSpPr>
+        <p:cNvPr id="1" name=""/>
+        <p:cNvGrpSpPr/>
+        <p:nvPr/>
+      </p:nvGrpSpPr>
+      <p:grpSpPr>
+        <a:xfrm>
+          <a:off x="0" y="0"/>
+          <a:ext cx="0" cy="0"/>
+          <a:chOff x="0" y="0"/>
+          <a:chExt cx="0" cy="0"/>
+        </a:xfrm>
+      </p:grpSpPr>
+      <p:sp>
+        <p:nvSpPr>
+          <p:cNvPr id="2" name="Образ слайда 1"/>
+          <p:cNvSpPr>
+            <a:spLocks noGrp="1" noRot="1" noChangeAspect="1"/>
+          </p:cNvSpPr>
+          <p:nvPr>
+            <p:ph type="sldImg"/>
+          </p:nvPr>
+        </p:nvSpPr>
+        <p:spPr/>
+      </p:sp>
+      <p:sp>
+        <p:nvSpPr>
+          <p:cNvPr id="3" name="Заметки 2"/>
+          <p:cNvSpPr>
+            <a:spLocks noGrp="1"/>
+          </p:cNvSpPr>
+          <p:nvPr>
+            <p:ph type="body" idx="1"/>
+          </p:nvPr>
+        </p:nvSpPr>
+        <p:spPr/>
+        <p:txBody>
+          <a:bodyPr/>
+          <a:lstStyle/>
+          <a:p>
+            <a:endParaRPr lang="en-US" dirty="0"/>
+          </a:p>
+        </p:txBody>
+      </p:sp>
+      <p:sp>
+        <p:nvSpPr>
+          <p:cNvPr id="4" name="Номер слайда 3"/>
+          <p:cNvSpPr>
+            <a:spLocks noGrp="1"/>
+          </p:cNvSpPr>
+          <p:nvPr>
+            <p:ph type="sldNum" sz="quarter" idx="5"/>
+          </p:nvPr>
+        </p:nvSpPr>
+        <p:spPr/>
+        <p:txBody>
+          <a:bodyPr/>
+          <a:lstStyle/>
+          <a:p>
+            <a:fld id="{AB865DE8-36B7-4B7D-8CF5-EE979AF6AB02}" type="slidenum">
+              <a:rPr lang="en-US" smtClean="0"/>
+              <a:t>8</a:t>
+            </a:fld>
+            <a:endParaRPr lang="en-US"/>
+          </a:p>
+        </p:txBody>
+      </p:sp>
+    </p:spTree>
+    <p:extLst>
+      <p:ext uri="{BB962C8B-B14F-4D97-AF65-F5344CB8AC3E}">
+        <p14:creationId xmlns:p14="http://schemas.microsoft.com/office/powerpoint/2010/main" val="387218833"/>
+      </p:ext>
+    </p:extLst>
+  </p:cSld>
+  <p:clrMapOvr>
+    <a:masterClrMapping/>
+  </p:clrMapOvr>
+</p:notes>
 </file>
 
 <file path=ppt/slideLayouts/slideLayout1.xml><?xml version="1.0" encoding="utf-8"?>
@@ -8745,7 +9336,7 @@
           <a:p>
             <a:fld id="{E966FD14-566E-42DE-909E-454DEC22792F}" type="datetime1">
               <a:rPr lang="ru-RU" smtClean="0"/>
-              <a:t>30.04.2019</a:t>
+              <a:t>01.05.2019</a:t>
             </a:fld>
             <a:endParaRPr lang="en-US"/>
           </a:p>
@@ -9071,7 +9662,7 @@
           <a:p>
             <a:fld id="{F217C255-2559-42F5-A68F-FDE5913F8F36}" type="datetime1">
               <a:rPr lang="ru-RU" smtClean="0"/>
-              <a:t>30.04.2019</a:t>
+              <a:t>01.05.2019</a:t>
             </a:fld>
             <a:endParaRPr lang="en-US"/>
           </a:p>
@@ -9471,7 +10062,7 @@
           <a:p>
             <a:fld id="{C3EC8C04-7B78-4E72-AA34-33C569C1CF85}" type="datetime1">
               <a:rPr lang="ru-RU" smtClean="0"/>
-              <a:t>30.04.2019</a:t>
+              <a:t>01.05.2019</a:t>
             </a:fld>
             <a:endParaRPr lang="en-US"/>
           </a:p>
@@ -9846,7 +10437,7 @@
           <a:p>
             <a:fld id="{7D0848E8-502B-4121-8F3B-0F73E06B5846}" type="datetime1">
               <a:rPr lang="ru-RU" smtClean="0"/>
-              <a:t>30.04.2019</a:t>
+              <a:t>01.05.2019</a:t>
             </a:fld>
             <a:endParaRPr lang="en-US"/>
           </a:p>
@@ -10351,7 +10942,7 @@
           <a:p>
             <a:fld id="{DB4DF118-40C2-40E6-B05D-28E1827AB60E}" type="datetime1">
               <a:rPr lang="ru-RU" smtClean="0"/>
-              <a:t>30.04.2019</a:t>
+              <a:t>01.05.2019</a:t>
             </a:fld>
             <a:endParaRPr lang="en-US"/>
           </a:p>
@@ -10607,7 +11198,7 @@
           <a:p>
             <a:fld id="{4114A0E6-1E91-410A-9238-54C1677C65F4}" type="datetime1">
               <a:rPr lang="ru-RU" smtClean="0"/>
-              <a:t>30.04.2019</a:t>
+              <a:t>01.05.2019</a:t>
             </a:fld>
             <a:endParaRPr lang="en-US"/>
           </a:p>
@@ -10772,7 +11363,7 @@
           <a:p>
             <a:fld id="{3FF1A32F-1E86-4AB6-B429-826A979C8225}" type="datetime1">
               <a:rPr lang="ru-RU" smtClean="0"/>
-              <a:t>30.04.2019</a:t>
+              <a:t>01.05.2019</a:t>
             </a:fld>
             <a:endParaRPr lang="en-US"/>
           </a:p>
@@ -11161,7 +11752,7 @@
           <a:p>
             <a:fld id="{4C654F67-3202-40EA-85EC-D4BDAAC36735}" type="datetime1">
               <a:rPr lang="ru-RU" smtClean="0"/>
-              <a:t>30.04.2019</a:t>
+              <a:t>01.05.2019</a:t>
             </a:fld>
             <a:endParaRPr lang="en-US"/>
           </a:p>
@@ -11569,7 +12160,7 @@
           <a:p>
             <a:fld id="{E134780A-8894-4ADD-AB0B-7A58ED773226}" type="datetime1">
               <a:rPr lang="ru-RU" smtClean="0"/>
-              <a:t>30.04.2019</a:t>
+              <a:t>01.05.2019</a:t>
             </a:fld>
             <a:endParaRPr lang="en-US"/>
           </a:p>
@@ -11782,7 +12373,7 @@
           <a:p>
             <a:fld id="{D95FE033-25AB-43F9-AFC9-37435FCA6759}" type="datetime1">
               <a:rPr lang="ru-RU" smtClean="0"/>
-              <a:t>30.04.2019</a:t>
+              <a:t>01.05.2019</a:t>
             </a:fld>
             <a:endParaRPr lang="en-US"/>
           </a:p>
@@ -12493,7 +13084,7 @@
             <p:ph idx="1"/>
             <p:extLst>
               <p:ext uri="{D42A27DB-BD31-4B8C-83A1-F6EECF244321}">
-                <p14:modId xmlns:p14="http://schemas.microsoft.com/office/powerpoint/2010/main" val="4041838433"/>
+                <p14:modId xmlns:p14="http://schemas.microsoft.com/office/powerpoint/2010/main" val="501063553"/>
               </p:ext>
             </p:extLst>
           </p:nvPr>
@@ -12504,7 +13095,7 @@
         </p:xfrm>
         <a:graphic>
           <a:graphicData uri="http://schemas.openxmlformats.org/drawingml/2006/diagram">
-            <dgm:relIds xmlns:dgm="http://schemas.openxmlformats.org/drawingml/2006/diagram" xmlns:r="http://schemas.openxmlformats.org/officeDocument/2006/relationships" r:dm="rId2" r:lo="rId3" r:qs="rId4" r:cs="rId5"/>
+            <dgm:relIds xmlns:dgm="http://schemas.openxmlformats.org/drawingml/2006/diagram" xmlns:r="http://schemas.openxmlformats.org/officeDocument/2006/relationships" r:dm="rId3" r:lo="rId4" r:qs="rId5" r:cs="rId6"/>
           </a:graphicData>
         </a:graphic>
       </p:graphicFrame>
@@ -13944,7 +14535,7 @@
                                         <p:tgtEl>
                                           <p:spTgt spid="13">
                                             <p:graphicEl>
-                                              <a:dgm id="{893ADCDE-7C9A-4F6A-9F74-8180A511A873}"/>
+                                              <a:dgm id="{7D4EB7EB-1E00-4962-8CE9-02D3AD579119}"/>
                                             </p:graphicEl>
                                           </p:spTgt>
                                         </p:tgtEl>
@@ -13962,7 +14553,7 @@
                                         <p:tgtEl>
                                           <p:spTgt spid="13">
                                             <p:graphicEl>
-                                              <a:dgm id="{893ADCDE-7C9A-4F6A-9F74-8180A511A873}"/>
+                                              <a:dgm id="{7D4EB7EB-1E00-4962-8CE9-02D3AD579119}"/>
                                             </p:graphicEl>
                                           </p:spTgt>
                                         </p:tgtEl>
@@ -13989,7 +14580,7 @@
                                         <p:tgtEl>
                                           <p:spTgt spid="13">
                                             <p:graphicEl>
-                                              <a:dgm id="{893ADCDE-7C9A-4F6A-9F74-8180A511A873}"/>
+                                              <a:dgm id="{7D4EB7EB-1E00-4962-8CE9-02D3AD579119}"/>
                                             </p:graphicEl>
                                           </p:spTgt>
                                         </p:tgtEl>
@@ -14016,7 +14607,7 @@
                                         <p:tgtEl>
                                           <p:spTgt spid="13">
                                             <p:graphicEl>
-                                              <a:dgm id="{893ADCDE-7C9A-4F6A-9F74-8180A511A873}"/>
+                                              <a:dgm id="{7D4EB7EB-1E00-4962-8CE9-02D3AD579119}"/>
                                             </p:graphicEl>
                                           </p:spTgt>
                                         </p:tgtEl>
@@ -14041,7 +14632,7 @@
                                         <p:tgtEl>
                                           <p:spTgt spid="13">
                                             <p:graphicEl>
-                                              <a:dgm id="{09A80809-EF96-4343-9D77-41087A1C7E34}"/>
+                                              <a:dgm id="{DF5B10FD-D798-4E84-A254-3D674D0995DF}"/>
                                             </p:graphicEl>
                                           </p:spTgt>
                                         </p:tgtEl>
@@ -14059,7 +14650,7 @@
                                         <p:tgtEl>
                                           <p:spTgt spid="13">
                                             <p:graphicEl>
-                                              <a:dgm id="{09A80809-EF96-4343-9D77-41087A1C7E34}"/>
+                                              <a:dgm id="{DF5B10FD-D798-4E84-A254-3D674D0995DF}"/>
                                             </p:graphicEl>
                                           </p:spTgt>
                                         </p:tgtEl>
@@ -14086,7 +14677,7 @@
                                         <p:tgtEl>
                                           <p:spTgt spid="13">
                                             <p:graphicEl>
-                                              <a:dgm id="{09A80809-EF96-4343-9D77-41087A1C7E34}"/>
+                                              <a:dgm id="{DF5B10FD-D798-4E84-A254-3D674D0995DF}"/>
                                             </p:graphicEl>
                                           </p:spTgt>
                                         </p:tgtEl>
@@ -14113,7 +14704,7 @@
                                         <p:tgtEl>
                                           <p:spTgt spid="13">
                                             <p:graphicEl>
-                                              <a:dgm id="{09A80809-EF96-4343-9D77-41087A1C7E34}"/>
+                                              <a:dgm id="{DF5B10FD-D798-4E84-A254-3D674D0995DF}"/>
                                             </p:graphicEl>
                                           </p:spTgt>
                                         </p:tgtEl>
@@ -14138,7 +14729,7 @@
                                         <p:tgtEl>
                                           <p:spTgt spid="13">
                                             <p:graphicEl>
-                                              <a:dgm id="{BC686E6D-667C-4E20-8AC1-9F6622D63C95}"/>
+                                              <a:dgm id="{7D7397BB-C8A1-481E-A283-9CB65EA085CB}"/>
                                             </p:graphicEl>
                                           </p:spTgt>
                                         </p:tgtEl>
@@ -14156,7 +14747,7 @@
                                         <p:tgtEl>
                                           <p:spTgt spid="13">
                                             <p:graphicEl>
-                                              <a:dgm id="{BC686E6D-667C-4E20-8AC1-9F6622D63C95}"/>
+                                              <a:dgm id="{7D7397BB-C8A1-481E-A283-9CB65EA085CB}"/>
                                             </p:graphicEl>
                                           </p:spTgt>
                                         </p:tgtEl>
@@ -14183,7 +14774,7 @@
                                         <p:tgtEl>
                                           <p:spTgt spid="13">
                                             <p:graphicEl>
-                                              <a:dgm id="{BC686E6D-667C-4E20-8AC1-9F6622D63C95}"/>
+                                              <a:dgm id="{7D7397BB-C8A1-481E-A283-9CB65EA085CB}"/>
                                             </p:graphicEl>
                                           </p:spTgt>
                                         </p:tgtEl>
@@ -14210,7 +14801,7 @@
                                         <p:tgtEl>
                                           <p:spTgt spid="13">
                                             <p:graphicEl>
-                                              <a:dgm id="{BC686E6D-667C-4E20-8AC1-9F6622D63C95}"/>
+                                              <a:dgm id="{7D7397BB-C8A1-481E-A283-9CB65EA085CB}"/>
                                             </p:graphicEl>
                                           </p:spTgt>
                                         </p:tgtEl>
@@ -14235,7 +14826,7 @@
                                         <p:tgtEl>
                                           <p:spTgt spid="13">
                                             <p:graphicEl>
-                                              <a:dgm id="{2DB58220-B4A9-441E-9D1E-338C608C52D7}"/>
+                                              <a:dgm id="{9B01321E-7A2F-4E8C-A85E-43E32830F1C1}"/>
                                             </p:graphicEl>
                                           </p:spTgt>
                                         </p:tgtEl>
@@ -14253,7 +14844,7 @@
                                         <p:tgtEl>
                                           <p:spTgt spid="13">
                                             <p:graphicEl>
-                                              <a:dgm id="{2DB58220-B4A9-441E-9D1E-338C608C52D7}"/>
+                                              <a:dgm id="{9B01321E-7A2F-4E8C-A85E-43E32830F1C1}"/>
                                             </p:graphicEl>
                                           </p:spTgt>
                                         </p:tgtEl>
@@ -14280,7 +14871,7 @@
                                         <p:tgtEl>
                                           <p:spTgt spid="13">
                                             <p:graphicEl>
-                                              <a:dgm id="{2DB58220-B4A9-441E-9D1E-338C608C52D7}"/>
+                                              <a:dgm id="{9B01321E-7A2F-4E8C-A85E-43E32830F1C1}"/>
                                             </p:graphicEl>
                                           </p:spTgt>
                                         </p:tgtEl>
@@ -14307,7 +14898,7 @@
                                         <p:tgtEl>
                                           <p:spTgt spid="13">
                                             <p:graphicEl>
-                                              <a:dgm id="{2DB58220-B4A9-441E-9D1E-338C608C52D7}"/>
+                                              <a:dgm id="{9B01321E-7A2F-4E8C-A85E-43E32830F1C1}"/>
                                             </p:graphicEl>
                                           </p:spTgt>
                                         </p:tgtEl>
@@ -14332,7 +14923,7 @@
                                         <p:tgtEl>
                                           <p:spTgt spid="13">
                                             <p:graphicEl>
-                                              <a:dgm id="{7D4EB7EB-1E00-4962-8CE9-02D3AD579119}"/>
+                                              <a:dgm id="{7187998F-1515-4667-828E-5581160B7D10}"/>
                                             </p:graphicEl>
                                           </p:spTgt>
                                         </p:tgtEl>
@@ -14350,7 +14941,7 @@
                                         <p:tgtEl>
                                           <p:spTgt spid="13">
                                             <p:graphicEl>
-                                              <a:dgm id="{7D4EB7EB-1E00-4962-8CE9-02D3AD579119}"/>
+                                              <a:dgm id="{7187998F-1515-4667-828E-5581160B7D10}"/>
                                             </p:graphicEl>
                                           </p:spTgt>
                                         </p:tgtEl>
@@ -14377,7 +14968,7 @@
                                         <p:tgtEl>
                                           <p:spTgt spid="13">
                                             <p:graphicEl>
-                                              <a:dgm id="{7D4EB7EB-1E00-4962-8CE9-02D3AD579119}"/>
+                                              <a:dgm id="{7187998F-1515-4667-828E-5581160B7D10}"/>
                                             </p:graphicEl>
                                           </p:spTgt>
                                         </p:tgtEl>
@@ -14404,7 +14995,7 @@
                                         <p:tgtEl>
                                           <p:spTgt spid="13">
                                             <p:graphicEl>
-                                              <a:dgm id="{7D4EB7EB-1E00-4962-8CE9-02D3AD579119}"/>
+                                              <a:dgm id="{7187998F-1515-4667-828E-5581160B7D10}"/>
                                             </p:graphicEl>
                                           </p:spTgt>
                                         </p:tgtEl>
@@ -14429,7 +15020,7 @@
                                         <p:tgtEl>
                                           <p:spTgt spid="13">
                                             <p:graphicEl>
-                                              <a:dgm id="{7D7397BB-C8A1-481E-A283-9CB65EA085CB}"/>
+                                              <a:dgm id="{74EAB87E-A716-4A6C-AD43-BE0DA83B3776}"/>
                                             </p:graphicEl>
                                           </p:spTgt>
                                         </p:tgtEl>
@@ -14447,7 +15038,7 @@
                                         <p:tgtEl>
                                           <p:spTgt spid="13">
                                             <p:graphicEl>
-                                              <a:dgm id="{7D7397BB-C8A1-481E-A283-9CB65EA085CB}"/>
+                                              <a:dgm id="{74EAB87E-A716-4A6C-AD43-BE0DA83B3776}"/>
                                             </p:graphicEl>
                                           </p:spTgt>
                                         </p:tgtEl>
@@ -14474,7 +15065,7 @@
                                         <p:tgtEl>
                                           <p:spTgt spid="13">
                                             <p:graphicEl>
-                                              <a:dgm id="{7D7397BB-C8A1-481E-A283-9CB65EA085CB}"/>
+                                              <a:dgm id="{74EAB87E-A716-4A6C-AD43-BE0DA83B3776}"/>
                                             </p:graphicEl>
                                           </p:spTgt>
                                         </p:tgtEl>
@@ -14501,201 +15092,7 @@
                                         <p:tgtEl>
                                           <p:spTgt spid="13">
                                             <p:graphicEl>
-                                              <a:dgm id="{7D7397BB-C8A1-481E-A283-9CB65EA085CB}"/>
-                                            </p:graphicEl>
-                                          </p:spTgt>
-                                        </p:tgtEl>
-                                      </p:cBhvr>
-                                    </p:animEffect>
-                                  </p:childTnLst>
-                                </p:cTn>
-                              </p:par>
-                              <p:par>
-                                <p:cTn id="105" presetID="53" presetClass="entr" presetSubtype="16" fill="hold" grpId="0" nodeType="withEffect">
-                                  <p:stCondLst>
-                                    <p:cond delay="0"/>
-                                  </p:stCondLst>
-                                  <p:childTnLst>
-                                    <p:set>
-                                      <p:cBhvr>
-                                        <p:cTn id="106" dur="1" fill="hold">
-                                          <p:stCondLst>
-                                            <p:cond delay="0"/>
-                                          </p:stCondLst>
-                                        </p:cTn>
-                                        <p:tgtEl>
-                                          <p:spTgt spid="13">
-                                            <p:graphicEl>
-                                              <a:dgm id="{9B01321E-7A2F-4E8C-A85E-43E32830F1C1}"/>
-                                            </p:graphicEl>
-                                          </p:spTgt>
-                                        </p:tgtEl>
-                                        <p:attrNameLst>
-                                          <p:attrName>style.visibility</p:attrName>
-                                        </p:attrNameLst>
-                                      </p:cBhvr>
-                                      <p:to>
-                                        <p:strVal val="visible"/>
-                                      </p:to>
-                                    </p:set>
-                                    <p:anim calcmode="lin" valueType="num">
-                                      <p:cBhvr>
-                                        <p:cTn id="107" dur="500" fill="hold"/>
-                                        <p:tgtEl>
-                                          <p:spTgt spid="13">
-                                            <p:graphicEl>
-                                              <a:dgm id="{9B01321E-7A2F-4E8C-A85E-43E32830F1C1}"/>
-                                            </p:graphicEl>
-                                          </p:spTgt>
-                                        </p:tgtEl>
-                                        <p:attrNameLst>
-                                          <p:attrName>ppt_w</p:attrName>
-                                        </p:attrNameLst>
-                                      </p:cBhvr>
-                                      <p:tavLst>
-                                        <p:tav tm="0">
-                                          <p:val>
-                                            <p:fltVal val="0"/>
-                                          </p:val>
-                                        </p:tav>
-                                        <p:tav tm="100000">
-                                          <p:val>
-                                            <p:strVal val="#ppt_w"/>
-                                          </p:val>
-                                        </p:tav>
-                                      </p:tavLst>
-                                    </p:anim>
-                                    <p:anim calcmode="lin" valueType="num">
-                                      <p:cBhvr>
-                                        <p:cTn id="108" dur="500" fill="hold"/>
-                                        <p:tgtEl>
-                                          <p:spTgt spid="13">
-                                            <p:graphicEl>
-                                              <a:dgm id="{9B01321E-7A2F-4E8C-A85E-43E32830F1C1}"/>
-                                            </p:graphicEl>
-                                          </p:spTgt>
-                                        </p:tgtEl>
-                                        <p:attrNameLst>
-                                          <p:attrName>ppt_h</p:attrName>
-                                        </p:attrNameLst>
-                                      </p:cBhvr>
-                                      <p:tavLst>
-                                        <p:tav tm="0">
-                                          <p:val>
-                                            <p:fltVal val="0"/>
-                                          </p:val>
-                                        </p:tav>
-                                        <p:tav tm="100000">
-                                          <p:val>
-                                            <p:strVal val="#ppt_h"/>
-                                          </p:val>
-                                        </p:tav>
-                                      </p:tavLst>
-                                    </p:anim>
-                                    <p:animEffect transition="in" filter="fade">
-                                      <p:cBhvr>
-                                        <p:cTn id="109" dur="500"/>
-                                        <p:tgtEl>
-                                          <p:spTgt spid="13">
-                                            <p:graphicEl>
-                                              <a:dgm id="{9B01321E-7A2F-4E8C-A85E-43E32830F1C1}"/>
-                                            </p:graphicEl>
-                                          </p:spTgt>
-                                        </p:tgtEl>
-                                      </p:cBhvr>
-                                    </p:animEffect>
-                                  </p:childTnLst>
-                                </p:cTn>
-                              </p:par>
-                              <p:par>
-                                <p:cTn id="110" presetID="53" presetClass="entr" presetSubtype="16" fill="hold" grpId="0" nodeType="withEffect">
-                                  <p:stCondLst>
-                                    <p:cond delay="0"/>
-                                  </p:stCondLst>
-                                  <p:childTnLst>
-                                    <p:set>
-                                      <p:cBhvr>
-                                        <p:cTn id="111" dur="1" fill="hold">
-                                          <p:stCondLst>
-                                            <p:cond delay="0"/>
-                                          </p:stCondLst>
-                                        </p:cTn>
-                                        <p:tgtEl>
-                                          <p:spTgt spid="13">
-                                            <p:graphicEl>
-                                              <a:dgm id="{7187998F-1515-4667-828E-5581160B7D10}"/>
-                                            </p:graphicEl>
-                                          </p:spTgt>
-                                        </p:tgtEl>
-                                        <p:attrNameLst>
-                                          <p:attrName>style.visibility</p:attrName>
-                                        </p:attrNameLst>
-                                      </p:cBhvr>
-                                      <p:to>
-                                        <p:strVal val="visible"/>
-                                      </p:to>
-                                    </p:set>
-                                    <p:anim calcmode="lin" valueType="num">
-                                      <p:cBhvr>
-                                        <p:cTn id="112" dur="500" fill="hold"/>
-                                        <p:tgtEl>
-                                          <p:spTgt spid="13">
-                                            <p:graphicEl>
-                                              <a:dgm id="{7187998F-1515-4667-828E-5581160B7D10}"/>
-                                            </p:graphicEl>
-                                          </p:spTgt>
-                                        </p:tgtEl>
-                                        <p:attrNameLst>
-                                          <p:attrName>ppt_w</p:attrName>
-                                        </p:attrNameLst>
-                                      </p:cBhvr>
-                                      <p:tavLst>
-                                        <p:tav tm="0">
-                                          <p:val>
-                                            <p:fltVal val="0"/>
-                                          </p:val>
-                                        </p:tav>
-                                        <p:tav tm="100000">
-                                          <p:val>
-                                            <p:strVal val="#ppt_w"/>
-                                          </p:val>
-                                        </p:tav>
-                                      </p:tavLst>
-                                    </p:anim>
-                                    <p:anim calcmode="lin" valueType="num">
-                                      <p:cBhvr>
-                                        <p:cTn id="113" dur="500" fill="hold"/>
-                                        <p:tgtEl>
-                                          <p:spTgt spid="13">
-                                            <p:graphicEl>
-                                              <a:dgm id="{7187998F-1515-4667-828E-5581160B7D10}"/>
-                                            </p:graphicEl>
-                                          </p:spTgt>
-                                        </p:tgtEl>
-                                        <p:attrNameLst>
-                                          <p:attrName>ppt_h</p:attrName>
-                                        </p:attrNameLst>
-                                      </p:cBhvr>
-                                      <p:tavLst>
-                                        <p:tav tm="0">
-                                          <p:val>
-                                            <p:fltVal val="0"/>
-                                          </p:val>
-                                        </p:tav>
-                                        <p:tav tm="100000">
-                                          <p:val>
-                                            <p:strVal val="#ppt_h"/>
-                                          </p:val>
-                                        </p:tav>
-                                      </p:tavLst>
-                                    </p:anim>
-                                    <p:animEffect transition="in" filter="fade">
-                                      <p:cBhvr>
-                                        <p:cTn id="114" dur="500"/>
-                                        <p:tgtEl>
-                                          <p:spTgt spid="13">
-                                            <p:graphicEl>
-                                              <a:dgm id="{7187998F-1515-4667-828E-5581160B7D10}"/>
+                                              <a:dgm id="{74EAB87E-A716-4A6C-AD43-BE0DA83B3776}"/>
                                             </p:graphicEl>
                                           </p:spTgt>
                                         </p:tgtEl>
@@ -15187,7 +15584,7 @@
             <a:p>
               <a:r>
                 <a:rPr lang="ru-RU" sz="1400" dirty="0"/>
-                <a:t>Микросервис 2</a:t>
+                <a:t>Микросервис 3</a:t>
               </a:r>
               <a:endParaRPr lang="en-US" sz="1400" dirty="0"/>
             </a:p>
@@ -15401,7 +15798,7 @@
             <a:p>
               <a:r>
                 <a:rPr lang="ru-RU" sz="1400" dirty="0"/>
-                <a:t>Микросервис 2</a:t>
+                <a:t>Микросервис 4</a:t>
               </a:r>
               <a:endParaRPr lang="en-US" sz="1400" dirty="0"/>
             </a:p>
@@ -16424,6 +16821,65 @@
           </a:fontRef>
         </p:style>
       </p:cxnSp>
+      <p:sp>
+        <p:nvSpPr>
+          <p:cNvPr id="3" name="Прямоугольник 2">
+            <a:extLst>
+              <a:ext uri="{FF2B5EF4-FFF2-40B4-BE49-F238E27FC236}">
+                <a16:creationId xmlns:a16="http://schemas.microsoft.com/office/drawing/2014/main" id="{656C261D-EC23-4A5E-A9BA-4BF3A86F5B27}"/>
+              </a:ext>
+            </a:extLst>
+          </p:cNvPr>
+          <p:cNvSpPr/>
+          <p:nvPr/>
+        </p:nvSpPr>
+        <p:spPr>
+          <a:xfrm>
+            <a:off x="763487" y="2400134"/>
+            <a:ext cx="2645664" cy="1578292"/>
+          </a:xfrm>
+          <a:prstGeom prst="rect">
+            <a:avLst/>
+          </a:prstGeom>
+          <a:ln>
+            <a:noFill/>
+          </a:ln>
+        </p:spPr>
+        <p:style>
+          <a:lnRef idx="2">
+            <a:schemeClr val="accent2">
+              <a:shade val="50000"/>
+            </a:schemeClr>
+          </a:lnRef>
+          <a:fillRef idx="1">
+            <a:schemeClr val="accent2"/>
+          </a:fillRef>
+          <a:effectRef idx="0">
+            <a:schemeClr val="accent2"/>
+          </a:effectRef>
+          <a:fontRef idx="minor">
+            <a:schemeClr val="lt1"/>
+          </a:fontRef>
+        </p:style>
+        <p:txBody>
+          <a:bodyPr rtlCol="0" anchor="ctr"/>
+          <a:lstStyle/>
+          <a:p>
+            <a:pPr algn="ctr"/>
+            <a:r>
+              <a:rPr lang="en-US" dirty="0"/>
+              <a:t>Dashboard</a:t>
+            </a:r>
+          </a:p>
+          <a:p>
+            <a:pPr algn="ctr"/>
+            <a:r>
+              <a:rPr lang="en-US" dirty="0"/>
+              <a:t>(Composition layer)</a:t>
+            </a:r>
+          </a:p>
+        </p:txBody>
+      </p:sp>
     </p:spTree>
     <p:extLst>
       <p:ext uri="{BB962C8B-B14F-4D97-AF65-F5344CB8AC3E}">
@@ -17840,6 +18296,342 @@
                       </p:childTnLst>
                     </p:cTn>
                   </p:par>
+                  <p:par>
+                    <p:cTn id="98" fill="hold">
+                      <p:stCondLst>
+                        <p:cond delay="indefinite"/>
+                      </p:stCondLst>
+                      <p:childTnLst>
+                        <p:par>
+                          <p:cTn id="99" fill="hold">
+                            <p:stCondLst>
+                              <p:cond delay="0"/>
+                            </p:stCondLst>
+                            <p:childTnLst>
+                              <p:par>
+                                <p:cTn id="100" presetID="26" presetClass="entr" presetSubtype="0" fill="hold" grpId="0" nodeType="clickEffect">
+                                  <p:stCondLst>
+                                    <p:cond delay="0"/>
+                                  </p:stCondLst>
+                                  <p:childTnLst>
+                                    <p:set>
+                                      <p:cBhvr>
+                                        <p:cTn id="101" dur="1" fill="hold">
+                                          <p:stCondLst>
+                                            <p:cond delay="0"/>
+                                          </p:stCondLst>
+                                        </p:cTn>
+                                        <p:tgtEl>
+                                          <p:spTgt spid="3"/>
+                                        </p:tgtEl>
+                                        <p:attrNameLst>
+                                          <p:attrName>style.visibility</p:attrName>
+                                        </p:attrNameLst>
+                                      </p:cBhvr>
+                                      <p:to>
+                                        <p:strVal val="visible"/>
+                                      </p:to>
+                                    </p:set>
+                                    <p:animEffect transition="in" filter="wipe(down)">
+                                      <p:cBhvr>
+                                        <p:cTn id="102" dur="580">
+                                          <p:stCondLst>
+                                            <p:cond delay="0"/>
+                                          </p:stCondLst>
+                                        </p:cTn>
+                                        <p:tgtEl>
+                                          <p:spTgt spid="3"/>
+                                        </p:tgtEl>
+                                      </p:cBhvr>
+                                    </p:animEffect>
+                                    <p:anim calcmode="lin" valueType="num">
+                                      <p:cBhvr>
+                                        <p:cTn id="103" dur="1822" tmFilter="0,0; 0.14,0.36; 0.43,0.73; 0.71,0.91; 1.0,1.0">
+                                          <p:stCondLst>
+                                            <p:cond delay="0"/>
+                                          </p:stCondLst>
+                                        </p:cTn>
+                                        <p:tgtEl>
+                                          <p:spTgt spid="3"/>
+                                        </p:tgtEl>
+                                        <p:attrNameLst>
+                                          <p:attrName>ppt_x</p:attrName>
+                                        </p:attrNameLst>
+                                      </p:cBhvr>
+                                      <p:tavLst>
+                                        <p:tav tm="0">
+                                          <p:val>
+                                            <p:strVal val="#ppt_x-0.25"/>
+                                          </p:val>
+                                        </p:tav>
+                                        <p:tav tm="100000">
+                                          <p:val>
+                                            <p:strVal val="#ppt_x"/>
+                                          </p:val>
+                                        </p:tav>
+                                      </p:tavLst>
+                                    </p:anim>
+                                    <p:anim calcmode="lin" valueType="num">
+                                      <p:cBhvr>
+                                        <p:cTn id="104" dur="664" tmFilter="0.0,0.0; 0.25,0.07; 0.50,0.2; 0.75,0.467; 1.0,1.0">
+                                          <p:stCondLst>
+                                            <p:cond delay="0"/>
+                                          </p:stCondLst>
+                                        </p:cTn>
+                                        <p:tgtEl>
+                                          <p:spTgt spid="3"/>
+                                        </p:tgtEl>
+                                        <p:attrNameLst>
+                                          <p:attrName>ppt_y</p:attrName>
+                                        </p:attrNameLst>
+                                      </p:cBhvr>
+                                      <p:tavLst>
+                                        <p:tav tm="0" fmla="#ppt_y-sin(pi*$)/3">
+                                          <p:val>
+                                            <p:fltVal val="0.5"/>
+                                          </p:val>
+                                        </p:tav>
+                                        <p:tav tm="100000">
+                                          <p:val>
+                                            <p:fltVal val="1"/>
+                                          </p:val>
+                                        </p:tav>
+                                      </p:tavLst>
+                                    </p:anim>
+                                    <p:anim calcmode="lin" valueType="num">
+                                      <p:cBhvr>
+                                        <p:cTn id="105" dur="664" tmFilter="0, 0; 0.125,0.2665; 0.25,0.4; 0.375,0.465; 0.5,0.5;  0.625,0.535; 0.75,0.6; 0.875,0.7335; 1,1">
+                                          <p:stCondLst>
+                                            <p:cond delay="664"/>
+                                          </p:stCondLst>
+                                        </p:cTn>
+                                        <p:tgtEl>
+                                          <p:spTgt spid="3"/>
+                                        </p:tgtEl>
+                                        <p:attrNameLst>
+                                          <p:attrName>ppt_y</p:attrName>
+                                        </p:attrNameLst>
+                                      </p:cBhvr>
+                                      <p:tavLst>
+                                        <p:tav tm="0" fmla="#ppt_y-sin(pi*$)/9">
+                                          <p:val>
+                                            <p:fltVal val="0"/>
+                                          </p:val>
+                                        </p:tav>
+                                        <p:tav tm="100000">
+                                          <p:val>
+                                            <p:fltVal val="1"/>
+                                          </p:val>
+                                        </p:tav>
+                                      </p:tavLst>
+                                    </p:anim>
+                                    <p:anim calcmode="lin" valueType="num">
+                                      <p:cBhvr>
+                                        <p:cTn id="106" dur="332" tmFilter="0, 0; 0.125,0.2665; 0.25,0.4; 0.375,0.465; 0.5,0.5;  0.625,0.535; 0.75,0.6; 0.875,0.7335; 1,1">
+                                          <p:stCondLst>
+                                            <p:cond delay="1324"/>
+                                          </p:stCondLst>
+                                        </p:cTn>
+                                        <p:tgtEl>
+                                          <p:spTgt spid="3"/>
+                                        </p:tgtEl>
+                                        <p:attrNameLst>
+                                          <p:attrName>ppt_y</p:attrName>
+                                        </p:attrNameLst>
+                                      </p:cBhvr>
+                                      <p:tavLst>
+                                        <p:tav tm="0" fmla="#ppt_y-sin(pi*$)/27">
+                                          <p:val>
+                                            <p:fltVal val="0"/>
+                                          </p:val>
+                                        </p:tav>
+                                        <p:tav tm="100000">
+                                          <p:val>
+                                            <p:fltVal val="1"/>
+                                          </p:val>
+                                        </p:tav>
+                                      </p:tavLst>
+                                    </p:anim>
+                                    <p:anim calcmode="lin" valueType="num">
+                                      <p:cBhvr>
+                                        <p:cTn id="107" dur="164" tmFilter="0, 0; 0.125,0.2665; 0.25,0.4; 0.375,0.465; 0.5,0.5;  0.625,0.535; 0.75,0.6; 0.875,0.7335; 1,1">
+                                          <p:stCondLst>
+                                            <p:cond delay="1656"/>
+                                          </p:stCondLst>
+                                        </p:cTn>
+                                        <p:tgtEl>
+                                          <p:spTgt spid="3"/>
+                                        </p:tgtEl>
+                                        <p:attrNameLst>
+                                          <p:attrName>ppt_y</p:attrName>
+                                        </p:attrNameLst>
+                                      </p:cBhvr>
+                                      <p:tavLst>
+                                        <p:tav tm="0" fmla="#ppt_y-sin(pi*$)/81">
+                                          <p:val>
+                                            <p:fltVal val="0"/>
+                                          </p:val>
+                                        </p:tav>
+                                        <p:tav tm="100000">
+                                          <p:val>
+                                            <p:fltVal val="1"/>
+                                          </p:val>
+                                        </p:tav>
+                                      </p:tavLst>
+                                    </p:anim>
+                                    <p:animScale>
+                                      <p:cBhvr>
+                                        <p:cTn id="108" dur="26">
+                                          <p:stCondLst>
+                                            <p:cond delay="650"/>
+                                          </p:stCondLst>
+                                        </p:cTn>
+                                        <p:tgtEl>
+                                          <p:spTgt spid="3"/>
+                                        </p:tgtEl>
+                                      </p:cBhvr>
+                                      <p:to x="100000" y="60000"/>
+                                    </p:animScale>
+                                    <p:animScale>
+                                      <p:cBhvr>
+                                        <p:cTn id="109" dur="166" decel="50000">
+                                          <p:stCondLst>
+                                            <p:cond delay="676"/>
+                                          </p:stCondLst>
+                                        </p:cTn>
+                                        <p:tgtEl>
+                                          <p:spTgt spid="3"/>
+                                        </p:tgtEl>
+                                      </p:cBhvr>
+                                      <p:to x="100000" y="100000"/>
+                                    </p:animScale>
+                                    <p:animScale>
+                                      <p:cBhvr>
+                                        <p:cTn id="110" dur="26">
+                                          <p:stCondLst>
+                                            <p:cond delay="1312"/>
+                                          </p:stCondLst>
+                                        </p:cTn>
+                                        <p:tgtEl>
+                                          <p:spTgt spid="3"/>
+                                        </p:tgtEl>
+                                      </p:cBhvr>
+                                      <p:to x="100000" y="80000"/>
+                                    </p:animScale>
+                                    <p:animScale>
+                                      <p:cBhvr>
+                                        <p:cTn id="111" dur="166" decel="50000">
+                                          <p:stCondLst>
+                                            <p:cond delay="1338"/>
+                                          </p:stCondLst>
+                                        </p:cTn>
+                                        <p:tgtEl>
+                                          <p:spTgt spid="3"/>
+                                        </p:tgtEl>
+                                      </p:cBhvr>
+                                      <p:to x="100000" y="100000"/>
+                                    </p:animScale>
+                                    <p:animScale>
+                                      <p:cBhvr>
+                                        <p:cTn id="112" dur="26">
+                                          <p:stCondLst>
+                                            <p:cond delay="1642"/>
+                                          </p:stCondLst>
+                                        </p:cTn>
+                                        <p:tgtEl>
+                                          <p:spTgt spid="3"/>
+                                        </p:tgtEl>
+                                      </p:cBhvr>
+                                      <p:to x="100000" y="90000"/>
+                                    </p:animScale>
+                                    <p:animScale>
+                                      <p:cBhvr>
+                                        <p:cTn id="113" dur="166" decel="50000">
+                                          <p:stCondLst>
+                                            <p:cond delay="1668"/>
+                                          </p:stCondLst>
+                                        </p:cTn>
+                                        <p:tgtEl>
+                                          <p:spTgt spid="3"/>
+                                        </p:tgtEl>
+                                      </p:cBhvr>
+                                      <p:to x="100000" y="100000"/>
+                                    </p:animScale>
+                                    <p:animScale>
+                                      <p:cBhvr>
+                                        <p:cTn id="114" dur="26">
+                                          <p:stCondLst>
+                                            <p:cond delay="1808"/>
+                                          </p:stCondLst>
+                                        </p:cTn>
+                                        <p:tgtEl>
+                                          <p:spTgt spid="3"/>
+                                        </p:tgtEl>
+                                      </p:cBhvr>
+                                      <p:to x="100000" y="95000"/>
+                                    </p:animScale>
+                                    <p:animScale>
+                                      <p:cBhvr>
+                                        <p:cTn id="115" dur="166" decel="50000">
+                                          <p:stCondLst>
+                                            <p:cond delay="1834"/>
+                                          </p:stCondLst>
+                                        </p:cTn>
+                                        <p:tgtEl>
+                                          <p:spTgt spid="3"/>
+                                        </p:tgtEl>
+                                      </p:cBhvr>
+                                      <p:to x="100000" y="100000"/>
+                                    </p:animScale>
+                                  </p:childTnLst>
+                                </p:cTn>
+                              </p:par>
+                            </p:childTnLst>
+                          </p:cTn>
+                        </p:par>
+                      </p:childTnLst>
+                    </p:cTn>
+                  </p:par>
+                  <p:par>
+                    <p:cTn id="116" fill="hold">
+                      <p:stCondLst>
+                        <p:cond delay="indefinite"/>
+                      </p:stCondLst>
+                      <p:childTnLst>
+                        <p:par>
+                          <p:cTn id="117" fill="hold">
+                            <p:stCondLst>
+                              <p:cond delay="0"/>
+                            </p:stCondLst>
+                            <p:childTnLst>
+                              <p:par>
+                                <p:cTn id="118" presetID="42" presetClass="path" presetSubtype="0" accel="50000" decel="50000" fill="hold" grpId="1" nodeType="clickEffect">
+                                  <p:stCondLst>
+                                    <p:cond delay="0"/>
+                                  </p:stCondLst>
+                                  <p:childTnLst>
+                                    <p:animMotion origin="layout" path="M -3.75E-6 3.7037E-6 L 0.22162 0.3912 " pathEditMode="relative" rAng="0" ptsTypes="AA">
+                                      <p:cBhvr>
+                                        <p:cTn id="119" dur="2000" fill="hold"/>
+                                        <p:tgtEl>
+                                          <p:spTgt spid="3"/>
+                                        </p:tgtEl>
+                                        <p:attrNameLst>
+                                          <p:attrName>ppt_x</p:attrName>
+                                          <p:attrName>ppt_y</p:attrName>
+                                        </p:attrNameLst>
+                                      </p:cBhvr>
+                                      <p:rCtr x="11081" y="19560"/>
+                                    </p:animMotion>
+                                  </p:childTnLst>
+                                </p:cTn>
+                              </p:par>
+                            </p:childTnLst>
+                          </p:cTn>
+                        </p:par>
+                      </p:childTnLst>
+                    </p:cTn>
+                  </p:par>
                 </p:childTnLst>
               </p:cTn>
               <p:prevCondLst>
@@ -17863,6 +18655,8 @@
     </p:tnLst>
     <p:bldLst>
       <p:bldP spid="11" grpId="0" animBg="1"/>
+      <p:bldP spid="3" grpId="0" animBg="1"/>
+      <p:bldP spid="3" grpId="1" animBg="1"/>
     </p:bldLst>
   </p:timing>
 </p:sld>
@@ -17972,7 +18766,7 @@
             <p:nvPr/>
           </p:nvPicPr>
           <p:blipFill>
-            <a:blip r:embed="rId2"/>
+            <a:blip r:embed="rId3"/>
             <a:stretch>
               <a:fillRect/>
             </a:stretch>
@@ -18022,7 +18816,7 @@
                       <a:lumMod val="75000"/>
                     </a:schemeClr>
                   </a:solidFill>
-                  <a:hlinkClick r:id="rId3">
+                  <a:hlinkClick r:id="rId4">
                     <a:extLst>
                       <a:ext uri="{A12FA001-AC4F-418D-AE19-62706E023703}">
                         <ahyp:hlinkClr xmlns:ahyp="http://schemas.microsoft.com/office/drawing/2018/hyperlinkcolor" val="tx"/>
@@ -18078,7 +18872,7 @@
             <p:nvPr/>
           </p:nvPicPr>
           <p:blipFill>
-            <a:blip r:embed="rId4"/>
+            <a:blip r:embed="rId5"/>
             <a:stretch>
               <a:fillRect/>
             </a:stretch>
@@ -18128,7 +18922,7 @@
                       <a:lumMod val="75000"/>
                     </a:schemeClr>
                   </a:solidFill>
-                  <a:hlinkClick r:id="rId5">
+                  <a:hlinkClick r:id="rId6">
                     <a:extLst>
                       <a:ext uri="{A12FA001-AC4F-418D-AE19-62706E023703}">
                         <ahyp:hlinkClr xmlns:ahyp="http://schemas.microsoft.com/office/drawing/2018/hyperlinkcolor" val="tx"/>
@@ -18184,7 +18978,7 @@
             <p:nvPr/>
           </p:nvPicPr>
           <p:blipFill>
-            <a:blip r:embed="rId6"/>
+            <a:blip r:embed="rId7"/>
             <a:stretch>
               <a:fillRect/>
             </a:stretch>
@@ -18233,7 +19027,7 @@
                       <a:lumMod val="65000"/>
                     </a:schemeClr>
                   </a:solidFill>
-                  <a:hlinkClick r:id="rId7">
+                  <a:hlinkClick r:id="rId8">
                     <a:extLst>
                       <a:ext uri="{A12FA001-AC4F-418D-AE19-62706E023703}">
                         <ahyp:hlinkClr xmlns:ahyp="http://schemas.microsoft.com/office/drawing/2018/hyperlinkcolor" val="tx"/>
@@ -18890,7 +19684,7 @@
             <p:ph idx="1"/>
             <p:extLst>
               <p:ext uri="{D42A27DB-BD31-4B8C-83A1-F6EECF244321}">
-                <p14:modId xmlns:p14="http://schemas.microsoft.com/office/powerpoint/2010/main" val="850644835"/>
+                <p14:modId xmlns:p14="http://schemas.microsoft.com/office/powerpoint/2010/main" val="432740396"/>
               </p:ext>
             </p:extLst>
           </p:nvPr>
@@ -18901,7 +19695,7 @@
         </p:xfrm>
         <a:graphic>
           <a:graphicData uri="http://schemas.openxmlformats.org/drawingml/2006/diagram">
-            <dgm:relIds xmlns:dgm="http://schemas.openxmlformats.org/drawingml/2006/diagram" xmlns:r="http://schemas.openxmlformats.org/officeDocument/2006/relationships" r:dm="rId2" r:lo="rId3" r:qs="rId4" r:cs="rId5"/>
+            <dgm:relIds xmlns:dgm="http://schemas.openxmlformats.org/drawingml/2006/diagram" xmlns:r="http://schemas.openxmlformats.org/officeDocument/2006/relationships" r:dm="rId3" r:lo="rId4" r:qs="rId5" r:cs="rId6"/>
           </a:graphicData>
         </a:graphic>
       </p:graphicFrame>
@@ -18936,6 +19730,119 @@
               <a:t>5</a:t>
             </a:fld>
             <a:endParaRPr lang="en-US" dirty="0"/>
+          </a:p>
+        </p:txBody>
+      </p:sp>
+      <p:pic>
+        <p:nvPicPr>
+          <p:cNvPr id="3" name="Рисунок 2">
+            <a:extLst>
+              <a:ext uri="{FF2B5EF4-FFF2-40B4-BE49-F238E27FC236}">
+                <a16:creationId xmlns:a16="http://schemas.microsoft.com/office/drawing/2014/main" id="{5440A3B6-F672-4AE1-BF6A-F92B55DE083F}"/>
+              </a:ext>
+            </a:extLst>
+          </p:cNvPr>
+          <p:cNvPicPr>
+            <a:picLocks noChangeAspect="1"/>
+          </p:cNvPicPr>
+          <p:nvPr/>
+        </p:nvPicPr>
+        <p:blipFill>
+          <a:blip r:embed="rId8"/>
+          <a:stretch>
+            <a:fillRect/>
+          </a:stretch>
+        </p:blipFill>
+        <p:spPr>
+          <a:xfrm>
+            <a:off x="227632" y="2113484"/>
+            <a:ext cx="10183852" cy="4261869"/>
+          </a:xfrm>
+          <a:prstGeom prst="rect">
+            <a:avLst/>
+          </a:prstGeom>
+        </p:spPr>
+      </p:pic>
+      <p:pic>
+        <p:nvPicPr>
+          <p:cNvPr id="6" name="Рисунок 5">
+            <a:extLst>
+              <a:ext uri="{FF2B5EF4-FFF2-40B4-BE49-F238E27FC236}">
+                <a16:creationId xmlns:a16="http://schemas.microsoft.com/office/drawing/2014/main" id="{18CCA995-14B6-48E8-875C-3873CDAB1EEC}"/>
+              </a:ext>
+            </a:extLst>
+          </p:cNvPr>
+          <p:cNvPicPr>
+            <a:picLocks noChangeAspect="1"/>
+          </p:cNvPicPr>
+          <p:nvPr/>
+        </p:nvPicPr>
+        <p:blipFill>
+          <a:blip r:embed="rId9"/>
+          <a:stretch>
+            <a:fillRect/>
+          </a:stretch>
+        </p:blipFill>
+        <p:spPr>
+          <a:xfrm>
+            <a:off x="2197838" y="2113484"/>
+            <a:ext cx="6305087" cy="4264051"/>
+          </a:xfrm>
+          <a:prstGeom prst="rect">
+            <a:avLst/>
+          </a:prstGeom>
+        </p:spPr>
+      </p:pic>
+      <p:sp>
+        <p:nvSpPr>
+          <p:cNvPr id="7" name="Взрыв: 8 точек 6">
+            <a:extLst>
+              <a:ext uri="{FF2B5EF4-FFF2-40B4-BE49-F238E27FC236}">
+                <a16:creationId xmlns:a16="http://schemas.microsoft.com/office/drawing/2014/main" id="{E1A2A890-925A-488A-9C2E-3499FB2D29B3}"/>
+              </a:ext>
+            </a:extLst>
+          </p:cNvPr>
+          <p:cNvSpPr/>
+          <p:nvPr/>
+        </p:nvSpPr>
+        <p:spPr>
+          <a:xfrm rot="20574532">
+            <a:off x="6881516" y="4162193"/>
+            <a:ext cx="3642691" cy="1944124"/>
+          </a:xfrm>
+          <a:prstGeom prst="irregularSeal1">
+            <a:avLst/>
+          </a:prstGeom>
+          <a:ln>
+            <a:noFill/>
+          </a:ln>
+        </p:spPr>
+        <p:style>
+          <a:lnRef idx="2">
+            <a:schemeClr val="accent1">
+              <a:shade val="50000"/>
+            </a:schemeClr>
+          </a:lnRef>
+          <a:fillRef idx="1">
+            <a:schemeClr val="accent1"/>
+          </a:fillRef>
+          <a:effectRef idx="0">
+            <a:schemeClr val="accent1"/>
+          </a:effectRef>
+          <a:fontRef idx="minor">
+            <a:schemeClr val="lt1"/>
+          </a:fontRef>
+        </p:style>
+        <p:txBody>
+          <a:bodyPr rtlCol="0" anchor="ctr"/>
+          <a:lstStyle/>
+          <a:p>
+            <a:pPr algn="ctr"/>
+            <a:r>
+              <a:rPr lang="ru-RU" sz="1200" dirty="0"/>
+              <a:t>Если вы уже скачивали шаблон раньше, скачайте обновленные еще раз, пожалуйста.</a:t>
+            </a:r>
+            <a:endParaRPr lang="en-US" sz="1200" dirty="0"/>
           </a:p>
         </p:txBody>
       </p:sp>
@@ -19420,6 +20327,368 @@
                       </p:childTnLst>
                     </p:cTn>
                   </p:par>
+                  <p:par>
+                    <p:cTn id="31" fill="hold">
+                      <p:stCondLst>
+                        <p:cond delay="indefinite"/>
+                      </p:stCondLst>
+                      <p:childTnLst>
+                        <p:par>
+                          <p:cTn id="32" fill="hold">
+                            <p:stCondLst>
+                              <p:cond delay="0"/>
+                            </p:stCondLst>
+                            <p:childTnLst>
+                              <p:par>
+                                <p:cTn id="33" presetID="53" presetClass="entr" presetSubtype="16" fill="hold" nodeType="clickEffect">
+                                  <p:stCondLst>
+                                    <p:cond delay="0"/>
+                                  </p:stCondLst>
+                                  <p:childTnLst>
+                                    <p:set>
+                                      <p:cBhvr>
+                                        <p:cTn id="34" dur="1" fill="hold">
+                                          <p:stCondLst>
+                                            <p:cond delay="0"/>
+                                          </p:stCondLst>
+                                        </p:cTn>
+                                        <p:tgtEl>
+                                          <p:spTgt spid="3"/>
+                                        </p:tgtEl>
+                                        <p:attrNameLst>
+                                          <p:attrName>style.visibility</p:attrName>
+                                        </p:attrNameLst>
+                                      </p:cBhvr>
+                                      <p:to>
+                                        <p:strVal val="visible"/>
+                                      </p:to>
+                                    </p:set>
+                                    <p:anim calcmode="lin" valueType="num">
+                                      <p:cBhvr>
+                                        <p:cTn id="35" dur="500" fill="hold"/>
+                                        <p:tgtEl>
+                                          <p:spTgt spid="3"/>
+                                        </p:tgtEl>
+                                        <p:attrNameLst>
+                                          <p:attrName>ppt_w</p:attrName>
+                                        </p:attrNameLst>
+                                      </p:cBhvr>
+                                      <p:tavLst>
+                                        <p:tav tm="0">
+                                          <p:val>
+                                            <p:fltVal val="0"/>
+                                          </p:val>
+                                        </p:tav>
+                                        <p:tav tm="100000">
+                                          <p:val>
+                                            <p:strVal val="#ppt_w"/>
+                                          </p:val>
+                                        </p:tav>
+                                      </p:tavLst>
+                                    </p:anim>
+                                    <p:anim calcmode="lin" valueType="num">
+                                      <p:cBhvr>
+                                        <p:cTn id="36" dur="500" fill="hold"/>
+                                        <p:tgtEl>
+                                          <p:spTgt spid="3"/>
+                                        </p:tgtEl>
+                                        <p:attrNameLst>
+                                          <p:attrName>ppt_h</p:attrName>
+                                        </p:attrNameLst>
+                                      </p:cBhvr>
+                                      <p:tavLst>
+                                        <p:tav tm="0">
+                                          <p:val>
+                                            <p:fltVal val="0"/>
+                                          </p:val>
+                                        </p:tav>
+                                        <p:tav tm="100000">
+                                          <p:val>
+                                            <p:strVal val="#ppt_h"/>
+                                          </p:val>
+                                        </p:tav>
+                                      </p:tavLst>
+                                    </p:anim>
+                                    <p:animEffect transition="in" filter="fade">
+                                      <p:cBhvr>
+                                        <p:cTn id="37" dur="500"/>
+                                        <p:tgtEl>
+                                          <p:spTgt spid="3"/>
+                                        </p:tgtEl>
+                                      </p:cBhvr>
+                                    </p:animEffect>
+                                  </p:childTnLst>
+                                </p:cTn>
+                              </p:par>
+                            </p:childTnLst>
+                          </p:cTn>
+                        </p:par>
+                      </p:childTnLst>
+                    </p:cTn>
+                  </p:par>
+                  <p:par>
+                    <p:cTn id="38" fill="hold">
+                      <p:stCondLst>
+                        <p:cond delay="indefinite"/>
+                      </p:stCondLst>
+                      <p:childTnLst>
+                        <p:par>
+                          <p:cTn id="39" fill="hold">
+                            <p:stCondLst>
+                              <p:cond delay="0"/>
+                            </p:stCondLst>
+                            <p:childTnLst>
+                              <p:par>
+                                <p:cTn id="40" presetID="2" presetClass="exit" presetSubtype="4" fill="hold" nodeType="clickEffect">
+                                  <p:stCondLst>
+                                    <p:cond delay="0"/>
+                                  </p:stCondLst>
+                                  <p:childTnLst>
+                                    <p:anim calcmode="lin" valueType="num">
+                                      <p:cBhvr additive="base">
+                                        <p:cTn id="41" dur="500"/>
+                                        <p:tgtEl>
+                                          <p:spTgt spid="3"/>
+                                        </p:tgtEl>
+                                        <p:attrNameLst>
+                                          <p:attrName>ppt_x</p:attrName>
+                                        </p:attrNameLst>
+                                      </p:cBhvr>
+                                      <p:tavLst>
+                                        <p:tav tm="0">
+                                          <p:val>
+                                            <p:strVal val="ppt_x"/>
+                                          </p:val>
+                                        </p:tav>
+                                        <p:tav tm="100000">
+                                          <p:val>
+                                            <p:strVal val="ppt_x"/>
+                                          </p:val>
+                                        </p:tav>
+                                      </p:tavLst>
+                                    </p:anim>
+                                    <p:anim calcmode="lin" valueType="num">
+                                      <p:cBhvr additive="base">
+                                        <p:cTn id="42" dur="500"/>
+                                        <p:tgtEl>
+                                          <p:spTgt spid="3"/>
+                                        </p:tgtEl>
+                                        <p:attrNameLst>
+                                          <p:attrName>ppt_y</p:attrName>
+                                        </p:attrNameLst>
+                                      </p:cBhvr>
+                                      <p:tavLst>
+                                        <p:tav tm="0">
+                                          <p:val>
+                                            <p:strVal val="ppt_y"/>
+                                          </p:val>
+                                        </p:tav>
+                                        <p:tav tm="100000">
+                                          <p:val>
+                                            <p:strVal val="1+ppt_h/2"/>
+                                          </p:val>
+                                        </p:tav>
+                                      </p:tavLst>
+                                    </p:anim>
+                                    <p:set>
+                                      <p:cBhvr>
+                                        <p:cTn id="43" dur="1" fill="hold">
+                                          <p:stCondLst>
+                                            <p:cond delay="499"/>
+                                          </p:stCondLst>
+                                        </p:cTn>
+                                        <p:tgtEl>
+                                          <p:spTgt spid="3"/>
+                                        </p:tgtEl>
+                                        <p:attrNameLst>
+                                          <p:attrName>style.visibility</p:attrName>
+                                        </p:attrNameLst>
+                                      </p:cBhvr>
+                                      <p:to>
+                                        <p:strVal val="hidden"/>
+                                      </p:to>
+                                    </p:set>
+                                  </p:childTnLst>
+                                </p:cTn>
+                              </p:par>
+                              <p:par>
+                                <p:cTn id="44" presetID="2" presetClass="entr" presetSubtype="4" fill="hold" nodeType="withEffect">
+                                  <p:stCondLst>
+                                    <p:cond delay="0"/>
+                                  </p:stCondLst>
+                                  <p:childTnLst>
+                                    <p:set>
+                                      <p:cBhvr>
+                                        <p:cTn id="45" dur="1" fill="hold">
+                                          <p:stCondLst>
+                                            <p:cond delay="0"/>
+                                          </p:stCondLst>
+                                        </p:cTn>
+                                        <p:tgtEl>
+                                          <p:spTgt spid="6"/>
+                                        </p:tgtEl>
+                                        <p:attrNameLst>
+                                          <p:attrName>style.visibility</p:attrName>
+                                        </p:attrNameLst>
+                                      </p:cBhvr>
+                                      <p:to>
+                                        <p:strVal val="visible"/>
+                                      </p:to>
+                                    </p:set>
+                                    <p:anim calcmode="lin" valueType="num">
+                                      <p:cBhvr additive="base">
+                                        <p:cTn id="46" dur="500" fill="hold"/>
+                                        <p:tgtEl>
+                                          <p:spTgt spid="6"/>
+                                        </p:tgtEl>
+                                        <p:attrNameLst>
+                                          <p:attrName>ppt_x</p:attrName>
+                                        </p:attrNameLst>
+                                      </p:cBhvr>
+                                      <p:tavLst>
+                                        <p:tav tm="0">
+                                          <p:val>
+                                            <p:strVal val="#ppt_x"/>
+                                          </p:val>
+                                        </p:tav>
+                                        <p:tav tm="100000">
+                                          <p:val>
+                                            <p:strVal val="#ppt_x"/>
+                                          </p:val>
+                                        </p:tav>
+                                      </p:tavLst>
+                                    </p:anim>
+                                    <p:anim calcmode="lin" valueType="num">
+                                      <p:cBhvr additive="base">
+                                        <p:cTn id="47" dur="500" fill="hold"/>
+                                        <p:tgtEl>
+                                          <p:spTgt spid="6"/>
+                                        </p:tgtEl>
+                                        <p:attrNameLst>
+                                          <p:attrName>ppt_y</p:attrName>
+                                        </p:attrNameLst>
+                                      </p:cBhvr>
+                                      <p:tavLst>
+                                        <p:tav tm="0">
+                                          <p:val>
+                                            <p:strVal val="1+#ppt_h/2"/>
+                                          </p:val>
+                                        </p:tav>
+                                        <p:tav tm="100000">
+                                          <p:val>
+                                            <p:strVal val="#ppt_y"/>
+                                          </p:val>
+                                        </p:tav>
+                                      </p:tavLst>
+                                    </p:anim>
+                                  </p:childTnLst>
+                                </p:cTn>
+                              </p:par>
+                            </p:childTnLst>
+                          </p:cTn>
+                        </p:par>
+                      </p:childTnLst>
+                    </p:cTn>
+                  </p:par>
+                  <p:par>
+                    <p:cTn id="48" fill="hold">
+                      <p:stCondLst>
+                        <p:cond delay="indefinite"/>
+                      </p:stCondLst>
+                      <p:childTnLst>
+                        <p:par>
+                          <p:cTn id="49" fill="hold">
+                            <p:stCondLst>
+                              <p:cond delay="0"/>
+                            </p:stCondLst>
+                            <p:childTnLst>
+                              <p:par>
+                                <p:cTn id="50" presetID="53" presetClass="entr" presetSubtype="16" fill="hold" grpId="0" nodeType="clickEffect">
+                                  <p:stCondLst>
+                                    <p:cond delay="0"/>
+                                  </p:stCondLst>
+                                  <p:childTnLst>
+                                    <p:set>
+                                      <p:cBhvr>
+                                        <p:cTn id="51" dur="1" fill="hold">
+                                          <p:stCondLst>
+                                            <p:cond delay="0"/>
+                                          </p:stCondLst>
+                                        </p:cTn>
+                                        <p:tgtEl>
+                                          <p:spTgt spid="7"/>
+                                        </p:tgtEl>
+                                        <p:attrNameLst>
+                                          <p:attrName>style.visibility</p:attrName>
+                                        </p:attrNameLst>
+                                      </p:cBhvr>
+                                      <p:to>
+                                        <p:strVal val="visible"/>
+                                      </p:to>
+                                    </p:set>
+                                    <p:anim calcmode="lin" valueType="num">
+                                      <p:cBhvr>
+                                        <p:cTn id="52" dur="500" fill="hold"/>
+                                        <p:tgtEl>
+                                          <p:spTgt spid="7"/>
+                                        </p:tgtEl>
+                                        <p:attrNameLst>
+                                          <p:attrName>ppt_w</p:attrName>
+                                        </p:attrNameLst>
+                                      </p:cBhvr>
+                                      <p:tavLst>
+                                        <p:tav tm="0">
+                                          <p:val>
+                                            <p:fltVal val="0"/>
+                                          </p:val>
+                                        </p:tav>
+                                        <p:tav tm="100000">
+                                          <p:val>
+                                            <p:strVal val="#ppt_w"/>
+                                          </p:val>
+                                        </p:tav>
+                                      </p:tavLst>
+                                    </p:anim>
+                                    <p:anim calcmode="lin" valueType="num">
+                                      <p:cBhvr>
+                                        <p:cTn id="53" dur="500" fill="hold"/>
+                                        <p:tgtEl>
+                                          <p:spTgt spid="7"/>
+                                        </p:tgtEl>
+                                        <p:attrNameLst>
+                                          <p:attrName>ppt_h</p:attrName>
+                                        </p:attrNameLst>
+                                      </p:cBhvr>
+                                      <p:tavLst>
+                                        <p:tav tm="0">
+                                          <p:val>
+                                            <p:fltVal val="0"/>
+                                          </p:val>
+                                        </p:tav>
+                                        <p:tav tm="100000">
+                                          <p:val>
+                                            <p:strVal val="#ppt_h"/>
+                                          </p:val>
+                                        </p:tav>
+                                      </p:tavLst>
+                                    </p:anim>
+                                    <p:animEffect transition="in" filter="fade">
+                                      <p:cBhvr>
+                                        <p:cTn id="54" dur="500"/>
+                                        <p:tgtEl>
+                                          <p:spTgt spid="7"/>
+                                        </p:tgtEl>
+                                      </p:cBhvr>
+                                    </p:animEffect>
+                                  </p:childTnLst>
+                                </p:cTn>
+                              </p:par>
+                            </p:childTnLst>
+                          </p:cTn>
+                        </p:par>
+                      </p:childTnLst>
+                    </p:cTn>
+                  </p:par>
                 </p:childTnLst>
               </p:cTn>
               <p:prevCondLst>
@@ -19447,12 +20716,2546 @@
           <a:bldDgm bld="one"/>
         </p:bldSub>
       </p:bldGraphic>
+      <p:bldP spid="7" grpId="0" animBg="1"/>
     </p:bldLst>
   </p:timing>
 </p:sld>
 </file>
 
 <file path=ppt/slides/slide6.xml><?xml version="1.0" encoding="utf-8"?>
+<p:sld xmlns:a="http://schemas.openxmlformats.org/drawingml/2006/main" xmlns:r="http://schemas.openxmlformats.org/officeDocument/2006/relationships" xmlns:p="http://schemas.openxmlformats.org/presentationml/2006/main">
+  <p:cSld>
+    <p:spTree>
+      <p:nvGrpSpPr>
+        <p:cNvPr id="1" name=""/>
+        <p:cNvGrpSpPr/>
+        <p:nvPr/>
+      </p:nvGrpSpPr>
+      <p:grpSpPr>
+        <a:xfrm>
+          <a:off x="0" y="0"/>
+          <a:ext cx="0" cy="0"/>
+          <a:chOff x="0" y="0"/>
+          <a:chExt cx="0" cy="0"/>
+        </a:xfrm>
+      </p:grpSpPr>
+      <p:sp>
+        <p:nvSpPr>
+          <p:cNvPr id="2" name="Заголовок 1"/>
+          <p:cNvSpPr>
+            <a:spLocks noGrp="1"/>
+          </p:cNvSpPr>
+          <p:nvPr>
+            <p:ph type="title"/>
+          </p:nvPr>
+        </p:nvSpPr>
+        <p:spPr/>
+        <p:txBody>
+          <a:bodyPr/>
+          <a:lstStyle/>
+          <a:p>
+            <a:r>
+              <a:rPr lang="ru-RU" dirty="0"/>
+              <a:t>Создание </a:t>
+            </a:r>
+            <a:r>
+              <a:rPr lang="ru-RU" dirty="0" err="1"/>
+              <a:t>микросервиса</a:t>
+            </a:r>
+            <a:endParaRPr lang="en-US" dirty="0"/>
+          </a:p>
+        </p:txBody>
+      </p:sp>
+      <p:sp>
+        <p:nvSpPr>
+          <p:cNvPr id="3" name="Объект 2"/>
+          <p:cNvSpPr>
+            <a:spLocks noGrp="1"/>
+          </p:cNvSpPr>
+          <p:nvPr>
+            <p:ph idx="1"/>
+          </p:nvPr>
+        </p:nvSpPr>
+        <p:spPr>
+          <a:xfrm>
+            <a:off x="680321" y="3583057"/>
+            <a:ext cx="9613861" cy="2353131"/>
+          </a:xfrm>
+          <a:noFill/>
+        </p:spPr>
+        <p:txBody>
+          <a:bodyPr>
+            <a:normAutofit/>
+          </a:bodyPr>
+          <a:lstStyle/>
+          <a:p>
+            <a:pPr marL="0" indent="0" algn="ctr">
+              <a:buNone/>
+            </a:pPr>
+            <a:r>
+              <a:rPr lang="ru-RU" sz="5400" dirty="0"/>
+              <a:t>Демонстрация</a:t>
+            </a:r>
+            <a:endParaRPr lang="ru-RU" sz="4000" dirty="0"/>
+          </a:p>
+          <a:p>
+            <a:pPr marL="0" indent="0">
+              <a:buNone/>
+            </a:pPr>
+            <a:endParaRPr lang="ru-RU" sz="4000" dirty="0"/>
+          </a:p>
+        </p:txBody>
+      </p:sp>
+      <p:sp>
+        <p:nvSpPr>
+          <p:cNvPr id="5" name="Номер слайда 4">
+            <a:extLst>
+              <a:ext uri="{FF2B5EF4-FFF2-40B4-BE49-F238E27FC236}">
+                <a16:creationId xmlns:a16="http://schemas.microsoft.com/office/drawing/2014/main" id="{A7F9CA83-090A-458E-8646-772D01BCC54F}"/>
+              </a:ext>
+            </a:extLst>
+          </p:cNvPr>
+          <p:cNvSpPr>
+            <a:spLocks noGrp="1"/>
+          </p:cNvSpPr>
+          <p:nvPr>
+            <p:ph type="sldNum" sz="quarter" idx="12"/>
+          </p:nvPr>
+        </p:nvSpPr>
+        <p:spPr>
+          <a:xfrm>
+            <a:off x="10729455" y="753227"/>
+            <a:ext cx="1154151" cy="1090789"/>
+          </a:xfrm>
+        </p:spPr>
+        <p:txBody>
+          <a:bodyPr/>
+          <a:lstStyle/>
+          <a:p>
+            <a:fld id="{356453D0-7C6D-4FAD-A87B-D4E72CD04107}" type="slidenum">
+              <a:rPr lang="en-US" smtClean="0"/>
+              <a:t>6</a:t>
+            </a:fld>
+            <a:endParaRPr lang="en-US" dirty="0"/>
+          </a:p>
+        </p:txBody>
+      </p:sp>
+    </p:spTree>
+    <p:extLst>
+      <p:ext uri="{BB962C8B-B14F-4D97-AF65-F5344CB8AC3E}">
+        <p14:creationId xmlns:p14="http://schemas.microsoft.com/office/powerpoint/2010/main" val="1825050071"/>
+      </p:ext>
+    </p:extLst>
+  </p:cSld>
+  <p:clrMapOvr>
+    <a:masterClrMapping/>
+  </p:clrMapOvr>
+  <p:transition spd="slow">
+    <p:cover/>
+  </p:transition>
+</p:sld>
+</file>
+
+<file path=ppt/slides/slide7.xml><?xml version="1.0" encoding="utf-8"?>
+<p:sld xmlns:a="http://schemas.openxmlformats.org/drawingml/2006/main" xmlns:r="http://schemas.openxmlformats.org/officeDocument/2006/relationships" xmlns:p="http://schemas.openxmlformats.org/presentationml/2006/main">
+  <p:cSld>
+    <p:spTree>
+      <p:nvGrpSpPr>
+        <p:cNvPr id="1" name=""/>
+        <p:cNvGrpSpPr/>
+        <p:nvPr/>
+      </p:nvGrpSpPr>
+      <p:grpSpPr>
+        <a:xfrm>
+          <a:off x="0" y="0"/>
+          <a:ext cx="0" cy="0"/>
+          <a:chOff x="0" y="0"/>
+          <a:chExt cx="0" cy="0"/>
+        </a:xfrm>
+      </p:grpSpPr>
+      <p:sp>
+        <p:nvSpPr>
+          <p:cNvPr id="2" name="Заголовок 1"/>
+          <p:cNvSpPr>
+            <a:spLocks noGrp="1"/>
+          </p:cNvSpPr>
+          <p:nvPr>
+            <p:ph type="title"/>
+          </p:nvPr>
+        </p:nvSpPr>
+        <p:spPr/>
+        <p:txBody>
+          <a:bodyPr/>
+          <a:lstStyle/>
+          <a:p>
+            <a:r>
+              <a:rPr lang="ru-RU" dirty="0"/>
+              <a:t>Что в шаблонах?</a:t>
+            </a:r>
+            <a:endParaRPr lang="en-US" dirty="0"/>
+          </a:p>
+        </p:txBody>
+      </p:sp>
+      <p:sp>
+        <p:nvSpPr>
+          <p:cNvPr id="5" name="Номер слайда 4">
+            <a:extLst>
+              <a:ext uri="{FF2B5EF4-FFF2-40B4-BE49-F238E27FC236}">
+                <a16:creationId xmlns:a16="http://schemas.microsoft.com/office/drawing/2014/main" id="{A7F9CA83-090A-458E-8646-772D01BCC54F}"/>
+              </a:ext>
+            </a:extLst>
+          </p:cNvPr>
+          <p:cNvSpPr>
+            <a:spLocks noGrp="1"/>
+          </p:cNvSpPr>
+          <p:nvPr>
+            <p:ph type="sldNum" sz="quarter" idx="12"/>
+          </p:nvPr>
+        </p:nvSpPr>
+        <p:spPr/>
+        <p:txBody>
+          <a:bodyPr/>
+          <a:lstStyle/>
+          <a:p>
+            <a:fld id="{356453D0-7C6D-4FAD-A87B-D4E72CD04107}" type="slidenum">
+              <a:rPr lang="en-US" smtClean="0"/>
+              <a:t>7</a:t>
+            </a:fld>
+            <a:endParaRPr lang="en-US" dirty="0"/>
+          </a:p>
+        </p:txBody>
+      </p:sp>
+      <p:grpSp>
+        <p:nvGrpSpPr>
+          <p:cNvPr id="126" name="Группа 125">
+            <a:extLst>
+              <a:ext uri="{FF2B5EF4-FFF2-40B4-BE49-F238E27FC236}">
+                <a16:creationId xmlns:a16="http://schemas.microsoft.com/office/drawing/2014/main" id="{20A43940-66DD-4BC3-AF97-FD04B54BB250}"/>
+              </a:ext>
+            </a:extLst>
+          </p:cNvPr>
+          <p:cNvGrpSpPr/>
+          <p:nvPr/>
+        </p:nvGrpSpPr>
+        <p:grpSpPr>
+          <a:xfrm>
+            <a:off x="7530496" y="2984285"/>
+            <a:ext cx="2147079" cy="990498"/>
+            <a:chOff x="7167718" y="2786517"/>
+            <a:chExt cx="2147079" cy="990498"/>
+          </a:xfrm>
+        </p:grpSpPr>
+        <p:sp>
+          <p:nvSpPr>
+            <p:cNvPr id="81" name="Прямоугольник: скругленные углы 80">
+              <a:extLst>
+                <a:ext uri="{FF2B5EF4-FFF2-40B4-BE49-F238E27FC236}">
+                  <a16:creationId xmlns:a16="http://schemas.microsoft.com/office/drawing/2014/main" id="{EC339236-2499-48D7-A5A4-357A44CD3B59}"/>
+                </a:ext>
+              </a:extLst>
+            </p:cNvPr>
+            <p:cNvSpPr/>
+            <p:nvPr/>
+          </p:nvSpPr>
+          <p:spPr>
+            <a:xfrm>
+              <a:off x="7172073" y="2786517"/>
+              <a:ext cx="2142724" cy="990498"/>
+            </a:xfrm>
+            <a:prstGeom prst="roundRect">
+              <a:avLst/>
+            </a:prstGeom>
+            <a:solidFill>
+              <a:schemeClr val="accent3"/>
+            </a:solidFill>
+            <a:ln>
+              <a:noFill/>
+            </a:ln>
+          </p:spPr>
+          <p:style>
+            <a:lnRef idx="2">
+              <a:schemeClr val="accent1">
+                <a:shade val="50000"/>
+              </a:schemeClr>
+            </a:lnRef>
+            <a:fillRef idx="1">
+              <a:schemeClr val="accent1"/>
+            </a:fillRef>
+            <a:effectRef idx="0">
+              <a:schemeClr val="accent1"/>
+            </a:effectRef>
+            <a:fontRef idx="minor">
+              <a:schemeClr val="lt1"/>
+            </a:fontRef>
+          </p:style>
+          <p:txBody>
+            <a:bodyPr rtlCol="0" anchor="ctr"/>
+            <a:lstStyle/>
+            <a:p>
+              <a:pPr algn="ctr"/>
+              <a:endParaRPr lang="en-US"/>
+            </a:p>
+          </p:txBody>
+        </p:sp>
+        <p:sp>
+          <p:nvSpPr>
+            <p:cNvPr id="83" name="TextBox 82">
+              <a:extLst>
+                <a:ext uri="{FF2B5EF4-FFF2-40B4-BE49-F238E27FC236}">
+                  <a16:creationId xmlns:a16="http://schemas.microsoft.com/office/drawing/2014/main" id="{5ADA3057-9DB5-450F-A689-38B82CC654CF}"/>
+                </a:ext>
+              </a:extLst>
+            </p:cNvPr>
+            <p:cNvSpPr txBox="1"/>
+            <p:nvPr/>
+          </p:nvSpPr>
+          <p:spPr>
+            <a:xfrm>
+              <a:off x="7167718" y="2856017"/>
+              <a:ext cx="1430200" cy="307777"/>
+            </a:xfrm>
+            <a:prstGeom prst="rect">
+              <a:avLst/>
+            </a:prstGeom>
+            <a:noFill/>
+          </p:spPr>
+          <p:txBody>
+            <a:bodyPr wrap="none" rtlCol="0">
+              <a:spAutoFit/>
+            </a:bodyPr>
+            <a:lstStyle/>
+            <a:p>
+              <a:r>
+                <a:rPr lang="ru-RU" sz="1400" dirty="0"/>
+                <a:t>Микросервис 2</a:t>
+              </a:r>
+              <a:endParaRPr lang="en-US" sz="1400" dirty="0"/>
+            </a:p>
+          </p:txBody>
+        </p:sp>
+        <p:sp>
+          <p:nvSpPr>
+            <p:cNvPr id="8" name="Прямоугольник 7">
+              <a:extLst>
+                <a:ext uri="{FF2B5EF4-FFF2-40B4-BE49-F238E27FC236}">
+                  <a16:creationId xmlns:a16="http://schemas.microsoft.com/office/drawing/2014/main" id="{9B7A2330-0553-464E-85A4-325BD954CAB6}"/>
+                </a:ext>
+              </a:extLst>
+            </p:cNvPr>
+            <p:cNvSpPr/>
+            <p:nvPr/>
+          </p:nvSpPr>
+          <p:spPr>
+            <a:xfrm>
+              <a:off x="7375707" y="3155654"/>
+              <a:ext cx="1748437" cy="567993"/>
+            </a:xfrm>
+            <a:prstGeom prst="rect">
+              <a:avLst/>
+            </a:prstGeom>
+            <a:ln>
+              <a:noFill/>
+            </a:ln>
+          </p:spPr>
+          <p:style>
+            <a:lnRef idx="3">
+              <a:schemeClr val="lt1"/>
+            </a:lnRef>
+            <a:fillRef idx="1">
+              <a:schemeClr val="accent5"/>
+            </a:fillRef>
+            <a:effectRef idx="1">
+              <a:schemeClr val="accent5"/>
+            </a:effectRef>
+            <a:fontRef idx="minor">
+              <a:schemeClr val="lt1"/>
+            </a:fontRef>
+          </p:style>
+          <p:txBody>
+            <a:bodyPr rtlCol="0" anchor="ctr"/>
+            <a:lstStyle/>
+            <a:p>
+              <a:pPr algn="ctr"/>
+              <a:r>
+                <a:rPr lang="en-US" dirty="0"/>
+                <a:t>API 2</a:t>
+              </a:r>
+            </a:p>
+          </p:txBody>
+        </p:sp>
+        <p:sp>
+          <p:nvSpPr>
+            <p:cNvPr id="57" name="Прямоугольник 56">
+              <a:extLst>
+                <a:ext uri="{FF2B5EF4-FFF2-40B4-BE49-F238E27FC236}">
+                  <a16:creationId xmlns:a16="http://schemas.microsoft.com/office/drawing/2014/main" id="{A8998293-C0CB-4819-B7D8-278A3E44C2DC}"/>
+                </a:ext>
+              </a:extLst>
+            </p:cNvPr>
+            <p:cNvSpPr/>
+            <p:nvPr/>
+          </p:nvSpPr>
+          <p:spPr>
+            <a:xfrm>
+              <a:off x="8600051" y="2971617"/>
+              <a:ext cx="671019" cy="584163"/>
+            </a:xfrm>
+            <a:prstGeom prst="rect">
+              <a:avLst/>
+            </a:prstGeom>
+            <a:solidFill>
+              <a:schemeClr val="accent2"/>
+            </a:solidFill>
+            <a:ln>
+              <a:noFill/>
+            </a:ln>
+          </p:spPr>
+          <p:style>
+            <a:lnRef idx="2">
+              <a:schemeClr val="accent2">
+                <a:shade val="50000"/>
+              </a:schemeClr>
+            </a:lnRef>
+            <a:fillRef idx="1">
+              <a:schemeClr val="accent2"/>
+            </a:fillRef>
+            <a:effectRef idx="0">
+              <a:schemeClr val="accent2"/>
+            </a:effectRef>
+            <a:fontRef idx="minor">
+              <a:schemeClr val="lt1"/>
+            </a:fontRef>
+          </p:style>
+          <p:txBody>
+            <a:bodyPr rtlCol="0" anchor="ctr"/>
+            <a:lstStyle/>
+            <a:p>
+              <a:pPr algn="ctr"/>
+              <a:r>
+                <a:rPr lang="en-US" dirty="0"/>
+                <a:t>UI 1</a:t>
+              </a:r>
+            </a:p>
+          </p:txBody>
+        </p:sp>
+      </p:grpSp>
+      <p:grpSp>
+        <p:nvGrpSpPr>
+          <p:cNvPr id="128" name="Группа 127">
+            <a:extLst>
+              <a:ext uri="{FF2B5EF4-FFF2-40B4-BE49-F238E27FC236}">
+                <a16:creationId xmlns:a16="http://schemas.microsoft.com/office/drawing/2014/main" id="{C54D954E-EA6D-42AC-AD22-4EA66E5EEDFD}"/>
+              </a:ext>
+            </a:extLst>
+          </p:cNvPr>
+          <p:cNvGrpSpPr/>
+          <p:nvPr/>
+        </p:nvGrpSpPr>
+        <p:grpSpPr>
+          <a:xfrm>
+            <a:off x="5237631" y="3761154"/>
+            <a:ext cx="2147079" cy="990498"/>
+            <a:chOff x="6096000" y="4109172"/>
+            <a:chExt cx="2147079" cy="990498"/>
+          </a:xfrm>
+        </p:grpSpPr>
+        <p:sp>
+          <p:nvSpPr>
+            <p:cNvPr id="85" name="Прямоугольник: скругленные углы 84">
+              <a:extLst>
+                <a:ext uri="{FF2B5EF4-FFF2-40B4-BE49-F238E27FC236}">
+                  <a16:creationId xmlns:a16="http://schemas.microsoft.com/office/drawing/2014/main" id="{B5A2918F-7DD4-4491-8760-1CBD3DDA03ED}"/>
+                </a:ext>
+              </a:extLst>
+            </p:cNvPr>
+            <p:cNvSpPr/>
+            <p:nvPr/>
+          </p:nvSpPr>
+          <p:spPr>
+            <a:xfrm>
+              <a:off x="6100355" y="4109172"/>
+              <a:ext cx="2142724" cy="990498"/>
+            </a:xfrm>
+            <a:prstGeom prst="roundRect">
+              <a:avLst/>
+            </a:prstGeom>
+            <a:solidFill>
+              <a:schemeClr val="accent3"/>
+            </a:solidFill>
+            <a:ln>
+              <a:noFill/>
+            </a:ln>
+          </p:spPr>
+          <p:style>
+            <a:lnRef idx="2">
+              <a:schemeClr val="accent1">
+                <a:shade val="50000"/>
+              </a:schemeClr>
+            </a:lnRef>
+            <a:fillRef idx="1">
+              <a:schemeClr val="accent1"/>
+            </a:fillRef>
+            <a:effectRef idx="0">
+              <a:schemeClr val="accent1"/>
+            </a:effectRef>
+            <a:fontRef idx="minor">
+              <a:schemeClr val="lt1"/>
+            </a:fontRef>
+          </p:style>
+          <p:txBody>
+            <a:bodyPr rtlCol="0" anchor="ctr"/>
+            <a:lstStyle/>
+            <a:p>
+              <a:pPr algn="ctr"/>
+              <a:endParaRPr lang="en-US"/>
+            </a:p>
+          </p:txBody>
+        </p:sp>
+        <p:sp>
+          <p:nvSpPr>
+            <p:cNvPr id="86" name="TextBox 85">
+              <a:extLst>
+                <a:ext uri="{FF2B5EF4-FFF2-40B4-BE49-F238E27FC236}">
+                  <a16:creationId xmlns:a16="http://schemas.microsoft.com/office/drawing/2014/main" id="{5AE33F51-7ACA-4510-B9BE-B78CD7D0F95C}"/>
+                </a:ext>
+              </a:extLst>
+            </p:cNvPr>
+            <p:cNvSpPr txBox="1"/>
+            <p:nvPr/>
+          </p:nvSpPr>
+          <p:spPr>
+            <a:xfrm>
+              <a:off x="6096000" y="4178672"/>
+              <a:ext cx="1430200" cy="307777"/>
+            </a:xfrm>
+            <a:prstGeom prst="rect">
+              <a:avLst/>
+            </a:prstGeom>
+            <a:noFill/>
+          </p:spPr>
+          <p:txBody>
+            <a:bodyPr wrap="none" rtlCol="0">
+              <a:spAutoFit/>
+            </a:bodyPr>
+            <a:lstStyle/>
+            <a:p>
+              <a:r>
+                <a:rPr lang="ru-RU" sz="1400" dirty="0"/>
+                <a:t>Микросервис 3</a:t>
+              </a:r>
+              <a:endParaRPr lang="en-US" sz="1400" dirty="0"/>
+            </a:p>
+          </p:txBody>
+        </p:sp>
+        <p:sp>
+          <p:nvSpPr>
+            <p:cNvPr id="12" name="Прямоугольник 11">
+              <a:extLst>
+                <a:ext uri="{FF2B5EF4-FFF2-40B4-BE49-F238E27FC236}">
+                  <a16:creationId xmlns:a16="http://schemas.microsoft.com/office/drawing/2014/main" id="{79734D60-5C13-41DD-BE01-A1FD5B11C801}"/>
+                </a:ext>
+              </a:extLst>
+            </p:cNvPr>
+            <p:cNvSpPr/>
+            <p:nvPr/>
+          </p:nvSpPr>
+          <p:spPr>
+            <a:xfrm>
+              <a:off x="6301857" y="4473918"/>
+              <a:ext cx="1748437" cy="567993"/>
+            </a:xfrm>
+            <a:prstGeom prst="rect">
+              <a:avLst/>
+            </a:prstGeom>
+            <a:ln>
+              <a:noFill/>
+            </a:ln>
+          </p:spPr>
+          <p:style>
+            <a:lnRef idx="3">
+              <a:schemeClr val="lt1"/>
+            </a:lnRef>
+            <a:fillRef idx="1">
+              <a:schemeClr val="accent5"/>
+            </a:fillRef>
+            <a:effectRef idx="1">
+              <a:schemeClr val="accent5"/>
+            </a:effectRef>
+            <a:fontRef idx="minor">
+              <a:schemeClr val="lt1"/>
+            </a:fontRef>
+          </p:style>
+          <p:txBody>
+            <a:bodyPr rtlCol="0" anchor="ctr"/>
+            <a:lstStyle/>
+            <a:p>
+              <a:pPr algn="ctr"/>
+              <a:r>
+                <a:rPr lang="en-US" dirty="0"/>
+                <a:t>API 3</a:t>
+              </a:r>
+            </a:p>
+          </p:txBody>
+        </p:sp>
+        <p:sp>
+          <p:nvSpPr>
+            <p:cNvPr id="58" name="Прямоугольник 57">
+              <a:extLst>
+                <a:ext uri="{FF2B5EF4-FFF2-40B4-BE49-F238E27FC236}">
+                  <a16:creationId xmlns:a16="http://schemas.microsoft.com/office/drawing/2014/main" id="{1C371192-7FCC-41C4-9E3B-61601C3A646B}"/>
+                </a:ext>
+              </a:extLst>
+            </p:cNvPr>
+            <p:cNvSpPr/>
+            <p:nvPr/>
+          </p:nvSpPr>
+          <p:spPr>
+            <a:xfrm>
+              <a:off x="7526200" y="4341298"/>
+              <a:ext cx="671019" cy="584163"/>
+            </a:xfrm>
+            <a:prstGeom prst="rect">
+              <a:avLst/>
+            </a:prstGeom>
+            <a:solidFill>
+              <a:schemeClr val="accent2"/>
+            </a:solidFill>
+            <a:ln>
+              <a:noFill/>
+            </a:ln>
+          </p:spPr>
+          <p:style>
+            <a:lnRef idx="2">
+              <a:schemeClr val="accent2">
+                <a:shade val="50000"/>
+              </a:schemeClr>
+            </a:lnRef>
+            <a:fillRef idx="1">
+              <a:schemeClr val="accent2"/>
+            </a:fillRef>
+            <a:effectRef idx="0">
+              <a:schemeClr val="accent2"/>
+            </a:effectRef>
+            <a:fontRef idx="minor">
+              <a:schemeClr val="lt1"/>
+            </a:fontRef>
+          </p:style>
+          <p:txBody>
+            <a:bodyPr rtlCol="0" anchor="ctr"/>
+            <a:lstStyle/>
+            <a:p>
+              <a:pPr algn="ctr"/>
+              <a:r>
+                <a:rPr lang="en-US" dirty="0"/>
+                <a:t>UI 1</a:t>
+              </a:r>
+            </a:p>
+          </p:txBody>
+        </p:sp>
+      </p:grpSp>
+      <p:grpSp>
+        <p:nvGrpSpPr>
+          <p:cNvPr id="129" name="Группа 128">
+            <a:extLst>
+              <a:ext uri="{FF2B5EF4-FFF2-40B4-BE49-F238E27FC236}">
+                <a16:creationId xmlns:a16="http://schemas.microsoft.com/office/drawing/2014/main" id="{A04231EA-6B9A-4F97-B42F-3806B71A1DDC}"/>
+              </a:ext>
+            </a:extLst>
+          </p:cNvPr>
+          <p:cNvGrpSpPr/>
+          <p:nvPr/>
+        </p:nvGrpSpPr>
+        <p:grpSpPr>
+          <a:xfrm>
+            <a:off x="5349874" y="5153828"/>
+            <a:ext cx="2147079" cy="990498"/>
+            <a:chOff x="7231307" y="5310187"/>
+            <a:chExt cx="2147079" cy="990498"/>
+          </a:xfrm>
+        </p:grpSpPr>
+        <p:sp>
+          <p:nvSpPr>
+            <p:cNvPr id="91" name="Прямоугольник: скругленные углы 90">
+              <a:extLst>
+                <a:ext uri="{FF2B5EF4-FFF2-40B4-BE49-F238E27FC236}">
+                  <a16:creationId xmlns:a16="http://schemas.microsoft.com/office/drawing/2014/main" id="{10FEFE3A-6F86-46EA-9A97-9BDE3580CC5F}"/>
+                </a:ext>
+              </a:extLst>
+            </p:cNvPr>
+            <p:cNvSpPr/>
+            <p:nvPr/>
+          </p:nvSpPr>
+          <p:spPr>
+            <a:xfrm>
+              <a:off x="7235662" y="5310187"/>
+              <a:ext cx="2142724" cy="990498"/>
+            </a:xfrm>
+            <a:prstGeom prst="roundRect">
+              <a:avLst/>
+            </a:prstGeom>
+            <a:solidFill>
+              <a:schemeClr val="accent3"/>
+            </a:solidFill>
+            <a:ln>
+              <a:noFill/>
+            </a:ln>
+          </p:spPr>
+          <p:style>
+            <a:lnRef idx="2">
+              <a:schemeClr val="accent1">
+                <a:shade val="50000"/>
+              </a:schemeClr>
+            </a:lnRef>
+            <a:fillRef idx="1">
+              <a:schemeClr val="accent1"/>
+            </a:fillRef>
+            <a:effectRef idx="0">
+              <a:schemeClr val="accent1"/>
+            </a:effectRef>
+            <a:fontRef idx="minor">
+              <a:schemeClr val="lt1"/>
+            </a:fontRef>
+          </p:style>
+          <p:txBody>
+            <a:bodyPr rtlCol="0" anchor="ctr"/>
+            <a:lstStyle/>
+            <a:p>
+              <a:pPr algn="ctr"/>
+              <a:endParaRPr lang="en-US"/>
+            </a:p>
+          </p:txBody>
+        </p:sp>
+        <p:sp>
+          <p:nvSpPr>
+            <p:cNvPr id="92" name="TextBox 91">
+              <a:extLst>
+                <a:ext uri="{FF2B5EF4-FFF2-40B4-BE49-F238E27FC236}">
+                  <a16:creationId xmlns:a16="http://schemas.microsoft.com/office/drawing/2014/main" id="{C20D5D85-827F-4B5A-B5D5-9128E2AB007A}"/>
+                </a:ext>
+              </a:extLst>
+            </p:cNvPr>
+            <p:cNvSpPr txBox="1"/>
+            <p:nvPr/>
+          </p:nvSpPr>
+          <p:spPr>
+            <a:xfrm>
+              <a:off x="7231307" y="5379687"/>
+              <a:ext cx="1430200" cy="307777"/>
+            </a:xfrm>
+            <a:prstGeom prst="rect">
+              <a:avLst/>
+            </a:prstGeom>
+            <a:noFill/>
+          </p:spPr>
+          <p:txBody>
+            <a:bodyPr wrap="none" rtlCol="0">
+              <a:spAutoFit/>
+            </a:bodyPr>
+            <a:lstStyle/>
+            <a:p>
+              <a:r>
+                <a:rPr lang="ru-RU" sz="1400" dirty="0"/>
+                <a:t>Микросервис 4</a:t>
+              </a:r>
+              <a:endParaRPr lang="en-US" sz="1400" dirty="0"/>
+            </a:p>
+          </p:txBody>
+        </p:sp>
+        <p:sp>
+          <p:nvSpPr>
+            <p:cNvPr id="13" name="Прямоугольник 12">
+              <a:extLst>
+                <a:ext uri="{FF2B5EF4-FFF2-40B4-BE49-F238E27FC236}">
+                  <a16:creationId xmlns:a16="http://schemas.microsoft.com/office/drawing/2014/main" id="{63924B82-F1CB-4B5E-9011-CDEF9490139C}"/>
+                </a:ext>
+              </a:extLst>
+            </p:cNvPr>
+            <p:cNvSpPr/>
+            <p:nvPr/>
+          </p:nvSpPr>
+          <p:spPr>
+            <a:xfrm>
+              <a:off x="7388964" y="5642014"/>
+              <a:ext cx="1748437" cy="567993"/>
+            </a:xfrm>
+            <a:prstGeom prst="rect">
+              <a:avLst/>
+            </a:prstGeom>
+            <a:ln>
+              <a:noFill/>
+            </a:ln>
+          </p:spPr>
+          <p:style>
+            <a:lnRef idx="3">
+              <a:schemeClr val="lt1"/>
+            </a:lnRef>
+            <a:fillRef idx="1">
+              <a:schemeClr val="accent5"/>
+            </a:fillRef>
+            <a:effectRef idx="1">
+              <a:schemeClr val="accent5"/>
+            </a:effectRef>
+            <a:fontRef idx="minor">
+              <a:schemeClr val="lt1"/>
+            </a:fontRef>
+          </p:style>
+          <p:txBody>
+            <a:bodyPr rtlCol="0" anchor="ctr"/>
+            <a:lstStyle/>
+            <a:p>
+              <a:pPr algn="ctr"/>
+              <a:r>
+                <a:rPr lang="en-US" dirty="0"/>
+                <a:t>API 4</a:t>
+              </a:r>
+            </a:p>
+          </p:txBody>
+        </p:sp>
+        <p:sp>
+          <p:nvSpPr>
+            <p:cNvPr id="59" name="Прямоугольник 58">
+              <a:extLst>
+                <a:ext uri="{FF2B5EF4-FFF2-40B4-BE49-F238E27FC236}">
+                  <a16:creationId xmlns:a16="http://schemas.microsoft.com/office/drawing/2014/main" id="{66E2B0CE-04A3-451E-A0CA-8BFE088C4F9E}"/>
+                </a:ext>
+              </a:extLst>
+            </p:cNvPr>
+            <p:cNvSpPr/>
+            <p:nvPr/>
+          </p:nvSpPr>
+          <p:spPr>
+            <a:xfrm>
+              <a:off x="8613307" y="5518279"/>
+              <a:ext cx="671019" cy="584163"/>
+            </a:xfrm>
+            <a:prstGeom prst="rect">
+              <a:avLst/>
+            </a:prstGeom>
+            <a:solidFill>
+              <a:schemeClr val="accent2"/>
+            </a:solidFill>
+            <a:ln>
+              <a:noFill/>
+            </a:ln>
+          </p:spPr>
+          <p:style>
+            <a:lnRef idx="2">
+              <a:schemeClr val="accent2">
+                <a:shade val="50000"/>
+              </a:schemeClr>
+            </a:lnRef>
+            <a:fillRef idx="1">
+              <a:schemeClr val="accent2"/>
+            </a:fillRef>
+            <a:effectRef idx="0">
+              <a:schemeClr val="accent2"/>
+            </a:effectRef>
+            <a:fontRef idx="minor">
+              <a:schemeClr val="lt1"/>
+            </a:fontRef>
+          </p:style>
+          <p:txBody>
+            <a:bodyPr rtlCol="0" anchor="ctr"/>
+            <a:lstStyle/>
+            <a:p>
+              <a:pPr algn="ctr"/>
+              <a:r>
+                <a:rPr lang="en-US" dirty="0"/>
+                <a:t>UI 1</a:t>
+              </a:r>
+            </a:p>
+          </p:txBody>
+        </p:sp>
+      </p:grpSp>
+      <p:grpSp>
+        <p:nvGrpSpPr>
+          <p:cNvPr id="127" name="Группа 126">
+            <a:extLst>
+              <a:ext uri="{FF2B5EF4-FFF2-40B4-BE49-F238E27FC236}">
+                <a16:creationId xmlns:a16="http://schemas.microsoft.com/office/drawing/2014/main" id="{A1CCD3F7-7302-4069-BB26-5FECBEE569C9}"/>
+              </a:ext>
+            </a:extLst>
+          </p:cNvPr>
+          <p:cNvGrpSpPr/>
+          <p:nvPr/>
+        </p:nvGrpSpPr>
+        <p:grpSpPr>
+          <a:xfrm>
+            <a:off x="4829986" y="2210740"/>
+            <a:ext cx="2147079" cy="990498"/>
+            <a:chOff x="4829986" y="2210740"/>
+            <a:chExt cx="2147079" cy="990498"/>
+          </a:xfrm>
+        </p:grpSpPr>
+        <p:grpSp>
+          <p:nvGrpSpPr>
+            <p:cNvPr id="125" name="Группа 124">
+              <a:extLst>
+                <a:ext uri="{FF2B5EF4-FFF2-40B4-BE49-F238E27FC236}">
+                  <a16:creationId xmlns:a16="http://schemas.microsoft.com/office/drawing/2014/main" id="{2670C025-5138-4A54-AADB-254559008970}"/>
+                </a:ext>
+              </a:extLst>
+            </p:cNvPr>
+            <p:cNvGrpSpPr/>
+            <p:nvPr/>
+          </p:nvGrpSpPr>
+          <p:grpSpPr>
+            <a:xfrm>
+              <a:off x="4834341" y="2210740"/>
+              <a:ext cx="2142724" cy="990498"/>
+              <a:chOff x="4834341" y="2210740"/>
+              <a:chExt cx="2142724" cy="990498"/>
+            </a:xfrm>
+          </p:grpSpPr>
+          <p:sp>
+            <p:nvSpPr>
+              <p:cNvPr id="72" name="Прямоугольник: скругленные углы 71">
+                <a:extLst>
+                  <a:ext uri="{FF2B5EF4-FFF2-40B4-BE49-F238E27FC236}">
+                    <a16:creationId xmlns:a16="http://schemas.microsoft.com/office/drawing/2014/main" id="{D06B11D6-5E2A-40FD-89BE-9551BC415597}"/>
+                  </a:ext>
+                </a:extLst>
+              </p:cNvPr>
+              <p:cNvSpPr/>
+              <p:nvPr/>
+            </p:nvSpPr>
+            <p:spPr>
+              <a:xfrm>
+                <a:off x="4834341" y="2210740"/>
+                <a:ext cx="2142724" cy="990498"/>
+              </a:xfrm>
+              <a:prstGeom prst="roundRect">
+                <a:avLst/>
+              </a:prstGeom>
+              <a:solidFill>
+                <a:schemeClr val="accent3"/>
+              </a:solidFill>
+              <a:ln>
+                <a:noFill/>
+              </a:ln>
+            </p:spPr>
+            <p:style>
+              <a:lnRef idx="2">
+                <a:schemeClr val="accent1">
+                  <a:shade val="50000"/>
+                </a:schemeClr>
+              </a:lnRef>
+              <a:fillRef idx="1">
+                <a:schemeClr val="accent1"/>
+              </a:fillRef>
+              <a:effectRef idx="0">
+                <a:schemeClr val="accent1"/>
+              </a:effectRef>
+              <a:fontRef idx="minor">
+                <a:schemeClr val="lt1"/>
+              </a:fontRef>
+            </p:style>
+            <p:txBody>
+              <a:bodyPr rtlCol="0" anchor="ctr"/>
+              <a:lstStyle/>
+              <a:p>
+                <a:pPr algn="ctr"/>
+                <a:endParaRPr lang="en-US"/>
+              </a:p>
+            </p:txBody>
+          </p:sp>
+          <p:sp>
+            <p:nvSpPr>
+              <p:cNvPr id="9" name="Прямоугольник 8">
+                <a:extLst>
+                  <a:ext uri="{FF2B5EF4-FFF2-40B4-BE49-F238E27FC236}">
+                    <a16:creationId xmlns:a16="http://schemas.microsoft.com/office/drawing/2014/main" id="{1281CDC2-F45A-439A-BBD9-829A19B16F21}"/>
+                  </a:ext>
+                </a:extLst>
+              </p:cNvPr>
+              <p:cNvSpPr/>
+              <p:nvPr/>
+            </p:nvSpPr>
+            <p:spPr>
+              <a:xfrm>
+                <a:off x="5031486" y="2578375"/>
+                <a:ext cx="1748437" cy="567993"/>
+              </a:xfrm>
+              <a:prstGeom prst="rect">
+                <a:avLst/>
+              </a:prstGeom>
+              <a:ln>
+                <a:noFill/>
+              </a:ln>
+            </p:spPr>
+            <p:style>
+              <a:lnRef idx="3">
+                <a:schemeClr val="lt1"/>
+              </a:lnRef>
+              <a:fillRef idx="1">
+                <a:schemeClr val="accent5"/>
+              </a:fillRef>
+              <a:effectRef idx="1">
+                <a:schemeClr val="accent5"/>
+              </a:effectRef>
+              <a:fontRef idx="minor">
+                <a:schemeClr val="lt1"/>
+              </a:fontRef>
+            </p:style>
+            <p:txBody>
+              <a:bodyPr rtlCol="0" anchor="ctr"/>
+              <a:lstStyle/>
+              <a:p>
+                <a:pPr algn="ctr"/>
+                <a:r>
+                  <a:rPr lang="en-US" dirty="0"/>
+                  <a:t>API 1</a:t>
+                </a:r>
+              </a:p>
+            </p:txBody>
+          </p:sp>
+          <p:sp>
+            <p:nvSpPr>
+              <p:cNvPr id="39" name="Прямоугольник 38">
+                <a:extLst>
+                  <a:ext uri="{FF2B5EF4-FFF2-40B4-BE49-F238E27FC236}">
+                    <a16:creationId xmlns:a16="http://schemas.microsoft.com/office/drawing/2014/main" id="{559706E4-4D3F-4BCA-B9C2-2A6A4D7539C4}"/>
+                  </a:ext>
+                </a:extLst>
+              </p:cNvPr>
+              <p:cNvSpPr/>
+              <p:nvPr/>
+            </p:nvSpPr>
+            <p:spPr>
+              <a:xfrm>
+                <a:off x="6255830" y="2440122"/>
+                <a:ext cx="671019" cy="584163"/>
+              </a:xfrm>
+              <a:prstGeom prst="rect">
+                <a:avLst/>
+              </a:prstGeom>
+              <a:solidFill>
+                <a:schemeClr val="accent2"/>
+              </a:solidFill>
+              <a:ln>
+                <a:noFill/>
+              </a:ln>
+            </p:spPr>
+            <p:style>
+              <a:lnRef idx="2">
+                <a:schemeClr val="accent2">
+                  <a:shade val="50000"/>
+                </a:schemeClr>
+              </a:lnRef>
+              <a:fillRef idx="1">
+                <a:schemeClr val="accent2"/>
+              </a:fillRef>
+              <a:effectRef idx="0">
+                <a:schemeClr val="accent2"/>
+              </a:effectRef>
+              <a:fontRef idx="minor">
+                <a:schemeClr val="lt1"/>
+              </a:fontRef>
+            </p:style>
+            <p:txBody>
+              <a:bodyPr rtlCol="0" anchor="ctr"/>
+              <a:lstStyle/>
+              <a:p>
+                <a:pPr algn="ctr"/>
+                <a:r>
+                  <a:rPr lang="en-US" dirty="0"/>
+                  <a:t>UI 1</a:t>
+                </a:r>
+              </a:p>
+            </p:txBody>
+          </p:sp>
+        </p:grpSp>
+        <p:sp>
+          <p:nvSpPr>
+            <p:cNvPr id="78" name="TextBox 77">
+              <a:extLst>
+                <a:ext uri="{FF2B5EF4-FFF2-40B4-BE49-F238E27FC236}">
+                  <a16:creationId xmlns:a16="http://schemas.microsoft.com/office/drawing/2014/main" id="{5179A6F7-F6FC-4E51-A890-737CB439A8F0}"/>
+                </a:ext>
+              </a:extLst>
+            </p:cNvPr>
+            <p:cNvSpPr txBox="1"/>
+            <p:nvPr/>
+          </p:nvSpPr>
+          <p:spPr>
+            <a:xfrm>
+              <a:off x="4829986" y="2280240"/>
+              <a:ext cx="1430200" cy="307777"/>
+            </a:xfrm>
+            <a:prstGeom prst="rect">
+              <a:avLst/>
+            </a:prstGeom>
+            <a:noFill/>
+          </p:spPr>
+          <p:txBody>
+            <a:bodyPr wrap="none" rtlCol="0">
+              <a:spAutoFit/>
+            </a:bodyPr>
+            <a:lstStyle/>
+            <a:p>
+              <a:r>
+                <a:rPr lang="ru-RU" sz="1400" dirty="0"/>
+                <a:t>Микросервис 1</a:t>
+              </a:r>
+              <a:endParaRPr lang="en-US" sz="1400" dirty="0"/>
+            </a:p>
+          </p:txBody>
+        </p:sp>
+      </p:grpSp>
+      <p:grpSp>
+        <p:nvGrpSpPr>
+          <p:cNvPr id="140" name="Группа 139">
+            <a:extLst>
+              <a:ext uri="{FF2B5EF4-FFF2-40B4-BE49-F238E27FC236}">
+                <a16:creationId xmlns:a16="http://schemas.microsoft.com/office/drawing/2014/main" id="{FC97578F-A846-495E-AF8B-8A5A29D5BF75}"/>
+              </a:ext>
+            </a:extLst>
+          </p:cNvPr>
+          <p:cNvGrpSpPr/>
+          <p:nvPr/>
+        </p:nvGrpSpPr>
+        <p:grpSpPr>
+          <a:xfrm>
+            <a:off x="429761" y="2300503"/>
+            <a:ext cx="3021621" cy="1679675"/>
+            <a:chOff x="429761" y="2300503"/>
+            <a:chExt cx="3021621" cy="1679675"/>
+          </a:xfrm>
+        </p:grpSpPr>
+        <p:sp>
+          <p:nvSpPr>
+            <p:cNvPr id="119" name="Прямоугольник: скругленные углы 118">
+              <a:extLst>
+                <a:ext uri="{FF2B5EF4-FFF2-40B4-BE49-F238E27FC236}">
+                  <a16:creationId xmlns:a16="http://schemas.microsoft.com/office/drawing/2014/main" id="{B54A1F0D-1BE7-41A2-B3EF-DA0EFE2ED519}"/>
+                </a:ext>
+              </a:extLst>
+            </p:cNvPr>
+            <p:cNvSpPr/>
+            <p:nvPr/>
+          </p:nvSpPr>
+          <p:spPr>
+            <a:xfrm>
+              <a:off x="448587" y="2300503"/>
+              <a:ext cx="3002795" cy="1679675"/>
+            </a:xfrm>
+            <a:prstGeom prst="roundRect">
+              <a:avLst/>
+            </a:prstGeom>
+            <a:solidFill>
+              <a:schemeClr val="accent3"/>
+            </a:solidFill>
+            <a:ln>
+              <a:noFill/>
+            </a:ln>
+          </p:spPr>
+          <p:style>
+            <a:lnRef idx="2">
+              <a:schemeClr val="accent1">
+                <a:shade val="50000"/>
+              </a:schemeClr>
+            </a:lnRef>
+            <a:fillRef idx="1">
+              <a:schemeClr val="accent1"/>
+            </a:fillRef>
+            <a:effectRef idx="0">
+              <a:schemeClr val="accent1"/>
+            </a:effectRef>
+            <a:fontRef idx="minor">
+              <a:schemeClr val="lt1"/>
+            </a:fontRef>
+          </p:style>
+          <p:txBody>
+            <a:bodyPr rtlCol="0" anchor="ctr"/>
+            <a:lstStyle/>
+            <a:p>
+              <a:pPr algn="ctr"/>
+              <a:endParaRPr lang="en-US"/>
+            </a:p>
+          </p:txBody>
+        </p:sp>
+        <p:sp>
+          <p:nvSpPr>
+            <p:cNvPr id="10" name="Прямоугольник 9">
+              <a:extLst>
+                <a:ext uri="{FF2B5EF4-FFF2-40B4-BE49-F238E27FC236}">
+                  <a16:creationId xmlns:a16="http://schemas.microsoft.com/office/drawing/2014/main" id="{2556C8BE-979A-438E-97F6-26F84DC58572}"/>
+                </a:ext>
+              </a:extLst>
+            </p:cNvPr>
+            <p:cNvSpPr/>
+            <p:nvPr/>
+          </p:nvSpPr>
+          <p:spPr>
+            <a:xfrm>
+              <a:off x="726541" y="2787241"/>
+              <a:ext cx="2397717" cy="1114273"/>
+            </a:xfrm>
+            <a:prstGeom prst="rect">
+              <a:avLst/>
+            </a:prstGeom>
+            <a:solidFill>
+              <a:schemeClr val="accent5"/>
+            </a:solidFill>
+            <a:ln>
+              <a:noFill/>
+            </a:ln>
+          </p:spPr>
+          <p:style>
+            <a:lnRef idx="2">
+              <a:schemeClr val="accent3">
+                <a:shade val="50000"/>
+              </a:schemeClr>
+            </a:lnRef>
+            <a:fillRef idx="1">
+              <a:schemeClr val="accent3"/>
+            </a:fillRef>
+            <a:effectRef idx="0">
+              <a:schemeClr val="accent3"/>
+            </a:effectRef>
+            <a:fontRef idx="minor">
+              <a:schemeClr val="lt1"/>
+            </a:fontRef>
+          </p:style>
+          <p:txBody>
+            <a:bodyPr rtlCol="0" anchor="ctr"/>
+            <a:lstStyle/>
+            <a:p>
+              <a:pPr algn="ctr"/>
+              <a:r>
+                <a:rPr lang="ru-RU" dirty="0"/>
+                <a:t>Сервис авторизации</a:t>
+              </a:r>
+            </a:p>
+            <a:p>
+              <a:pPr algn="ctr"/>
+              <a:r>
+                <a:rPr lang="en-US" dirty="0"/>
+                <a:t>API</a:t>
+              </a:r>
+              <a:endParaRPr lang="ru-RU" dirty="0"/>
+            </a:p>
+            <a:p>
+              <a:pPr algn="ctr"/>
+              <a:r>
+                <a:rPr lang="ru-RU" dirty="0"/>
+                <a:t>(</a:t>
+              </a:r>
+              <a:r>
+                <a:rPr lang="en-US" dirty="0"/>
+                <a:t>IdentityServer4)</a:t>
+              </a:r>
+            </a:p>
+          </p:txBody>
+        </p:sp>
+        <p:sp>
+          <p:nvSpPr>
+            <p:cNvPr id="38" name="Прямоугольник 37">
+              <a:extLst>
+                <a:ext uri="{FF2B5EF4-FFF2-40B4-BE49-F238E27FC236}">
+                  <a16:creationId xmlns:a16="http://schemas.microsoft.com/office/drawing/2014/main" id="{08CC8257-102B-4A19-86AA-270BBD7C3DF3}"/>
+                </a:ext>
+              </a:extLst>
+            </p:cNvPr>
+            <p:cNvSpPr/>
+            <p:nvPr/>
+          </p:nvSpPr>
+          <p:spPr>
+            <a:xfrm>
+              <a:off x="1853886" y="2466312"/>
+              <a:ext cx="1505687" cy="460279"/>
+            </a:xfrm>
+            <a:prstGeom prst="rect">
+              <a:avLst/>
+            </a:prstGeom>
+            <a:solidFill>
+              <a:schemeClr val="accent2"/>
+            </a:solidFill>
+            <a:ln>
+              <a:noFill/>
+            </a:ln>
+          </p:spPr>
+          <p:style>
+            <a:lnRef idx="2">
+              <a:schemeClr val="accent2">
+                <a:shade val="50000"/>
+              </a:schemeClr>
+            </a:lnRef>
+            <a:fillRef idx="1">
+              <a:schemeClr val="accent2"/>
+            </a:fillRef>
+            <a:effectRef idx="0">
+              <a:schemeClr val="accent2"/>
+            </a:effectRef>
+            <a:fontRef idx="minor">
+              <a:schemeClr val="lt1"/>
+            </a:fontRef>
+          </p:style>
+          <p:txBody>
+            <a:bodyPr rtlCol="0" anchor="ctr"/>
+            <a:lstStyle/>
+            <a:p>
+              <a:pPr algn="ctr"/>
+              <a:r>
+                <a:rPr lang="en-US" sz="1400" dirty="0"/>
+                <a:t>UI </a:t>
+              </a:r>
+              <a:r>
+                <a:rPr lang="ru-RU" sz="1400" dirty="0"/>
+                <a:t>авторизации</a:t>
+              </a:r>
+              <a:endParaRPr lang="en-US" sz="1400" dirty="0"/>
+            </a:p>
+          </p:txBody>
+        </p:sp>
+        <p:sp>
+          <p:nvSpPr>
+            <p:cNvPr id="124" name="TextBox 123">
+              <a:extLst>
+                <a:ext uri="{FF2B5EF4-FFF2-40B4-BE49-F238E27FC236}">
+                  <a16:creationId xmlns:a16="http://schemas.microsoft.com/office/drawing/2014/main" id="{BD3F8C8E-60B4-4EA0-925D-83C1A159AB7F}"/>
+                </a:ext>
+              </a:extLst>
+            </p:cNvPr>
+            <p:cNvSpPr txBox="1"/>
+            <p:nvPr/>
+          </p:nvSpPr>
+          <p:spPr>
+            <a:xfrm>
+              <a:off x="429761" y="2434128"/>
+              <a:ext cx="1430200" cy="307777"/>
+            </a:xfrm>
+            <a:prstGeom prst="rect">
+              <a:avLst/>
+            </a:prstGeom>
+            <a:noFill/>
+          </p:spPr>
+          <p:txBody>
+            <a:bodyPr wrap="none" rtlCol="0">
+              <a:spAutoFit/>
+            </a:bodyPr>
+            <a:lstStyle/>
+            <a:p>
+              <a:r>
+                <a:rPr lang="ru-RU" sz="1400" dirty="0"/>
+                <a:t>Микросервис 0</a:t>
+              </a:r>
+              <a:endParaRPr lang="en-US" sz="1400" dirty="0"/>
+            </a:p>
+          </p:txBody>
+        </p:sp>
+      </p:grpSp>
+      <p:cxnSp>
+        <p:nvCxnSpPr>
+          <p:cNvPr id="61" name="Прямая со стрелкой 60">
+            <a:extLst>
+              <a:ext uri="{FF2B5EF4-FFF2-40B4-BE49-F238E27FC236}">
+                <a16:creationId xmlns:a16="http://schemas.microsoft.com/office/drawing/2014/main" id="{8AD3E974-3253-428E-B29B-D918869E43B2}"/>
+              </a:ext>
+            </a:extLst>
+          </p:cNvPr>
+          <p:cNvCxnSpPr>
+            <a:cxnSpLocks/>
+            <a:stCxn id="10" idx="3"/>
+            <a:endCxn id="9" idx="1"/>
+          </p:cNvCxnSpPr>
+          <p:nvPr/>
+        </p:nvCxnSpPr>
+        <p:spPr>
+          <a:xfrm flipV="1">
+            <a:off x="3124258" y="2862372"/>
+            <a:ext cx="1907228" cy="482006"/>
+          </a:xfrm>
+          <a:prstGeom prst="straightConnector1">
+            <a:avLst/>
+          </a:prstGeom>
+          <a:ln w="38100">
+            <a:solidFill>
+              <a:srgbClr val="FFFF00"/>
+            </a:solidFill>
+            <a:headEnd type="stealth"/>
+            <a:tailEnd type="stealth"/>
+          </a:ln>
+        </p:spPr>
+        <p:style>
+          <a:lnRef idx="1">
+            <a:schemeClr val="accent1"/>
+          </a:lnRef>
+          <a:fillRef idx="0">
+            <a:schemeClr val="accent1"/>
+          </a:fillRef>
+          <a:effectRef idx="0">
+            <a:schemeClr val="accent1"/>
+          </a:effectRef>
+          <a:fontRef idx="minor">
+            <a:schemeClr val="tx1"/>
+          </a:fontRef>
+        </p:style>
+      </p:cxnSp>
+      <p:cxnSp>
+        <p:nvCxnSpPr>
+          <p:cNvPr id="77" name="Прямая со стрелкой 76">
+            <a:extLst>
+              <a:ext uri="{FF2B5EF4-FFF2-40B4-BE49-F238E27FC236}">
+                <a16:creationId xmlns:a16="http://schemas.microsoft.com/office/drawing/2014/main" id="{9D5DD2F5-3A56-4E97-8CDC-89756893E5BA}"/>
+              </a:ext>
+            </a:extLst>
+          </p:cNvPr>
+          <p:cNvCxnSpPr>
+            <a:cxnSpLocks/>
+            <a:stCxn id="10" idx="3"/>
+            <a:endCxn id="12" idx="1"/>
+          </p:cNvCxnSpPr>
+          <p:nvPr/>
+        </p:nvCxnSpPr>
+        <p:spPr>
+          <a:xfrm>
+            <a:off x="3124258" y="3344378"/>
+            <a:ext cx="2319230" cy="1065519"/>
+          </a:xfrm>
+          <a:prstGeom prst="straightConnector1">
+            <a:avLst/>
+          </a:prstGeom>
+          <a:ln w="38100">
+            <a:solidFill>
+              <a:srgbClr val="FFFF00"/>
+            </a:solidFill>
+            <a:headEnd type="stealth"/>
+            <a:tailEnd type="stealth"/>
+          </a:ln>
+        </p:spPr>
+        <p:style>
+          <a:lnRef idx="1">
+            <a:schemeClr val="accent1"/>
+          </a:lnRef>
+          <a:fillRef idx="0">
+            <a:schemeClr val="accent1"/>
+          </a:fillRef>
+          <a:effectRef idx="0">
+            <a:schemeClr val="accent1"/>
+          </a:effectRef>
+          <a:fontRef idx="minor">
+            <a:schemeClr val="tx1"/>
+          </a:fontRef>
+        </p:style>
+      </p:cxnSp>
+      <p:cxnSp>
+        <p:nvCxnSpPr>
+          <p:cNvPr id="82" name="Прямая со стрелкой 81">
+            <a:extLst>
+              <a:ext uri="{FF2B5EF4-FFF2-40B4-BE49-F238E27FC236}">
+                <a16:creationId xmlns:a16="http://schemas.microsoft.com/office/drawing/2014/main" id="{1628CEE4-2034-4FB4-9DED-67E36AF86D22}"/>
+              </a:ext>
+            </a:extLst>
+          </p:cNvPr>
+          <p:cNvCxnSpPr>
+            <a:cxnSpLocks/>
+            <a:stCxn id="10" idx="3"/>
+            <a:endCxn id="13" idx="1"/>
+          </p:cNvCxnSpPr>
+          <p:nvPr/>
+        </p:nvCxnSpPr>
+        <p:spPr>
+          <a:xfrm>
+            <a:off x="3124258" y="3344378"/>
+            <a:ext cx="2383273" cy="2425274"/>
+          </a:xfrm>
+          <a:prstGeom prst="straightConnector1">
+            <a:avLst/>
+          </a:prstGeom>
+          <a:ln w="38100">
+            <a:solidFill>
+              <a:srgbClr val="FFFF00"/>
+            </a:solidFill>
+            <a:headEnd type="stealth"/>
+            <a:tailEnd type="stealth"/>
+          </a:ln>
+        </p:spPr>
+        <p:style>
+          <a:lnRef idx="1">
+            <a:schemeClr val="accent1"/>
+          </a:lnRef>
+          <a:fillRef idx="0">
+            <a:schemeClr val="accent1"/>
+          </a:fillRef>
+          <a:effectRef idx="0">
+            <a:schemeClr val="accent1"/>
+          </a:effectRef>
+          <a:fontRef idx="minor">
+            <a:schemeClr val="tx1"/>
+          </a:fontRef>
+        </p:style>
+      </p:cxnSp>
+      <p:cxnSp>
+        <p:nvCxnSpPr>
+          <p:cNvPr id="64" name="Прямая со стрелкой 63">
+            <a:extLst>
+              <a:ext uri="{FF2B5EF4-FFF2-40B4-BE49-F238E27FC236}">
+                <a16:creationId xmlns:a16="http://schemas.microsoft.com/office/drawing/2014/main" id="{B30199F6-F3FF-4060-A2D0-87381B6A0263}"/>
+              </a:ext>
+            </a:extLst>
+          </p:cNvPr>
+          <p:cNvCxnSpPr>
+            <a:cxnSpLocks/>
+            <a:stCxn id="10" idx="3"/>
+            <a:endCxn id="8" idx="1"/>
+          </p:cNvCxnSpPr>
+          <p:nvPr/>
+        </p:nvCxnSpPr>
+        <p:spPr>
+          <a:xfrm>
+            <a:off x="3124258" y="3344378"/>
+            <a:ext cx="4614227" cy="293041"/>
+          </a:xfrm>
+          <a:prstGeom prst="straightConnector1">
+            <a:avLst/>
+          </a:prstGeom>
+          <a:ln w="38100">
+            <a:solidFill>
+              <a:srgbClr val="FFFF00"/>
+            </a:solidFill>
+            <a:headEnd type="stealth"/>
+            <a:tailEnd type="stealth"/>
+          </a:ln>
+        </p:spPr>
+        <p:style>
+          <a:lnRef idx="1">
+            <a:schemeClr val="accent1"/>
+          </a:lnRef>
+          <a:fillRef idx="0">
+            <a:schemeClr val="accent1"/>
+          </a:fillRef>
+          <a:effectRef idx="0">
+            <a:schemeClr val="accent1"/>
+          </a:effectRef>
+          <a:fontRef idx="minor">
+            <a:schemeClr val="tx1"/>
+          </a:fontRef>
+        </p:style>
+      </p:cxnSp>
+    </p:spTree>
+    <p:extLst>
+      <p:ext uri="{BB962C8B-B14F-4D97-AF65-F5344CB8AC3E}">
+        <p14:creationId xmlns:p14="http://schemas.microsoft.com/office/powerpoint/2010/main" val="3197690291"/>
+      </p:ext>
+    </p:extLst>
+  </p:cSld>
+  <p:clrMapOvr>
+    <a:masterClrMapping/>
+  </p:clrMapOvr>
+  <p:transition spd="slow">
+    <p:cover/>
+  </p:transition>
+  <p:timing>
+    <p:tnLst>
+      <p:par>
+        <p:cTn id="1" dur="indefinite" restart="never" nodeType="tmRoot">
+          <p:childTnLst>
+            <p:seq concurrent="1" nextAc="seek">
+              <p:cTn id="2" dur="indefinite" nodeType="mainSeq">
+                <p:childTnLst>
+                  <p:par>
+                    <p:cTn id="3" fill="hold">
+                      <p:stCondLst>
+                        <p:cond delay="indefinite"/>
+                      </p:stCondLst>
+                      <p:childTnLst>
+                        <p:par>
+                          <p:cTn id="4" fill="hold">
+                            <p:stCondLst>
+                              <p:cond delay="0"/>
+                            </p:stCondLst>
+                            <p:childTnLst>
+                              <p:par>
+                                <p:cTn id="5" presetID="53" presetClass="entr" presetSubtype="16" fill="hold" nodeType="clickEffect">
+                                  <p:stCondLst>
+                                    <p:cond delay="0"/>
+                                  </p:stCondLst>
+                                  <p:childTnLst>
+                                    <p:set>
+                                      <p:cBhvr>
+                                        <p:cTn id="6" dur="1" fill="hold">
+                                          <p:stCondLst>
+                                            <p:cond delay="0"/>
+                                          </p:stCondLst>
+                                        </p:cTn>
+                                        <p:tgtEl>
+                                          <p:spTgt spid="140"/>
+                                        </p:tgtEl>
+                                        <p:attrNameLst>
+                                          <p:attrName>style.visibility</p:attrName>
+                                        </p:attrNameLst>
+                                      </p:cBhvr>
+                                      <p:to>
+                                        <p:strVal val="visible"/>
+                                      </p:to>
+                                    </p:set>
+                                    <p:anim calcmode="lin" valueType="num">
+                                      <p:cBhvr>
+                                        <p:cTn id="7" dur="500" fill="hold"/>
+                                        <p:tgtEl>
+                                          <p:spTgt spid="140"/>
+                                        </p:tgtEl>
+                                        <p:attrNameLst>
+                                          <p:attrName>ppt_w</p:attrName>
+                                        </p:attrNameLst>
+                                      </p:cBhvr>
+                                      <p:tavLst>
+                                        <p:tav tm="0">
+                                          <p:val>
+                                            <p:fltVal val="0"/>
+                                          </p:val>
+                                        </p:tav>
+                                        <p:tav tm="100000">
+                                          <p:val>
+                                            <p:strVal val="#ppt_w"/>
+                                          </p:val>
+                                        </p:tav>
+                                      </p:tavLst>
+                                    </p:anim>
+                                    <p:anim calcmode="lin" valueType="num">
+                                      <p:cBhvr>
+                                        <p:cTn id="8" dur="500" fill="hold"/>
+                                        <p:tgtEl>
+                                          <p:spTgt spid="140"/>
+                                        </p:tgtEl>
+                                        <p:attrNameLst>
+                                          <p:attrName>ppt_h</p:attrName>
+                                        </p:attrNameLst>
+                                      </p:cBhvr>
+                                      <p:tavLst>
+                                        <p:tav tm="0">
+                                          <p:val>
+                                            <p:fltVal val="0"/>
+                                          </p:val>
+                                        </p:tav>
+                                        <p:tav tm="100000">
+                                          <p:val>
+                                            <p:strVal val="#ppt_h"/>
+                                          </p:val>
+                                        </p:tav>
+                                      </p:tavLst>
+                                    </p:anim>
+                                    <p:animEffect transition="in" filter="fade">
+                                      <p:cBhvr>
+                                        <p:cTn id="9" dur="500"/>
+                                        <p:tgtEl>
+                                          <p:spTgt spid="140"/>
+                                        </p:tgtEl>
+                                      </p:cBhvr>
+                                    </p:animEffect>
+                                  </p:childTnLst>
+                                </p:cTn>
+                              </p:par>
+                            </p:childTnLst>
+                          </p:cTn>
+                        </p:par>
+                      </p:childTnLst>
+                    </p:cTn>
+                  </p:par>
+                  <p:par>
+                    <p:cTn id="10" fill="hold">
+                      <p:stCondLst>
+                        <p:cond delay="indefinite"/>
+                      </p:stCondLst>
+                      <p:childTnLst>
+                        <p:par>
+                          <p:cTn id="11" fill="hold">
+                            <p:stCondLst>
+                              <p:cond delay="0"/>
+                            </p:stCondLst>
+                            <p:childTnLst>
+                              <p:par>
+                                <p:cTn id="12" presetID="53" presetClass="entr" presetSubtype="16" fill="hold" nodeType="clickEffect">
+                                  <p:stCondLst>
+                                    <p:cond delay="0"/>
+                                  </p:stCondLst>
+                                  <p:childTnLst>
+                                    <p:set>
+                                      <p:cBhvr>
+                                        <p:cTn id="13" dur="1" fill="hold">
+                                          <p:stCondLst>
+                                            <p:cond delay="0"/>
+                                          </p:stCondLst>
+                                        </p:cTn>
+                                        <p:tgtEl>
+                                          <p:spTgt spid="127"/>
+                                        </p:tgtEl>
+                                        <p:attrNameLst>
+                                          <p:attrName>style.visibility</p:attrName>
+                                        </p:attrNameLst>
+                                      </p:cBhvr>
+                                      <p:to>
+                                        <p:strVal val="visible"/>
+                                      </p:to>
+                                    </p:set>
+                                    <p:anim calcmode="lin" valueType="num">
+                                      <p:cBhvr>
+                                        <p:cTn id="14" dur="500" fill="hold"/>
+                                        <p:tgtEl>
+                                          <p:spTgt spid="127"/>
+                                        </p:tgtEl>
+                                        <p:attrNameLst>
+                                          <p:attrName>ppt_w</p:attrName>
+                                        </p:attrNameLst>
+                                      </p:cBhvr>
+                                      <p:tavLst>
+                                        <p:tav tm="0">
+                                          <p:val>
+                                            <p:fltVal val="0"/>
+                                          </p:val>
+                                        </p:tav>
+                                        <p:tav tm="100000">
+                                          <p:val>
+                                            <p:strVal val="#ppt_w"/>
+                                          </p:val>
+                                        </p:tav>
+                                      </p:tavLst>
+                                    </p:anim>
+                                    <p:anim calcmode="lin" valueType="num">
+                                      <p:cBhvr>
+                                        <p:cTn id="15" dur="500" fill="hold"/>
+                                        <p:tgtEl>
+                                          <p:spTgt spid="127"/>
+                                        </p:tgtEl>
+                                        <p:attrNameLst>
+                                          <p:attrName>ppt_h</p:attrName>
+                                        </p:attrNameLst>
+                                      </p:cBhvr>
+                                      <p:tavLst>
+                                        <p:tav tm="0">
+                                          <p:val>
+                                            <p:fltVal val="0"/>
+                                          </p:val>
+                                        </p:tav>
+                                        <p:tav tm="100000">
+                                          <p:val>
+                                            <p:strVal val="#ppt_h"/>
+                                          </p:val>
+                                        </p:tav>
+                                      </p:tavLst>
+                                    </p:anim>
+                                    <p:animEffect transition="in" filter="fade">
+                                      <p:cBhvr>
+                                        <p:cTn id="16" dur="500"/>
+                                        <p:tgtEl>
+                                          <p:spTgt spid="127"/>
+                                        </p:tgtEl>
+                                      </p:cBhvr>
+                                    </p:animEffect>
+                                  </p:childTnLst>
+                                </p:cTn>
+                              </p:par>
+                            </p:childTnLst>
+                          </p:cTn>
+                        </p:par>
+                      </p:childTnLst>
+                    </p:cTn>
+                  </p:par>
+                  <p:par>
+                    <p:cTn id="17" fill="hold">
+                      <p:stCondLst>
+                        <p:cond delay="indefinite"/>
+                      </p:stCondLst>
+                      <p:childTnLst>
+                        <p:par>
+                          <p:cTn id="18" fill="hold">
+                            <p:stCondLst>
+                              <p:cond delay="0"/>
+                            </p:stCondLst>
+                            <p:childTnLst>
+                              <p:par>
+                                <p:cTn id="19" presetID="53" presetClass="entr" presetSubtype="16" fill="hold" nodeType="clickEffect">
+                                  <p:stCondLst>
+                                    <p:cond delay="0"/>
+                                  </p:stCondLst>
+                                  <p:childTnLst>
+                                    <p:set>
+                                      <p:cBhvr>
+                                        <p:cTn id="20" dur="1" fill="hold">
+                                          <p:stCondLst>
+                                            <p:cond delay="0"/>
+                                          </p:stCondLst>
+                                        </p:cTn>
+                                        <p:tgtEl>
+                                          <p:spTgt spid="61"/>
+                                        </p:tgtEl>
+                                        <p:attrNameLst>
+                                          <p:attrName>style.visibility</p:attrName>
+                                        </p:attrNameLst>
+                                      </p:cBhvr>
+                                      <p:to>
+                                        <p:strVal val="visible"/>
+                                      </p:to>
+                                    </p:set>
+                                    <p:anim calcmode="lin" valueType="num">
+                                      <p:cBhvr>
+                                        <p:cTn id="21" dur="500" fill="hold"/>
+                                        <p:tgtEl>
+                                          <p:spTgt spid="61"/>
+                                        </p:tgtEl>
+                                        <p:attrNameLst>
+                                          <p:attrName>ppt_w</p:attrName>
+                                        </p:attrNameLst>
+                                      </p:cBhvr>
+                                      <p:tavLst>
+                                        <p:tav tm="0">
+                                          <p:val>
+                                            <p:fltVal val="0"/>
+                                          </p:val>
+                                        </p:tav>
+                                        <p:tav tm="100000">
+                                          <p:val>
+                                            <p:strVal val="#ppt_w"/>
+                                          </p:val>
+                                        </p:tav>
+                                      </p:tavLst>
+                                    </p:anim>
+                                    <p:anim calcmode="lin" valueType="num">
+                                      <p:cBhvr>
+                                        <p:cTn id="22" dur="500" fill="hold"/>
+                                        <p:tgtEl>
+                                          <p:spTgt spid="61"/>
+                                        </p:tgtEl>
+                                        <p:attrNameLst>
+                                          <p:attrName>ppt_h</p:attrName>
+                                        </p:attrNameLst>
+                                      </p:cBhvr>
+                                      <p:tavLst>
+                                        <p:tav tm="0">
+                                          <p:val>
+                                            <p:fltVal val="0"/>
+                                          </p:val>
+                                        </p:tav>
+                                        <p:tav tm="100000">
+                                          <p:val>
+                                            <p:strVal val="#ppt_h"/>
+                                          </p:val>
+                                        </p:tav>
+                                      </p:tavLst>
+                                    </p:anim>
+                                    <p:animEffect transition="in" filter="fade">
+                                      <p:cBhvr>
+                                        <p:cTn id="23" dur="500"/>
+                                        <p:tgtEl>
+                                          <p:spTgt spid="61"/>
+                                        </p:tgtEl>
+                                      </p:cBhvr>
+                                    </p:animEffect>
+                                  </p:childTnLst>
+                                </p:cTn>
+                              </p:par>
+                            </p:childTnLst>
+                          </p:cTn>
+                        </p:par>
+                      </p:childTnLst>
+                    </p:cTn>
+                  </p:par>
+                  <p:par>
+                    <p:cTn id="24" fill="hold">
+                      <p:stCondLst>
+                        <p:cond delay="indefinite"/>
+                      </p:stCondLst>
+                      <p:childTnLst>
+                        <p:par>
+                          <p:cTn id="25" fill="hold">
+                            <p:stCondLst>
+                              <p:cond delay="0"/>
+                            </p:stCondLst>
+                            <p:childTnLst>
+                              <p:par>
+                                <p:cTn id="26" presetID="53" presetClass="entr" presetSubtype="16" fill="hold" nodeType="clickEffect">
+                                  <p:stCondLst>
+                                    <p:cond delay="0"/>
+                                  </p:stCondLst>
+                                  <p:childTnLst>
+                                    <p:set>
+                                      <p:cBhvr>
+                                        <p:cTn id="27" dur="1" fill="hold">
+                                          <p:stCondLst>
+                                            <p:cond delay="0"/>
+                                          </p:stCondLst>
+                                        </p:cTn>
+                                        <p:tgtEl>
+                                          <p:spTgt spid="126"/>
+                                        </p:tgtEl>
+                                        <p:attrNameLst>
+                                          <p:attrName>style.visibility</p:attrName>
+                                        </p:attrNameLst>
+                                      </p:cBhvr>
+                                      <p:to>
+                                        <p:strVal val="visible"/>
+                                      </p:to>
+                                    </p:set>
+                                    <p:anim calcmode="lin" valueType="num">
+                                      <p:cBhvr>
+                                        <p:cTn id="28" dur="500" fill="hold"/>
+                                        <p:tgtEl>
+                                          <p:spTgt spid="126"/>
+                                        </p:tgtEl>
+                                        <p:attrNameLst>
+                                          <p:attrName>ppt_w</p:attrName>
+                                        </p:attrNameLst>
+                                      </p:cBhvr>
+                                      <p:tavLst>
+                                        <p:tav tm="0">
+                                          <p:val>
+                                            <p:fltVal val="0"/>
+                                          </p:val>
+                                        </p:tav>
+                                        <p:tav tm="100000">
+                                          <p:val>
+                                            <p:strVal val="#ppt_w"/>
+                                          </p:val>
+                                        </p:tav>
+                                      </p:tavLst>
+                                    </p:anim>
+                                    <p:anim calcmode="lin" valueType="num">
+                                      <p:cBhvr>
+                                        <p:cTn id="29" dur="500" fill="hold"/>
+                                        <p:tgtEl>
+                                          <p:spTgt spid="126"/>
+                                        </p:tgtEl>
+                                        <p:attrNameLst>
+                                          <p:attrName>ppt_h</p:attrName>
+                                        </p:attrNameLst>
+                                      </p:cBhvr>
+                                      <p:tavLst>
+                                        <p:tav tm="0">
+                                          <p:val>
+                                            <p:fltVal val="0"/>
+                                          </p:val>
+                                        </p:tav>
+                                        <p:tav tm="100000">
+                                          <p:val>
+                                            <p:strVal val="#ppt_h"/>
+                                          </p:val>
+                                        </p:tav>
+                                      </p:tavLst>
+                                    </p:anim>
+                                    <p:animEffect transition="in" filter="fade">
+                                      <p:cBhvr>
+                                        <p:cTn id="30" dur="500"/>
+                                        <p:tgtEl>
+                                          <p:spTgt spid="126"/>
+                                        </p:tgtEl>
+                                      </p:cBhvr>
+                                    </p:animEffect>
+                                  </p:childTnLst>
+                                </p:cTn>
+                              </p:par>
+                              <p:par>
+                                <p:cTn id="31" presetID="53" presetClass="entr" presetSubtype="16" fill="hold" nodeType="withEffect">
+                                  <p:stCondLst>
+                                    <p:cond delay="0"/>
+                                  </p:stCondLst>
+                                  <p:childTnLst>
+                                    <p:set>
+                                      <p:cBhvr>
+                                        <p:cTn id="32" dur="1" fill="hold">
+                                          <p:stCondLst>
+                                            <p:cond delay="0"/>
+                                          </p:stCondLst>
+                                        </p:cTn>
+                                        <p:tgtEl>
+                                          <p:spTgt spid="64"/>
+                                        </p:tgtEl>
+                                        <p:attrNameLst>
+                                          <p:attrName>style.visibility</p:attrName>
+                                        </p:attrNameLst>
+                                      </p:cBhvr>
+                                      <p:to>
+                                        <p:strVal val="visible"/>
+                                      </p:to>
+                                    </p:set>
+                                    <p:anim calcmode="lin" valueType="num">
+                                      <p:cBhvr>
+                                        <p:cTn id="33" dur="500" fill="hold"/>
+                                        <p:tgtEl>
+                                          <p:spTgt spid="64"/>
+                                        </p:tgtEl>
+                                        <p:attrNameLst>
+                                          <p:attrName>ppt_w</p:attrName>
+                                        </p:attrNameLst>
+                                      </p:cBhvr>
+                                      <p:tavLst>
+                                        <p:tav tm="0">
+                                          <p:val>
+                                            <p:fltVal val="0"/>
+                                          </p:val>
+                                        </p:tav>
+                                        <p:tav tm="100000">
+                                          <p:val>
+                                            <p:strVal val="#ppt_w"/>
+                                          </p:val>
+                                        </p:tav>
+                                      </p:tavLst>
+                                    </p:anim>
+                                    <p:anim calcmode="lin" valueType="num">
+                                      <p:cBhvr>
+                                        <p:cTn id="34" dur="500" fill="hold"/>
+                                        <p:tgtEl>
+                                          <p:spTgt spid="64"/>
+                                        </p:tgtEl>
+                                        <p:attrNameLst>
+                                          <p:attrName>ppt_h</p:attrName>
+                                        </p:attrNameLst>
+                                      </p:cBhvr>
+                                      <p:tavLst>
+                                        <p:tav tm="0">
+                                          <p:val>
+                                            <p:fltVal val="0"/>
+                                          </p:val>
+                                        </p:tav>
+                                        <p:tav tm="100000">
+                                          <p:val>
+                                            <p:strVal val="#ppt_h"/>
+                                          </p:val>
+                                        </p:tav>
+                                      </p:tavLst>
+                                    </p:anim>
+                                    <p:animEffect transition="in" filter="fade">
+                                      <p:cBhvr>
+                                        <p:cTn id="35" dur="500"/>
+                                        <p:tgtEl>
+                                          <p:spTgt spid="64"/>
+                                        </p:tgtEl>
+                                      </p:cBhvr>
+                                    </p:animEffect>
+                                  </p:childTnLst>
+                                </p:cTn>
+                              </p:par>
+                              <p:par>
+                                <p:cTn id="36" presetID="53" presetClass="entr" presetSubtype="16" fill="hold" nodeType="withEffect">
+                                  <p:stCondLst>
+                                    <p:cond delay="0"/>
+                                  </p:stCondLst>
+                                  <p:childTnLst>
+                                    <p:set>
+                                      <p:cBhvr>
+                                        <p:cTn id="37" dur="1" fill="hold">
+                                          <p:stCondLst>
+                                            <p:cond delay="0"/>
+                                          </p:stCondLst>
+                                        </p:cTn>
+                                        <p:tgtEl>
+                                          <p:spTgt spid="128"/>
+                                        </p:tgtEl>
+                                        <p:attrNameLst>
+                                          <p:attrName>style.visibility</p:attrName>
+                                        </p:attrNameLst>
+                                      </p:cBhvr>
+                                      <p:to>
+                                        <p:strVal val="visible"/>
+                                      </p:to>
+                                    </p:set>
+                                    <p:anim calcmode="lin" valueType="num">
+                                      <p:cBhvr>
+                                        <p:cTn id="38" dur="500" fill="hold"/>
+                                        <p:tgtEl>
+                                          <p:spTgt spid="128"/>
+                                        </p:tgtEl>
+                                        <p:attrNameLst>
+                                          <p:attrName>ppt_w</p:attrName>
+                                        </p:attrNameLst>
+                                      </p:cBhvr>
+                                      <p:tavLst>
+                                        <p:tav tm="0">
+                                          <p:val>
+                                            <p:fltVal val="0"/>
+                                          </p:val>
+                                        </p:tav>
+                                        <p:tav tm="100000">
+                                          <p:val>
+                                            <p:strVal val="#ppt_w"/>
+                                          </p:val>
+                                        </p:tav>
+                                      </p:tavLst>
+                                    </p:anim>
+                                    <p:anim calcmode="lin" valueType="num">
+                                      <p:cBhvr>
+                                        <p:cTn id="39" dur="500" fill="hold"/>
+                                        <p:tgtEl>
+                                          <p:spTgt spid="128"/>
+                                        </p:tgtEl>
+                                        <p:attrNameLst>
+                                          <p:attrName>ppt_h</p:attrName>
+                                        </p:attrNameLst>
+                                      </p:cBhvr>
+                                      <p:tavLst>
+                                        <p:tav tm="0">
+                                          <p:val>
+                                            <p:fltVal val="0"/>
+                                          </p:val>
+                                        </p:tav>
+                                        <p:tav tm="100000">
+                                          <p:val>
+                                            <p:strVal val="#ppt_h"/>
+                                          </p:val>
+                                        </p:tav>
+                                      </p:tavLst>
+                                    </p:anim>
+                                    <p:animEffect transition="in" filter="fade">
+                                      <p:cBhvr>
+                                        <p:cTn id="40" dur="500"/>
+                                        <p:tgtEl>
+                                          <p:spTgt spid="128"/>
+                                        </p:tgtEl>
+                                      </p:cBhvr>
+                                    </p:animEffect>
+                                  </p:childTnLst>
+                                </p:cTn>
+                              </p:par>
+                              <p:par>
+                                <p:cTn id="41" presetID="53" presetClass="entr" presetSubtype="16" fill="hold" nodeType="withEffect">
+                                  <p:stCondLst>
+                                    <p:cond delay="0"/>
+                                  </p:stCondLst>
+                                  <p:childTnLst>
+                                    <p:set>
+                                      <p:cBhvr>
+                                        <p:cTn id="42" dur="1" fill="hold">
+                                          <p:stCondLst>
+                                            <p:cond delay="0"/>
+                                          </p:stCondLst>
+                                        </p:cTn>
+                                        <p:tgtEl>
+                                          <p:spTgt spid="77"/>
+                                        </p:tgtEl>
+                                        <p:attrNameLst>
+                                          <p:attrName>style.visibility</p:attrName>
+                                        </p:attrNameLst>
+                                      </p:cBhvr>
+                                      <p:to>
+                                        <p:strVal val="visible"/>
+                                      </p:to>
+                                    </p:set>
+                                    <p:anim calcmode="lin" valueType="num">
+                                      <p:cBhvr>
+                                        <p:cTn id="43" dur="500" fill="hold"/>
+                                        <p:tgtEl>
+                                          <p:spTgt spid="77"/>
+                                        </p:tgtEl>
+                                        <p:attrNameLst>
+                                          <p:attrName>ppt_w</p:attrName>
+                                        </p:attrNameLst>
+                                      </p:cBhvr>
+                                      <p:tavLst>
+                                        <p:tav tm="0">
+                                          <p:val>
+                                            <p:fltVal val="0"/>
+                                          </p:val>
+                                        </p:tav>
+                                        <p:tav tm="100000">
+                                          <p:val>
+                                            <p:strVal val="#ppt_w"/>
+                                          </p:val>
+                                        </p:tav>
+                                      </p:tavLst>
+                                    </p:anim>
+                                    <p:anim calcmode="lin" valueType="num">
+                                      <p:cBhvr>
+                                        <p:cTn id="44" dur="500" fill="hold"/>
+                                        <p:tgtEl>
+                                          <p:spTgt spid="77"/>
+                                        </p:tgtEl>
+                                        <p:attrNameLst>
+                                          <p:attrName>ppt_h</p:attrName>
+                                        </p:attrNameLst>
+                                      </p:cBhvr>
+                                      <p:tavLst>
+                                        <p:tav tm="0">
+                                          <p:val>
+                                            <p:fltVal val="0"/>
+                                          </p:val>
+                                        </p:tav>
+                                        <p:tav tm="100000">
+                                          <p:val>
+                                            <p:strVal val="#ppt_h"/>
+                                          </p:val>
+                                        </p:tav>
+                                      </p:tavLst>
+                                    </p:anim>
+                                    <p:animEffect transition="in" filter="fade">
+                                      <p:cBhvr>
+                                        <p:cTn id="45" dur="500"/>
+                                        <p:tgtEl>
+                                          <p:spTgt spid="77"/>
+                                        </p:tgtEl>
+                                      </p:cBhvr>
+                                    </p:animEffect>
+                                  </p:childTnLst>
+                                </p:cTn>
+                              </p:par>
+                              <p:par>
+                                <p:cTn id="46" presetID="53" presetClass="entr" presetSubtype="16" fill="hold" nodeType="withEffect">
+                                  <p:stCondLst>
+                                    <p:cond delay="0"/>
+                                  </p:stCondLst>
+                                  <p:childTnLst>
+                                    <p:set>
+                                      <p:cBhvr>
+                                        <p:cTn id="47" dur="1" fill="hold">
+                                          <p:stCondLst>
+                                            <p:cond delay="0"/>
+                                          </p:stCondLst>
+                                        </p:cTn>
+                                        <p:tgtEl>
+                                          <p:spTgt spid="129"/>
+                                        </p:tgtEl>
+                                        <p:attrNameLst>
+                                          <p:attrName>style.visibility</p:attrName>
+                                        </p:attrNameLst>
+                                      </p:cBhvr>
+                                      <p:to>
+                                        <p:strVal val="visible"/>
+                                      </p:to>
+                                    </p:set>
+                                    <p:anim calcmode="lin" valueType="num">
+                                      <p:cBhvr>
+                                        <p:cTn id="48" dur="500" fill="hold"/>
+                                        <p:tgtEl>
+                                          <p:spTgt spid="129"/>
+                                        </p:tgtEl>
+                                        <p:attrNameLst>
+                                          <p:attrName>ppt_w</p:attrName>
+                                        </p:attrNameLst>
+                                      </p:cBhvr>
+                                      <p:tavLst>
+                                        <p:tav tm="0">
+                                          <p:val>
+                                            <p:fltVal val="0"/>
+                                          </p:val>
+                                        </p:tav>
+                                        <p:tav tm="100000">
+                                          <p:val>
+                                            <p:strVal val="#ppt_w"/>
+                                          </p:val>
+                                        </p:tav>
+                                      </p:tavLst>
+                                    </p:anim>
+                                    <p:anim calcmode="lin" valueType="num">
+                                      <p:cBhvr>
+                                        <p:cTn id="49" dur="500" fill="hold"/>
+                                        <p:tgtEl>
+                                          <p:spTgt spid="129"/>
+                                        </p:tgtEl>
+                                        <p:attrNameLst>
+                                          <p:attrName>ppt_h</p:attrName>
+                                        </p:attrNameLst>
+                                      </p:cBhvr>
+                                      <p:tavLst>
+                                        <p:tav tm="0">
+                                          <p:val>
+                                            <p:fltVal val="0"/>
+                                          </p:val>
+                                        </p:tav>
+                                        <p:tav tm="100000">
+                                          <p:val>
+                                            <p:strVal val="#ppt_h"/>
+                                          </p:val>
+                                        </p:tav>
+                                      </p:tavLst>
+                                    </p:anim>
+                                    <p:animEffect transition="in" filter="fade">
+                                      <p:cBhvr>
+                                        <p:cTn id="50" dur="500"/>
+                                        <p:tgtEl>
+                                          <p:spTgt spid="129"/>
+                                        </p:tgtEl>
+                                      </p:cBhvr>
+                                    </p:animEffect>
+                                  </p:childTnLst>
+                                </p:cTn>
+                              </p:par>
+                              <p:par>
+                                <p:cTn id="51" presetID="53" presetClass="entr" presetSubtype="16" fill="hold" nodeType="withEffect">
+                                  <p:stCondLst>
+                                    <p:cond delay="0"/>
+                                  </p:stCondLst>
+                                  <p:childTnLst>
+                                    <p:set>
+                                      <p:cBhvr>
+                                        <p:cTn id="52" dur="1" fill="hold">
+                                          <p:stCondLst>
+                                            <p:cond delay="0"/>
+                                          </p:stCondLst>
+                                        </p:cTn>
+                                        <p:tgtEl>
+                                          <p:spTgt spid="82"/>
+                                        </p:tgtEl>
+                                        <p:attrNameLst>
+                                          <p:attrName>style.visibility</p:attrName>
+                                        </p:attrNameLst>
+                                      </p:cBhvr>
+                                      <p:to>
+                                        <p:strVal val="visible"/>
+                                      </p:to>
+                                    </p:set>
+                                    <p:anim calcmode="lin" valueType="num">
+                                      <p:cBhvr>
+                                        <p:cTn id="53" dur="500" fill="hold"/>
+                                        <p:tgtEl>
+                                          <p:spTgt spid="82"/>
+                                        </p:tgtEl>
+                                        <p:attrNameLst>
+                                          <p:attrName>ppt_w</p:attrName>
+                                        </p:attrNameLst>
+                                      </p:cBhvr>
+                                      <p:tavLst>
+                                        <p:tav tm="0">
+                                          <p:val>
+                                            <p:fltVal val="0"/>
+                                          </p:val>
+                                        </p:tav>
+                                        <p:tav tm="100000">
+                                          <p:val>
+                                            <p:strVal val="#ppt_w"/>
+                                          </p:val>
+                                        </p:tav>
+                                      </p:tavLst>
+                                    </p:anim>
+                                    <p:anim calcmode="lin" valueType="num">
+                                      <p:cBhvr>
+                                        <p:cTn id="54" dur="500" fill="hold"/>
+                                        <p:tgtEl>
+                                          <p:spTgt spid="82"/>
+                                        </p:tgtEl>
+                                        <p:attrNameLst>
+                                          <p:attrName>ppt_h</p:attrName>
+                                        </p:attrNameLst>
+                                      </p:cBhvr>
+                                      <p:tavLst>
+                                        <p:tav tm="0">
+                                          <p:val>
+                                            <p:fltVal val="0"/>
+                                          </p:val>
+                                        </p:tav>
+                                        <p:tav tm="100000">
+                                          <p:val>
+                                            <p:strVal val="#ppt_h"/>
+                                          </p:val>
+                                        </p:tav>
+                                      </p:tavLst>
+                                    </p:anim>
+                                    <p:animEffect transition="in" filter="fade">
+                                      <p:cBhvr>
+                                        <p:cTn id="55" dur="500"/>
+                                        <p:tgtEl>
+                                          <p:spTgt spid="82"/>
+                                        </p:tgtEl>
+                                      </p:cBhvr>
+                                    </p:animEffect>
+                                  </p:childTnLst>
+                                </p:cTn>
+                              </p:par>
+                            </p:childTnLst>
+                          </p:cTn>
+                        </p:par>
+                      </p:childTnLst>
+                    </p:cTn>
+                  </p:par>
+                </p:childTnLst>
+              </p:cTn>
+              <p:prevCondLst>
+                <p:cond evt="onPrev" delay="0">
+                  <p:tgtEl>
+                    <p:sldTgt/>
+                  </p:tgtEl>
+                </p:cond>
+              </p:prevCondLst>
+              <p:nextCondLst>
+                <p:cond evt="onNext" delay="0">
+                  <p:tgtEl>
+                    <p:sldTgt/>
+                  </p:tgtEl>
+                </p:cond>
+              </p:nextCondLst>
+            </p:seq>
+          </p:childTnLst>
+        </p:cTn>
+      </p:par>
+    </p:tnLst>
+  </p:timing>
+</p:sld>
+</file>
+
+<file path=ppt/slides/slide8.xml><?xml version="1.0" encoding="utf-8"?>
+<p:sld xmlns:a="http://schemas.openxmlformats.org/drawingml/2006/main" xmlns:r="http://schemas.openxmlformats.org/officeDocument/2006/relationships" xmlns:p="http://schemas.openxmlformats.org/presentationml/2006/main">
+  <p:cSld>
+    <p:spTree>
+      <p:nvGrpSpPr>
+        <p:cNvPr id="1" name=""/>
+        <p:cNvGrpSpPr/>
+        <p:nvPr/>
+      </p:nvGrpSpPr>
+      <p:grpSpPr>
+        <a:xfrm>
+          <a:off x="0" y="0"/>
+          <a:ext cx="0" cy="0"/>
+          <a:chOff x="0" y="0"/>
+          <a:chExt cx="0" cy="0"/>
+        </a:xfrm>
+      </p:grpSpPr>
+      <p:sp>
+        <p:nvSpPr>
+          <p:cNvPr id="2" name="Заголовок 1"/>
+          <p:cNvSpPr>
+            <a:spLocks noGrp="1"/>
+          </p:cNvSpPr>
+          <p:nvPr>
+            <p:ph type="title"/>
+          </p:nvPr>
+        </p:nvSpPr>
+        <p:spPr/>
+        <p:txBody>
+          <a:bodyPr/>
+          <a:lstStyle/>
+          <a:p>
+            <a:r>
+              <a:rPr lang="en-US" dirty="0"/>
+              <a:t>Disclaimer</a:t>
+            </a:r>
+          </a:p>
+        </p:txBody>
+      </p:sp>
+      <p:sp>
+        <p:nvSpPr>
+          <p:cNvPr id="3" name="Объект 2"/>
+          <p:cNvSpPr>
+            <a:spLocks noGrp="1"/>
+          </p:cNvSpPr>
+          <p:nvPr>
+            <p:ph idx="1"/>
+          </p:nvPr>
+        </p:nvSpPr>
+        <p:spPr>
+          <a:noFill/>
+        </p:spPr>
+        <p:txBody>
+          <a:bodyPr>
+            <a:normAutofit fontScale="85000" lnSpcReduction="20000"/>
+          </a:bodyPr>
+          <a:lstStyle/>
+          <a:p>
+            <a:pPr marL="0" indent="0">
+              <a:buNone/>
+            </a:pPr>
+            <a:r>
+              <a:rPr lang="ru-RU" dirty="0"/>
+              <a:t>Вашему вниманию представлен лишь принципы построения микросервисной архитектуры.</a:t>
+            </a:r>
+          </a:p>
+          <a:p>
+            <a:pPr marL="0" indent="0">
+              <a:buNone/>
+            </a:pPr>
+            <a:endParaRPr lang="ru-RU" dirty="0"/>
+          </a:p>
+          <a:p>
+            <a:pPr marL="0" indent="0">
+              <a:buNone/>
+            </a:pPr>
+            <a:r>
+              <a:rPr lang="ru-RU" dirty="0"/>
+              <a:t>Система микросервисов должна строиться в соответствии с требования заказчика (бизнес-правил).</a:t>
+            </a:r>
+          </a:p>
+          <a:p>
+            <a:pPr marL="0" indent="0">
+              <a:buNone/>
+            </a:pPr>
+            <a:endParaRPr lang="ru-RU" dirty="0"/>
+          </a:p>
+          <a:p>
+            <a:pPr marL="0" indent="0">
+              <a:buNone/>
+            </a:pPr>
+            <a:r>
+              <a:rPr lang="ru-RU" dirty="0"/>
+              <a:t>Количество модулей и их типы напрямую зависят от ваших потребностей (требований бизнеса).</a:t>
+            </a:r>
+          </a:p>
+          <a:p>
+            <a:pPr marL="0" indent="0">
+              <a:buNone/>
+            </a:pPr>
+            <a:endParaRPr lang="ru-RU" dirty="0"/>
+          </a:p>
+          <a:p>
+            <a:pPr marL="0" indent="0">
+              <a:buNone/>
+            </a:pPr>
+            <a:r>
+              <a:rPr lang="ru-RU" dirty="0"/>
+              <a:t>Представленные примеры реализации в виде шаблонов только для ознакомления, несмотря на то, что их можно использовать в реальных системах.</a:t>
+            </a:r>
+          </a:p>
+          <a:p>
+            <a:pPr marL="0" indent="0">
+              <a:buNone/>
+            </a:pPr>
+            <a:endParaRPr lang="ru-RU" dirty="0"/>
+          </a:p>
+          <a:p>
+            <a:pPr marL="0" indent="0">
+              <a:buNone/>
+            </a:pPr>
+            <a:endParaRPr lang="ru-RU" dirty="0"/>
+          </a:p>
+        </p:txBody>
+      </p:sp>
+      <p:sp>
+        <p:nvSpPr>
+          <p:cNvPr id="5" name="Номер слайда 4">
+            <a:extLst>
+              <a:ext uri="{FF2B5EF4-FFF2-40B4-BE49-F238E27FC236}">
+                <a16:creationId xmlns:a16="http://schemas.microsoft.com/office/drawing/2014/main" id="{A7F9CA83-090A-458E-8646-772D01BCC54F}"/>
+              </a:ext>
+            </a:extLst>
+          </p:cNvPr>
+          <p:cNvSpPr>
+            <a:spLocks noGrp="1"/>
+          </p:cNvSpPr>
+          <p:nvPr>
+            <p:ph type="sldNum" sz="quarter" idx="12"/>
+          </p:nvPr>
+        </p:nvSpPr>
+        <p:spPr>
+          <a:xfrm>
+            <a:off x="10729455" y="753227"/>
+            <a:ext cx="1154151" cy="1090789"/>
+          </a:xfrm>
+        </p:spPr>
+        <p:txBody>
+          <a:bodyPr/>
+          <a:lstStyle/>
+          <a:p>
+            <a:fld id="{356453D0-7C6D-4FAD-A87B-D4E72CD04107}" type="slidenum">
+              <a:rPr lang="en-US" smtClean="0"/>
+              <a:t>8</a:t>
+            </a:fld>
+            <a:endParaRPr lang="en-US" dirty="0"/>
+          </a:p>
+        </p:txBody>
+      </p:sp>
+    </p:spTree>
+    <p:extLst>
+      <p:ext uri="{BB962C8B-B14F-4D97-AF65-F5344CB8AC3E}">
+        <p14:creationId xmlns:p14="http://schemas.microsoft.com/office/powerpoint/2010/main" val="2248631839"/>
+      </p:ext>
+    </p:extLst>
+  </p:cSld>
+  <p:clrMapOvr>
+    <a:masterClrMapping/>
+  </p:clrMapOvr>
+  <p:transition spd="slow">
+    <p:cover/>
+  </p:transition>
+</p:sld>
+</file>
+
+<file path=ppt/slides/slide9.xml><?xml version="1.0" encoding="utf-8"?>
 <p:sld xmlns:a="http://schemas.openxmlformats.org/drawingml/2006/main" xmlns:r="http://schemas.openxmlformats.org/officeDocument/2006/relationships" xmlns:p="http://schemas.openxmlformats.org/presentationml/2006/main">
   <p:cSld>
     <p:spTree>
@@ -19516,18 +23319,16 @@
             </a:pPr>
             <a:r>
               <a:rPr lang="ru-RU" dirty="0"/>
-              <a:t>Коллеги, свои вопросы пишите в комментарии к видео, а также в моём блоге</a:t>
+              <a:t>Конструктивная критика приветствуется, поэтому, коллеги, вопросы и комментарии пишите к видео, а также в блоге</a:t>
             </a:r>
             <a:r>
               <a:rPr lang="en-US" dirty="0"/>
               <a:t>.</a:t>
             </a:r>
-          </a:p>
-          <a:p>
-            <a:pPr marL="0" indent="0">
-              <a:buNone/>
-            </a:pPr>
-            <a:endParaRPr lang="en-US" dirty="0"/>
+            <a:r>
+              <a:rPr lang="ru-RU" dirty="0"/>
+              <a:t> </a:t>
+            </a:r>
           </a:p>
           <a:p>
             <a:pPr marL="0" indent="0">
@@ -19535,22 +23336,7 @@
             </a:pPr>
             <a:r>
               <a:rPr lang="ru-RU" dirty="0"/>
-              <a:t>Конструктивная критика приветствуется.</a:t>
-            </a:r>
-          </a:p>
-          <a:p>
-            <a:pPr marL="0" indent="0">
-              <a:buNone/>
-            </a:pPr>
-            <a:endParaRPr lang="ru-RU" dirty="0"/>
-          </a:p>
-          <a:p>
-            <a:pPr marL="0" indent="0">
-              <a:buNone/>
-            </a:pPr>
-            <a:r>
-              <a:rPr lang="ru-RU" dirty="0"/>
-              <a:t>Презентация для данного видео доступна на </a:t>
+              <a:t>Данная презентация доступна на </a:t>
             </a:r>
             <a:r>
               <a:rPr lang="en-US" dirty="0"/>
@@ -19567,18 +23353,32 @@
             <a:pPr marL="0" indent="0">
               <a:buNone/>
             </a:pPr>
-            <a:r>
-              <a:rPr lang="ru-RU"/>
-              <a:t>Простого вам  </a:t>
-            </a:r>
-            <a:r>
-              <a:rPr lang="ru-RU" dirty="0" err="1"/>
-              <a:t>дебага</a:t>
-            </a:r>
+            <a:endParaRPr lang="ru-RU" dirty="0"/>
+          </a:p>
+          <a:p>
+            <a:pPr marL="0" indent="0">
+              <a:buNone/>
+            </a:pPr>
             <a:r>
               <a:rPr lang="ru-RU" dirty="0"/>
-              <a:t>!</a:t>
+              <a:t>Подпишитесь на канал и если вам понравилось видео поставьте </a:t>
             </a:r>
+          </a:p>
+          <a:p>
+            <a:pPr marL="0" indent="0">
+              <a:buNone/>
+            </a:pPr>
+            <a:endParaRPr lang="ru-RU" dirty="0"/>
+          </a:p>
+          <a:p>
+            <a:pPr marL="0" indent="0">
+              <a:buNone/>
+            </a:pPr>
+            <a:r>
+              <a:rPr lang="en-US" dirty="0"/>
+              <a:t>Easy debugging!</a:t>
+            </a:r>
+            <a:endParaRPr lang="ru-RU" dirty="0"/>
           </a:p>
         </p:txBody>
       </p:sp>
@@ -19610,7 +23410,7 @@
           <a:p>
             <a:fld id="{356453D0-7C6D-4FAD-A87B-D4E72CD04107}" type="slidenum">
               <a:rPr lang="en-US" smtClean="0"/>
-              <a:t>6</a:t>
+              <a:t>9</a:t>
             </a:fld>
             <a:endParaRPr lang="en-US" dirty="0"/>
           </a:p>
@@ -19631,7 +23431,7 @@
           <p:nvPr/>
         </p:nvPicPr>
         <p:blipFill>
-          <a:blip r:embed="rId2">
+          <a:blip r:embed="rId2" cstate="print">
             <a:extLst>
               <a:ext uri="{28A0092B-C50C-407E-A947-70E740481C1C}">
                 <a14:useLocalDpi xmlns:a14="http://schemas.microsoft.com/office/drawing/2010/main" val="0"/>
@@ -19647,8 +23447,8 @@
         </p:blipFill>
         <p:spPr>
           <a:xfrm flipH="1">
-            <a:off x="9420040" y="5268308"/>
-            <a:ext cx="874142" cy="836464"/>
+            <a:off x="9991540" y="4514793"/>
+            <a:ext cx="370975" cy="354985"/>
           </a:xfrm>
           <a:prstGeom prst="rect">
             <a:avLst/>
